--- a/Poster.pptx
+++ b/Poster.pptx
@@ -21,19 +21,26 @@
       <p:boldItalic r:id="rId7"/>
     </p:embeddedFont>
     <p:embeddedFont>
-      <p:font typeface="Segoe UI Historic" panose="020B0502040204020203" pitchFamily="34" charset="0"/>
+      <p:font typeface="Open Sans" pitchFamily="2" charset="0"/>
       <p:regular r:id="rId8"/>
+      <p:bold r:id="rId9"/>
+      <p:italic r:id="rId10"/>
+      <p:boldItalic r:id="rId11"/>
     </p:embeddedFont>
     <p:embeddedFont>
-      <p:font typeface="Titillium Web" panose="00000500000000000000" pitchFamily="2" charset="-70"/>
-      <p:regular r:id="rId9"/>
-      <p:bold r:id="rId10"/>
-      <p:italic r:id="rId11"/>
-      <p:boldItalic r:id="rId12"/>
+      <p:font typeface="Segoe UI Historic" panose="020B0502040204020203" pitchFamily="34" charset="0"/>
+      <p:regular r:id="rId12"/>
+    </p:embeddedFont>
+    <p:embeddedFont>
+      <p:font typeface="Titillium Web" panose="020B0604020202020204" charset="0"/>
+      <p:regular r:id="rId13"/>
+      <p:bold r:id="rId14"/>
+      <p:italic r:id="rId15"/>
+      <p:boldItalic r:id="rId16"/>
     </p:embeddedFont>
   </p:embeddedFontLst>
   <p:custDataLst>
-    <p:tags r:id="rId13"/>
+    <p:tags r:id="rId17"/>
   </p:custDataLst>
   <p:defaultTextStyle>
     <a:defPPr>
@@ -5520,8 +5527,8 @@
         </p:nvSpPr>
         <p:spPr>
           <a:xfrm>
-            <a:off x="11499932" y="7513379"/>
-            <a:ext cx="20886420" cy="14660821"/>
+            <a:off x="11499932" y="7513380"/>
+            <a:ext cx="20886420" cy="13196460"/>
           </a:xfrm>
           <a:prstGeom prst="rect">
             <a:avLst/>
@@ -5762,8 +5769,8 @@
         </p:nvSpPr>
         <p:spPr>
           <a:xfrm>
-            <a:off x="11487642" y="23274832"/>
-            <a:ext cx="20886420" cy="9033967"/>
+            <a:off x="11487642" y="21590516"/>
+            <a:ext cx="20886420" cy="10718284"/>
           </a:xfrm>
           <a:prstGeom prst="rect">
             <a:avLst/>
@@ -7839,7 +7846,7 @@
         </p:nvSpPr>
         <p:spPr bwMode="auto">
           <a:xfrm>
-            <a:off x="11499932" y="23174113"/>
+            <a:off x="11487642" y="21590515"/>
             <a:ext cx="20886420" cy="905087"/>
           </a:xfrm>
           <a:prstGeom prst="rect">
@@ -9083,7 +9090,7 @@
         <p:spPr bwMode="auto">
           <a:xfrm>
             <a:off x="11804732" y="9550738"/>
-            <a:ext cx="10217068" cy="12018675"/>
+            <a:ext cx="10217068" cy="11526232"/>
           </a:xfrm>
           <a:prstGeom prst="rect">
             <a:avLst/>
@@ -10918,23 +10925,247 @@
           </a:p>
           <a:p>
             <a:r>
-              <a:rPr lang="et-EE" sz="2800" dirty="0" err="1">
-                <a:latin typeface="Segoe UI Historic" panose="020B0502040204020203" pitchFamily="34" charset="0"/>
-                <a:ea typeface="Segoe UI Historic" panose="020B0502040204020203" pitchFamily="34" charset="0"/>
-                <a:cs typeface="Segoe UI Historic" panose="020B0502040204020203" pitchFamily="34" charset="0"/>
-              </a:rPr>
-              <a:t>Then</a:t>
-            </a:r>
-            <a:r>
-              <a:rPr lang="et-EE" sz="2800" dirty="0">
-                <a:latin typeface="Segoe UI Historic" panose="020B0502040204020203" pitchFamily="34" charset="0"/>
-                <a:ea typeface="Segoe UI Historic" panose="020B0502040204020203" pitchFamily="34" charset="0"/>
-                <a:cs typeface="Segoe UI Historic" panose="020B0502040204020203" pitchFamily="34" charset="0"/>
-              </a:rPr>
-              <a:t> </a:t>
-            </a:r>
-            <a:r>
-              <a:rPr lang="et-EE" sz="2800" dirty="0" err="1">
+              <a:rPr lang="en-US" sz="2800" b="1" dirty="0">
+                <a:latin typeface="Segoe UI Historic" panose="020B0502040204020203" pitchFamily="34" charset="0"/>
+                <a:ea typeface="Segoe UI Historic" panose="020B0502040204020203" pitchFamily="34" charset="0"/>
+                <a:cs typeface="Segoe UI Historic" panose="020B0502040204020203" pitchFamily="34" charset="0"/>
+              </a:rPr>
+              <a:t>W</a:t>
+            </a:r>
+            <a:r>
+              <a:rPr lang="et-EE" sz="2800" b="1" dirty="0">
+                <a:latin typeface="Segoe UI Historic" panose="020B0502040204020203" pitchFamily="34" charset="0"/>
+                <a:ea typeface="Segoe UI Historic" panose="020B0502040204020203" pitchFamily="34" charset="0"/>
+                <a:cs typeface="Segoe UI Historic" panose="020B0502040204020203" pitchFamily="34" charset="0"/>
+              </a:rPr>
+              <a:t>e </a:t>
+            </a:r>
+            <a:r>
+              <a:rPr lang="et-EE" sz="2800" b="1" dirty="0" err="1">
+                <a:latin typeface="Segoe UI Historic" panose="020B0502040204020203" pitchFamily="34" charset="0"/>
+                <a:ea typeface="Segoe UI Historic" panose="020B0502040204020203" pitchFamily="34" charset="0"/>
+                <a:cs typeface="Segoe UI Historic" panose="020B0502040204020203" pitchFamily="34" charset="0"/>
+              </a:rPr>
+              <a:t>decided</a:t>
+            </a:r>
+            <a:r>
+              <a:rPr lang="et-EE" sz="2800" b="1" dirty="0">
+                <a:latin typeface="Segoe UI Historic" panose="020B0502040204020203" pitchFamily="34" charset="0"/>
+                <a:ea typeface="Segoe UI Historic" panose="020B0502040204020203" pitchFamily="34" charset="0"/>
+                <a:cs typeface="Segoe UI Historic" panose="020B0502040204020203" pitchFamily="34" charset="0"/>
+              </a:rPr>
+              <a:t> </a:t>
+            </a:r>
+            <a:r>
+              <a:rPr lang="et-EE" sz="2800" b="1" dirty="0" err="1">
+                <a:latin typeface="Segoe UI Historic" panose="020B0502040204020203" pitchFamily="34" charset="0"/>
+                <a:ea typeface="Segoe UI Historic" panose="020B0502040204020203" pitchFamily="34" charset="0"/>
+                <a:cs typeface="Segoe UI Historic" panose="020B0502040204020203" pitchFamily="34" charset="0"/>
+              </a:rPr>
+              <a:t>to</a:t>
+            </a:r>
+            <a:r>
+              <a:rPr lang="et-EE" sz="2800" b="1" dirty="0">
+                <a:latin typeface="Segoe UI Historic" panose="020B0502040204020203" pitchFamily="34" charset="0"/>
+                <a:ea typeface="Segoe UI Historic" panose="020B0502040204020203" pitchFamily="34" charset="0"/>
+                <a:cs typeface="Segoe UI Historic" panose="020B0502040204020203" pitchFamily="34" charset="0"/>
+              </a:rPr>
+              <a:t> </a:t>
+            </a:r>
+            <a:r>
+              <a:rPr lang="et-EE" sz="2800" b="1" dirty="0" err="1">
+                <a:latin typeface="Segoe UI Historic" panose="020B0502040204020203" pitchFamily="34" charset="0"/>
+                <a:ea typeface="Segoe UI Historic" panose="020B0502040204020203" pitchFamily="34" charset="0"/>
+                <a:cs typeface="Segoe UI Historic" panose="020B0502040204020203" pitchFamily="34" charset="0"/>
+              </a:rPr>
+              <a:t>make</a:t>
+            </a:r>
+            <a:r>
+              <a:rPr lang="et-EE" sz="2800" b="1" dirty="0">
+                <a:latin typeface="Segoe UI Historic" panose="020B0502040204020203" pitchFamily="34" charset="0"/>
+                <a:ea typeface="Segoe UI Historic" panose="020B0502040204020203" pitchFamily="34" charset="0"/>
+                <a:cs typeface="Segoe UI Historic" panose="020B0502040204020203" pitchFamily="34" charset="0"/>
+              </a:rPr>
+              <a:t> </a:t>
+            </a:r>
+            <a:r>
+              <a:rPr lang="et-EE" sz="2800" b="1" dirty="0" err="1">
+                <a:latin typeface="Segoe UI Historic" panose="020B0502040204020203" pitchFamily="34" charset="0"/>
+                <a:ea typeface="Segoe UI Historic" panose="020B0502040204020203" pitchFamily="34" charset="0"/>
+                <a:cs typeface="Segoe UI Historic" panose="020B0502040204020203" pitchFamily="34" charset="0"/>
+              </a:rPr>
+              <a:t>models</a:t>
+            </a:r>
+            <a:r>
+              <a:rPr lang="et-EE" sz="2800" b="1" dirty="0">
+                <a:latin typeface="Segoe UI Historic" panose="020B0502040204020203" pitchFamily="34" charset="0"/>
+                <a:ea typeface="Segoe UI Historic" panose="020B0502040204020203" pitchFamily="34" charset="0"/>
+                <a:cs typeface="Segoe UI Historic" panose="020B0502040204020203" pitchFamily="34" charset="0"/>
+              </a:rPr>
+              <a:t> </a:t>
+            </a:r>
+            <a:r>
+              <a:rPr lang="et-EE" sz="2800" b="1" dirty="0" err="1">
+                <a:latin typeface="Segoe UI Historic" panose="020B0502040204020203" pitchFamily="34" charset="0"/>
+                <a:ea typeface="Segoe UI Historic" panose="020B0502040204020203" pitchFamily="34" charset="0"/>
+                <a:cs typeface="Segoe UI Historic" panose="020B0502040204020203" pitchFamily="34" charset="0"/>
+              </a:rPr>
+              <a:t>containing</a:t>
+            </a:r>
+            <a:r>
+              <a:rPr lang="et-EE" sz="2800" b="1" dirty="0">
+                <a:latin typeface="Segoe UI Historic" panose="020B0502040204020203" pitchFamily="34" charset="0"/>
+                <a:ea typeface="Segoe UI Historic" panose="020B0502040204020203" pitchFamily="34" charset="0"/>
+                <a:cs typeface="Segoe UI Historic" panose="020B0502040204020203" pitchFamily="34" charset="0"/>
+              </a:rPr>
+              <a:t> 2-15 </a:t>
+            </a:r>
+            <a:r>
+              <a:rPr lang="et-EE" sz="2800" b="1" dirty="0" err="1">
+                <a:latin typeface="Segoe UI Historic" panose="020B0502040204020203" pitchFamily="34" charset="0"/>
+                <a:ea typeface="Segoe UI Historic" panose="020B0502040204020203" pitchFamily="34" charset="0"/>
+                <a:cs typeface="Segoe UI Historic" panose="020B0502040204020203" pitchFamily="34" charset="0"/>
+              </a:rPr>
+              <a:t>attributes.There</a:t>
+            </a:r>
+            <a:r>
+              <a:rPr lang="et-EE" sz="2800" b="1" dirty="0">
+                <a:latin typeface="Segoe UI Historic" panose="020B0502040204020203" pitchFamily="34" charset="0"/>
+                <a:ea typeface="Segoe UI Historic" panose="020B0502040204020203" pitchFamily="34" charset="0"/>
+                <a:cs typeface="Segoe UI Historic" panose="020B0502040204020203" pitchFamily="34" charset="0"/>
+              </a:rPr>
+              <a:t> </a:t>
+            </a:r>
+            <a:r>
+              <a:rPr lang="et-EE" sz="2800" b="1" dirty="0" err="1">
+                <a:latin typeface="Segoe UI Historic" panose="020B0502040204020203" pitchFamily="34" charset="0"/>
+                <a:ea typeface="Segoe UI Historic" panose="020B0502040204020203" pitchFamily="34" charset="0"/>
+                <a:cs typeface="Segoe UI Historic" panose="020B0502040204020203" pitchFamily="34" charset="0"/>
+              </a:rPr>
+              <a:t>were</a:t>
+            </a:r>
+            <a:r>
+              <a:rPr lang="et-EE" sz="2800" b="1" dirty="0">
+                <a:latin typeface="Segoe UI Historic" panose="020B0502040204020203" pitchFamily="34" charset="0"/>
+                <a:ea typeface="Segoe UI Historic" panose="020B0502040204020203" pitchFamily="34" charset="0"/>
+                <a:cs typeface="Segoe UI Historic" panose="020B0502040204020203" pitchFamily="34" charset="0"/>
+              </a:rPr>
+              <a:t> too </a:t>
+            </a:r>
+            <a:r>
+              <a:rPr lang="et-EE" sz="2800" b="1" dirty="0" err="1">
+                <a:latin typeface="Segoe UI Historic" panose="020B0502040204020203" pitchFamily="34" charset="0"/>
+                <a:ea typeface="Segoe UI Historic" panose="020B0502040204020203" pitchFamily="34" charset="0"/>
+                <a:cs typeface="Segoe UI Historic" panose="020B0502040204020203" pitchFamily="34" charset="0"/>
+              </a:rPr>
+              <a:t>many</a:t>
+            </a:r>
+            <a:r>
+              <a:rPr lang="et-EE" sz="2800" b="1" dirty="0">
+                <a:latin typeface="Segoe UI Historic" panose="020B0502040204020203" pitchFamily="34" charset="0"/>
+                <a:ea typeface="Segoe UI Historic" panose="020B0502040204020203" pitchFamily="34" charset="0"/>
+                <a:cs typeface="Segoe UI Historic" panose="020B0502040204020203" pitchFamily="34" charset="0"/>
+              </a:rPr>
+              <a:t> </a:t>
+            </a:r>
+            <a:r>
+              <a:rPr lang="et-EE" sz="2800" b="1" dirty="0" err="1">
+                <a:latin typeface="Segoe UI Historic" panose="020B0502040204020203" pitchFamily="34" charset="0"/>
+                <a:ea typeface="Segoe UI Historic" panose="020B0502040204020203" pitchFamily="34" charset="0"/>
+                <a:cs typeface="Segoe UI Historic" panose="020B0502040204020203" pitchFamily="34" charset="0"/>
+              </a:rPr>
+              <a:t>attributes</a:t>
+            </a:r>
+            <a:r>
+              <a:rPr lang="et-EE" sz="2800" b="1" dirty="0">
+                <a:latin typeface="Segoe UI Historic" panose="020B0502040204020203" pitchFamily="34" charset="0"/>
+                <a:ea typeface="Segoe UI Historic" panose="020B0502040204020203" pitchFamily="34" charset="0"/>
+                <a:cs typeface="Segoe UI Historic" panose="020B0502040204020203" pitchFamily="34" charset="0"/>
+              </a:rPr>
+              <a:t> </a:t>
+            </a:r>
+            <a:r>
+              <a:rPr lang="et-EE" sz="2800" b="1" dirty="0" err="1">
+                <a:latin typeface="Segoe UI Historic" panose="020B0502040204020203" pitchFamily="34" charset="0"/>
+                <a:ea typeface="Segoe UI Historic" panose="020B0502040204020203" pitchFamily="34" charset="0"/>
+                <a:cs typeface="Segoe UI Historic" panose="020B0502040204020203" pitchFamily="34" charset="0"/>
+              </a:rPr>
+              <a:t>to</a:t>
+            </a:r>
+            <a:r>
+              <a:rPr lang="et-EE" sz="2800" b="1" dirty="0">
+                <a:latin typeface="Segoe UI Historic" panose="020B0502040204020203" pitchFamily="34" charset="0"/>
+                <a:ea typeface="Segoe UI Historic" panose="020B0502040204020203" pitchFamily="34" charset="0"/>
+                <a:cs typeface="Segoe UI Historic" panose="020B0502040204020203" pitchFamily="34" charset="0"/>
+              </a:rPr>
+              <a:t> do </a:t>
+            </a:r>
+            <a:r>
+              <a:rPr lang="et-EE" sz="2800" b="1" dirty="0" err="1">
+                <a:latin typeface="Segoe UI Historic" panose="020B0502040204020203" pitchFamily="34" charset="0"/>
+                <a:ea typeface="Segoe UI Historic" panose="020B0502040204020203" pitchFamily="34" charset="0"/>
+                <a:cs typeface="Segoe UI Historic" panose="020B0502040204020203" pitchFamily="34" charset="0"/>
+              </a:rPr>
+              <a:t>models</a:t>
+            </a:r>
+            <a:r>
+              <a:rPr lang="et-EE" sz="2800" b="1" dirty="0">
+                <a:latin typeface="Segoe UI Historic" panose="020B0502040204020203" pitchFamily="34" charset="0"/>
+                <a:ea typeface="Segoe UI Historic" panose="020B0502040204020203" pitchFamily="34" charset="0"/>
+                <a:cs typeface="Segoe UI Historic" panose="020B0502040204020203" pitchFamily="34" charset="0"/>
+              </a:rPr>
+              <a:t> </a:t>
+            </a:r>
+            <a:r>
+              <a:rPr lang="et-EE" sz="2800" b="1" dirty="0" err="1">
+                <a:latin typeface="Segoe UI Historic" panose="020B0502040204020203" pitchFamily="34" charset="0"/>
+                <a:ea typeface="Segoe UI Historic" panose="020B0502040204020203" pitchFamily="34" charset="0"/>
+                <a:cs typeface="Segoe UI Historic" panose="020B0502040204020203" pitchFamily="34" charset="0"/>
+              </a:rPr>
+              <a:t>for</a:t>
+            </a:r>
+            <a:r>
+              <a:rPr lang="et-EE" sz="2800" b="1" dirty="0">
+                <a:latin typeface="Segoe UI Historic" panose="020B0502040204020203" pitchFamily="34" charset="0"/>
+                <a:ea typeface="Segoe UI Historic" panose="020B0502040204020203" pitchFamily="34" charset="0"/>
+                <a:cs typeface="Segoe UI Historic" panose="020B0502040204020203" pitchFamily="34" charset="0"/>
+              </a:rPr>
+              <a:t> </a:t>
+            </a:r>
+            <a:r>
+              <a:rPr lang="et-EE" sz="2800" b="1" dirty="0" err="1">
+                <a:latin typeface="Segoe UI Historic" panose="020B0502040204020203" pitchFamily="34" charset="0"/>
+                <a:ea typeface="Segoe UI Historic" panose="020B0502040204020203" pitchFamily="34" charset="0"/>
+                <a:cs typeface="Segoe UI Historic" panose="020B0502040204020203" pitchFamily="34" charset="0"/>
+              </a:rPr>
+              <a:t>each</a:t>
+            </a:r>
+            <a:r>
+              <a:rPr lang="et-EE" sz="2800" b="1" dirty="0">
+                <a:latin typeface="Segoe UI Historic" panose="020B0502040204020203" pitchFamily="34" charset="0"/>
+                <a:ea typeface="Segoe UI Historic" panose="020B0502040204020203" pitchFamily="34" charset="0"/>
+                <a:cs typeface="Segoe UI Historic" panose="020B0502040204020203" pitchFamily="34" charset="0"/>
+              </a:rPr>
+              <a:t> </a:t>
+            </a:r>
+            <a:r>
+              <a:rPr lang="et-EE" sz="2800" b="1" dirty="0" err="1">
+                <a:latin typeface="Segoe UI Historic" panose="020B0502040204020203" pitchFamily="34" charset="0"/>
+                <a:ea typeface="Segoe UI Historic" panose="020B0502040204020203" pitchFamily="34" charset="0"/>
+                <a:cs typeface="Segoe UI Historic" panose="020B0502040204020203" pitchFamily="34" charset="0"/>
+              </a:rPr>
+              <a:t>permutation</a:t>
+            </a:r>
+            <a:r>
+              <a:rPr lang="et-EE" sz="2800" b="1" dirty="0">
+                <a:latin typeface="Segoe UI Historic" panose="020B0502040204020203" pitchFamily="34" charset="0"/>
+                <a:ea typeface="Segoe UI Historic" panose="020B0502040204020203" pitchFamily="34" charset="0"/>
+                <a:cs typeface="Segoe UI Historic" panose="020B0502040204020203" pitchFamily="34" charset="0"/>
+              </a:rPr>
+              <a:t> so </a:t>
+            </a:r>
+            <a:r>
+              <a:rPr lang="et-EE" sz="2800" b="1" dirty="0" err="1">
                 <a:latin typeface="Segoe UI Historic" panose="020B0502040204020203" pitchFamily="34" charset="0"/>
                 <a:ea typeface="Segoe UI Historic" panose="020B0502040204020203" pitchFamily="34" charset="0"/>
                 <a:cs typeface="Segoe UI Historic" panose="020B0502040204020203" pitchFamily="34" charset="0"/>
@@ -10942,143 +11173,143 @@
               <a:t>we</a:t>
             </a:r>
             <a:r>
-              <a:rPr lang="et-EE" sz="2800" dirty="0">
-                <a:latin typeface="Segoe UI Historic" panose="020B0502040204020203" pitchFamily="34" charset="0"/>
-                <a:ea typeface="Segoe UI Historic" panose="020B0502040204020203" pitchFamily="34" charset="0"/>
-                <a:cs typeface="Segoe UI Historic" panose="020B0502040204020203" pitchFamily="34" charset="0"/>
-              </a:rPr>
-              <a:t> </a:t>
-            </a:r>
-            <a:r>
-              <a:rPr lang="et-EE" sz="2800" dirty="0" err="1">
-                <a:latin typeface="Segoe UI Historic" panose="020B0502040204020203" pitchFamily="34" charset="0"/>
-                <a:ea typeface="Segoe UI Historic" panose="020B0502040204020203" pitchFamily="34" charset="0"/>
-                <a:cs typeface="Segoe UI Historic" panose="020B0502040204020203" pitchFamily="34" charset="0"/>
-              </a:rPr>
-              <a:t>decided</a:t>
-            </a:r>
-            <a:r>
-              <a:rPr lang="et-EE" sz="2800" dirty="0">
-                <a:latin typeface="Segoe UI Historic" panose="020B0502040204020203" pitchFamily="34" charset="0"/>
-                <a:ea typeface="Segoe UI Historic" panose="020B0502040204020203" pitchFamily="34" charset="0"/>
-                <a:cs typeface="Segoe UI Historic" panose="020B0502040204020203" pitchFamily="34" charset="0"/>
-              </a:rPr>
-              <a:t> </a:t>
-            </a:r>
-            <a:r>
-              <a:rPr lang="et-EE" sz="2800" dirty="0" err="1">
-                <a:latin typeface="Segoe UI Historic" panose="020B0502040204020203" pitchFamily="34" charset="0"/>
-                <a:ea typeface="Segoe UI Historic" panose="020B0502040204020203" pitchFamily="34" charset="0"/>
-                <a:cs typeface="Segoe UI Historic" panose="020B0502040204020203" pitchFamily="34" charset="0"/>
-              </a:rPr>
-              <a:t>to</a:t>
-            </a:r>
-            <a:r>
-              <a:rPr lang="et-EE" sz="2800" dirty="0">
-                <a:latin typeface="Segoe UI Historic" panose="020B0502040204020203" pitchFamily="34" charset="0"/>
-                <a:ea typeface="Segoe UI Historic" panose="020B0502040204020203" pitchFamily="34" charset="0"/>
-                <a:cs typeface="Segoe UI Historic" panose="020B0502040204020203" pitchFamily="34" charset="0"/>
-              </a:rPr>
-              <a:t> </a:t>
-            </a:r>
-            <a:r>
-              <a:rPr lang="et-EE" sz="2800" dirty="0" err="1">
-                <a:latin typeface="Segoe UI Historic" panose="020B0502040204020203" pitchFamily="34" charset="0"/>
-                <a:ea typeface="Segoe UI Historic" panose="020B0502040204020203" pitchFamily="34" charset="0"/>
-                <a:cs typeface="Segoe UI Historic" panose="020B0502040204020203" pitchFamily="34" charset="0"/>
-              </a:rPr>
-              <a:t>make</a:t>
-            </a:r>
-            <a:r>
-              <a:rPr lang="et-EE" sz="2800" dirty="0">
-                <a:latin typeface="Segoe UI Historic" panose="020B0502040204020203" pitchFamily="34" charset="0"/>
-                <a:ea typeface="Segoe UI Historic" panose="020B0502040204020203" pitchFamily="34" charset="0"/>
-                <a:cs typeface="Segoe UI Historic" panose="020B0502040204020203" pitchFamily="34" charset="0"/>
-              </a:rPr>
-              <a:t> </a:t>
-            </a:r>
-            <a:r>
-              <a:rPr lang="et-EE" sz="2800" dirty="0" err="1">
-                <a:latin typeface="Segoe UI Historic" panose="020B0502040204020203" pitchFamily="34" charset="0"/>
-                <a:ea typeface="Segoe UI Historic" panose="020B0502040204020203" pitchFamily="34" charset="0"/>
-                <a:cs typeface="Segoe UI Historic" panose="020B0502040204020203" pitchFamily="34" charset="0"/>
-              </a:rPr>
-              <a:t>models</a:t>
-            </a:r>
-            <a:r>
-              <a:rPr lang="et-EE" sz="2800" dirty="0">
-                <a:latin typeface="Segoe UI Historic" panose="020B0502040204020203" pitchFamily="34" charset="0"/>
-                <a:ea typeface="Segoe UI Historic" panose="020B0502040204020203" pitchFamily="34" charset="0"/>
-                <a:cs typeface="Segoe UI Historic" panose="020B0502040204020203" pitchFamily="34" charset="0"/>
-              </a:rPr>
-              <a:t> </a:t>
-            </a:r>
-            <a:r>
-              <a:rPr lang="et-EE" sz="2800" dirty="0" err="1">
-                <a:latin typeface="Segoe UI Historic" panose="020B0502040204020203" pitchFamily="34" charset="0"/>
-                <a:ea typeface="Segoe UI Historic" panose="020B0502040204020203" pitchFamily="34" charset="0"/>
-                <a:cs typeface="Segoe UI Historic" panose="020B0502040204020203" pitchFamily="34" charset="0"/>
-              </a:rPr>
-              <a:t>containing</a:t>
-            </a:r>
-            <a:r>
-              <a:rPr lang="et-EE" sz="2800" dirty="0">
-                <a:latin typeface="Segoe UI Historic" panose="020B0502040204020203" pitchFamily="34" charset="0"/>
-                <a:ea typeface="Segoe UI Historic" panose="020B0502040204020203" pitchFamily="34" charset="0"/>
-                <a:cs typeface="Segoe UI Historic" panose="020B0502040204020203" pitchFamily="34" charset="0"/>
-              </a:rPr>
-              <a:t> 2-15 </a:t>
-            </a:r>
-            <a:r>
-              <a:rPr lang="et-EE" sz="2800" dirty="0" err="1">
-                <a:latin typeface="Segoe UI Historic" panose="020B0502040204020203" pitchFamily="34" charset="0"/>
-                <a:ea typeface="Segoe UI Historic" panose="020B0502040204020203" pitchFamily="34" charset="0"/>
-                <a:cs typeface="Segoe UI Historic" panose="020B0502040204020203" pitchFamily="34" charset="0"/>
-              </a:rPr>
-              <a:t>attributes.There</a:t>
-            </a:r>
-            <a:r>
-              <a:rPr lang="et-EE" sz="2800" dirty="0">
-                <a:latin typeface="Segoe UI Historic" panose="020B0502040204020203" pitchFamily="34" charset="0"/>
-                <a:ea typeface="Segoe UI Historic" panose="020B0502040204020203" pitchFamily="34" charset="0"/>
-                <a:cs typeface="Segoe UI Historic" panose="020B0502040204020203" pitchFamily="34" charset="0"/>
-              </a:rPr>
-              <a:t> </a:t>
-            </a:r>
-            <a:r>
-              <a:rPr lang="et-EE" sz="2800" dirty="0" err="1">
-                <a:latin typeface="Segoe UI Historic" panose="020B0502040204020203" pitchFamily="34" charset="0"/>
-                <a:ea typeface="Segoe UI Historic" panose="020B0502040204020203" pitchFamily="34" charset="0"/>
-                <a:cs typeface="Segoe UI Historic" panose="020B0502040204020203" pitchFamily="34" charset="0"/>
-              </a:rPr>
-              <a:t>were</a:t>
-            </a:r>
-            <a:r>
-              <a:rPr lang="et-EE" sz="2800" dirty="0">
-                <a:latin typeface="Segoe UI Historic" panose="020B0502040204020203" pitchFamily="34" charset="0"/>
-                <a:ea typeface="Segoe UI Historic" panose="020B0502040204020203" pitchFamily="34" charset="0"/>
-                <a:cs typeface="Segoe UI Historic" panose="020B0502040204020203" pitchFamily="34" charset="0"/>
-              </a:rPr>
-              <a:t> too </a:t>
-            </a:r>
-            <a:r>
-              <a:rPr lang="et-EE" sz="2800" dirty="0" err="1">
-                <a:latin typeface="Segoe UI Historic" panose="020B0502040204020203" pitchFamily="34" charset="0"/>
-                <a:ea typeface="Segoe UI Historic" panose="020B0502040204020203" pitchFamily="34" charset="0"/>
-                <a:cs typeface="Segoe UI Historic" panose="020B0502040204020203" pitchFamily="34" charset="0"/>
-              </a:rPr>
-              <a:t>many</a:t>
-            </a:r>
-            <a:r>
-              <a:rPr lang="et-EE" sz="2800" dirty="0">
-                <a:latin typeface="Segoe UI Historic" panose="020B0502040204020203" pitchFamily="34" charset="0"/>
-                <a:ea typeface="Segoe UI Historic" panose="020B0502040204020203" pitchFamily="34" charset="0"/>
-                <a:cs typeface="Segoe UI Historic" panose="020B0502040204020203" pitchFamily="34" charset="0"/>
-              </a:rPr>
-              <a:t> </a:t>
-            </a:r>
-            <a:r>
-              <a:rPr lang="et-EE" sz="2800" dirty="0" err="1">
+              <a:rPr lang="et-EE" sz="2800" b="1" dirty="0">
+                <a:latin typeface="Segoe UI Historic" panose="020B0502040204020203" pitchFamily="34" charset="0"/>
+                <a:ea typeface="Segoe UI Historic" panose="020B0502040204020203" pitchFamily="34" charset="0"/>
+                <a:cs typeface="Segoe UI Historic" panose="020B0502040204020203" pitchFamily="34" charset="0"/>
+              </a:rPr>
+              <a:t> </a:t>
+            </a:r>
+            <a:r>
+              <a:rPr lang="et-EE" sz="2800" b="1" dirty="0" err="1">
+                <a:latin typeface="Segoe UI Historic" panose="020B0502040204020203" pitchFamily="34" charset="0"/>
+                <a:ea typeface="Segoe UI Historic" panose="020B0502040204020203" pitchFamily="34" charset="0"/>
+                <a:cs typeface="Segoe UI Historic" panose="020B0502040204020203" pitchFamily="34" charset="0"/>
+              </a:rPr>
+              <a:t>designed</a:t>
+            </a:r>
+            <a:r>
+              <a:rPr lang="et-EE" sz="2800" b="1" dirty="0">
+                <a:latin typeface="Segoe UI Historic" panose="020B0502040204020203" pitchFamily="34" charset="0"/>
+                <a:ea typeface="Segoe UI Historic" panose="020B0502040204020203" pitchFamily="34" charset="0"/>
+                <a:cs typeface="Segoe UI Historic" panose="020B0502040204020203" pitchFamily="34" charset="0"/>
+              </a:rPr>
+              <a:t> </a:t>
+            </a:r>
+            <a:r>
+              <a:rPr lang="et-EE" sz="2800" b="1" dirty="0" err="1">
+                <a:latin typeface="Segoe UI Historic" panose="020B0502040204020203" pitchFamily="34" charset="0"/>
+                <a:ea typeface="Segoe UI Historic" panose="020B0502040204020203" pitchFamily="34" charset="0"/>
+                <a:cs typeface="Segoe UI Historic" panose="020B0502040204020203" pitchFamily="34" charset="0"/>
+              </a:rPr>
+              <a:t>an</a:t>
+            </a:r>
+            <a:r>
+              <a:rPr lang="et-EE" sz="2800" b="1" dirty="0">
+                <a:latin typeface="Segoe UI Historic" panose="020B0502040204020203" pitchFamily="34" charset="0"/>
+                <a:ea typeface="Segoe UI Historic" panose="020B0502040204020203" pitchFamily="34" charset="0"/>
+                <a:cs typeface="Segoe UI Historic" panose="020B0502040204020203" pitchFamily="34" charset="0"/>
+              </a:rPr>
+              <a:t> </a:t>
+            </a:r>
+            <a:r>
+              <a:rPr lang="et-EE" sz="2800" b="1" dirty="0" err="1">
+                <a:latin typeface="Segoe UI Historic" panose="020B0502040204020203" pitchFamily="34" charset="0"/>
+                <a:ea typeface="Segoe UI Historic" panose="020B0502040204020203" pitchFamily="34" charset="0"/>
+                <a:cs typeface="Segoe UI Historic" panose="020B0502040204020203" pitchFamily="34" charset="0"/>
+              </a:rPr>
+              <a:t>algorithm</a:t>
+            </a:r>
+            <a:r>
+              <a:rPr lang="et-EE" sz="2800" b="1" dirty="0">
+                <a:latin typeface="Segoe UI Historic" panose="020B0502040204020203" pitchFamily="34" charset="0"/>
+                <a:ea typeface="Segoe UI Historic" panose="020B0502040204020203" pitchFamily="34" charset="0"/>
+                <a:cs typeface="Segoe UI Historic" panose="020B0502040204020203" pitchFamily="34" charset="0"/>
+              </a:rPr>
+              <a:t> (image 1) </a:t>
+            </a:r>
+            <a:r>
+              <a:rPr lang="et-EE" sz="2800" b="1" dirty="0" err="1">
+                <a:latin typeface="Segoe UI Historic" panose="020B0502040204020203" pitchFamily="34" charset="0"/>
+                <a:ea typeface="Segoe UI Historic" panose="020B0502040204020203" pitchFamily="34" charset="0"/>
+                <a:cs typeface="Segoe UI Historic" panose="020B0502040204020203" pitchFamily="34" charset="0"/>
+              </a:rPr>
+              <a:t>that</a:t>
+            </a:r>
+            <a:r>
+              <a:rPr lang="et-EE" sz="2800" b="1" dirty="0">
+                <a:latin typeface="Segoe UI Historic" panose="020B0502040204020203" pitchFamily="34" charset="0"/>
+                <a:ea typeface="Segoe UI Historic" panose="020B0502040204020203" pitchFamily="34" charset="0"/>
+                <a:cs typeface="Segoe UI Historic" panose="020B0502040204020203" pitchFamily="34" charset="0"/>
+              </a:rPr>
+              <a:t> </a:t>
+            </a:r>
+            <a:r>
+              <a:rPr lang="et-EE" sz="2800" b="1" dirty="0" err="1">
+                <a:latin typeface="Segoe UI Historic" panose="020B0502040204020203" pitchFamily="34" charset="0"/>
+                <a:ea typeface="Segoe UI Historic" panose="020B0502040204020203" pitchFamily="34" charset="0"/>
+                <a:cs typeface="Segoe UI Historic" panose="020B0502040204020203" pitchFamily="34" charset="0"/>
+              </a:rPr>
+              <a:t>guarantees</a:t>
+            </a:r>
+            <a:r>
+              <a:rPr lang="et-EE" sz="2800" b="1" dirty="0">
+                <a:latin typeface="Segoe UI Historic" panose="020B0502040204020203" pitchFamily="34" charset="0"/>
+                <a:ea typeface="Segoe UI Historic" panose="020B0502040204020203" pitchFamily="34" charset="0"/>
+                <a:cs typeface="Segoe UI Historic" panose="020B0502040204020203" pitchFamily="34" charset="0"/>
+              </a:rPr>
+              <a:t> </a:t>
+            </a:r>
+            <a:r>
+              <a:rPr lang="et-EE" sz="2800" b="1" dirty="0" err="1">
+                <a:latin typeface="Segoe UI Historic" panose="020B0502040204020203" pitchFamily="34" charset="0"/>
+                <a:ea typeface="Segoe UI Historic" panose="020B0502040204020203" pitchFamily="34" charset="0"/>
+                <a:cs typeface="Segoe UI Historic" panose="020B0502040204020203" pitchFamily="34" charset="0"/>
+              </a:rPr>
+              <a:t>that</a:t>
+            </a:r>
+            <a:r>
+              <a:rPr lang="et-EE" sz="2800" b="1" dirty="0">
+                <a:latin typeface="Segoe UI Historic" panose="020B0502040204020203" pitchFamily="34" charset="0"/>
+                <a:ea typeface="Segoe UI Historic" panose="020B0502040204020203" pitchFamily="34" charset="0"/>
+                <a:cs typeface="Segoe UI Historic" panose="020B0502040204020203" pitchFamily="34" charset="0"/>
+              </a:rPr>
+              <a:t> </a:t>
+            </a:r>
+            <a:r>
+              <a:rPr lang="et-EE" sz="2800" b="1" dirty="0" err="1">
+                <a:latin typeface="Segoe UI Historic" panose="020B0502040204020203" pitchFamily="34" charset="0"/>
+                <a:ea typeface="Segoe UI Historic" panose="020B0502040204020203" pitchFamily="34" charset="0"/>
+                <a:cs typeface="Segoe UI Historic" panose="020B0502040204020203" pitchFamily="34" charset="0"/>
+              </a:rPr>
+              <a:t>each</a:t>
+            </a:r>
+            <a:r>
+              <a:rPr lang="et-EE" sz="2800" b="1" dirty="0">
+                <a:latin typeface="Segoe UI Historic" panose="020B0502040204020203" pitchFamily="34" charset="0"/>
+                <a:ea typeface="Segoe UI Historic" panose="020B0502040204020203" pitchFamily="34" charset="0"/>
+                <a:cs typeface="Segoe UI Historic" panose="020B0502040204020203" pitchFamily="34" charset="0"/>
+              </a:rPr>
+              <a:t> </a:t>
+            </a:r>
+            <a:r>
+              <a:rPr lang="et-EE" sz="2800" b="1" dirty="0" err="1">
+                <a:latin typeface="Segoe UI Historic" panose="020B0502040204020203" pitchFamily="34" charset="0"/>
+                <a:ea typeface="Segoe UI Historic" panose="020B0502040204020203" pitchFamily="34" charset="0"/>
+                <a:cs typeface="Segoe UI Historic" panose="020B0502040204020203" pitchFamily="34" charset="0"/>
+              </a:rPr>
+              <a:t>two</a:t>
+            </a:r>
+            <a:r>
+              <a:rPr lang="et-EE" sz="2800" b="1" dirty="0">
+                <a:latin typeface="Segoe UI Historic" panose="020B0502040204020203" pitchFamily="34" charset="0"/>
+                <a:ea typeface="Segoe UI Historic" panose="020B0502040204020203" pitchFamily="34" charset="0"/>
+                <a:cs typeface="Segoe UI Historic" panose="020B0502040204020203" pitchFamily="34" charset="0"/>
+              </a:rPr>
+              <a:t> </a:t>
+            </a:r>
+            <a:r>
+              <a:rPr lang="et-EE" sz="2800" b="1" dirty="0" err="1">
                 <a:latin typeface="Segoe UI Historic" panose="020B0502040204020203" pitchFamily="34" charset="0"/>
                 <a:ea typeface="Segoe UI Historic" panose="020B0502040204020203" pitchFamily="34" charset="0"/>
                 <a:cs typeface="Segoe UI Historic" panose="020B0502040204020203" pitchFamily="34" charset="0"/>
@@ -11086,255 +11317,15 @@
               <a:t>attributes</a:t>
             </a:r>
             <a:r>
-              <a:rPr lang="et-EE" sz="2800" dirty="0">
-                <a:latin typeface="Segoe UI Historic" panose="020B0502040204020203" pitchFamily="34" charset="0"/>
-                <a:ea typeface="Segoe UI Historic" panose="020B0502040204020203" pitchFamily="34" charset="0"/>
-                <a:cs typeface="Segoe UI Historic" panose="020B0502040204020203" pitchFamily="34" charset="0"/>
-              </a:rPr>
-              <a:t> </a:t>
-            </a:r>
-            <a:r>
-              <a:rPr lang="et-EE" sz="2800" dirty="0" err="1">
-                <a:latin typeface="Segoe UI Historic" panose="020B0502040204020203" pitchFamily="34" charset="0"/>
-                <a:ea typeface="Segoe UI Historic" panose="020B0502040204020203" pitchFamily="34" charset="0"/>
-                <a:cs typeface="Segoe UI Historic" panose="020B0502040204020203" pitchFamily="34" charset="0"/>
-              </a:rPr>
-              <a:t>to</a:t>
-            </a:r>
-            <a:r>
-              <a:rPr lang="et-EE" sz="2800" dirty="0">
-                <a:latin typeface="Segoe UI Historic" panose="020B0502040204020203" pitchFamily="34" charset="0"/>
-                <a:ea typeface="Segoe UI Historic" panose="020B0502040204020203" pitchFamily="34" charset="0"/>
-                <a:cs typeface="Segoe UI Historic" panose="020B0502040204020203" pitchFamily="34" charset="0"/>
-              </a:rPr>
-              <a:t> do </a:t>
-            </a:r>
-            <a:r>
-              <a:rPr lang="et-EE" sz="2800" dirty="0" err="1">
-                <a:latin typeface="Segoe UI Historic" panose="020B0502040204020203" pitchFamily="34" charset="0"/>
-                <a:ea typeface="Segoe UI Historic" panose="020B0502040204020203" pitchFamily="34" charset="0"/>
-                <a:cs typeface="Segoe UI Historic" panose="020B0502040204020203" pitchFamily="34" charset="0"/>
-              </a:rPr>
-              <a:t>models</a:t>
-            </a:r>
-            <a:r>
-              <a:rPr lang="et-EE" sz="2800" dirty="0">
-                <a:latin typeface="Segoe UI Historic" panose="020B0502040204020203" pitchFamily="34" charset="0"/>
-                <a:ea typeface="Segoe UI Historic" panose="020B0502040204020203" pitchFamily="34" charset="0"/>
-                <a:cs typeface="Segoe UI Historic" panose="020B0502040204020203" pitchFamily="34" charset="0"/>
-              </a:rPr>
-              <a:t> </a:t>
-            </a:r>
-            <a:r>
-              <a:rPr lang="et-EE" sz="2800" dirty="0" err="1">
-                <a:latin typeface="Segoe UI Historic" panose="020B0502040204020203" pitchFamily="34" charset="0"/>
-                <a:ea typeface="Segoe UI Historic" panose="020B0502040204020203" pitchFamily="34" charset="0"/>
-                <a:cs typeface="Segoe UI Historic" panose="020B0502040204020203" pitchFamily="34" charset="0"/>
-              </a:rPr>
-              <a:t>for</a:t>
-            </a:r>
-            <a:r>
-              <a:rPr lang="et-EE" sz="2800" dirty="0">
-                <a:latin typeface="Segoe UI Historic" panose="020B0502040204020203" pitchFamily="34" charset="0"/>
-                <a:ea typeface="Segoe UI Historic" panose="020B0502040204020203" pitchFamily="34" charset="0"/>
-                <a:cs typeface="Segoe UI Historic" panose="020B0502040204020203" pitchFamily="34" charset="0"/>
-              </a:rPr>
-              <a:t> </a:t>
-            </a:r>
-            <a:r>
-              <a:rPr lang="et-EE" sz="2800" dirty="0" err="1">
-                <a:latin typeface="Segoe UI Historic" panose="020B0502040204020203" pitchFamily="34" charset="0"/>
-                <a:ea typeface="Segoe UI Historic" panose="020B0502040204020203" pitchFamily="34" charset="0"/>
-                <a:cs typeface="Segoe UI Historic" panose="020B0502040204020203" pitchFamily="34" charset="0"/>
-              </a:rPr>
-              <a:t>each</a:t>
-            </a:r>
-            <a:r>
-              <a:rPr lang="et-EE" sz="2800" dirty="0">
-                <a:latin typeface="Segoe UI Historic" panose="020B0502040204020203" pitchFamily="34" charset="0"/>
-                <a:ea typeface="Segoe UI Historic" panose="020B0502040204020203" pitchFamily="34" charset="0"/>
-                <a:cs typeface="Segoe UI Historic" panose="020B0502040204020203" pitchFamily="34" charset="0"/>
-              </a:rPr>
-              <a:t> </a:t>
-            </a:r>
-            <a:r>
-              <a:rPr lang="et-EE" sz="2800" dirty="0" err="1">
-                <a:latin typeface="Segoe UI Historic" panose="020B0502040204020203" pitchFamily="34" charset="0"/>
-                <a:ea typeface="Segoe UI Historic" panose="020B0502040204020203" pitchFamily="34" charset="0"/>
-                <a:cs typeface="Segoe UI Historic" panose="020B0502040204020203" pitchFamily="34" charset="0"/>
-              </a:rPr>
-              <a:t>permutation</a:t>
-            </a:r>
-            <a:r>
-              <a:rPr lang="et-EE" sz="2800" dirty="0">
-                <a:latin typeface="Segoe UI Historic" panose="020B0502040204020203" pitchFamily="34" charset="0"/>
-                <a:ea typeface="Segoe UI Historic" panose="020B0502040204020203" pitchFamily="34" charset="0"/>
-                <a:cs typeface="Segoe UI Historic" panose="020B0502040204020203" pitchFamily="34" charset="0"/>
-              </a:rPr>
-              <a:t> so </a:t>
-            </a:r>
-            <a:r>
-              <a:rPr lang="et-EE" sz="2800" dirty="0" err="1">
-                <a:latin typeface="Segoe UI Historic" panose="020B0502040204020203" pitchFamily="34" charset="0"/>
-                <a:ea typeface="Segoe UI Historic" panose="020B0502040204020203" pitchFamily="34" charset="0"/>
-                <a:cs typeface="Segoe UI Historic" panose="020B0502040204020203" pitchFamily="34" charset="0"/>
-              </a:rPr>
-              <a:t>we</a:t>
-            </a:r>
-            <a:r>
-              <a:rPr lang="et-EE" sz="2800" dirty="0">
-                <a:latin typeface="Segoe UI Historic" panose="020B0502040204020203" pitchFamily="34" charset="0"/>
-                <a:ea typeface="Segoe UI Historic" panose="020B0502040204020203" pitchFamily="34" charset="0"/>
-                <a:cs typeface="Segoe UI Historic" panose="020B0502040204020203" pitchFamily="34" charset="0"/>
-              </a:rPr>
-              <a:t> </a:t>
-            </a:r>
-            <a:r>
-              <a:rPr lang="et-EE" sz="2800" dirty="0" err="1">
-                <a:latin typeface="Segoe UI Historic" panose="020B0502040204020203" pitchFamily="34" charset="0"/>
-                <a:ea typeface="Segoe UI Historic" panose="020B0502040204020203" pitchFamily="34" charset="0"/>
-                <a:cs typeface="Segoe UI Historic" panose="020B0502040204020203" pitchFamily="34" charset="0"/>
-              </a:rPr>
-              <a:t>designed</a:t>
-            </a:r>
-            <a:r>
-              <a:rPr lang="et-EE" sz="2800" dirty="0">
-                <a:latin typeface="Segoe UI Historic" panose="020B0502040204020203" pitchFamily="34" charset="0"/>
-                <a:ea typeface="Segoe UI Historic" panose="020B0502040204020203" pitchFamily="34" charset="0"/>
-                <a:cs typeface="Segoe UI Historic" panose="020B0502040204020203" pitchFamily="34" charset="0"/>
-              </a:rPr>
-              <a:t> </a:t>
-            </a:r>
-            <a:r>
-              <a:rPr lang="et-EE" sz="2800" dirty="0" err="1">
-                <a:latin typeface="Segoe UI Historic" panose="020B0502040204020203" pitchFamily="34" charset="0"/>
-                <a:ea typeface="Segoe UI Historic" panose="020B0502040204020203" pitchFamily="34" charset="0"/>
-                <a:cs typeface="Segoe UI Historic" panose="020B0502040204020203" pitchFamily="34" charset="0"/>
-              </a:rPr>
-              <a:t>an</a:t>
-            </a:r>
-            <a:r>
-              <a:rPr lang="et-EE" sz="2800" dirty="0">
-                <a:latin typeface="Segoe UI Historic" panose="020B0502040204020203" pitchFamily="34" charset="0"/>
-                <a:ea typeface="Segoe UI Historic" panose="020B0502040204020203" pitchFamily="34" charset="0"/>
-                <a:cs typeface="Segoe UI Historic" panose="020B0502040204020203" pitchFamily="34" charset="0"/>
-              </a:rPr>
-              <a:t> </a:t>
-            </a:r>
-            <a:r>
-              <a:rPr lang="et-EE" sz="2800" dirty="0" err="1">
-                <a:latin typeface="Segoe UI Historic" panose="020B0502040204020203" pitchFamily="34" charset="0"/>
-                <a:ea typeface="Segoe UI Historic" panose="020B0502040204020203" pitchFamily="34" charset="0"/>
-                <a:cs typeface="Segoe UI Historic" panose="020B0502040204020203" pitchFamily="34" charset="0"/>
-              </a:rPr>
-              <a:t>algorithm</a:t>
-            </a:r>
-            <a:r>
-              <a:rPr lang="et-EE" sz="2800" dirty="0">
-                <a:latin typeface="Segoe UI Historic" panose="020B0502040204020203" pitchFamily="34" charset="0"/>
-                <a:ea typeface="Segoe UI Historic" panose="020B0502040204020203" pitchFamily="34" charset="0"/>
-                <a:cs typeface="Segoe UI Historic" panose="020B0502040204020203" pitchFamily="34" charset="0"/>
-              </a:rPr>
-              <a:t> (image 1) </a:t>
-            </a:r>
-            <a:r>
-              <a:rPr lang="et-EE" sz="2800" dirty="0" err="1">
-                <a:latin typeface="Segoe UI Historic" panose="020B0502040204020203" pitchFamily="34" charset="0"/>
-                <a:ea typeface="Segoe UI Historic" panose="020B0502040204020203" pitchFamily="34" charset="0"/>
-                <a:cs typeface="Segoe UI Historic" panose="020B0502040204020203" pitchFamily="34" charset="0"/>
-              </a:rPr>
-              <a:t>that</a:t>
-            </a:r>
-            <a:r>
-              <a:rPr lang="et-EE" sz="2800" dirty="0">
-                <a:latin typeface="Segoe UI Historic" panose="020B0502040204020203" pitchFamily="34" charset="0"/>
-                <a:ea typeface="Segoe UI Historic" panose="020B0502040204020203" pitchFamily="34" charset="0"/>
-                <a:cs typeface="Segoe UI Historic" panose="020B0502040204020203" pitchFamily="34" charset="0"/>
-              </a:rPr>
-              <a:t> </a:t>
-            </a:r>
-            <a:r>
-              <a:rPr lang="et-EE" sz="2800" dirty="0" err="1">
-                <a:latin typeface="Segoe UI Historic" panose="020B0502040204020203" pitchFamily="34" charset="0"/>
-                <a:ea typeface="Segoe UI Historic" panose="020B0502040204020203" pitchFamily="34" charset="0"/>
-                <a:cs typeface="Segoe UI Historic" panose="020B0502040204020203" pitchFamily="34" charset="0"/>
-              </a:rPr>
-              <a:t>guarantees</a:t>
-            </a:r>
-            <a:r>
-              <a:rPr lang="et-EE" sz="2800" dirty="0">
-                <a:latin typeface="Segoe UI Historic" panose="020B0502040204020203" pitchFamily="34" charset="0"/>
-                <a:ea typeface="Segoe UI Historic" panose="020B0502040204020203" pitchFamily="34" charset="0"/>
-                <a:cs typeface="Segoe UI Historic" panose="020B0502040204020203" pitchFamily="34" charset="0"/>
-              </a:rPr>
-              <a:t> </a:t>
-            </a:r>
-            <a:r>
-              <a:rPr lang="et-EE" sz="2800" dirty="0" err="1">
-                <a:latin typeface="Segoe UI Historic" panose="020B0502040204020203" pitchFamily="34" charset="0"/>
-                <a:ea typeface="Segoe UI Historic" panose="020B0502040204020203" pitchFamily="34" charset="0"/>
-                <a:cs typeface="Segoe UI Historic" panose="020B0502040204020203" pitchFamily="34" charset="0"/>
-              </a:rPr>
-              <a:t>that</a:t>
-            </a:r>
-            <a:r>
-              <a:rPr lang="et-EE" sz="2800" dirty="0">
-                <a:latin typeface="Segoe UI Historic" panose="020B0502040204020203" pitchFamily="34" charset="0"/>
-                <a:ea typeface="Segoe UI Historic" panose="020B0502040204020203" pitchFamily="34" charset="0"/>
-                <a:cs typeface="Segoe UI Historic" panose="020B0502040204020203" pitchFamily="34" charset="0"/>
-              </a:rPr>
-              <a:t> </a:t>
-            </a:r>
-            <a:r>
-              <a:rPr lang="et-EE" sz="2800" dirty="0" err="1">
-                <a:latin typeface="Segoe UI Historic" panose="020B0502040204020203" pitchFamily="34" charset="0"/>
-                <a:ea typeface="Segoe UI Historic" panose="020B0502040204020203" pitchFamily="34" charset="0"/>
-                <a:cs typeface="Segoe UI Historic" panose="020B0502040204020203" pitchFamily="34" charset="0"/>
-              </a:rPr>
-              <a:t>each</a:t>
-            </a:r>
-            <a:r>
-              <a:rPr lang="et-EE" sz="2800" dirty="0">
-                <a:latin typeface="Segoe UI Historic" panose="020B0502040204020203" pitchFamily="34" charset="0"/>
-                <a:ea typeface="Segoe UI Historic" panose="020B0502040204020203" pitchFamily="34" charset="0"/>
-                <a:cs typeface="Segoe UI Historic" panose="020B0502040204020203" pitchFamily="34" charset="0"/>
-              </a:rPr>
-              <a:t> </a:t>
-            </a:r>
-            <a:r>
-              <a:rPr lang="et-EE" sz="2800" dirty="0" err="1">
-                <a:latin typeface="Segoe UI Historic" panose="020B0502040204020203" pitchFamily="34" charset="0"/>
-                <a:ea typeface="Segoe UI Historic" panose="020B0502040204020203" pitchFamily="34" charset="0"/>
-                <a:cs typeface="Segoe UI Historic" panose="020B0502040204020203" pitchFamily="34" charset="0"/>
-              </a:rPr>
-              <a:t>two</a:t>
-            </a:r>
-            <a:r>
-              <a:rPr lang="et-EE" sz="2800" dirty="0">
-                <a:latin typeface="Segoe UI Historic" panose="020B0502040204020203" pitchFamily="34" charset="0"/>
-                <a:ea typeface="Segoe UI Historic" panose="020B0502040204020203" pitchFamily="34" charset="0"/>
-                <a:cs typeface="Segoe UI Historic" panose="020B0502040204020203" pitchFamily="34" charset="0"/>
-              </a:rPr>
-              <a:t> </a:t>
-            </a:r>
-            <a:r>
-              <a:rPr lang="et-EE" sz="2800" dirty="0" err="1">
-                <a:latin typeface="Segoe UI Historic" panose="020B0502040204020203" pitchFamily="34" charset="0"/>
-                <a:ea typeface="Segoe UI Historic" panose="020B0502040204020203" pitchFamily="34" charset="0"/>
-                <a:cs typeface="Segoe UI Historic" panose="020B0502040204020203" pitchFamily="34" charset="0"/>
-              </a:rPr>
-              <a:t>attributes</a:t>
-            </a:r>
-            <a:r>
-              <a:rPr lang="et-EE" sz="2800" dirty="0">
-                <a:latin typeface="Segoe UI Historic" panose="020B0502040204020203" pitchFamily="34" charset="0"/>
-                <a:ea typeface="Segoe UI Historic" panose="020B0502040204020203" pitchFamily="34" charset="0"/>
-                <a:cs typeface="Segoe UI Historic" panose="020B0502040204020203" pitchFamily="34" charset="0"/>
-              </a:rPr>
-              <a:t> </a:t>
-            </a:r>
-            <a:r>
-              <a:rPr lang="et-EE" sz="2800" dirty="0" err="1">
+              <a:rPr lang="et-EE" sz="2800" b="1" dirty="0">
+                <a:latin typeface="Segoe UI Historic" panose="020B0502040204020203" pitchFamily="34" charset="0"/>
+                <a:ea typeface="Segoe UI Historic" panose="020B0502040204020203" pitchFamily="34" charset="0"/>
+                <a:cs typeface="Segoe UI Historic" panose="020B0502040204020203" pitchFamily="34" charset="0"/>
+              </a:rPr>
+              <a:t> </a:t>
+            </a:r>
+            <a:r>
+              <a:rPr lang="et-EE" sz="2800" b="1" dirty="0" err="1">
                 <a:latin typeface="Segoe UI Historic" panose="020B0502040204020203" pitchFamily="34" charset="0"/>
                 <a:ea typeface="Segoe UI Historic" panose="020B0502040204020203" pitchFamily="34" charset="0"/>
                 <a:cs typeface="Segoe UI Historic" panose="020B0502040204020203" pitchFamily="34" charset="0"/>
@@ -11342,7 +11333,7 @@
               <a:t>appear</a:t>
             </a:r>
             <a:r>
-              <a:rPr lang="et-EE" sz="2800" dirty="0">
+              <a:rPr lang="et-EE" sz="2800" b="1" dirty="0">
                 <a:latin typeface="Segoe UI Historic" panose="020B0502040204020203" pitchFamily="34" charset="0"/>
                 <a:ea typeface="Segoe UI Historic" panose="020B0502040204020203" pitchFamily="34" charset="0"/>
                 <a:cs typeface="Segoe UI Historic" panose="020B0502040204020203" pitchFamily="34" charset="0"/>
@@ -11350,7 +11341,7 @@
               <a:t> in </a:t>
             </a:r>
             <a:r>
-              <a:rPr lang="et-EE" sz="2800" dirty="0" err="1">
+              <a:rPr lang="et-EE" sz="2800" b="1" dirty="0" err="1">
                 <a:latin typeface="Segoe UI Historic" panose="020B0502040204020203" pitchFamily="34" charset="0"/>
                 <a:ea typeface="Segoe UI Historic" panose="020B0502040204020203" pitchFamily="34" charset="0"/>
                 <a:cs typeface="Segoe UI Historic" panose="020B0502040204020203" pitchFamily="34" charset="0"/>
@@ -11358,15 +11349,15 @@
               <a:t>the</a:t>
             </a:r>
             <a:r>
-              <a:rPr lang="et-EE" sz="2800" dirty="0">
-                <a:latin typeface="Segoe UI Historic" panose="020B0502040204020203" pitchFamily="34" charset="0"/>
-                <a:ea typeface="Segoe UI Historic" panose="020B0502040204020203" pitchFamily="34" charset="0"/>
-                <a:cs typeface="Segoe UI Historic" panose="020B0502040204020203" pitchFamily="34" charset="0"/>
-              </a:rPr>
-              <a:t> </a:t>
-            </a:r>
-            <a:r>
-              <a:rPr lang="et-EE" sz="2800" dirty="0" err="1">
+              <a:rPr lang="et-EE" sz="2800" b="1" dirty="0">
+                <a:latin typeface="Segoe UI Historic" panose="020B0502040204020203" pitchFamily="34" charset="0"/>
+                <a:ea typeface="Segoe UI Historic" panose="020B0502040204020203" pitchFamily="34" charset="0"/>
+                <a:cs typeface="Segoe UI Historic" panose="020B0502040204020203" pitchFamily="34" charset="0"/>
+              </a:rPr>
+              <a:t> </a:t>
+            </a:r>
+            <a:r>
+              <a:rPr lang="et-EE" sz="2800" b="1" dirty="0" err="1">
                 <a:latin typeface="Segoe UI Historic" panose="020B0502040204020203" pitchFamily="34" charset="0"/>
                 <a:ea typeface="Segoe UI Historic" panose="020B0502040204020203" pitchFamily="34" charset="0"/>
                 <a:cs typeface="Segoe UI Historic" panose="020B0502040204020203" pitchFamily="34" charset="0"/>
@@ -11374,15 +11365,15 @@
               <a:t>same</a:t>
             </a:r>
             <a:r>
-              <a:rPr lang="et-EE" sz="2800" dirty="0">
-                <a:latin typeface="Segoe UI Historic" panose="020B0502040204020203" pitchFamily="34" charset="0"/>
-                <a:ea typeface="Segoe UI Historic" panose="020B0502040204020203" pitchFamily="34" charset="0"/>
-                <a:cs typeface="Segoe UI Historic" panose="020B0502040204020203" pitchFamily="34" charset="0"/>
-              </a:rPr>
-              <a:t> </a:t>
-            </a:r>
-            <a:r>
-              <a:rPr lang="et-EE" sz="2800" dirty="0" err="1">
+              <a:rPr lang="et-EE" sz="2800" b="1" dirty="0">
+                <a:latin typeface="Segoe UI Historic" panose="020B0502040204020203" pitchFamily="34" charset="0"/>
+                <a:ea typeface="Segoe UI Historic" panose="020B0502040204020203" pitchFamily="34" charset="0"/>
+                <a:cs typeface="Segoe UI Historic" panose="020B0502040204020203" pitchFamily="34" charset="0"/>
+              </a:rPr>
+              <a:t> </a:t>
+            </a:r>
+            <a:r>
+              <a:rPr lang="et-EE" sz="2800" b="1" dirty="0" err="1">
                 <a:latin typeface="Segoe UI Historic" panose="020B0502040204020203" pitchFamily="34" charset="0"/>
                 <a:ea typeface="Segoe UI Historic" panose="020B0502040204020203" pitchFamily="34" charset="0"/>
                 <a:cs typeface="Segoe UI Historic" panose="020B0502040204020203" pitchFamily="34" charset="0"/>
@@ -11390,7 +11381,7 @@
               <a:t>model</a:t>
             </a:r>
             <a:r>
-              <a:rPr lang="et-EE" sz="2800" dirty="0">
+              <a:rPr lang="et-EE" sz="2800" b="1" dirty="0">
                 <a:latin typeface="Segoe UI Historic" panose="020B0502040204020203" pitchFamily="34" charset="0"/>
                 <a:ea typeface="Segoe UI Historic" panose="020B0502040204020203" pitchFamily="34" charset="0"/>
                 <a:cs typeface="Segoe UI Historic" panose="020B0502040204020203" pitchFamily="34" charset="0"/>
@@ -11398,7 +11389,7 @@
               <a:t> at </a:t>
             </a:r>
             <a:r>
-              <a:rPr lang="et-EE" sz="2800" dirty="0" err="1">
+              <a:rPr lang="et-EE" sz="2800" b="1" dirty="0" err="1">
                 <a:latin typeface="Segoe UI Historic" panose="020B0502040204020203" pitchFamily="34" charset="0"/>
                 <a:ea typeface="Segoe UI Historic" panose="020B0502040204020203" pitchFamily="34" charset="0"/>
                 <a:cs typeface="Segoe UI Historic" panose="020B0502040204020203" pitchFamily="34" charset="0"/>
@@ -11406,15 +11397,15 @@
               <a:t>least</a:t>
             </a:r>
             <a:r>
-              <a:rPr lang="et-EE" sz="2800" dirty="0">
-                <a:latin typeface="Segoe UI Historic" panose="020B0502040204020203" pitchFamily="34" charset="0"/>
-                <a:ea typeface="Segoe UI Historic" panose="020B0502040204020203" pitchFamily="34" charset="0"/>
-                <a:cs typeface="Segoe UI Historic" panose="020B0502040204020203" pitchFamily="34" charset="0"/>
-              </a:rPr>
-              <a:t> </a:t>
-            </a:r>
-            <a:r>
-              <a:rPr lang="et-EE" sz="2800" dirty="0" err="1">
+              <a:rPr lang="et-EE" sz="2800" b="1" dirty="0">
+                <a:latin typeface="Segoe UI Historic" panose="020B0502040204020203" pitchFamily="34" charset="0"/>
+                <a:ea typeface="Segoe UI Historic" panose="020B0502040204020203" pitchFamily="34" charset="0"/>
+                <a:cs typeface="Segoe UI Historic" panose="020B0502040204020203" pitchFamily="34" charset="0"/>
+              </a:rPr>
+              <a:t> </a:t>
+            </a:r>
+            <a:r>
+              <a:rPr lang="et-EE" sz="2800" b="1" dirty="0" err="1">
                 <a:latin typeface="Segoe UI Historic" panose="020B0502040204020203" pitchFamily="34" charset="0"/>
                 <a:ea typeface="Segoe UI Historic" panose="020B0502040204020203" pitchFamily="34" charset="0"/>
                 <a:cs typeface="Segoe UI Historic" panose="020B0502040204020203" pitchFamily="34" charset="0"/>
@@ -11422,23 +11413,29 @@
               <a:t>once</a:t>
             </a:r>
             <a:r>
-              <a:rPr lang="et-EE" sz="2800" dirty="0">
+              <a:rPr lang="et-EE" sz="2800" b="1" dirty="0">
                 <a:latin typeface="Segoe UI Historic" panose="020B0502040204020203" pitchFamily="34" charset="0"/>
                 <a:ea typeface="Segoe UI Historic" panose="020B0502040204020203" pitchFamily="34" charset="0"/>
                 <a:cs typeface="Segoe UI Historic" panose="020B0502040204020203" pitchFamily="34" charset="0"/>
               </a:rPr>
               <a:t>.</a:t>
             </a:r>
-          </a:p>
-          <a:p>
-            <a:endParaRPr lang="et-EE" sz="2800" dirty="0">
+            <a:r>
+              <a:rPr lang="en-US" sz="2800" b="1" dirty="0">
+                <a:latin typeface="Segoe UI Historic" panose="020B0502040204020203" pitchFamily="34" charset="0"/>
+                <a:ea typeface="Segoe UI Historic" panose="020B0502040204020203" pitchFamily="34" charset="0"/>
+                <a:cs typeface="Segoe UI Historic" panose="020B0502040204020203" pitchFamily="34" charset="0"/>
+              </a:rPr>
+              <a:t> This strategy ended up producing the most accurate models.</a:t>
+            </a:r>
+            <a:endParaRPr lang="et-EE" sz="2800" b="1" dirty="0">
               <a:latin typeface="Segoe UI Historic" panose="020B0502040204020203" pitchFamily="34" charset="0"/>
               <a:ea typeface="Segoe UI Historic" panose="020B0502040204020203" pitchFamily="34" charset="0"/>
               <a:cs typeface="Segoe UI Historic" panose="020B0502040204020203" pitchFamily="34" charset="0"/>
             </a:endParaRPr>
           </a:p>
           <a:p>
-            <a:endParaRPr lang="et-EE" sz="3200" dirty="0">
+            <a:endParaRPr lang="et-EE" sz="2800" dirty="0">
               <a:latin typeface="Segoe UI Historic" panose="020B0502040204020203" pitchFamily="34" charset="0"/>
               <a:ea typeface="Segoe UI Historic" panose="020B0502040204020203" pitchFamily="34" charset="0"/>
               <a:cs typeface="Segoe UI Historic" panose="020B0502040204020203" pitchFamily="34" charset="0"/>
@@ -11814,8 +11811,8 @@
         </p:nvSpPr>
         <p:spPr bwMode="auto">
           <a:xfrm>
-            <a:off x="12274715" y="24820823"/>
-            <a:ext cx="8255867" cy="6170920"/>
+            <a:off x="11961526" y="23655745"/>
+            <a:ext cx="8255867" cy="7032694"/>
           </a:xfrm>
           <a:prstGeom prst="rect">
             <a:avLst/>
@@ -12181,6 +12178,13 @@
             </a:endParaRPr>
           </a:p>
           <a:p>
+            <a:endParaRPr lang="en-US" sz="2800" dirty="0">
+              <a:latin typeface="Segoe UI Historic" panose="020B0502040204020203" pitchFamily="34" charset="0"/>
+              <a:ea typeface="Segoe UI Historic" panose="020B0502040204020203" pitchFamily="34" charset="0"/>
+              <a:cs typeface="Segoe UI Historic" panose="020B0502040204020203" pitchFamily="34" charset="0"/>
+            </a:endParaRPr>
+          </a:p>
+          <a:p>
             <a:br>
               <a:rPr lang="en-US" sz="2800" dirty="0">
                 <a:latin typeface="Segoe UI Historic" panose="020B0502040204020203" pitchFamily="34" charset="0"/>
@@ -12215,6 +12219,15 @@
               </a:rPr>
               <a:t>% accuracy.</a:t>
             </a:r>
+          </a:p>
+          <a:p>
+            <a:endParaRPr lang="en-US" sz="2800" dirty="0">
+              <a:latin typeface="Segoe UI Historic" panose="020B0502040204020203" pitchFamily="34" charset="0"/>
+              <a:ea typeface="Segoe UI Historic" panose="020B0502040204020203" pitchFamily="34" charset="0"/>
+              <a:cs typeface="Segoe UI Historic" panose="020B0502040204020203" pitchFamily="34" charset="0"/>
+            </a:endParaRPr>
+          </a:p>
+          <a:p>
             <a:br>
               <a:rPr lang="en-US" sz="2800" dirty="0">
                 <a:latin typeface="Segoe UI Historic" panose="020B0502040204020203" pitchFamily="34" charset="0"/>
@@ -12229,15 +12242,16 @@
                 <a:ea typeface="Segoe UI Historic" panose="020B0502040204020203" pitchFamily="34" charset="0"/>
                 <a:cs typeface="Segoe UI Historic" panose="020B0502040204020203" pitchFamily="34" charset="0"/>
               </a:rPr>
-              <a:t>The better solution would be to count true positives and false ones and then divide true positives with all</a:t>
-            </a:r>
-            <a:br>
+              <a:t>The better </a:t>
+            </a:r>
+            <a:r>
               <a:rPr lang="en-US" sz="2800" dirty="0">
                 <a:latin typeface="Segoe UI Historic" panose="020B0502040204020203" pitchFamily="34" charset="0"/>
                 <a:ea typeface="Segoe UI Historic" panose="020B0502040204020203" pitchFamily="34" charset="0"/>
                 <a:cs typeface="Segoe UI Historic" panose="020B0502040204020203" pitchFamily="34" charset="0"/>
               </a:rPr>
-            </a:br>
+              <a:t>measurement</a:t>
+            </a:r>
             <a:r>
               <a:rPr lang="en-US" sz="2800" b="0" i="0" dirty="0">
                 <a:effectLst/>
@@ -12245,7 +12259,7 @@
                 <a:ea typeface="Segoe UI Historic" panose="020B0502040204020203" pitchFamily="34" charset="0"/>
                 <a:cs typeface="Segoe UI Historic" panose="020B0502040204020203" pitchFamily="34" charset="0"/>
               </a:rPr>
-              <a:t>predicted positive values.</a:t>
+              <a:t> would be precision - count true positives and false ones and then divide true positives with all predicted positive values.</a:t>
             </a:r>
             <a:endParaRPr lang="en-US" sz="2800" dirty="0">
               <a:latin typeface="Segoe UI Historic" panose="020B0502040204020203" pitchFamily="34" charset="0"/>
@@ -12270,7 +12284,7 @@
         <p:spPr>
           <a:xfrm>
             <a:off x="33384573" y="8656761"/>
-            <a:ext cx="9601200" cy="3539430"/>
+            <a:ext cx="9601200" cy="4832092"/>
           </a:xfrm>
           <a:prstGeom prst="rect">
             <a:avLst/>
@@ -13234,6 +13248,56 @@
               </a:rPr>
               <a:t>.</a:t>
             </a:r>
+            <a:endParaRPr lang="en-US" sz="2800" dirty="0">
+              <a:latin typeface="Titillium Web" panose="00000500000000000000" pitchFamily="2" charset="0"/>
+              <a:ea typeface="Open Sans" panose="020B0606030504020204" pitchFamily="34" charset="0"/>
+              <a:cs typeface="Open Sans" panose="020B0606030504020204" pitchFamily="34" charset="0"/>
+            </a:endParaRPr>
+          </a:p>
+          <a:p>
+            <a:endParaRPr lang="en-US" sz="2800" dirty="0">
+              <a:latin typeface="Titillium Web" panose="00000500000000000000" pitchFamily="2" charset="0"/>
+              <a:ea typeface="Open Sans" panose="020B0606030504020204" pitchFamily="34" charset="0"/>
+              <a:cs typeface="Open Sans" panose="020B0606030504020204" pitchFamily="34" charset="0"/>
+            </a:endParaRPr>
+          </a:p>
+          <a:p>
+            <a:endParaRPr lang="en-US" sz="2800" dirty="0">
+              <a:latin typeface="Titillium Web" panose="00000500000000000000" pitchFamily="2" charset="0"/>
+              <a:ea typeface="Open Sans" panose="020B0606030504020204" pitchFamily="34" charset="0"/>
+              <a:cs typeface="Open Sans" panose="020B0606030504020204" pitchFamily="34" charset="0"/>
+            </a:endParaRPr>
+          </a:p>
+          <a:p>
+            <a:r>
+              <a:rPr lang="en-US" sz="2800" dirty="0">
+                <a:latin typeface="Titillium Web" panose="00000500000000000000" pitchFamily="2" charset="0"/>
+                <a:ea typeface="Open Sans" panose="020B0606030504020204" pitchFamily="34" charset="0"/>
+                <a:cs typeface="Open Sans" panose="020B0606030504020204" pitchFamily="34" charset="0"/>
+              </a:rPr>
+              <a:t>Talk about how we </a:t>
+            </a:r>
+            <a:r>
+              <a:rPr lang="en-US" sz="2800" dirty="0" err="1">
+                <a:latin typeface="Titillium Web" panose="00000500000000000000" pitchFamily="2" charset="0"/>
+                <a:ea typeface="Open Sans" panose="020B0606030504020204" pitchFamily="34" charset="0"/>
+                <a:cs typeface="Open Sans" panose="020B0606030504020204" pitchFamily="34" charset="0"/>
+              </a:rPr>
+              <a:t>dont</a:t>
+            </a:r>
+            <a:r>
+              <a:rPr lang="en-US" sz="2800" dirty="0">
+                <a:latin typeface="Titillium Web" panose="00000500000000000000" pitchFamily="2" charset="0"/>
+                <a:ea typeface="Open Sans" panose="020B0606030504020204" pitchFamily="34" charset="0"/>
+                <a:cs typeface="Open Sans" panose="020B0606030504020204" pitchFamily="34" charset="0"/>
+              </a:rPr>
+              <a:t> need to do much</a:t>
+            </a:r>
+            <a:endParaRPr lang="et-EE" sz="2800" dirty="0">
+              <a:latin typeface="Titillium Web" panose="00000500000000000000" pitchFamily="2" charset="0"/>
+              <a:ea typeface="Open Sans" panose="020B0606030504020204" pitchFamily="34" charset="0"/>
+              <a:cs typeface="Open Sans" panose="020B0606030504020204" pitchFamily="34" charset="0"/>
+            </a:endParaRPr>
           </a:p>
         </p:txBody>
       </p:sp>
@@ -13456,7 +13520,7 @@
         </p:blipFill>
         <p:spPr>
           <a:xfrm>
-            <a:off x="20761638" y="24935094"/>
+            <a:off x="20686360" y="23376277"/>
             <a:ext cx="11493823" cy="1706570"/>
           </a:xfrm>
           <a:prstGeom prst="rect">
@@ -13595,6 +13659,115 @@
               <a:latin typeface="Segoe UI Historic" panose="020B0502040204020203" pitchFamily="34" charset="0"/>
               <a:ea typeface="Segoe UI Historic" panose="020B0502040204020203" pitchFamily="34" charset="0"/>
               <a:cs typeface="Segoe UI Historic" panose="020B0502040204020203" pitchFamily="34" charset="0"/>
+            </a:endParaRPr>
+          </a:p>
+        </p:txBody>
+      </p:sp>
+      <p:pic>
+        <p:nvPicPr>
+          <p:cNvPr id="6" name="Picture 5">
+            <a:extLst>
+              <a:ext uri="{FF2B5EF4-FFF2-40B4-BE49-F238E27FC236}">
+                <a16:creationId xmlns:a16="http://schemas.microsoft.com/office/drawing/2014/main" id="{C98DF5C7-E2F3-4C4F-883F-157F431A7026}"/>
+              </a:ext>
+            </a:extLst>
+          </p:cNvPr>
+          <p:cNvPicPr>
+            <a:picLocks noChangeAspect="1"/>
+          </p:cNvPicPr>
+          <p:nvPr/>
+        </p:nvPicPr>
+        <p:blipFill>
+          <a:blip r:embed="rId9">
+            <a:extLst>
+              <a:ext uri="{28A0092B-C50C-407E-A947-70E740481C1C}">
+                <a14:useLocalDpi xmlns:a14="http://schemas.microsoft.com/office/drawing/2010/main" val="0"/>
+              </a:ext>
+            </a:extLst>
+          </a:blip>
+          <a:stretch>
+            <a:fillRect/>
+          </a:stretch>
+        </p:blipFill>
+        <p:spPr>
+          <a:xfrm>
+            <a:off x="20785599" y="25399350"/>
+            <a:ext cx="9313401" cy="6275725"/>
+          </a:xfrm>
+          <a:prstGeom prst="rect">
+            <a:avLst/>
+          </a:prstGeom>
+        </p:spPr>
+      </p:pic>
+      <p:sp>
+        <p:nvSpPr>
+          <p:cNvPr id="8" name="Rectangle: Rounded Corners 7">
+            <a:extLst>
+              <a:ext uri="{FF2B5EF4-FFF2-40B4-BE49-F238E27FC236}">
+                <a16:creationId xmlns:a16="http://schemas.microsoft.com/office/drawing/2014/main" id="{ACAB94FE-6B5F-42EE-B55C-B7EDA91862E6}"/>
+              </a:ext>
+            </a:extLst>
+          </p:cNvPr>
+          <p:cNvSpPr/>
+          <p:nvPr/>
+        </p:nvSpPr>
+        <p:spPr bwMode="auto">
+          <a:xfrm>
+            <a:off x="11804732" y="15827400"/>
+            <a:ext cx="10140868" cy="2622548"/>
+          </a:xfrm>
+          <a:prstGeom prst="roundRect">
+            <a:avLst/>
+          </a:prstGeom>
+          <a:noFill/>
+          <a:ln w="57150" cap="flat" cmpd="sng" algn="ctr">
+            <a:solidFill>
+              <a:schemeClr val="accent6">
+                <a:lumMod val="60000"/>
+                <a:lumOff val="40000"/>
+              </a:schemeClr>
+            </a:solidFill>
+            <a:prstDash val="solid"/>
+            <a:round/>
+            <a:headEnd type="none" w="med" len="med"/>
+            <a:tailEnd type="none" w="med" len="med"/>
+          </a:ln>
+          <a:effectLst/>
+          <a:extLst/>
+        </p:spPr>
+        <p:txBody>
+          <a:bodyPr vert="horz" wrap="square" lIns="91440" tIns="45720" rIns="91440" bIns="45720" numCol="1" rtlCol="0" anchor="t" anchorCtr="0" compatLnSpc="1">
+            <a:prstTxWarp prst="textNoShape">
+              <a:avLst/>
+            </a:prstTxWarp>
+          </a:bodyPr>
+          <a:lstStyle/>
+          <a:p>
+            <a:pPr marL="0" marR="0" indent="0" algn="l" defTabSz="4703763" rtl="0" eaLnBrk="1" fontAlgn="base" latinLnBrk="0" hangingPunct="1">
+              <a:lnSpc>
+                <a:spcPct val="100000"/>
+              </a:lnSpc>
+              <a:spcBef>
+                <a:spcPct val="0"/>
+              </a:spcBef>
+              <a:spcAft>
+                <a:spcPct val="0"/>
+              </a:spcAft>
+              <a:buClrTx/>
+              <a:buSzTx/>
+              <a:buFontTx/>
+              <a:buNone/>
+              <a:tabLst/>
+            </a:pPr>
+            <a:endParaRPr kumimoji="0" lang="en-US" sz="3800" b="0" i="0" u="none" strike="noStrike" cap="none" normalizeH="0" baseline="0">
+              <a:ln>
+                <a:noFill/>
+              </a:ln>
+              <a:solidFill>
+                <a:schemeClr val="tx1"/>
+              </a:solidFill>
+              <a:effectLst/>
+              <a:latin typeface="Arial" charset="0"/>
             </a:endParaRPr>
           </a:p>
         </p:txBody>

--- a/Poster.pptx
+++ b/Poster.pptx
@@ -8831,7 +8831,7 @@
           </a:p>
           <a:p>
             <a:r>
-              <a:rPr lang="en-US" sz="2800" b="0" i="0" dirty="0">
+              <a:rPr lang="en-US" sz="2800" b="1" i="0" dirty="0">
                 <a:solidFill>
                   <a:srgbClr val="050505"/>
                 </a:solidFill>
@@ -8840,7 +8840,7 @@
               </a:rPr>
               <a:t>Our goal in this competition is to create a model that predicts the water quality in Estonian water stations with 90% accuracy.</a:t>
             </a:r>
-            <a:endParaRPr lang="en-US" sz="2800" dirty="0">
+            <a:endParaRPr lang="en-US" sz="2800" b="1" dirty="0">
               <a:latin typeface="Titillium Web" panose="00000500000000000000" pitchFamily="2" charset="0"/>
               <a:ea typeface="Open Sans" panose="020B0606030504020204" pitchFamily="34" charset="0"/>
               <a:cs typeface="Open Sans" panose="020B0606030504020204" pitchFamily="34" charset="0"/>
@@ -11811,8 +11811,8 @@
         </p:nvSpPr>
         <p:spPr bwMode="auto">
           <a:xfrm>
-            <a:off x="11961526" y="23655745"/>
-            <a:ext cx="8255867" cy="7032694"/>
+            <a:off x="11961526" y="24347729"/>
+            <a:ext cx="8255867" cy="6601807"/>
           </a:xfrm>
           <a:prstGeom prst="rect">
             <a:avLst/>
@@ -11957,7 +11957,7 @@
           </a:lstStyle>
           <a:p>
             <a:r>
-              <a:rPr lang="en-US" sz="2800" b="0" i="0" dirty="0">
+              <a:rPr lang="en-US" sz="2800" b="1" i="0" dirty="0">
                 <a:effectLst/>
                 <a:latin typeface="Segoe UI Historic" panose="020B0502040204020203" pitchFamily="34" charset="0"/>
                 <a:ea typeface="Segoe UI Historic" panose="020B0502040204020203" pitchFamily="34" charset="0"/>
@@ -11966,7 +11966,7 @@
               <a:t>We did not </a:t>
             </a:r>
             <a:r>
-              <a:rPr lang="en-US" sz="2800" b="0" i="0" dirty="0" err="1">
+              <a:rPr lang="en-US" sz="2800" b="1" i="0" dirty="0" err="1">
                 <a:effectLst/>
                 <a:latin typeface="Segoe UI Historic" panose="020B0502040204020203" pitchFamily="34" charset="0"/>
                 <a:ea typeface="Segoe UI Historic" panose="020B0502040204020203" pitchFamily="34" charset="0"/>
@@ -11975,7 +11975,7 @@
               <a:t>achi</a:t>
             </a:r>
             <a:r>
-              <a:rPr lang="et-EE" sz="2800" b="0" i="0" dirty="0">
+              <a:rPr lang="et-EE" sz="2800" b="1" i="0" dirty="0">
                 <a:effectLst/>
                 <a:latin typeface="Segoe UI Historic" panose="020B0502040204020203" pitchFamily="34" charset="0"/>
                 <a:ea typeface="Segoe UI Historic" panose="020B0502040204020203" pitchFamily="34" charset="0"/>
@@ -11984,7 +11984,7 @@
               <a:t>e</a:t>
             </a:r>
             <a:r>
-              <a:rPr lang="en-US" sz="2800" b="0" i="0" dirty="0" err="1">
+              <a:rPr lang="en-US" sz="2800" b="1" i="0" dirty="0" err="1">
                 <a:effectLst/>
                 <a:latin typeface="Segoe UI Historic" panose="020B0502040204020203" pitchFamily="34" charset="0"/>
                 <a:ea typeface="Segoe UI Historic" panose="020B0502040204020203" pitchFamily="34" charset="0"/>
@@ -11993,7 +11993,7 @@
               <a:t>ve</a:t>
             </a:r>
             <a:r>
-              <a:rPr lang="en-US" sz="2800" b="0" i="0" dirty="0">
+              <a:rPr lang="en-US" sz="2800" b="1" i="0" dirty="0">
                 <a:effectLst/>
                 <a:latin typeface="Segoe UI Historic" panose="020B0502040204020203" pitchFamily="34" charset="0"/>
                 <a:ea typeface="Segoe UI Historic" panose="020B0502040204020203" pitchFamily="34" charset="0"/>
@@ -12002,7 +12002,7 @@
               <a:t> our goal, as it was harder than expected,</a:t>
             </a:r>
             <a:r>
-              <a:rPr lang="et-EE" sz="2800" b="0" i="0" dirty="0">
+              <a:rPr lang="et-EE" sz="2800" b="1" i="0" dirty="0">
                 <a:effectLst/>
                 <a:latin typeface="Segoe UI Historic" panose="020B0502040204020203" pitchFamily="34" charset="0"/>
                 <a:ea typeface="Segoe UI Historic" panose="020B0502040204020203" pitchFamily="34" charset="0"/>
@@ -12011,7 +12011,7 @@
               <a:t> </a:t>
             </a:r>
             <a:r>
-              <a:rPr lang="et-EE" sz="2800" b="0" i="0" dirty="0" err="1">
+              <a:rPr lang="et-EE" sz="2800" b="1" i="0" dirty="0" err="1">
                 <a:effectLst/>
                 <a:latin typeface="Segoe UI Historic" panose="020B0502040204020203" pitchFamily="34" charset="0"/>
                 <a:ea typeface="Segoe UI Historic" panose="020B0502040204020203" pitchFamily="34" charset="0"/>
@@ -12020,7 +12020,7 @@
               <a:t>especially</a:t>
             </a:r>
             <a:r>
-              <a:rPr lang="et-EE" sz="2800" b="0" i="0" dirty="0">
+              <a:rPr lang="et-EE" sz="2800" b="1" i="0" dirty="0">
                 <a:effectLst/>
                 <a:latin typeface="Segoe UI Historic" panose="020B0502040204020203" pitchFamily="34" charset="0"/>
                 <a:ea typeface="Segoe UI Historic" panose="020B0502040204020203" pitchFamily="34" charset="0"/>
@@ -12029,7 +12029,7 @@
               <a:t> </a:t>
             </a:r>
             <a:r>
-              <a:rPr lang="et-EE" sz="2800" b="0" i="0" dirty="0" err="1">
+              <a:rPr lang="et-EE" sz="2800" b="1" i="0" dirty="0" err="1">
                 <a:effectLst/>
                 <a:latin typeface="Segoe UI Historic" panose="020B0502040204020203" pitchFamily="34" charset="0"/>
                 <a:ea typeface="Segoe UI Historic" panose="020B0502040204020203" pitchFamily="34" charset="0"/>
@@ -12038,7 +12038,7 @@
               <a:t>with</a:t>
             </a:r>
             <a:r>
-              <a:rPr lang="et-EE" sz="2800" b="0" i="0" dirty="0">
+              <a:rPr lang="et-EE" sz="2800" b="1" i="0" dirty="0">
                 <a:effectLst/>
                 <a:latin typeface="Segoe UI Historic" panose="020B0502040204020203" pitchFamily="34" charset="0"/>
                 <a:ea typeface="Segoe UI Historic" panose="020B0502040204020203" pitchFamily="34" charset="0"/>
@@ -12047,7 +12047,7 @@
               <a:t> </a:t>
             </a:r>
             <a:r>
-              <a:rPr lang="et-EE" sz="2800" b="0" i="0" dirty="0" err="1">
+              <a:rPr lang="et-EE" sz="2800" b="1" i="0" dirty="0" err="1">
                 <a:effectLst/>
                 <a:latin typeface="Segoe UI Historic" panose="020B0502040204020203" pitchFamily="34" charset="0"/>
                 <a:ea typeface="Segoe UI Historic" panose="020B0502040204020203" pitchFamily="34" charset="0"/>
@@ -12056,7 +12056,7 @@
               <a:t>the</a:t>
             </a:r>
             <a:r>
-              <a:rPr lang="et-EE" sz="2800" b="0" i="0" dirty="0">
+              <a:rPr lang="et-EE" sz="2800" b="1" i="0" dirty="0">
                 <a:effectLst/>
                 <a:latin typeface="Segoe UI Historic" panose="020B0502040204020203" pitchFamily="34" charset="0"/>
                 <a:ea typeface="Segoe UI Historic" panose="020B0502040204020203" pitchFamily="34" charset="0"/>
@@ -12065,7 +12065,7 @@
               <a:t> </a:t>
             </a:r>
             <a:r>
-              <a:rPr lang="et-EE" sz="2800" b="0" i="0" dirty="0" err="1">
+              <a:rPr lang="et-EE" sz="2800" b="1" i="0" dirty="0" err="1">
                 <a:effectLst/>
                 <a:latin typeface="Segoe UI Historic" panose="020B0502040204020203" pitchFamily="34" charset="0"/>
                 <a:ea typeface="Segoe UI Historic" panose="020B0502040204020203" pitchFamily="34" charset="0"/>
@@ -12074,7 +12074,7 @@
               <a:t>data</a:t>
             </a:r>
             <a:r>
-              <a:rPr lang="et-EE" sz="2800" b="0" i="0" dirty="0">
+              <a:rPr lang="et-EE" sz="2800" b="1" i="0" dirty="0">
                 <a:effectLst/>
                 <a:latin typeface="Segoe UI Historic" panose="020B0502040204020203" pitchFamily="34" charset="0"/>
                 <a:ea typeface="Segoe UI Historic" panose="020B0502040204020203" pitchFamily="34" charset="0"/>
@@ -12083,7 +12083,7 @@
               <a:t> </a:t>
             </a:r>
             <a:r>
-              <a:rPr lang="et-EE" sz="2800" b="0" i="0" dirty="0" err="1">
+              <a:rPr lang="et-EE" sz="2800" b="1" i="0" dirty="0" err="1">
                 <a:effectLst/>
                 <a:latin typeface="Segoe UI Historic" panose="020B0502040204020203" pitchFamily="34" charset="0"/>
                 <a:ea typeface="Segoe UI Historic" panose="020B0502040204020203" pitchFamily="34" charset="0"/>
@@ -12092,7 +12092,7 @@
               <a:t>given</a:t>
             </a:r>
             <a:r>
-              <a:rPr lang="et-EE" sz="2800" b="0" i="0" dirty="0">
+              <a:rPr lang="et-EE" sz="2800" b="1" i="0" dirty="0">
                 <a:effectLst/>
                 <a:latin typeface="Segoe UI Historic" panose="020B0502040204020203" pitchFamily="34" charset="0"/>
                 <a:ea typeface="Segoe UI Historic" panose="020B0502040204020203" pitchFamily="34" charset="0"/>
@@ -12101,7 +12101,7 @@
               <a:t>,</a:t>
             </a:r>
             <a:r>
-              <a:rPr lang="en-US" sz="2800" b="0" i="0" dirty="0">
+              <a:rPr lang="en-US" sz="2800" b="1" i="0" dirty="0">
                 <a:effectLst/>
                 <a:latin typeface="Segoe UI Historic" panose="020B0502040204020203" pitchFamily="34" charset="0"/>
                 <a:ea typeface="Segoe UI Historic" panose="020B0502040204020203" pitchFamily="34" charset="0"/>
@@ -12109,6 +12109,8 @@
               </a:rPr>
               <a:t> but we still managed to win the Kaggle competition.</a:t>
             </a:r>
+          </a:p>
+          <a:p>
             <a:br>
               <a:rPr lang="en-US" sz="2800" dirty="0">
                 <a:latin typeface="Segoe UI Historic" panose="020B0502040204020203" pitchFamily="34" charset="0"/>
@@ -12178,13 +12180,6 @@
             </a:endParaRPr>
           </a:p>
           <a:p>
-            <a:endParaRPr lang="en-US" sz="2800" dirty="0">
-              <a:latin typeface="Segoe UI Historic" panose="020B0502040204020203" pitchFamily="34" charset="0"/>
-              <a:ea typeface="Segoe UI Historic" panose="020B0502040204020203" pitchFamily="34" charset="0"/>
-              <a:cs typeface="Segoe UI Historic" panose="020B0502040204020203" pitchFamily="34" charset="0"/>
-            </a:endParaRPr>
-          </a:p>
-          <a:p>
             <a:br>
               <a:rPr lang="en-US" sz="2800" dirty="0">
                 <a:latin typeface="Segoe UI Historic" panose="020B0502040204020203" pitchFamily="34" charset="0"/>
@@ -12219,13 +12214,6 @@
               </a:rPr>
               <a:t>% accuracy.</a:t>
             </a:r>
-          </a:p>
-          <a:p>
-            <a:endParaRPr lang="en-US" sz="2800" dirty="0">
-              <a:latin typeface="Segoe UI Historic" panose="020B0502040204020203" pitchFamily="34" charset="0"/>
-              <a:ea typeface="Segoe UI Historic" panose="020B0502040204020203" pitchFamily="34" charset="0"/>
-              <a:cs typeface="Segoe UI Historic" panose="020B0502040204020203" pitchFamily="34" charset="0"/>
-            </a:endParaRPr>
           </a:p>
           <a:p>
             <a:br>
@@ -12284,7 +12272,7 @@
         <p:spPr>
           <a:xfrm>
             <a:off x="33384573" y="8656761"/>
-            <a:ext cx="9601200" cy="4832092"/>
+            <a:ext cx="9601200" cy="4401205"/>
           </a:xfrm>
           <a:prstGeom prst="rect">
             <a:avLst/>
@@ -12709,175 +12697,7 @@
                 <a:ea typeface="Open Sans" panose="020B0606030504020204" pitchFamily="34" charset="0"/>
                 <a:cs typeface="Open Sans" panose="020B0606030504020204" pitchFamily="34" charset="0"/>
               </a:rPr>
-              <a:t>, </a:t>
-            </a:r>
-            <a:r>
-              <a:rPr lang="et-EE" sz="2800" b="1" dirty="0" err="1">
-                <a:latin typeface="Titillium Web" panose="00000500000000000000" pitchFamily="2" charset="0"/>
-                <a:ea typeface="Open Sans" panose="020B0606030504020204" pitchFamily="34" charset="0"/>
-                <a:cs typeface="Open Sans" panose="020B0606030504020204" pitchFamily="34" charset="0"/>
-              </a:rPr>
-              <a:t>more</a:t>
-            </a:r>
-            <a:r>
-              <a:rPr lang="et-EE" sz="2800" b="1" dirty="0">
-                <a:latin typeface="Titillium Web" panose="00000500000000000000" pitchFamily="2" charset="0"/>
-                <a:ea typeface="Open Sans" panose="020B0606030504020204" pitchFamily="34" charset="0"/>
-                <a:cs typeface="Open Sans" panose="020B0606030504020204" pitchFamily="34" charset="0"/>
-              </a:rPr>
-              <a:t> </a:t>
-            </a:r>
-            <a:r>
-              <a:rPr lang="et-EE" sz="2800" b="1" dirty="0" err="1">
-                <a:latin typeface="Titillium Web" panose="00000500000000000000" pitchFamily="2" charset="0"/>
-                <a:ea typeface="Open Sans" panose="020B0606030504020204" pitchFamily="34" charset="0"/>
-                <a:cs typeface="Open Sans" panose="020B0606030504020204" pitchFamily="34" charset="0"/>
-              </a:rPr>
-              <a:t>contributement</a:t>
-            </a:r>
-            <a:r>
-              <a:rPr lang="et-EE" sz="2800" b="1" dirty="0">
-                <a:latin typeface="Titillium Web" panose="00000500000000000000" pitchFamily="2" charset="0"/>
-                <a:ea typeface="Open Sans" panose="020B0606030504020204" pitchFamily="34" charset="0"/>
-                <a:cs typeface="Open Sans" panose="020B0606030504020204" pitchFamily="34" charset="0"/>
-              </a:rPr>
-              <a:t> </a:t>
-            </a:r>
-            <a:r>
-              <a:rPr lang="et-EE" sz="2800" b="1" dirty="0" err="1">
-                <a:latin typeface="Titillium Web" panose="00000500000000000000" pitchFamily="2" charset="0"/>
-                <a:ea typeface="Open Sans" panose="020B0606030504020204" pitchFamily="34" charset="0"/>
-                <a:cs typeface="Open Sans" panose="020B0606030504020204" pitchFamily="34" charset="0"/>
-              </a:rPr>
-              <a:t>from</a:t>
-            </a:r>
-            <a:r>
-              <a:rPr lang="et-EE" sz="2800" b="1" dirty="0">
-                <a:latin typeface="Titillium Web" panose="00000500000000000000" pitchFamily="2" charset="0"/>
-                <a:ea typeface="Open Sans" panose="020B0606030504020204" pitchFamily="34" charset="0"/>
-                <a:cs typeface="Open Sans" panose="020B0606030504020204" pitchFamily="34" charset="0"/>
-              </a:rPr>
-              <a:t> </a:t>
-            </a:r>
-            <a:r>
-              <a:rPr lang="et-EE" sz="2800" b="1" dirty="0" err="1">
-                <a:latin typeface="Titillium Web" panose="00000500000000000000" pitchFamily="2" charset="0"/>
-                <a:ea typeface="Open Sans" panose="020B0606030504020204" pitchFamily="34" charset="0"/>
-                <a:cs typeface="Open Sans" panose="020B0606030504020204" pitchFamily="34" charset="0"/>
-              </a:rPr>
-              <a:t>certain</a:t>
-            </a:r>
-            <a:r>
-              <a:rPr lang="et-EE" sz="2800" b="1" dirty="0">
-                <a:latin typeface="Titillium Web" panose="00000500000000000000" pitchFamily="2" charset="0"/>
-                <a:ea typeface="Open Sans" panose="020B0606030504020204" pitchFamily="34" charset="0"/>
-                <a:cs typeface="Open Sans" panose="020B0606030504020204" pitchFamily="34" charset="0"/>
-              </a:rPr>
-              <a:t> </a:t>
-            </a:r>
-            <a:r>
-              <a:rPr lang="et-EE" sz="2800" b="1" dirty="0" err="1">
-                <a:latin typeface="Titillium Web" panose="00000500000000000000" pitchFamily="2" charset="0"/>
-                <a:ea typeface="Open Sans" panose="020B0606030504020204" pitchFamily="34" charset="0"/>
-                <a:cs typeface="Open Sans" panose="020B0606030504020204" pitchFamily="34" charset="0"/>
-              </a:rPr>
-              <a:t>team</a:t>
-            </a:r>
-            <a:r>
-              <a:rPr lang="et-EE" sz="2800" b="1" dirty="0">
-                <a:latin typeface="Titillium Web" panose="00000500000000000000" pitchFamily="2" charset="0"/>
-                <a:ea typeface="Open Sans" panose="020B0606030504020204" pitchFamily="34" charset="0"/>
-                <a:cs typeface="Open Sans" panose="020B0606030504020204" pitchFamily="34" charset="0"/>
-              </a:rPr>
-              <a:t> </a:t>
-            </a:r>
-            <a:r>
-              <a:rPr lang="et-EE" sz="2800" b="1" dirty="0" err="1">
-                <a:latin typeface="Titillium Web" panose="00000500000000000000" pitchFamily="2" charset="0"/>
-                <a:ea typeface="Open Sans" panose="020B0606030504020204" pitchFamily="34" charset="0"/>
-                <a:cs typeface="Open Sans" panose="020B0606030504020204" pitchFamily="34" charset="0"/>
-              </a:rPr>
-              <a:t>members</a:t>
-            </a:r>
-            <a:r>
-              <a:rPr lang="et-EE" sz="2800" b="1" dirty="0">
-                <a:latin typeface="Titillium Web" panose="00000500000000000000" pitchFamily="2" charset="0"/>
-                <a:ea typeface="Open Sans" panose="020B0606030504020204" pitchFamily="34" charset="0"/>
-                <a:cs typeface="Open Sans" panose="020B0606030504020204" pitchFamily="34" charset="0"/>
-              </a:rPr>
-              <a:t> </a:t>
-            </a:r>
-            <a:r>
-              <a:rPr lang="et-EE" sz="2800" b="1" dirty="0" err="1">
-                <a:latin typeface="Titillium Web" panose="00000500000000000000" pitchFamily="2" charset="0"/>
-                <a:ea typeface="Open Sans" panose="020B0606030504020204" pitchFamily="34" charset="0"/>
-                <a:cs typeface="Open Sans" panose="020B0606030504020204" pitchFamily="34" charset="0"/>
-              </a:rPr>
-              <a:t>starting</a:t>
-            </a:r>
-            <a:r>
-              <a:rPr lang="et-EE" sz="2800" b="1" dirty="0">
-                <a:latin typeface="Titillium Web" panose="00000500000000000000" pitchFamily="2" charset="0"/>
-                <a:ea typeface="Open Sans" panose="020B0606030504020204" pitchFamily="34" charset="0"/>
-                <a:cs typeface="Open Sans" panose="020B0606030504020204" pitchFamily="34" charset="0"/>
-              </a:rPr>
-              <a:t> </a:t>
-            </a:r>
-            <a:r>
-              <a:rPr lang="et-EE" sz="2800" b="1" dirty="0" err="1">
-                <a:latin typeface="Titillium Web" panose="00000500000000000000" pitchFamily="2" charset="0"/>
-                <a:ea typeface="Open Sans" panose="020B0606030504020204" pitchFamily="34" charset="0"/>
-                <a:cs typeface="Open Sans" panose="020B0606030504020204" pitchFamily="34" charset="0"/>
-              </a:rPr>
-              <a:t>with</a:t>
-            </a:r>
-            <a:r>
-              <a:rPr lang="et-EE" sz="2800" b="1" dirty="0">
-                <a:latin typeface="Titillium Web" panose="00000500000000000000" pitchFamily="2" charset="0"/>
-                <a:ea typeface="Open Sans" panose="020B0606030504020204" pitchFamily="34" charset="0"/>
-                <a:cs typeface="Open Sans" panose="020B0606030504020204" pitchFamily="34" charset="0"/>
-              </a:rPr>
-              <a:t> </a:t>
-            </a:r>
-            <a:r>
-              <a:rPr lang="et-EE" sz="2800" b="1" dirty="0" err="1">
-                <a:latin typeface="Titillium Web" panose="00000500000000000000" pitchFamily="2" charset="0"/>
-                <a:ea typeface="Open Sans" panose="020B0606030504020204" pitchFamily="34" charset="0"/>
-                <a:cs typeface="Open Sans" panose="020B0606030504020204" pitchFamily="34" charset="0"/>
-              </a:rPr>
-              <a:t>the</a:t>
-            </a:r>
-            <a:r>
-              <a:rPr lang="et-EE" sz="2800" b="1" dirty="0">
-                <a:latin typeface="Titillium Web" panose="00000500000000000000" pitchFamily="2" charset="0"/>
-                <a:ea typeface="Open Sans" panose="020B0606030504020204" pitchFamily="34" charset="0"/>
-                <a:cs typeface="Open Sans" panose="020B0606030504020204" pitchFamily="34" charset="0"/>
-              </a:rPr>
-              <a:t> </a:t>
-            </a:r>
-            <a:r>
-              <a:rPr lang="et-EE" sz="2800" b="1" dirty="0" err="1">
-                <a:latin typeface="Titillium Web" panose="00000500000000000000" pitchFamily="2" charset="0"/>
-                <a:ea typeface="Open Sans" panose="020B0606030504020204" pitchFamily="34" charset="0"/>
-                <a:cs typeface="Open Sans" panose="020B0606030504020204" pitchFamily="34" charset="0"/>
-              </a:rPr>
-              <a:t>letter</a:t>
-            </a:r>
-            <a:r>
-              <a:rPr lang="et-EE" sz="2800" b="1" dirty="0">
-                <a:latin typeface="Titillium Web" panose="00000500000000000000" pitchFamily="2" charset="0"/>
-                <a:ea typeface="Open Sans" panose="020B0606030504020204" pitchFamily="34" charset="0"/>
-                <a:cs typeface="Open Sans" panose="020B0606030504020204" pitchFamily="34" charset="0"/>
-              </a:rPr>
-              <a:t> H </a:t>
-            </a:r>
-            <a:r>
-              <a:rPr lang="et-EE" sz="2800" dirty="0">
-                <a:latin typeface="Titillium Web" panose="00000500000000000000" pitchFamily="2" charset="0"/>
-                <a:ea typeface="Open Sans" panose="020B0606030504020204" pitchFamily="34" charset="0"/>
-                <a:cs typeface="Open Sans" panose="020B0606030504020204" pitchFamily="34" charset="0"/>
-              </a:rPr>
-              <a:t>and </a:t>
+              <a:t>, and </a:t>
             </a:r>
             <a:r>
               <a:rPr lang="et-EE" sz="2800" dirty="0" err="1">
@@ -13528,42 +13348,6 @@
           </a:prstGeom>
         </p:spPr>
       </p:pic>
-      <p:pic>
-        <p:nvPicPr>
-          <p:cNvPr id="9" name="Picture 8" descr="Diagram&#10;&#10;Description automatically generated with medium confidence">
-            <a:extLst>
-              <a:ext uri="{FF2B5EF4-FFF2-40B4-BE49-F238E27FC236}">
-                <a16:creationId xmlns:a16="http://schemas.microsoft.com/office/drawing/2014/main" id="{0249406E-0052-77BA-E532-60624616678A}"/>
-              </a:ext>
-            </a:extLst>
-          </p:cNvPr>
-          <p:cNvPicPr>
-            <a:picLocks noChangeAspect="1"/>
-          </p:cNvPicPr>
-          <p:nvPr/>
-        </p:nvPicPr>
-        <p:blipFill>
-          <a:blip r:embed="rId8">
-            <a:extLst>
-              <a:ext uri="{28A0092B-C50C-407E-A947-70E740481C1C}">
-                <a14:useLocalDpi xmlns:a14="http://schemas.microsoft.com/office/drawing/2010/main" val="0"/>
-              </a:ext>
-            </a:extLst>
-          </a:blip>
-          <a:stretch>
-            <a:fillRect/>
-          </a:stretch>
-        </p:blipFill>
-        <p:spPr>
-          <a:xfrm>
-            <a:off x="22326600" y="9520069"/>
-            <a:ext cx="9615875" cy="2954537"/>
-          </a:xfrm>
-          <a:prstGeom prst="rect">
-            <a:avLst/>
-          </a:prstGeom>
-        </p:spPr>
-      </p:pic>
       <p:sp>
         <p:nvSpPr>
           <p:cNvPr id="10" name="TextBox 9">
@@ -13578,7 +13362,7 @@
         </p:nvSpPr>
         <p:spPr>
           <a:xfrm>
-            <a:off x="22326600" y="12388056"/>
+            <a:off x="29184600" y="18609258"/>
             <a:ext cx="1828800" cy="461665"/>
           </a:xfrm>
           <a:prstGeom prst="rect">
@@ -13678,7 +13462,7 @@
           <p:nvPr/>
         </p:nvPicPr>
         <p:blipFill>
-          <a:blip r:embed="rId9">
+          <a:blip r:embed="rId8">
             <a:extLst>
               <a:ext uri="{28A0092B-C50C-407E-A947-70E740481C1C}">
                 <a14:useLocalDpi xmlns:a14="http://schemas.microsoft.com/office/drawing/2010/main" val="0"/>
@@ -13715,6 +13499,188 @@
           <a:xfrm>
             <a:off x="11804732" y="15827400"/>
             <a:ext cx="10140868" cy="2622548"/>
+          </a:xfrm>
+          <a:prstGeom prst="roundRect">
+            <a:avLst/>
+          </a:prstGeom>
+          <a:noFill/>
+          <a:ln w="57150" cap="flat" cmpd="sng" algn="ctr">
+            <a:solidFill>
+              <a:schemeClr val="accent6">
+                <a:lumMod val="60000"/>
+                <a:lumOff val="40000"/>
+              </a:schemeClr>
+            </a:solidFill>
+            <a:prstDash val="solid"/>
+            <a:round/>
+            <a:headEnd type="none" w="med" len="med"/>
+            <a:tailEnd type="none" w="med" len="med"/>
+          </a:ln>
+          <a:effectLst/>
+          <a:extLst/>
+        </p:spPr>
+        <p:txBody>
+          <a:bodyPr vert="horz" wrap="square" lIns="91440" tIns="45720" rIns="91440" bIns="45720" numCol="1" rtlCol="0" anchor="t" anchorCtr="0" compatLnSpc="1">
+            <a:prstTxWarp prst="textNoShape">
+              <a:avLst/>
+            </a:prstTxWarp>
+          </a:bodyPr>
+          <a:lstStyle/>
+          <a:p>
+            <a:pPr marL="0" marR="0" indent="0" algn="l" defTabSz="4703763" rtl="0" eaLnBrk="1" fontAlgn="base" latinLnBrk="0" hangingPunct="1">
+              <a:lnSpc>
+                <a:spcPct val="100000"/>
+              </a:lnSpc>
+              <a:spcBef>
+                <a:spcPct val="0"/>
+              </a:spcBef>
+              <a:spcAft>
+                <a:spcPct val="0"/>
+              </a:spcAft>
+              <a:buClrTx/>
+              <a:buSzTx/>
+              <a:buFontTx/>
+              <a:buNone/>
+              <a:tabLst/>
+            </a:pPr>
+            <a:endParaRPr kumimoji="0" lang="en-US" sz="3800" b="0" i="0" u="none" strike="noStrike" cap="none" normalizeH="0" baseline="0">
+              <a:ln>
+                <a:noFill/>
+              </a:ln>
+              <a:solidFill>
+                <a:schemeClr val="tx1"/>
+              </a:solidFill>
+              <a:effectLst/>
+              <a:latin typeface="Arial" charset="0"/>
+            </a:endParaRPr>
+          </a:p>
+        </p:txBody>
+      </p:sp>
+      <p:pic>
+        <p:nvPicPr>
+          <p:cNvPr id="12" name="Picture 11">
+            <a:extLst>
+              <a:ext uri="{FF2B5EF4-FFF2-40B4-BE49-F238E27FC236}">
+                <a16:creationId xmlns:a16="http://schemas.microsoft.com/office/drawing/2014/main" id="{9F85D684-E3F2-4AAB-B9A2-24DAEF2C8AFD}"/>
+              </a:ext>
+            </a:extLst>
+          </p:cNvPr>
+          <p:cNvPicPr>
+            <a:picLocks noChangeAspect="1"/>
+          </p:cNvPicPr>
+          <p:nvPr/>
+        </p:nvPicPr>
+        <p:blipFill>
+          <a:blip r:embed="rId9">
+            <a:extLst>
+              <a:ext uri="{28A0092B-C50C-407E-A947-70E740481C1C}">
+                <a14:useLocalDpi xmlns:a14="http://schemas.microsoft.com/office/drawing/2010/main" val="0"/>
+              </a:ext>
+            </a:extLst>
+          </a:blip>
+          <a:stretch>
+            <a:fillRect/>
+          </a:stretch>
+        </p:blipFill>
+        <p:spPr>
+          <a:xfrm>
+            <a:off x="22475669" y="9529526"/>
+            <a:ext cx="9951519" cy="9079732"/>
+          </a:xfrm>
+          <a:prstGeom prst="rect">
+            <a:avLst/>
+          </a:prstGeom>
+        </p:spPr>
+      </p:pic>
+      <p:sp>
+        <p:nvSpPr>
+          <p:cNvPr id="34" name="Rectangle: Rounded Corners 33">
+            <a:extLst>
+              <a:ext uri="{FF2B5EF4-FFF2-40B4-BE49-F238E27FC236}">
+                <a16:creationId xmlns:a16="http://schemas.microsoft.com/office/drawing/2014/main" id="{E45EE1DD-2CA7-4B51-9EC9-039CA34D8029}"/>
+              </a:ext>
+            </a:extLst>
+          </p:cNvPr>
+          <p:cNvSpPr/>
+          <p:nvPr/>
+        </p:nvSpPr>
+        <p:spPr bwMode="auto">
+          <a:xfrm>
+            <a:off x="900512" y="15468600"/>
+            <a:ext cx="9081688" cy="1576497"/>
+          </a:xfrm>
+          <a:prstGeom prst="roundRect">
+            <a:avLst/>
+          </a:prstGeom>
+          <a:noFill/>
+          <a:ln w="57150" cap="flat" cmpd="sng" algn="ctr">
+            <a:solidFill>
+              <a:schemeClr val="accent6">
+                <a:lumMod val="60000"/>
+                <a:lumOff val="40000"/>
+              </a:schemeClr>
+            </a:solidFill>
+            <a:prstDash val="solid"/>
+            <a:round/>
+            <a:headEnd type="none" w="med" len="med"/>
+            <a:tailEnd type="none" w="med" len="med"/>
+          </a:ln>
+          <a:effectLst/>
+          <a:extLst/>
+        </p:spPr>
+        <p:txBody>
+          <a:bodyPr vert="horz" wrap="square" lIns="91440" tIns="45720" rIns="91440" bIns="45720" numCol="1" rtlCol="0" anchor="t" anchorCtr="0" compatLnSpc="1">
+            <a:prstTxWarp prst="textNoShape">
+              <a:avLst/>
+            </a:prstTxWarp>
+          </a:bodyPr>
+          <a:lstStyle/>
+          <a:p>
+            <a:pPr marL="0" marR="0" indent="0" algn="l" defTabSz="4703763" rtl="0" eaLnBrk="1" fontAlgn="base" latinLnBrk="0" hangingPunct="1">
+              <a:lnSpc>
+                <a:spcPct val="100000"/>
+              </a:lnSpc>
+              <a:spcBef>
+                <a:spcPct val="0"/>
+              </a:spcBef>
+              <a:spcAft>
+                <a:spcPct val="0"/>
+              </a:spcAft>
+              <a:buClrTx/>
+              <a:buSzTx/>
+              <a:buFontTx/>
+              <a:buNone/>
+              <a:tabLst/>
+            </a:pPr>
+            <a:endParaRPr kumimoji="0" lang="en-US" sz="3800" b="0" i="0" u="none" strike="noStrike" cap="none" normalizeH="0" baseline="0">
+              <a:ln>
+                <a:noFill/>
+              </a:ln>
+              <a:solidFill>
+                <a:schemeClr val="tx1"/>
+              </a:solidFill>
+              <a:effectLst/>
+              <a:latin typeface="Arial" charset="0"/>
+            </a:endParaRPr>
+          </a:p>
+        </p:txBody>
+      </p:sp>
+      <p:sp>
+        <p:nvSpPr>
+          <p:cNvPr id="35" name="Rectangle: Rounded Corners 34">
+            <a:extLst>
+              <a:ext uri="{FF2B5EF4-FFF2-40B4-BE49-F238E27FC236}">
+                <a16:creationId xmlns:a16="http://schemas.microsoft.com/office/drawing/2014/main" id="{C53B2A37-BFE8-4432-B762-9CB11116D205}"/>
+              </a:ext>
+            </a:extLst>
+          </p:cNvPr>
+          <p:cNvSpPr/>
+          <p:nvPr/>
+        </p:nvSpPr>
+        <p:spPr bwMode="auto">
+          <a:xfrm>
+            <a:off x="11804732" y="24030831"/>
+            <a:ext cx="8412661" cy="1952737"/>
           </a:xfrm>
           <a:prstGeom prst="roundRect">
             <a:avLst/>

--- a/Poster.pptx
+++ b/Poster.pptx
@@ -21,26 +21,19 @@
       <p:boldItalic r:id="rId7"/>
     </p:embeddedFont>
     <p:embeddedFont>
-      <p:font typeface="Open Sans" pitchFamily="2" charset="0"/>
+      <p:font typeface="Segoe UI Historic" panose="020B0502040204020203" pitchFamily="34" charset="0"/>
       <p:regular r:id="rId8"/>
-      <p:bold r:id="rId9"/>
-      <p:italic r:id="rId10"/>
-      <p:boldItalic r:id="rId11"/>
     </p:embeddedFont>
     <p:embeddedFont>
-      <p:font typeface="Segoe UI Historic" panose="020B0502040204020203" pitchFamily="34" charset="0"/>
-      <p:regular r:id="rId12"/>
-    </p:embeddedFont>
-    <p:embeddedFont>
-      <p:font typeface="Titillium Web" panose="020B0604020202020204" charset="0"/>
-      <p:regular r:id="rId13"/>
-      <p:bold r:id="rId14"/>
-      <p:italic r:id="rId15"/>
-      <p:boldItalic r:id="rId16"/>
+      <p:font typeface="Titillium Web" panose="00000500000000000000" pitchFamily="2" charset="-70"/>
+      <p:regular r:id="rId9"/>
+      <p:bold r:id="rId10"/>
+      <p:italic r:id="rId11"/>
+      <p:boldItalic r:id="rId12"/>
     </p:embeddedFont>
   </p:embeddedFontLst>
   <p:custDataLst>
-    <p:tags r:id="rId17"/>
+    <p:tags r:id="rId13"/>
   </p:custDataLst>
   <p:defaultTextStyle>
     <a:defPPr>
@@ -5285,7 +5278,7 @@
         </p:nvSpPr>
         <p:spPr>
           <a:xfrm>
-            <a:off x="671912" y="7513379"/>
+            <a:off x="671912" y="7545923"/>
             <a:ext cx="10058400" cy="9749354"/>
           </a:xfrm>
           <a:prstGeom prst="rect">
@@ -5527,7 +5520,7 @@
         </p:nvSpPr>
         <p:spPr>
           <a:xfrm>
-            <a:off x="11499932" y="7513380"/>
+            <a:off x="11501672" y="7586106"/>
             <a:ext cx="20886420" cy="13196460"/>
           </a:xfrm>
           <a:prstGeom prst="rect">
@@ -6012,7 +6005,7 @@
         <p:spPr>
           <a:xfrm>
             <a:off x="33155973" y="7517019"/>
-            <a:ext cx="10058400" cy="17628981"/>
+            <a:ext cx="10058400" cy="9060399"/>
           </a:xfrm>
           <a:prstGeom prst="rect">
             <a:avLst/>
@@ -6740,7 +6733,7 @@
         <p:spPr bwMode="auto">
           <a:xfrm>
             <a:off x="33384573" y="27139714"/>
-            <a:ext cx="9601200" cy="1938970"/>
+            <a:ext cx="9601200" cy="2308302"/>
           </a:xfrm>
           <a:prstGeom prst="rect">
             <a:avLst/>
@@ -7026,6 +7019,14 @@
               </a:rPr>
               <a:t>https://www.posternerd.com/</a:t>
             </a:r>
+            <a:endParaRPr lang="et-EE" dirty="0">
+              <a:effectLst/>
+              <a:latin typeface="Titillium Web" panose="00000500000000000000" pitchFamily="2" charset="0"/>
+              <a:ea typeface="Open Sans" panose="020B0606030504020204" pitchFamily="34" charset="0"/>
+              <a:cs typeface="Open Sans" panose="020B0606030504020204" pitchFamily="34" charset="0"/>
+            </a:endParaRPr>
+          </a:p>
+          <a:p>
             <a:endParaRPr lang="et-EE" dirty="0">
               <a:effectLst/>
               <a:latin typeface="Titillium Web" panose="00000500000000000000" pitchFamily="2" charset="0"/>
@@ -8301,73 +8302,6 @@
               </a:rPr>
               <a:t>Conclusion</a:t>
             </a:r>
-            <a:r>
-              <a:rPr lang="et-EE" sz="3600" dirty="0">
-                <a:solidFill>
-                  <a:schemeClr val="bg1"/>
-                </a:solidFill>
-                <a:effectLst/>
-                <a:latin typeface="Amaranth" panose="02000503050000020004" pitchFamily="2" charset="0"/>
-              </a:rPr>
-              <a:t> / </a:t>
-            </a:r>
-            <a:r>
-              <a:rPr lang="et-EE" sz="3600" dirty="0" err="1">
-                <a:solidFill>
-                  <a:schemeClr val="bg1"/>
-                </a:solidFill>
-                <a:effectLst/>
-                <a:latin typeface="Amaranth" panose="02000503050000020004" pitchFamily="2" charset="0"/>
-              </a:rPr>
-              <a:t>What</a:t>
-            </a:r>
-            <a:r>
-              <a:rPr lang="et-EE" sz="3600" dirty="0">
-                <a:solidFill>
-                  <a:schemeClr val="bg1"/>
-                </a:solidFill>
-                <a:effectLst/>
-                <a:latin typeface="Amaranth" panose="02000503050000020004" pitchFamily="2" charset="0"/>
-              </a:rPr>
-              <a:t> </a:t>
-            </a:r>
-            <a:r>
-              <a:rPr lang="et-EE" sz="3600" dirty="0" err="1">
-                <a:solidFill>
-                  <a:schemeClr val="bg1"/>
-                </a:solidFill>
-                <a:effectLst/>
-                <a:latin typeface="Amaranth" panose="02000503050000020004" pitchFamily="2" charset="0"/>
-              </a:rPr>
-              <a:t>we</a:t>
-            </a:r>
-            <a:r>
-              <a:rPr lang="et-EE" sz="3600" dirty="0">
-                <a:solidFill>
-                  <a:schemeClr val="bg1"/>
-                </a:solidFill>
-                <a:effectLst/>
-                <a:latin typeface="Amaranth" panose="02000503050000020004" pitchFamily="2" charset="0"/>
-              </a:rPr>
-              <a:t> </a:t>
-            </a:r>
-            <a:r>
-              <a:rPr lang="et-EE" sz="3600" dirty="0" err="1">
-                <a:solidFill>
-                  <a:schemeClr val="bg1"/>
-                </a:solidFill>
-                <a:effectLst/>
-                <a:latin typeface="Amaranth" panose="02000503050000020004" pitchFamily="2" charset="0"/>
-              </a:rPr>
-              <a:t>learned</a:t>
-            </a:r>
-            <a:endParaRPr lang="en-US" sz="3600" dirty="0">
-              <a:solidFill>
-                <a:schemeClr val="bg1"/>
-              </a:solidFill>
-              <a:effectLst/>
-              <a:latin typeface="Amaranth" panose="02000503050000020004" pitchFamily="2" charset="0"/>
-            </a:endParaRPr>
           </a:p>
         </p:txBody>
       </p:sp>
@@ -12271,8 +12205,8 @@
         </p:nvSpPr>
         <p:spPr>
           <a:xfrm>
-            <a:off x="33384573" y="8656761"/>
-            <a:ext cx="9601200" cy="4401205"/>
+            <a:off x="33469745" y="8687945"/>
+            <a:ext cx="9601200" cy="7848302"/>
           </a:xfrm>
           <a:prstGeom prst="rect">
             <a:avLst/>
@@ -12527,7 +12461,7 @@
                 <a:ea typeface="Open Sans" panose="020B0606030504020204" pitchFamily="34" charset="0"/>
                 <a:cs typeface="Open Sans" panose="020B0606030504020204" pitchFamily="34" charset="0"/>
               </a:rPr>
-              <a:t>thois</a:t>
+              <a:t>this</a:t>
             </a:r>
             <a:r>
               <a:rPr lang="et-EE" sz="2800" dirty="0">
@@ -12567,201 +12501,151 @@
                 <a:ea typeface="Open Sans" panose="020B0606030504020204" pitchFamily="34" charset="0"/>
                 <a:cs typeface="Open Sans" panose="020B0606030504020204" pitchFamily="34" charset="0"/>
               </a:rPr>
-              <a:t>.</a:t>
-            </a:r>
-          </a:p>
-          <a:p>
-            <a:r>
-              <a:rPr lang="et-EE" sz="2800" dirty="0" err="1">
-                <a:latin typeface="Titillium Web" panose="00000500000000000000" pitchFamily="2" charset="0"/>
-                <a:ea typeface="Open Sans" panose="020B0606030504020204" pitchFamily="34" charset="0"/>
-                <a:cs typeface="Open Sans" panose="020B0606030504020204" pitchFamily="34" charset="0"/>
-              </a:rPr>
-              <a:t>There</a:t>
-            </a:r>
-            <a:r>
-              <a:rPr lang="et-EE" sz="2800" dirty="0">
-                <a:latin typeface="Titillium Web" panose="00000500000000000000" pitchFamily="2" charset="0"/>
-                <a:ea typeface="Open Sans" panose="020B0606030504020204" pitchFamily="34" charset="0"/>
-                <a:cs typeface="Open Sans" panose="020B0606030504020204" pitchFamily="34" charset="0"/>
-              </a:rPr>
-              <a:t> </a:t>
-            </a:r>
-            <a:r>
-              <a:rPr lang="et-EE" sz="2800" dirty="0" err="1">
-                <a:latin typeface="Titillium Web" panose="00000500000000000000" pitchFamily="2" charset="0"/>
-                <a:ea typeface="Open Sans" panose="020B0606030504020204" pitchFamily="34" charset="0"/>
-                <a:cs typeface="Open Sans" panose="020B0606030504020204" pitchFamily="34" charset="0"/>
-              </a:rPr>
-              <a:t>should</a:t>
-            </a:r>
-            <a:r>
-              <a:rPr lang="et-EE" sz="2800" dirty="0">
-                <a:latin typeface="Titillium Web" panose="00000500000000000000" pitchFamily="2" charset="0"/>
-                <a:ea typeface="Open Sans" panose="020B0606030504020204" pitchFamily="34" charset="0"/>
-                <a:cs typeface="Open Sans" panose="020B0606030504020204" pitchFamily="34" charset="0"/>
-              </a:rPr>
-              <a:t> </a:t>
-            </a:r>
-            <a:r>
-              <a:rPr lang="et-EE" sz="2800" dirty="0" err="1">
-                <a:latin typeface="Titillium Web" panose="00000500000000000000" pitchFamily="2" charset="0"/>
-                <a:ea typeface="Open Sans" panose="020B0606030504020204" pitchFamily="34" charset="0"/>
-                <a:cs typeface="Open Sans" panose="020B0606030504020204" pitchFamily="34" charset="0"/>
-              </a:rPr>
-              <a:t>be</a:t>
-            </a:r>
-            <a:r>
-              <a:rPr lang="et-EE" sz="2800" dirty="0">
-                <a:latin typeface="Titillium Web" panose="00000500000000000000" pitchFamily="2" charset="0"/>
-                <a:ea typeface="Open Sans" panose="020B0606030504020204" pitchFamily="34" charset="0"/>
-                <a:cs typeface="Open Sans" panose="020B0606030504020204" pitchFamily="34" charset="0"/>
-              </a:rPr>
-              <a:t> </a:t>
-            </a:r>
-            <a:r>
-              <a:rPr lang="et-EE" sz="2800" dirty="0" err="1">
-                <a:latin typeface="Titillium Web" panose="00000500000000000000" pitchFamily="2" charset="0"/>
-                <a:ea typeface="Open Sans" panose="020B0606030504020204" pitchFamily="34" charset="0"/>
-                <a:cs typeface="Open Sans" panose="020B0606030504020204" pitchFamily="34" charset="0"/>
-              </a:rPr>
-              <a:t>more</a:t>
-            </a:r>
-            <a:r>
-              <a:rPr lang="et-EE" sz="2800" dirty="0">
-                <a:latin typeface="Titillium Web" panose="00000500000000000000" pitchFamily="2" charset="0"/>
-                <a:ea typeface="Open Sans" panose="020B0606030504020204" pitchFamily="34" charset="0"/>
-                <a:cs typeface="Open Sans" panose="020B0606030504020204" pitchFamily="34" charset="0"/>
-              </a:rPr>
-              <a:t> </a:t>
-            </a:r>
-            <a:r>
-              <a:rPr lang="et-EE" sz="2800" dirty="0" err="1">
-                <a:latin typeface="Titillium Web" panose="00000500000000000000" pitchFamily="2" charset="0"/>
-                <a:ea typeface="Open Sans" panose="020B0606030504020204" pitchFamily="34" charset="0"/>
-                <a:cs typeface="Open Sans" panose="020B0606030504020204" pitchFamily="34" charset="0"/>
-              </a:rPr>
-              <a:t>years</a:t>
-            </a:r>
-            <a:r>
-              <a:rPr lang="et-EE" sz="2800" dirty="0">
-                <a:latin typeface="Titillium Web" panose="00000500000000000000" pitchFamily="2" charset="0"/>
-                <a:ea typeface="Open Sans" panose="020B0606030504020204" pitchFamily="34" charset="0"/>
-                <a:cs typeface="Open Sans" panose="020B0606030504020204" pitchFamily="34" charset="0"/>
-              </a:rPr>
-              <a:t> </a:t>
-            </a:r>
-            <a:r>
-              <a:rPr lang="et-EE" sz="2800" dirty="0" err="1">
-                <a:latin typeface="Titillium Web" panose="00000500000000000000" pitchFamily="2" charset="0"/>
-                <a:ea typeface="Open Sans" panose="020B0606030504020204" pitchFamily="34" charset="0"/>
-                <a:cs typeface="Open Sans" panose="020B0606030504020204" pitchFamily="34" charset="0"/>
-              </a:rPr>
-              <a:t>to</a:t>
-            </a:r>
-            <a:r>
-              <a:rPr lang="et-EE" sz="2800" dirty="0">
-                <a:latin typeface="Titillium Web" panose="00000500000000000000" pitchFamily="2" charset="0"/>
-                <a:ea typeface="Open Sans" panose="020B0606030504020204" pitchFamily="34" charset="0"/>
-                <a:cs typeface="Open Sans" panose="020B0606030504020204" pitchFamily="34" charset="0"/>
-              </a:rPr>
-              <a:t> </a:t>
-            </a:r>
-            <a:r>
-              <a:rPr lang="et-EE" sz="2800" dirty="0" err="1">
-                <a:latin typeface="Titillium Web" panose="00000500000000000000" pitchFamily="2" charset="0"/>
-                <a:ea typeface="Open Sans" panose="020B0606030504020204" pitchFamily="34" charset="0"/>
-                <a:cs typeface="Open Sans" panose="020B0606030504020204" pitchFamily="34" charset="0"/>
-              </a:rPr>
-              <a:t>predict</a:t>
-            </a:r>
-            <a:r>
-              <a:rPr lang="et-EE" sz="2800" dirty="0">
-                <a:latin typeface="Titillium Web" panose="00000500000000000000" pitchFamily="2" charset="0"/>
-                <a:ea typeface="Open Sans" panose="020B0606030504020204" pitchFamily="34" charset="0"/>
-                <a:cs typeface="Open Sans" panose="020B0606030504020204" pitchFamily="34" charset="0"/>
-              </a:rPr>
-              <a:t> </a:t>
-            </a:r>
-            <a:r>
-              <a:rPr lang="et-EE" sz="2800" dirty="0" err="1">
-                <a:latin typeface="Titillium Web" panose="00000500000000000000" pitchFamily="2" charset="0"/>
-                <a:ea typeface="Open Sans" panose="020B0606030504020204" pitchFamily="34" charset="0"/>
-                <a:cs typeface="Open Sans" panose="020B0606030504020204" pitchFamily="34" charset="0"/>
-              </a:rPr>
-              <a:t>from</a:t>
-            </a:r>
-            <a:r>
-              <a:rPr lang="et-EE" sz="2800" dirty="0">
-                <a:latin typeface="Titillium Web" panose="00000500000000000000" pitchFamily="2" charset="0"/>
-                <a:ea typeface="Open Sans" panose="020B0606030504020204" pitchFamily="34" charset="0"/>
-                <a:cs typeface="Open Sans" panose="020B0606030504020204" pitchFamily="34" charset="0"/>
-              </a:rPr>
-              <a:t>, and </a:t>
-            </a:r>
-            <a:r>
-              <a:rPr lang="et-EE" sz="2800" dirty="0" err="1">
-                <a:latin typeface="Titillium Web" panose="00000500000000000000" pitchFamily="2" charset="0"/>
-                <a:ea typeface="Open Sans" panose="020B0606030504020204" pitchFamily="34" charset="0"/>
-                <a:cs typeface="Open Sans" panose="020B0606030504020204" pitchFamily="34" charset="0"/>
-              </a:rPr>
-              <a:t>certanly</a:t>
-            </a:r>
-            <a:r>
-              <a:rPr lang="et-EE" sz="2800" dirty="0">
-                <a:latin typeface="Titillium Web" panose="00000500000000000000" pitchFamily="2" charset="0"/>
-                <a:ea typeface="Open Sans" panose="020B0606030504020204" pitchFamily="34" charset="0"/>
-                <a:cs typeface="Open Sans" panose="020B0606030504020204" pitchFamily="34" charset="0"/>
-              </a:rPr>
-              <a:t> </a:t>
-            </a:r>
-            <a:r>
-              <a:rPr lang="et-EE" sz="2800" dirty="0" err="1">
-                <a:latin typeface="Titillium Web" panose="00000500000000000000" pitchFamily="2" charset="0"/>
-                <a:ea typeface="Open Sans" panose="020B0606030504020204" pitchFamily="34" charset="0"/>
-                <a:cs typeface="Open Sans" panose="020B0606030504020204" pitchFamily="34" charset="0"/>
-              </a:rPr>
-              <a:t>less</a:t>
-            </a:r>
-            <a:r>
-              <a:rPr lang="et-EE" sz="2800" dirty="0">
-                <a:latin typeface="Titillium Web" panose="00000500000000000000" pitchFamily="2" charset="0"/>
-                <a:ea typeface="Open Sans" panose="020B0606030504020204" pitchFamily="34" charset="0"/>
-                <a:cs typeface="Open Sans" panose="020B0606030504020204" pitchFamily="34" charset="0"/>
-              </a:rPr>
-              <a:t> </a:t>
-            </a:r>
-            <a:r>
-              <a:rPr lang="et-EE" sz="2800" dirty="0" err="1">
-                <a:latin typeface="Titillium Web" panose="00000500000000000000" pitchFamily="2" charset="0"/>
-                <a:ea typeface="Open Sans" panose="020B0606030504020204" pitchFamily="34" charset="0"/>
-                <a:cs typeface="Open Sans" panose="020B0606030504020204" pitchFamily="34" charset="0"/>
-              </a:rPr>
-              <a:t>Nan</a:t>
-            </a:r>
-            <a:r>
-              <a:rPr lang="et-EE" sz="2800" dirty="0">
-                <a:latin typeface="Titillium Web" panose="00000500000000000000" pitchFamily="2" charset="0"/>
-                <a:ea typeface="Open Sans" panose="020B0606030504020204" pitchFamily="34" charset="0"/>
-                <a:cs typeface="Open Sans" panose="020B0606030504020204" pitchFamily="34" charset="0"/>
-              </a:rPr>
-              <a:t> </a:t>
-            </a:r>
-            <a:r>
-              <a:rPr lang="et-EE" sz="2800" dirty="0" err="1">
-                <a:latin typeface="Titillium Web" panose="00000500000000000000" pitchFamily="2" charset="0"/>
-                <a:ea typeface="Open Sans" panose="020B0606030504020204" pitchFamily="34" charset="0"/>
-                <a:cs typeface="Open Sans" panose="020B0606030504020204" pitchFamily="34" charset="0"/>
-              </a:rPr>
-              <a:t>values</a:t>
-            </a:r>
-            <a:r>
-              <a:rPr lang="et-EE" sz="2800" dirty="0">
-                <a:latin typeface="Titillium Web" panose="00000500000000000000" pitchFamily="2" charset="0"/>
-                <a:ea typeface="Open Sans" panose="020B0606030504020204" pitchFamily="34" charset="0"/>
-                <a:cs typeface="Open Sans" panose="020B0606030504020204" pitchFamily="34" charset="0"/>
-              </a:rPr>
-              <a:t>.</a:t>
+              <a:t>. </a:t>
+            </a:r>
+            <a:r>
+              <a:rPr lang="et-EE" sz="2800" dirty="0" err="1">
+                <a:latin typeface="Titillium Web" panose="00000500000000000000" pitchFamily="2" charset="0"/>
+                <a:ea typeface="Open Sans" panose="020B0606030504020204" pitchFamily="34" charset="0"/>
+                <a:cs typeface="Open Sans" panose="020B0606030504020204" pitchFamily="34" charset="0"/>
+              </a:rPr>
+              <a:t>We</a:t>
+            </a:r>
+            <a:r>
+              <a:rPr lang="et-EE" sz="2800" dirty="0">
+                <a:latin typeface="Titillium Web" panose="00000500000000000000" pitchFamily="2" charset="0"/>
+                <a:ea typeface="Open Sans" panose="020B0606030504020204" pitchFamily="34" charset="0"/>
+                <a:cs typeface="Open Sans" panose="020B0606030504020204" pitchFamily="34" charset="0"/>
+              </a:rPr>
+              <a:t> </a:t>
+            </a:r>
+            <a:r>
+              <a:rPr lang="et-EE" sz="2800" dirty="0" err="1">
+                <a:latin typeface="Titillium Web" panose="00000500000000000000" pitchFamily="2" charset="0"/>
+                <a:ea typeface="Open Sans" panose="020B0606030504020204" pitchFamily="34" charset="0"/>
+                <a:cs typeface="Open Sans" panose="020B0606030504020204" pitchFamily="34" charset="0"/>
+              </a:rPr>
+              <a:t>tried</a:t>
+            </a:r>
+            <a:r>
+              <a:rPr lang="et-EE" sz="2800" dirty="0">
+                <a:latin typeface="Titillium Web" panose="00000500000000000000" pitchFamily="2" charset="0"/>
+                <a:ea typeface="Open Sans" panose="020B0606030504020204" pitchFamily="34" charset="0"/>
+                <a:cs typeface="Open Sans" panose="020B0606030504020204" pitchFamily="34" charset="0"/>
+              </a:rPr>
+              <a:t> </a:t>
+            </a:r>
+            <a:r>
+              <a:rPr lang="et-EE" sz="2800" dirty="0" err="1">
+                <a:latin typeface="Titillium Web" panose="00000500000000000000" pitchFamily="2" charset="0"/>
+                <a:ea typeface="Open Sans" panose="020B0606030504020204" pitchFamily="34" charset="0"/>
+                <a:cs typeface="Open Sans" panose="020B0606030504020204" pitchFamily="34" charset="0"/>
+              </a:rPr>
+              <a:t>many</a:t>
+            </a:r>
+            <a:r>
+              <a:rPr lang="et-EE" sz="2800" dirty="0">
+                <a:latin typeface="Titillium Web" panose="00000500000000000000" pitchFamily="2" charset="0"/>
+                <a:ea typeface="Open Sans" panose="020B0606030504020204" pitchFamily="34" charset="0"/>
+                <a:cs typeface="Open Sans" panose="020B0606030504020204" pitchFamily="34" charset="0"/>
+              </a:rPr>
+              <a:t> </a:t>
+            </a:r>
+            <a:r>
+              <a:rPr lang="et-EE" sz="2800" dirty="0" err="1">
+                <a:latin typeface="Titillium Web" panose="00000500000000000000" pitchFamily="2" charset="0"/>
+                <a:ea typeface="Open Sans" panose="020B0606030504020204" pitchFamily="34" charset="0"/>
+                <a:cs typeface="Open Sans" panose="020B0606030504020204" pitchFamily="34" charset="0"/>
+              </a:rPr>
+              <a:t>different</a:t>
+            </a:r>
+            <a:r>
+              <a:rPr lang="et-EE" sz="2800" dirty="0">
+                <a:latin typeface="Titillium Web" panose="00000500000000000000" pitchFamily="2" charset="0"/>
+                <a:ea typeface="Open Sans" panose="020B0606030504020204" pitchFamily="34" charset="0"/>
+                <a:cs typeface="Open Sans" panose="020B0606030504020204" pitchFamily="34" charset="0"/>
+              </a:rPr>
+              <a:t> </a:t>
+            </a:r>
+            <a:r>
+              <a:rPr lang="et-EE" sz="2800" dirty="0" err="1">
+                <a:latin typeface="Titillium Web" panose="00000500000000000000" pitchFamily="2" charset="0"/>
+                <a:ea typeface="Open Sans" panose="020B0606030504020204" pitchFamily="34" charset="0"/>
+                <a:cs typeface="Open Sans" panose="020B0606030504020204" pitchFamily="34" charset="0"/>
+              </a:rPr>
+              <a:t>things</a:t>
+            </a:r>
+            <a:r>
+              <a:rPr lang="et-EE" sz="2800" dirty="0">
+                <a:latin typeface="Titillium Web" panose="00000500000000000000" pitchFamily="2" charset="0"/>
+                <a:ea typeface="Open Sans" panose="020B0606030504020204" pitchFamily="34" charset="0"/>
+                <a:cs typeface="Open Sans" panose="020B0606030504020204" pitchFamily="34" charset="0"/>
+              </a:rPr>
+              <a:t> and </a:t>
+            </a:r>
+            <a:r>
+              <a:rPr lang="et-EE" sz="2800" dirty="0" err="1">
+                <a:latin typeface="Titillium Web" panose="00000500000000000000" pitchFamily="2" charset="0"/>
+                <a:ea typeface="Open Sans" panose="020B0606030504020204" pitchFamily="34" charset="0"/>
+                <a:cs typeface="Open Sans" panose="020B0606030504020204" pitchFamily="34" charset="0"/>
+              </a:rPr>
+              <a:t>none</a:t>
+            </a:r>
+            <a:r>
+              <a:rPr lang="et-EE" sz="2800" dirty="0">
+                <a:latin typeface="Titillium Web" panose="00000500000000000000" pitchFamily="2" charset="0"/>
+                <a:ea typeface="Open Sans" panose="020B0606030504020204" pitchFamily="34" charset="0"/>
+                <a:cs typeface="Open Sans" panose="020B0606030504020204" pitchFamily="34" charset="0"/>
+              </a:rPr>
+              <a:t> of </a:t>
+            </a:r>
+            <a:r>
+              <a:rPr lang="et-EE" sz="2800" dirty="0" err="1">
+                <a:latin typeface="Titillium Web" panose="00000500000000000000" pitchFamily="2" charset="0"/>
+                <a:ea typeface="Open Sans" panose="020B0606030504020204" pitchFamily="34" charset="0"/>
+                <a:cs typeface="Open Sans" panose="020B0606030504020204" pitchFamily="34" charset="0"/>
+              </a:rPr>
+              <a:t>them</a:t>
+            </a:r>
+            <a:r>
+              <a:rPr lang="et-EE" sz="2800" dirty="0">
+                <a:latin typeface="Titillium Web" panose="00000500000000000000" pitchFamily="2" charset="0"/>
+                <a:ea typeface="Open Sans" panose="020B0606030504020204" pitchFamily="34" charset="0"/>
+                <a:cs typeface="Open Sans" panose="020B0606030504020204" pitchFamily="34" charset="0"/>
+              </a:rPr>
+              <a:t> </a:t>
+            </a:r>
+            <a:r>
+              <a:rPr lang="et-EE" sz="2800" dirty="0" err="1">
+                <a:latin typeface="Titillium Web" panose="00000500000000000000" pitchFamily="2" charset="0"/>
+                <a:ea typeface="Open Sans" panose="020B0606030504020204" pitchFamily="34" charset="0"/>
+                <a:cs typeface="Open Sans" panose="020B0606030504020204" pitchFamily="34" charset="0"/>
+              </a:rPr>
+              <a:t>reached</a:t>
+            </a:r>
+            <a:r>
+              <a:rPr lang="et-EE" sz="2800" dirty="0">
+                <a:latin typeface="Titillium Web" panose="00000500000000000000" pitchFamily="2" charset="0"/>
+                <a:ea typeface="Open Sans" panose="020B0606030504020204" pitchFamily="34" charset="0"/>
+                <a:cs typeface="Open Sans" panose="020B0606030504020204" pitchFamily="34" charset="0"/>
+              </a:rPr>
+              <a:t> </a:t>
+            </a:r>
+            <a:r>
+              <a:rPr lang="et-EE" sz="2800" dirty="0" err="1">
+                <a:latin typeface="Titillium Web" panose="00000500000000000000" pitchFamily="2" charset="0"/>
+                <a:ea typeface="Open Sans" panose="020B0606030504020204" pitchFamily="34" charset="0"/>
+                <a:cs typeface="Open Sans" panose="020B0606030504020204" pitchFamily="34" charset="0"/>
+              </a:rPr>
+              <a:t>accuracy</a:t>
+            </a:r>
+            <a:r>
+              <a:rPr lang="et-EE" sz="2800" dirty="0">
+                <a:latin typeface="Titillium Web" panose="00000500000000000000" pitchFamily="2" charset="0"/>
+                <a:ea typeface="Open Sans" panose="020B0606030504020204" pitchFamily="34" charset="0"/>
+                <a:cs typeface="Open Sans" panose="020B0606030504020204" pitchFamily="34" charset="0"/>
+              </a:rPr>
+              <a:t> of 90%.</a:t>
             </a:r>
           </a:p>
           <a:p>
@@ -12773,47 +12657,255 @@
           </a:p>
           <a:p>
             <a:r>
-              <a:rPr lang="et-EE" sz="2800" dirty="0">
-                <a:latin typeface="Titillium Web" panose="00000500000000000000" pitchFamily="2" charset="0"/>
-                <a:ea typeface="Open Sans" panose="020B0606030504020204" pitchFamily="34" charset="0"/>
-                <a:cs typeface="Open Sans" panose="020B0606030504020204" pitchFamily="34" charset="0"/>
-              </a:rPr>
-              <a:t>In </a:t>
-            </a:r>
-            <a:r>
-              <a:rPr lang="et-EE" sz="2800" dirty="0" err="1">
-                <a:latin typeface="Titillium Web" panose="00000500000000000000" pitchFamily="2" charset="0"/>
-                <a:ea typeface="Open Sans" panose="020B0606030504020204" pitchFamily="34" charset="0"/>
-                <a:cs typeface="Open Sans" panose="020B0606030504020204" pitchFamily="34" charset="0"/>
-              </a:rPr>
-              <a:t>this</a:t>
-            </a:r>
-            <a:r>
-              <a:rPr lang="et-EE" sz="2800" dirty="0">
-                <a:latin typeface="Titillium Web" panose="00000500000000000000" pitchFamily="2" charset="0"/>
-                <a:ea typeface="Open Sans" panose="020B0606030504020204" pitchFamily="34" charset="0"/>
-                <a:cs typeface="Open Sans" panose="020B0606030504020204" pitchFamily="34" charset="0"/>
-              </a:rPr>
-              <a:t> </a:t>
-            </a:r>
-            <a:r>
-              <a:rPr lang="et-EE" sz="2800" dirty="0" err="1">
-                <a:latin typeface="Titillium Web" panose="00000500000000000000" pitchFamily="2" charset="0"/>
-                <a:ea typeface="Open Sans" panose="020B0606030504020204" pitchFamily="34" charset="0"/>
-                <a:cs typeface="Open Sans" panose="020B0606030504020204" pitchFamily="34" charset="0"/>
-              </a:rPr>
-              <a:t>project</a:t>
-            </a:r>
-            <a:r>
-              <a:rPr lang="et-EE" sz="2800" dirty="0">
-                <a:latin typeface="Titillium Web" panose="00000500000000000000" pitchFamily="2" charset="0"/>
-                <a:ea typeface="Open Sans" panose="020B0606030504020204" pitchFamily="34" charset="0"/>
-                <a:cs typeface="Open Sans" panose="020B0606030504020204" pitchFamily="34" charset="0"/>
-              </a:rPr>
-              <a:t> </a:t>
-            </a:r>
-            <a:r>
-              <a:rPr lang="et-EE" sz="2800" dirty="0" err="1">
+              <a:rPr lang="et-EE" sz="2800" b="1" dirty="0">
+                <a:latin typeface="Titillium Web" panose="00000500000000000000" pitchFamily="2" charset="0"/>
+                <a:ea typeface="Open Sans" panose="020B0606030504020204" pitchFamily="34" charset="0"/>
+                <a:cs typeface="Open Sans" panose="020B0606030504020204" pitchFamily="34" charset="0"/>
+              </a:rPr>
+              <a:t>Quality </a:t>
+            </a:r>
+            <a:r>
+              <a:rPr lang="et-EE" sz="2800" b="1" dirty="0" err="1">
+                <a:latin typeface="Titillium Web" panose="00000500000000000000" pitchFamily="2" charset="0"/>
+                <a:ea typeface="Open Sans" panose="020B0606030504020204" pitchFamily="34" charset="0"/>
+                <a:cs typeface="Open Sans" panose="020B0606030504020204" pitchFamily="34" charset="0"/>
+              </a:rPr>
+              <a:t>water</a:t>
+            </a:r>
+            <a:r>
+              <a:rPr lang="et-EE" sz="2800" b="1" dirty="0">
+                <a:latin typeface="Titillium Web" panose="00000500000000000000" pitchFamily="2" charset="0"/>
+                <a:ea typeface="Open Sans" panose="020B0606030504020204" pitchFamily="34" charset="0"/>
+                <a:cs typeface="Open Sans" panose="020B0606030504020204" pitchFamily="34" charset="0"/>
+              </a:rPr>
+              <a:t> </a:t>
+            </a:r>
+            <a:r>
+              <a:rPr lang="et-EE" sz="2800" b="1" dirty="0" err="1">
+                <a:latin typeface="Titillium Web" panose="00000500000000000000" pitchFamily="2" charset="0"/>
+                <a:ea typeface="Open Sans" panose="020B0606030504020204" pitchFamily="34" charset="0"/>
+                <a:cs typeface="Open Sans" panose="020B0606030504020204" pitchFamily="34" charset="0"/>
+              </a:rPr>
+              <a:t>is</a:t>
+            </a:r>
+            <a:r>
+              <a:rPr lang="et-EE" sz="2800" b="1" dirty="0">
+                <a:latin typeface="Titillium Web" panose="00000500000000000000" pitchFamily="2" charset="0"/>
+                <a:ea typeface="Open Sans" panose="020B0606030504020204" pitchFamily="34" charset="0"/>
+                <a:cs typeface="Open Sans" panose="020B0606030504020204" pitchFamily="34" charset="0"/>
+              </a:rPr>
+              <a:t> </a:t>
+            </a:r>
+            <a:r>
+              <a:rPr lang="et-EE" sz="2800" b="1" dirty="0" err="1">
+                <a:latin typeface="Titillium Web" panose="00000500000000000000" pitchFamily="2" charset="0"/>
+                <a:ea typeface="Open Sans" panose="020B0606030504020204" pitchFamily="34" charset="0"/>
+                <a:cs typeface="Open Sans" panose="020B0606030504020204" pitchFamily="34" charset="0"/>
+              </a:rPr>
+              <a:t>the</a:t>
+            </a:r>
+            <a:r>
+              <a:rPr lang="et-EE" sz="2800" b="1" dirty="0">
+                <a:latin typeface="Titillium Web" panose="00000500000000000000" pitchFamily="2" charset="0"/>
+                <a:ea typeface="Open Sans" panose="020B0606030504020204" pitchFamily="34" charset="0"/>
+                <a:cs typeface="Open Sans" panose="020B0606030504020204" pitchFamily="34" charset="0"/>
+              </a:rPr>
+              <a:t> </a:t>
+            </a:r>
+            <a:r>
+              <a:rPr lang="et-EE" sz="2800" b="1" dirty="0" err="1">
+                <a:latin typeface="Titillium Web" panose="00000500000000000000" pitchFamily="2" charset="0"/>
+                <a:ea typeface="Open Sans" panose="020B0606030504020204" pitchFamily="34" charset="0"/>
+                <a:cs typeface="Open Sans" panose="020B0606030504020204" pitchFamily="34" charset="0"/>
+              </a:rPr>
+              <a:t>basis</a:t>
+            </a:r>
+            <a:r>
+              <a:rPr lang="et-EE" sz="2800" b="1" dirty="0">
+                <a:latin typeface="Titillium Web" panose="00000500000000000000" pitchFamily="2" charset="0"/>
+                <a:ea typeface="Open Sans" panose="020B0606030504020204" pitchFamily="34" charset="0"/>
+                <a:cs typeface="Open Sans" panose="020B0606030504020204" pitchFamily="34" charset="0"/>
+              </a:rPr>
+              <a:t> </a:t>
+            </a:r>
+            <a:r>
+              <a:rPr lang="et-EE" sz="2800" b="1" dirty="0" err="1">
+                <a:latin typeface="Titillium Web" panose="00000500000000000000" pitchFamily="2" charset="0"/>
+                <a:ea typeface="Open Sans" panose="020B0606030504020204" pitchFamily="34" charset="0"/>
+                <a:cs typeface="Open Sans" panose="020B0606030504020204" pitchFamily="34" charset="0"/>
+              </a:rPr>
+              <a:t>for</a:t>
+            </a:r>
+            <a:r>
+              <a:rPr lang="et-EE" sz="2800" b="1" dirty="0">
+                <a:latin typeface="Titillium Web" panose="00000500000000000000" pitchFamily="2" charset="0"/>
+                <a:ea typeface="Open Sans" panose="020B0606030504020204" pitchFamily="34" charset="0"/>
+                <a:cs typeface="Open Sans" panose="020B0606030504020204" pitchFamily="34" charset="0"/>
+              </a:rPr>
+              <a:t> a </a:t>
+            </a:r>
+            <a:r>
+              <a:rPr lang="et-EE" sz="2800" b="1" dirty="0" err="1">
+                <a:latin typeface="Titillium Web" panose="00000500000000000000" pitchFamily="2" charset="0"/>
+                <a:ea typeface="Open Sans" panose="020B0606030504020204" pitchFamily="34" charset="0"/>
+                <a:cs typeface="Open Sans" panose="020B0606030504020204" pitchFamily="34" charset="0"/>
+              </a:rPr>
+              <a:t>healthy</a:t>
+            </a:r>
+            <a:r>
+              <a:rPr lang="et-EE" sz="2800" b="1" dirty="0">
+                <a:latin typeface="Titillium Web" panose="00000500000000000000" pitchFamily="2" charset="0"/>
+                <a:ea typeface="Open Sans" panose="020B0606030504020204" pitchFamily="34" charset="0"/>
+                <a:cs typeface="Open Sans" panose="020B0606030504020204" pitchFamily="34" charset="0"/>
+              </a:rPr>
+              <a:t> </a:t>
+            </a:r>
+            <a:r>
+              <a:rPr lang="et-EE" sz="2800" b="1" dirty="0" err="1">
+                <a:latin typeface="Titillium Web" panose="00000500000000000000" pitchFamily="2" charset="0"/>
+                <a:ea typeface="Open Sans" panose="020B0606030504020204" pitchFamily="34" charset="0"/>
+                <a:cs typeface="Open Sans" panose="020B0606030504020204" pitchFamily="34" charset="0"/>
+              </a:rPr>
+              <a:t>lifestyle</a:t>
+            </a:r>
+            <a:r>
+              <a:rPr lang="et-EE" sz="2800" b="1" dirty="0">
+                <a:latin typeface="Titillium Web" panose="00000500000000000000" pitchFamily="2" charset="0"/>
+                <a:ea typeface="Open Sans" panose="020B0606030504020204" pitchFamily="34" charset="0"/>
+                <a:cs typeface="Open Sans" panose="020B0606030504020204" pitchFamily="34" charset="0"/>
+              </a:rPr>
+              <a:t> so </a:t>
+            </a:r>
+            <a:r>
+              <a:rPr lang="et-EE" sz="2800" b="1" dirty="0" err="1">
+                <a:latin typeface="Titillium Web" panose="00000500000000000000" pitchFamily="2" charset="0"/>
+                <a:ea typeface="Open Sans" panose="020B0606030504020204" pitchFamily="34" charset="0"/>
+                <a:cs typeface="Open Sans" panose="020B0606030504020204" pitchFamily="34" charset="0"/>
+              </a:rPr>
+              <a:t>predicting</a:t>
+            </a:r>
+            <a:r>
+              <a:rPr lang="et-EE" sz="2800" b="1" dirty="0">
+                <a:latin typeface="Titillium Web" panose="00000500000000000000" pitchFamily="2" charset="0"/>
+                <a:ea typeface="Open Sans" panose="020B0606030504020204" pitchFamily="34" charset="0"/>
+                <a:cs typeface="Open Sans" panose="020B0606030504020204" pitchFamily="34" charset="0"/>
+              </a:rPr>
+              <a:t> </a:t>
+            </a:r>
+            <a:r>
+              <a:rPr lang="et-EE" sz="2800" b="1" dirty="0" err="1">
+                <a:latin typeface="Titillium Web" panose="00000500000000000000" pitchFamily="2" charset="0"/>
+                <a:ea typeface="Open Sans" panose="020B0606030504020204" pitchFamily="34" charset="0"/>
+                <a:cs typeface="Open Sans" panose="020B0606030504020204" pitchFamily="34" charset="0"/>
+              </a:rPr>
+              <a:t>with</a:t>
+            </a:r>
+            <a:r>
+              <a:rPr lang="et-EE" sz="2800" b="1" dirty="0">
+                <a:latin typeface="Titillium Web" panose="00000500000000000000" pitchFamily="2" charset="0"/>
+                <a:ea typeface="Open Sans" panose="020B0606030504020204" pitchFamily="34" charset="0"/>
+                <a:cs typeface="Open Sans" panose="020B0606030504020204" pitchFamily="34" charset="0"/>
+              </a:rPr>
+              <a:t> 87% </a:t>
+            </a:r>
+            <a:r>
+              <a:rPr lang="et-EE" sz="2800" b="1" dirty="0" err="1">
+                <a:latin typeface="Titillium Web" panose="00000500000000000000" pitchFamily="2" charset="0"/>
+                <a:ea typeface="Open Sans" panose="020B0606030504020204" pitchFamily="34" charset="0"/>
+                <a:cs typeface="Open Sans" panose="020B0606030504020204" pitchFamily="34" charset="0"/>
+              </a:rPr>
+              <a:t>accuracy</a:t>
+            </a:r>
+            <a:r>
+              <a:rPr lang="et-EE" sz="2800" b="1" dirty="0">
+                <a:latin typeface="Titillium Web" panose="00000500000000000000" pitchFamily="2" charset="0"/>
+                <a:ea typeface="Open Sans" panose="020B0606030504020204" pitchFamily="34" charset="0"/>
+                <a:cs typeface="Open Sans" panose="020B0606030504020204" pitchFamily="34" charset="0"/>
+              </a:rPr>
+              <a:t> </a:t>
+            </a:r>
+            <a:r>
+              <a:rPr lang="et-EE" sz="2800" b="1" dirty="0" err="1">
+                <a:latin typeface="Titillium Web" panose="00000500000000000000" pitchFamily="2" charset="0"/>
+                <a:ea typeface="Open Sans" panose="020B0606030504020204" pitchFamily="34" charset="0"/>
+                <a:cs typeface="Open Sans" panose="020B0606030504020204" pitchFamily="34" charset="0"/>
+              </a:rPr>
+              <a:t>does</a:t>
+            </a:r>
+            <a:r>
+              <a:rPr lang="et-EE" sz="2800" b="1" dirty="0">
+                <a:latin typeface="Titillium Web" panose="00000500000000000000" pitchFamily="2" charset="0"/>
+                <a:ea typeface="Open Sans" panose="020B0606030504020204" pitchFamily="34" charset="0"/>
+                <a:cs typeface="Open Sans" panose="020B0606030504020204" pitchFamily="34" charset="0"/>
+              </a:rPr>
+              <a:t> </a:t>
+            </a:r>
+            <a:r>
+              <a:rPr lang="et-EE" sz="2800" b="1" dirty="0" err="1">
+                <a:latin typeface="Titillium Web" panose="00000500000000000000" pitchFamily="2" charset="0"/>
+                <a:ea typeface="Open Sans" panose="020B0606030504020204" pitchFamily="34" charset="0"/>
+                <a:cs typeface="Open Sans" panose="020B0606030504020204" pitchFamily="34" charset="0"/>
+              </a:rPr>
+              <a:t>not</a:t>
+            </a:r>
+            <a:r>
+              <a:rPr lang="et-EE" sz="2800" b="1" dirty="0">
+                <a:latin typeface="Titillium Web" panose="00000500000000000000" pitchFamily="2" charset="0"/>
+                <a:ea typeface="Open Sans" panose="020B0606030504020204" pitchFamily="34" charset="0"/>
+                <a:cs typeface="Open Sans" panose="020B0606030504020204" pitchFamily="34" charset="0"/>
+              </a:rPr>
+              <a:t> </a:t>
+            </a:r>
+            <a:r>
+              <a:rPr lang="et-EE" sz="2800" b="1" dirty="0" err="1">
+                <a:latin typeface="Titillium Web" panose="00000500000000000000" pitchFamily="2" charset="0"/>
+                <a:ea typeface="Open Sans" panose="020B0606030504020204" pitchFamily="34" charset="0"/>
+                <a:cs typeface="Open Sans" panose="020B0606030504020204" pitchFamily="34" charset="0"/>
+              </a:rPr>
+              <a:t>cut</a:t>
+            </a:r>
+            <a:r>
+              <a:rPr lang="et-EE" sz="2800" b="1" dirty="0">
+                <a:latin typeface="Titillium Web" panose="00000500000000000000" pitchFamily="2" charset="0"/>
+                <a:ea typeface="Open Sans" panose="020B0606030504020204" pitchFamily="34" charset="0"/>
+                <a:cs typeface="Open Sans" panose="020B0606030504020204" pitchFamily="34" charset="0"/>
+              </a:rPr>
+              <a:t> </a:t>
+            </a:r>
+            <a:r>
+              <a:rPr lang="et-EE" sz="2800" b="1" dirty="0" err="1">
+                <a:latin typeface="Titillium Web" panose="00000500000000000000" pitchFamily="2" charset="0"/>
+                <a:ea typeface="Open Sans" panose="020B0606030504020204" pitchFamily="34" charset="0"/>
+                <a:cs typeface="Open Sans" panose="020B0606030504020204" pitchFamily="34" charset="0"/>
+              </a:rPr>
+              <a:t>it</a:t>
+            </a:r>
+            <a:r>
+              <a:rPr lang="et-EE" sz="2800" b="1" dirty="0">
+                <a:latin typeface="Titillium Web" panose="00000500000000000000" pitchFamily="2" charset="0"/>
+                <a:ea typeface="Open Sans" panose="020B0606030504020204" pitchFamily="34" charset="0"/>
+                <a:cs typeface="Open Sans" panose="020B0606030504020204" pitchFamily="34" charset="0"/>
+              </a:rPr>
+              <a:t>. </a:t>
+            </a:r>
+            <a:r>
+              <a:rPr lang="et-EE" sz="2800" b="1" dirty="0" err="1">
+                <a:latin typeface="Titillium Web" panose="00000500000000000000" pitchFamily="2" charset="0"/>
+                <a:ea typeface="Open Sans" panose="020B0606030504020204" pitchFamily="34" charset="0"/>
+                <a:cs typeface="Open Sans" panose="020B0606030504020204" pitchFamily="34" charset="0"/>
+              </a:rPr>
+              <a:t>Therefore</a:t>
+            </a:r>
+            <a:r>
+              <a:rPr lang="et-EE" sz="2800" b="1" dirty="0">
+                <a:latin typeface="Titillium Web" panose="00000500000000000000" pitchFamily="2" charset="0"/>
+                <a:ea typeface="Open Sans" panose="020B0606030504020204" pitchFamily="34" charset="0"/>
+                <a:cs typeface="Open Sans" panose="020B0606030504020204" pitchFamily="34" charset="0"/>
+              </a:rPr>
+              <a:t> </a:t>
+            </a:r>
+            <a:r>
+              <a:rPr lang="et-EE" sz="2800" b="1" dirty="0" err="1">
                 <a:latin typeface="Titillium Web" panose="00000500000000000000" pitchFamily="2" charset="0"/>
                 <a:ea typeface="Open Sans" panose="020B0606030504020204" pitchFamily="34" charset="0"/>
                 <a:cs typeface="Open Sans" panose="020B0606030504020204" pitchFamily="34" charset="0"/>
@@ -12821,268 +12913,454 @@
               <a:t>we</a:t>
             </a:r>
             <a:r>
-              <a:rPr lang="et-EE" sz="2800" dirty="0">
-                <a:latin typeface="Titillium Web" panose="00000500000000000000" pitchFamily="2" charset="0"/>
-                <a:ea typeface="Open Sans" panose="020B0606030504020204" pitchFamily="34" charset="0"/>
-                <a:cs typeface="Open Sans" panose="020B0606030504020204" pitchFamily="34" charset="0"/>
-              </a:rPr>
-              <a:t> </a:t>
-            </a:r>
-            <a:r>
-              <a:rPr lang="et-EE" sz="2800" dirty="0" err="1">
-                <a:latin typeface="Titillium Web" panose="00000500000000000000" pitchFamily="2" charset="0"/>
-                <a:ea typeface="Open Sans" panose="020B0606030504020204" pitchFamily="34" charset="0"/>
-                <a:cs typeface="Open Sans" panose="020B0606030504020204" pitchFamily="34" charset="0"/>
-              </a:rPr>
-              <a:t>learned</a:t>
-            </a:r>
-            <a:r>
-              <a:rPr lang="et-EE" sz="2800" dirty="0">
-                <a:latin typeface="Titillium Web" panose="00000500000000000000" pitchFamily="2" charset="0"/>
-                <a:ea typeface="Open Sans" panose="020B0606030504020204" pitchFamily="34" charset="0"/>
-                <a:cs typeface="Open Sans" panose="020B0606030504020204" pitchFamily="34" charset="0"/>
-              </a:rPr>
-              <a:t> </a:t>
-            </a:r>
-            <a:r>
-              <a:rPr lang="et-EE" sz="2800" dirty="0" err="1">
-                <a:latin typeface="Titillium Web" panose="00000500000000000000" pitchFamily="2" charset="0"/>
-                <a:ea typeface="Open Sans" panose="020B0606030504020204" pitchFamily="34" charset="0"/>
-                <a:cs typeface="Open Sans" panose="020B0606030504020204" pitchFamily="34" charset="0"/>
-              </a:rPr>
-              <a:t>how</a:t>
-            </a:r>
-            <a:r>
-              <a:rPr lang="et-EE" sz="2800" dirty="0">
-                <a:latin typeface="Titillium Web" panose="00000500000000000000" pitchFamily="2" charset="0"/>
-                <a:ea typeface="Open Sans" panose="020B0606030504020204" pitchFamily="34" charset="0"/>
-                <a:cs typeface="Open Sans" panose="020B0606030504020204" pitchFamily="34" charset="0"/>
-              </a:rPr>
-              <a:t> </a:t>
-            </a:r>
-            <a:r>
-              <a:rPr lang="et-EE" sz="2800" dirty="0" err="1">
-                <a:latin typeface="Titillium Web" panose="00000500000000000000" pitchFamily="2" charset="0"/>
-                <a:ea typeface="Open Sans" panose="020B0606030504020204" pitchFamily="34" charset="0"/>
-                <a:cs typeface="Open Sans" panose="020B0606030504020204" pitchFamily="34" charset="0"/>
-              </a:rPr>
-              <a:t>to</a:t>
-            </a:r>
-            <a:r>
-              <a:rPr lang="et-EE" sz="2800" dirty="0">
-                <a:latin typeface="Titillium Web" panose="00000500000000000000" pitchFamily="2" charset="0"/>
-                <a:ea typeface="Open Sans" panose="020B0606030504020204" pitchFamily="34" charset="0"/>
-                <a:cs typeface="Open Sans" panose="020B0606030504020204" pitchFamily="34" charset="0"/>
-              </a:rPr>
-              <a:t> </a:t>
-            </a:r>
-            <a:r>
-              <a:rPr lang="et-EE" sz="2800" dirty="0" err="1">
-                <a:latin typeface="Titillium Web" panose="00000500000000000000" pitchFamily="2" charset="0"/>
-                <a:ea typeface="Open Sans" panose="020B0606030504020204" pitchFamily="34" charset="0"/>
-                <a:cs typeface="Open Sans" panose="020B0606030504020204" pitchFamily="34" charset="0"/>
-              </a:rPr>
-              <a:t>deal</a:t>
-            </a:r>
-            <a:r>
-              <a:rPr lang="et-EE" sz="2800" dirty="0">
-                <a:latin typeface="Titillium Web" panose="00000500000000000000" pitchFamily="2" charset="0"/>
-                <a:ea typeface="Open Sans" panose="020B0606030504020204" pitchFamily="34" charset="0"/>
-                <a:cs typeface="Open Sans" panose="020B0606030504020204" pitchFamily="34" charset="0"/>
-              </a:rPr>
-              <a:t> </a:t>
-            </a:r>
-            <a:r>
-              <a:rPr lang="et-EE" sz="2800" dirty="0" err="1">
-                <a:latin typeface="Titillium Web" panose="00000500000000000000" pitchFamily="2" charset="0"/>
-                <a:ea typeface="Open Sans" panose="020B0606030504020204" pitchFamily="34" charset="0"/>
-                <a:cs typeface="Open Sans" panose="020B0606030504020204" pitchFamily="34" charset="0"/>
-              </a:rPr>
-              <a:t>with</a:t>
-            </a:r>
-            <a:r>
-              <a:rPr lang="et-EE" sz="2800" dirty="0">
-                <a:latin typeface="Titillium Web" panose="00000500000000000000" pitchFamily="2" charset="0"/>
-                <a:ea typeface="Open Sans" panose="020B0606030504020204" pitchFamily="34" charset="0"/>
-                <a:cs typeface="Open Sans" panose="020B0606030504020204" pitchFamily="34" charset="0"/>
-              </a:rPr>
-              <a:t> real-</a:t>
-            </a:r>
-            <a:r>
-              <a:rPr lang="et-EE" sz="2800" dirty="0" err="1">
-                <a:latin typeface="Titillium Web" panose="00000500000000000000" pitchFamily="2" charset="0"/>
-                <a:ea typeface="Open Sans" panose="020B0606030504020204" pitchFamily="34" charset="0"/>
-                <a:cs typeface="Open Sans" panose="020B0606030504020204" pitchFamily="34" charset="0"/>
-              </a:rPr>
-              <a:t>life</a:t>
-            </a:r>
-            <a:r>
-              <a:rPr lang="et-EE" sz="2800" dirty="0">
-                <a:latin typeface="Titillium Web" panose="00000500000000000000" pitchFamily="2" charset="0"/>
-                <a:ea typeface="Open Sans" panose="020B0606030504020204" pitchFamily="34" charset="0"/>
-                <a:cs typeface="Open Sans" panose="020B0606030504020204" pitchFamily="34" charset="0"/>
-              </a:rPr>
-              <a:t> </a:t>
-            </a:r>
-            <a:r>
-              <a:rPr lang="et-EE" sz="2800" dirty="0" err="1">
-                <a:latin typeface="Titillium Web" panose="00000500000000000000" pitchFamily="2" charset="0"/>
-                <a:ea typeface="Open Sans" panose="020B0606030504020204" pitchFamily="34" charset="0"/>
-                <a:cs typeface="Open Sans" panose="020B0606030504020204" pitchFamily="34" charset="0"/>
-              </a:rPr>
-              <a:t>situations</a:t>
-            </a:r>
-            <a:r>
-              <a:rPr lang="et-EE" sz="2800" dirty="0">
-                <a:latin typeface="Titillium Web" panose="00000500000000000000" pitchFamily="2" charset="0"/>
-                <a:ea typeface="Open Sans" panose="020B0606030504020204" pitchFamily="34" charset="0"/>
-                <a:cs typeface="Open Sans" panose="020B0606030504020204" pitchFamily="34" charset="0"/>
-              </a:rPr>
-              <a:t>, </a:t>
-            </a:r>
-            <a:r>
-              <a:rPr lang="et-EE" sz="2800" dirty="0" err="1">
-                <a:latin typeface="Titillium Web" panose="00000500000000000000" pitchFamily="2" charset="0"/>
-                <a:ea typeface="Open Sans" panose="020B0606030504020204" pitchFamily="34" charset="0"/>
-                <a:cs typeface="Open Sans" panose="020B0606030504020204" pitchFamily="34" charset="0"/>
-              </a:rPr>
-              <a:t>where</a:t>
-            </a:r>
-            <a:r>
-              <a:rPr lang="et-EE" sz="2800" dirty="0">
-                <a:latin typeface="Titillium Web" panose="00000500000000000000" pitchFamily="2" charset="0"/>
-                <a:ea typeface="Open Sans" panose="020B0606030504020204" pitchFamily="34" charset="0"/>
-                <a:cs typeface="Open Sans" panose="020B0606030504020204" pitchFamily="34" charset="0"/>
-              </a:rPr>
-              <a:t> </a:t>
-            </a:r>
-            <a:r>
-              <a:rPr lang="et-EE" sz="2800" dirty="0" err="1">
-                <a:latin typeface="Titillium Web" panose="00000500000000000000" pitchFamily="2" charset="0"/>
-                <a:ea typeface="Open Sans" panose="020B0606030504020204" pitchFamily="34" charset="0"/>
-                <a:cs typeface="Open Sans" panose="020B0606030504020204" pitchFamily="34" charset="0"/>
-              </a:rPr>
-              <a:t>sometimes</a:t>
-            </a:r>
-            <a:r>
-              <a:rPr lang="et-EE" sz="2800" dirty="0">
-                <a:latin typeface="Titillium Web" panose="00000500000000000000" pitchFamily="2" charset="0"/>
-                <a:ea typeface="Open Sans" panose="020B0606030504020204" pitchFamily="34" charset="0"/>
-                <a:cs typeface="Open Sans" panose="020B0606030504020204" pitchFamily="34" charset="0"/>
-              </a:rPr>
-              <a:t> </a:t>
-            </a:r>
-            <a:r>
-              <a:rPr lang="et-EE" sz="2800" dirty="0" err="1">
-                <a:latin typeface="Titillium Web" panose="00000500000000000000" pitchFamily="2" charset="0"/>
-                <a:ea typeface="Open Sans" panose="020B0606030504020204" pitchFamily="34" charset="0"/>
-                <a:cs typeface="Open Sans" panose="020B0606030504020204" pitchFamily="34" charset="0"/>
-              </a:rPr>
-              <a:t>there</a:t>
-            </a:r>
-            <a:r>
-              <a:rPr lang="et-EE" sz="2800" dirty="0">
-                <a:latin typeface="Titillium Web" panose="00000500000000000000" pitchFamily="2" charset="0"/>
-                <a:ea typeface="Open Sans" panose="020B0606030504020204" pitchFamily="34" charset="0"/>
-                <a:cs typeface="Open Sans" panose="020B0606030504020204" pitchFamily="34" charset="0"/>
-              </a:rPr>
-              <a:t> </a:t>
-            </a:r>
-            <a:r>
-              <a:rPr lang="et-EE" sz="2800" dirty="0" err="1">
-                <a:latin typeface="Titillium Web" panose="00000500000000000000" pitchFamily="2" charset="0"/>
-                <a:ea typeface="Open Sans" panose="020B0606030504020204" pitchFamily="34" charset="0"/>
-                <a:cs typeface="Open Sans" panose="020B0606030504020204" pitchFamily="34" charset="0"/>
-              </a:rPr>
-              <a:t>simply</a:t>
-            </a:r>
-            <a:r>
-              <a:rPr lang="et-EE" sz="2800" dirty="0">
-                <a:latin typeface="Titillium Web" panose="00000500000000000000" pitchFamily="2" charset="0"/>
-                <a:ea typeface="Open Sans" panose="020B0606030504020204" pitchFamily="34" charset="0"/>
-                <a:cs typeface="Open Sans" panose="020B0606030504020204" pitchFamily="34" charset="0"/>
-              </a:rPr>
-              <a:t> </a:t>
-            </a:r>
-            <a:r>
-              <a:rPr lang="et-EE" sz="2800" dirty="0" err="1">
-                <a:latin typeface="Titillium Web" panose="00000500000000000000" pitchFamily="2" charset="0"/>
-                <a:ea typeface="Open Sans" panose="020B0606030504020204" pitchFamily="34" charset="0"/>
-                <a:cs typeface="Open Sans" panose="020B0606030504020204" pitchFamily="34" charset="0"/>
-              </a:rPr>
-              <a:t>is</a:t>
-            </a:r>
-            <a:r>
-              <a:rPr lang="et-EE" sz="2800" dirty="0">
-                <a:latin typeface="Titillium Web" panose="00000500000000000000" pitchFamily="2" charset="0"/>
-                <a:ea typeface="Open Sans" panose="020B0606030504020204" pitchFamily="34" charset="0"/>
-                <a:cs typeface="Open Sans" panose="020B0606030504020204" pitchFamily="34" charset="0"/>
-              </a:rPr>
-              <a:t> </a:t>
-            </a:r>
-            <a:r>
-              <a:rPr lang="et-EE" sz="2800" dirty="0" err="1">
-                <a:latin typeface="Titillium Web" panose="00000500000000000000" pitchFamily="2" charset="0"/>
-                <a:ea typeface="Open Sans" panose="020B0606030504020204" pitchFamily="34" charset="0"/>
-                <a:cs typeface="Open Sans" panose="020B0606030504020204" pitchFamily="34" charset="0"/>
-              </a:rPr>
-              <a:t>not</a:t>
-            </a:r>
-            <a:r>
-              <a:rPr lang="et-EE" sz="2800" dirty="0">
-                <a:latin typeface="Titillium Web" panose="00000500000000000000" pitchFamily="2" charset="0"/>
-                <a:ea typeface="Open Sans" panose="020B0606030504020204" pitchFamily="34" charset="0"/>
-                <a:cs typeface="Open Sans" panose="020B0606030504020204" pitchFamily="34" charset="0"/>
-              </a:rPr>
-              <a:t> </a:t>
-            </a:r>
-            <a:r>
-              <a:rPr lang="et-EE" sz="2800" dirty="0" err="1">
-                <a:latin typeface="Titillium Web" panose="00000500000000000000" pitchFamily="2" charset="0"/>
-                <a:ea typeface="Open Sans" panose="020B0606030504020204" pitchFamily="34" charset="0"/>
-                <a:cs typeface="Open Sans" panose="020B0606030504020204" pitchFamily="34" charset="0"/>
-              </a:rPr>
-              <a:t>enough</a:t>
-            </a:r>
-            <a:r>
-              <a:rPr lang="et-EE" sz="2800" dirty="0">
-                <a:latin typeface="Titillium Web" panose="00000500000000000000" pitchFamily="2" charset="0"/>
-                <a:ea typeface="Open Sans" panose="020B0606030504020204" pitchFamily="34" charset="0"/>
-                <a:cs typeface="Open Sans" panose="020B0606030504020204" pitchFamily="34" charset="0"/>
-              </a:rPr>
-              <a:t> </a:t>
-            </a:r>
-            <a:r>
-              <a:rPr lang="et-EE" sz="2800" dirty="0" err="1">
-                <a:latin typeface="Titillium Web" panose="00000500000000000000" pitchFamily="2" charset="0"/>
-                <a:ea typeface="Open Sans" panose="020B0606030504020204" pitchFamily="34" charset="0"/>
-                <a:cs typeface="Open Sans" panose="020B0606030504020204" pitchFamily="34" charset="0"/>
-              </a:rPr>
-              <a:t>data</a:t>
-            </a:r>
-            <a:r>
-              <a:rPr lang="et-EE" sz="2800" dirty="0">
-                <a:latin typeface="Titillium Web" panose="00000500000000000000" pitchFamily="2" charset="0"/>
-                <a:ea typeface="Open Sans" panose="020B0606030504020204" pitchFamily="34" charset="0"/>
-                <a:cs typeface="Open Sans" panose="020B0606030504020204" pitchFamily="34" charset="0"/>
-              </a:rPr>
-              <a:t>.</a:t>
-            </a:r>
-            <a:endParaRPr lang="en-US" sz="2800" dirty="0">
+              <a:rPr lang="et-EE" sz="2800" b="1" dirty="0">
+                <a:latin typeface="Titillium Web" panose="00000500000000000000" pitchFamily="2" charset="0"/>
+                <a:ea typeface="Open Sans" panose="020B0606030504020204" pitchFamily="34" charset="0"/>
+                <a:cs typeface="Open Sans" panose="020B0606030504020204" pitchFamily="34" charset="0"/>
+              </a:rPr>
+              <a:t> </a:t>
+            </a:r>
+            <a:r>
+              <a:rPr lang="et-EE" sz="2800" b="1" dirty="0" err="1">
+                <a:latin typeface="Titillium Web" panose="00000500000000000000" pitchFamily="2" charset="0"/>
+                <a:ea typeface="Open Sans" panose="020B0606030504020204" pitchFamily="34" charset="0"/>
+                <a:cs typeface="Open Sans" panose="020B0606030504020204" pitchFamily="34" charset="0"/>
+              </a:rPr>
+              <a:t>say</a:t>
+            </a:r>
+            <a:r>
+              <a:rPr lang="et-EE" sz="2800" b="1" dirty="0">
+                <a:latin typeface="Titillium Web" panose="00000500000000000000" pitchFamily="2" charset="0"/>
+                <a:ea typeface="Open Sans" panose="020B0606030504020204" pitchFamily="34" charset="0"/>
+                <a:cs typeface="Open Sans" panose="020B0606030504020204" pitchFamily="34" charset="0"/>
+              </a:rPr>
+              <a:t> </a:t>
+            </a:r>
+            <a:r>
+              <a:rPr lang="et-EE" sz="2800" b="1" dirty="0" err="1">
+                <a:latin typeface="Titillium Web" panose="00000500000000000000" pitchFamily="2" charset="0"/>
+                <a:ea typeface="Open Sans" panose="020B0606030504020204" pitchFamily="34" charset="0"/>
+                <a:cs typeface="Open Sans" panose="020B0606030504020204" pitchFamily="34" charset="0"/>
+              </a:rPr>
+              <a:t>for</a:t>
+            </a:r>
+            <a:r>
+              <a:rPr lang="et-EE" sz="2800" b="1" dirty="0">
+                <a:latin typeface="Titillium Web" panose="00000500000000000000" pitchFamily="2" charset="0"/>
+                <a:ea typeface="Open Sans" panose="020B0606030504020204" pitchFamily="34" charset="0"/>
+                <a:cs typeface="Open Sans" panose="020B0606030504020204" pitchFamily="34" charset="0"/>
+              </a:rPr>
+              <a:t> </a:t>
+            </a:r>
+            <a:r>
+              <a:rPr lang="et-EE" sz="2800" b="1" dirty="0" err="1">
+                <a:latin typeface="Titillium Web" panose="00000500000000000000" pitchFamily="2" charset="0"/>
+                <a:ea typeface="Open Sans" panose="020B0606030504020204" pitchFamily="34" charset="0"/>
+                <a:cs typeface="Open Sans" panose="020B0606030504020204" pitchFamily="34" charset="0"/>
+              </a:rPr>
+              <a:t>now</a:t>
+            </a:r>
+            <a:r>
+              <a:rPr lang="et-EE" sz="2800" b="1" dirty="0">
+                <a:latin typeface="Titillium Web" panose="00000500000000000000" pitchFamily="2" charset="0"/>
+                <a:ea typeface="Open Sans" panose="020B0606030504020204" pitchFamily="34" charset="0"/>
+                <a:cs typeface="Open Sans" panose="020B0606030504020204" pitchFamily="34" charset="0"/>
+              </a:rPr>
+              <a:t> </a:t>
+            </a:r>
+            <a:r>
+              <a:rPr lang="et-EE" sz="2800" b="1" dirty="0" err="1">
+                <a:latin typeface="Titillium Web" panose="00000500000000000000" pitchFamily="2" charset="0"/>
+                <a:ea typeface="Open Sans" panose="020B0606030504020204" pitchFamily="34" charset="0"/>
+                <a:cs typeface="Open Sans" panose="020B0606030504020204" pitchFamily="34" charset="0"/>
+              </a:rPr>
+              <a:t>we</a:t>
+            </a:r>
+            <a:r>
+              <a:rPr lang="et-EE" sz="2800" b="1" dirty="0">
+                <a:latin typeface="Titillium Web" panose="00000500000000000000" pitchFamily="2" charset="0"/>
+                <a:ea typeface="Open Sans" panose="020B0606030504020204" pitchFamily="34" charset="0"/>
+                <a:cs typeface="Open Sans" panose="020B0606030504020204" pitchFamily="34" charset="0"/>
+              </a:rPr>
+              <a:t> </a:t>
+            </a:r>
+            <a:r>
+              <a:rPr lang="et-EE" sz="2800" b="1" dirty="0" err="1">
+                <a:latin typeface="Titillium Web" panose="00000500000000000000" pitchFamily="2" charset="0"/>
+                <a:ea typeface="Open Sans" panose="020B0606030504020204" pitchFamily="34" charset="0"/>
+                <a:cs typeface="Open Sans" panose="020B0606030504020204" pitchFamily="34" charset="0"/>
+              </a:rPr>
+              <a:t>should</a:t>
+            </a:r>
+            <a:r>
+              <a:rPr lang="et-EE" sz="2800" b="1" dirty="0">
+                <a:latin typeface="Titillium Web" panose="00000500000000000000" pitchFamily="2" charset="0"/>
+                <a:ea typeface="Open Sans" panose="020B0606030504020204" pitchFamily="34" charset="0"/>
+                <a:cs typeface="Open Sans" panose="020B0606030504020204" pitchFamily="34" charset="0"/>
+              </a:rPr>
+              <a:t> </a:t>
+            </a:r>
+            <a:r>
+              <a:rPr lang="et-EE" sz="2800" b="1" dirty="0" err="1">
+                <a:latin typeface="Titillium Web" panose="00000500000000000000" pitchFamily="2" charset="0"/>
+                <a:ea typeface="Open Sans" panose="020B0606030504020204" pitchFamily="34" charset="0"/>
+                <a:cs typeface="Open Sans" panose="020B0606030504020204" pitchFamily="34" charset="0"/>
+              </a:rPr>
+              <a:t>still</a:t>
+            </a:r>
+            <a:r>
+              <a:rPr lang="et-EE" sz="2800" b="1" dirty="0">
+                <a:latin typeface="Titillium Web" panose="00000500000000000000" pitchFamily="2" charset="0"/>
+                <a:ea typeface="Open Sans" panose="020B0606030504020204" pitchFamily="34" charset="0"/>
+                <a:cs typeface="Open Sans" panose="020B0606030504020204" pitchFamily="34" charset="0"/>
+              </a:rPr>
+              <a:t> </a:t>
+            </a:r>
+            <a:r>
+              <a:rPr lang="et-EE" sz="2800" b="1" dirty="0" err="1">
+                <a:latin typeface="Titillium Web" panose="00000500000000000000" pitchFamily="2" charset="0"/>
+                <a:ea typeface="Open Sans" panose="020B0606030504020204" pitchFamily="34" charset="0"/>
+                <a:cs typeface="Open Sans" panose="020B0606030504020204" pitchFamily="34" charset="0"/>
+              </a:rPr>
+              <a:t>rely</a:t>
+            </a:r>
+            <a:r>
+              <a:rPr lang="et-EE" sz="2800" b="1" dirty="0">
+                <a:latin typeface="Titillium Web" panose="00000500000000000000" pitchFamily="2" charset="0"/>
+                <a:ea typeface="Open Sans" panose="020B0606030504020204" pitchFamily="34" charset="0"/>
+                <a:cs typeface="Open Sans" panose="020B0606030504020204" pitchFamily="34" charset="0"/>
+              </a:rPr>
+              <a:t> on </a:t>
+            </a:r>
+            <a:r>
+              <a:rPr lang="et-EE" sz="2800" b="1" dirty="0" err="1">
+                <a:latin typeface="Titillium Web" panose="00000500000000000000" pitchFamily="2" charset="0"/>
+                <a:ea typeface="Open Sans" panose="020B0606030504020204" pitchFamily="34" charset="0"/>
+                <a:cs typeface="Open Sans" panose="020B0606030504020204" pitchFamily="34" charset="0"/>
+              </a:rPr>
+              <a:t>actual</a:t>
+            </a:r>
+            <a:r>
+              <a:rPr lang="et-EE" sz="2800" b="1" dirty="0">
+                <a:latin typeface="Titillium Web" panose="00000500000000000000" pitchFamily="2" charset="0"/>
+                <a:ea typeface="Open Sans" panose="020B0606030504020204" pitchFamily="34" charset="0"/>
+                <a:cs typeface="Open Sans" panose="020B0606030504020204" pitchFamily="34" charset="0"/>
+              </a:rPr>
+              <a:t> </a:t>
+            </a:r>
+            <a:r>
+              <a:rPr lang="et-EE" sz="2800" b="1" dirty="0" err="1">
+                <a:latin typeface="Titillium Web" panose="00000500000000000000" pitchFamily="2" charset="0"/>
+                <a:ea typeface="Open Sans" panose="020B0606030504020204" pitchFamily="34" charset="0"/>
+                <a:cs typeface="Open Sans" panose="020B0606030504020204" pitchFamily="34" charset="0"/>
+              </a:rPr>
+              <a:t>measurements</a:t>
+            </a:r>
+            <a:r>
+              <a:rPr lang="et-EE" sz="2800" b="1" dirty="0">
+                <a:latin typeface="Titillium Web" panose="00000500000000000000" pitchFamily="2" charset="0"/>
+                <a:ea typeface="Open Sans" panose="020B0606030504020204" pitchFamily="34" charset="0"/>
+                <a:cs typeface="Open Sans" panose="020B0606030504020204" pitchFamily="34" charset="0"/>
+              </a:rPr>
+              <a:t> </a:t>
+            </a:r>
+            <a:r>
+              <a:rPr lang="et-EE" sz="2800" b="1" dirty="0" err="1">
+                <a:latin typeface="Titillium Web" panose="00000500000000000000" pitchFamily="2" charset="0"/>
+                <a:ea typeface="Open Sans" panose="020B0606030504020204" pitchFamily="34" charset="0"/>
+                <a:cs typeface="Open Sans" panose="020B0606030504020204" pitchFamily="34" charset="0"/>
+              </a:rPr>
+              <a:t>for</a:t>
+            </a:r>
+            <a:r>
+              <a:rPr lang="et-EE" sz="2800" b="1" dirty="0">
+                <a:latin typeface="Titillium Web" panose="00000500000000000000" pitchFamily="2" charset="0"/>
+                <a:ea typeface="Open Sans" panose="020B0606030504020204" pitchFamily="34" charset="0"/>
+                <a:cs typeface="Open Sans" panose="020B0606030504020204" pitchFamily="34" charset="0"/>
+              </a:rPr>
+              <a:t> </a:t>
+            </a:r>
+            <a:r>
+              <a:rPr lang="et-EE" sz="2800" b="1" dirty="0" err="1">
+                <a:latin typeface="Titillium Web" panose="00000500000000000000" pitchFamily="2" charset="0"/>
+                <a:ea typeface="Open Sans" panose="020B0606030504020204" pitchFamily="34" charset="0"/>
+                <a:cs typeface="Open Sans" panose="020B0606030504020204" pitchFamily="34" charset="0"/>
+              </a:rPr>
+              <a:t>quality</a:t>
+            </a:r>
+            <a:r>
+              <a:rPr lang="et-EE" sz="2800" b="1" dirty="0">
+                <a:latin typeface="Titillium Web" panose="00000500000000000000" pitchFamily="2" charset="0"/>
+                <a:ea typeface="Open Sans" panose="020B0606030504020204" pitchFamily="34" charset="0"/>
+                <a:cs typeface="Open Sans" panose="020B0606030504020204" pitchFamily="34" charset="0"/>
+              </a:rPr>
+              <a:t> </a:t>
+            </a:r>
+            <a:r>
+              <a:rPr lang="et-EE" sz="2800" b="1" dirty="0" err="1">
+                <a:latin typeface="Titillium Web" panose="00000500000000000000" pitchFamily="2" charset="0"/>
+                <a:ea typeface="Open Sans" panose="020B0606030504020204" pitchFamily="34" charset="0"/>
+                <a:cs typeface="Open Sans" panose="020B0606030504020204" pitchFamily="34" charset="0"/>
+              </a:rPr>
+              <a:t>classification</a:t>
+            </a:r>
+            <a:endParaRPr lang="et-EE" sz="2800" b="1" dirty="0">
               <a:latin typeface="Titillium Web" panose="00000500000000000000" pitchFamily="2" charset="0"/>
               <a:ea typeface="Open Sans" panose="020B0606030504020204" pitchFamily="34" charset="0"/>
               <a:cs typeface="Open Sans" panose="020B0606030504020204" pitchFamily="34" charset="0"/>
             </a:endParaRPr>
           </a:p>
           <a:p>
-            <a:endParaRPr lang="en-US" sz="2800" dirty="0">
+            <a:endParaRPr lang="et-EE" sz="2800" dirty="0">
               <a:latin typeface="Titillium Web" panose="00000500000000000000" pitchFamily="2" charset="0"/>
               <a:ea typeface="Open Sans" panose="020B0606030504020204" pitchFamily="34" charset="0"/>
               <a:cs typeface="Open Sans" panose="020B0606030504020204" pitchFamily="34" charset="0"/>
             </a:endParaRPr>
           </a:p>
           <a:p>
-            <a:endParaRPr lang="en-US" sz="2800" dirty="0">
+            <a:r>
+              <a:rPr lang="et-EE" sz="2800" dirty="0" err="1">
+                <a:latin typeface="Titillium Web" panose="00000500000000000000" pitchFamily="2" charset="0"/>
+                <a:ea typeface="Open Sans" panose="020B0606030504020204" pitchFamily="34" charset="0"/>
+                <a:cs typeface="Open Sans" panose="020B0606030504020204" pitchFamily="34" charset="0"/>
+              </a:rPr>
+              <a:t>To</a:t>
+            </a:r>
+            <a:r>
+              <a:rPr lang="et-EE" sz="2800" dirty="0">
+                <a:latin typeface="Titillium Web" panose="00000500000000000000" pitchFamily="2" charset="0"/>
+                <a:ea typeface="Open Sans" panose="020B0606030504020204" pitchFamily="34" charset="0"/>
+                <a:cs typeface="Open Sans" panose="020B0606030504020204" pitchFamily="34" charset="0"/>
+              </a:rPr>
+              <a:t> </a:t>
+            </a:r>
+            <a:r>
+              <a:rPr lang="et-EE" sz="2800" dirty="0" err="1">
+                <a:latin typeface="Titillium Web" panose="00000500000000000000" pitchFamily="2" charset="0"/>
+                <a:ea typeface="Open Sans" panose="020B0606030504020204" pitchFamily="34" charset="0"/>
+                <a:cs typeface="Open Sans" panose="020B0606030504020204" pitchFamily="34" charset="0"/>
+              </a:rPr>
+              <a:t>predict</a:t>
+            </a:r>
+            <a:r>
+              <a:rPr lang="et-EE" sz="2800" dirty="0">
+                <a:latin typeface="Titillium Web" panose="00000500000000000000" pitchFamily="2" charset="0"/>
+                <a:ea typeface="Open Sans" panose="020B0606030504020204" pitchFamily="34" charset="0"/>
+                <a:cs typeface="Open Sans" panose="020B0606030504020204" pitchFamily="34" charset="0"/>
+              </a:rPr>
+              <a:t> </a:t>
+            </a:r>
+            <a:r>
+              <a:rPr lang="et-EE" sz="2800" dirty="0" err="1">
+                <a:latin typeface="Titillium Web" panose="00000500000000000000" pitchFamily="2" charset="0"/>
+                <a:ea typeface="Open Sans" panose="020B0606030504020204" pitchFamily="34" charset="0"/>
+                <a:cs typeface="Open Sans" panose="020B0606030504020204" pitchFamily="34" charset="0"/>
+              </a:rPr>
+              <a:t>accurately</a:t>
+            </a:r>
+            <a:r>
+              <a:rPr lang="et-EE" sz="2800" dirty="0">
+                <a:latin typeface="Titillium Web" panose="00000500000000000000" pitchFamily="2" charset="0"/>
+                <a:ea typeface="Open Sans" panose="020B0606030504020204" pitchFamily="34" charset="0"/>
+                <a:cs typeface="Open Sans" panose="020B0606030504020204" pitchFamily="34" charset="0"/>
+              </a:rPr>
+              <a:t>, </a:t>
+            </a:r>
+            <a:r>
+              <a:rPr lang="et-EE" sz="2800" dirty="0" err="1">
+                <a:latin typeface="Titillium Web" panose="00000500000000000000" pitchFamily="2" charset="0"/>
+                <a:ea typeface="Open Sans" panose="020B0606030504020204" pitchFamily="34" charset="0"/>
+                <a:cs typeface="Open Sans" panose="020B0606030504020204" pitchFamily="34" charset="0"/>
+              </a:rPr>
+              <a:t>there</a:t>
+            </a:r>
+            <a:r>
+              <a:rPr lang="et-EE" sz="2800" dirty="0">
+                <a:latin typeface="Titillium Web" panose="00000500000000000000" pitchFamily="2" charset="0"/>
+                <a:ea typeface="Open Sans" panose="020B0606030504020204" pitchFamily="34" charset="0"/>
+                <a:cs typeface="Open Sans" panose="020B0606030504020204" pitchFamily="34" charset="0"/>
+              </a:rPr>
+              <a:t> </a:t>
+            </a:r>
+            <a:r>
+              <a:rPr lang="et-EE" sz="2800" dirty="0" err="1">
+                <a:latin typeface="Titillium Web" panose="00000500000000000000" pitchFamily="2" charset="0"/>
+                <a:ea typeface="Open Sans" panose="020B0606030504020204" pitchFamily="34" charset="0"/>
+                <a:cs typeface="Open Sans" panose="020B0606030504020204" pitchFamily="34" charset="0"/>
+              </a:rPr>
+              <a:t>should</a:t>
+            </a:r>
+            <a:r>
+              <a:rPr lang="et-EE" sz="2800" dirty="0">
+                <a:latin typeface="Titillium Web" panose="00000500000000000000" pitchFamily="2" charset="0"/>
+                <a:ea typeface="Open Sans" panose="020B0606030504020204" pitchFamily="34" charset="0"/>
+                <a:cs typeface="Open Sans" panose="020B0606030504020204" pitchFamily="34" charset="0"/>
+              </a:rPr>
+              <a:t> </a:t>
+            </a:r>
+            <a:r>
+              <a:rPr lang="et-EE" sz="2800" dirty="0" err="1">
+                <a:latin typeface="Titillium Web" panose="00000500000000000000" pitchFamily="2" charset="0"/>
+                <a:ea typeface="Open Sans" panose="020B0606030504020204" pitchFamily="34" charset="0"/>
+                <a:cs typeface="Open Sans" panose="020B0606030504020204" pitchFamily="34" charset="0"/>
+              </a:rPr>
+              <a:t>be</a:t>
+            </a:r>
+            <a:r>
+              <a:rPr lang="et-EE" sz="2800" dirty="0">
+                <a:latin typeface="Titillium Web" panose="00000500000000000000" pitchFamily="2" charset="0"/>
+                <a:ea typeface="Open Sans" panose="020B0606030504020204" pitchFamily="34" charset="0"/>
+                <a:cs typeface="Open Sans" panose="020B0606030504020204" pitchFamily="34" charset="0"/>
+              </a:rPr>
+              <a:t> </a:t>
+            </a:r>
+            <a:r>
+              <a:rPr lang="et-EE" sz="2800" dirty="0" err="1">
+                <a:latin typeface="Titillium Web" panose="00000500000000000000" pitchFamily="2" charset="0"/>
+                <a:ea typeface="Open Sans" panose="020B0606030504020204" pitchFamily="34" charset="0"/>
+                <a:cs typeface="Open Sans" panose="020B0606030504020204" pitchFamily="34" charset="0"/>
+              </a:rPr>
+              <a:t>more</a:t>
+            </a:r>
+            <a:r>
+              <a:rPr lang="et-EE" sz="2800" dirty="0">
+                <a:latin typeface="Titillium Web" panose="00000500000000000000" pitchFamily="2" charset="0"/>
+                <a:ea typeface="Open Sans" panose="020B0606030504020204" pitchFamily="34" charset="0"/>
+                <a:cs typeface="Open Sans" panose="020B0606030504020204" pitchFamily="34" charset="0"/>
+              </a:rPr>
+              <a:t> </a:t>
+            </a:r>
+            <a:r>
+              <a:rPr lang="et-EE" sz="2800" dirty="0" err="1">
+                <a:latin typeface="Titillium Web" panose="00000500000000000000" pitchFamily="2" charset="0"/>
+                <a:ea typeface="Open Sans" panose="020B0606030504020204" pitchFamily="34" charset="0"/>
+                <a:cs typeface="Open Sans" panose="020B0606030504020204" pitchFamily="34" charset="0"/>
+              </a:rPr>
+              <a:t>years</a:t>
+            </a:r>
+            <a:r>
+              <a:rPr lang="et-EE" sz="2800" dirty="0">
+                <a:latin typeface="Titillium Web" panose="00000500000000000000" pitchFamily="2" charset="0"/>
+                <a:ea typeface="Open Sans" panose="020B0606030504020204" pitchFamily="34" charset="0"/>
+                <a:cs typeface="Open Sans" panose="020B0606030504020204" pitchFamily="34" charset="0"/>
+              </a:rPr>
+              <a:t> </a:t>
+            </a:r>
+            <a:r>
+              <a:rPr lang="et-EE" sz="2800" dirty="0" err="1">
+                <a:latin typeface="Titillium Web" panose="00000500000000000000" pitchFamily="2" charset="0"/>
+                <a:ea typeface="Open Sans" panose="020B0606030504020204" pitchFamily="34" charset="0"/>
+                <a:cs typeface="Open Sans" panose="020B0606030504020204" pitchFamily="34" charset="0"/>
+              </a:rPr>
+              <a:t>to</a:t>
+            </a:r>
+            <a:r>
+              <a:rPr lang="et-EE" sz="2800" dirty="0">
+                <a:latin typeface="Titillium Web" panose="00000500000000000000" pitchFamily="2" charset="0"/>
+                <a:ea typeface="Open Sans" panose="020B0606030504020204" pitchFamily="34" charset="0"/>
+                <a:cs typeface="Open Sans" panose="020B0606030504020204" pitchFamily="34" charset="0"/>
+              </a:rPr>
+              <a:t> </a:t>
+            </a:r>
+            <a:r>
+              <a:rPr lang="et-EE" sz="2800" dirty="0" err="1">
+                <a:latin typeface="Titillium Web" panose="00000500000000000000" pitchFamily="2" charset="0"/>
+                <a:ea typeface="Open Sans" panose="020B0606030504020204" pitchFamily="34" charset="0"/>
+                <a:cs typeface="Open Sans" panose="020B0606030504020204" pitchFamily="34" charset="0"/>
+              </a:rPr>
+              <a:t>predict</a:t>
+            </a:r>
+            <a:r>
+              <a:rPr lang="et-EE" sz="2800" dirty="0">
+                <a:latin typeface="Titillium Web" panose="00000500000000000000" pitchFamily="2" charset="0"/>
+                <a:ea typeface="Open Sans" panose="020B0606030504020204" pitchFamily="34" charset="0"/>
+                <a:cs typeface="Open Sans" panose="020B0606030504020204" pitchFamily="34" charset="0"/>
+              </a:rPr>
+              <a:t> </a:t>
+            </a:r>
+            <a:r>
+              <a:rPr lang="et-EE" sz="2800" dirty="0" err="1">
+                <a:latin typeface="Titillium Web" panose="00000500000000000000" pitchFamily="2" charset="0"/>
+                <a:ea typeface="Open Sans" panose="020B0606030504020204" pitchFamily="34" charset="0"/>
+                <a:cs typeface="Open Sans" panose="020B0606030504020204" pitchFamily="34" charset="0"/>
+              </a:rPr>
+              <a:t>from</a:t>
+            </a:r>
+            <a:r>
+              <a:rPr lang="et-EE" sz="2800" dirty="0">
+                <a:latin typeface="Titillium Web" panose="00000500000000000000" pitchFamily="2" charset="0"/>
+                <a:ea typeface="Open Sans" panose="020B0606030504020204" pitchFamily="34" charset="0"/>
+                <a:cs typeface="Open Sans" panose="020B0606030504020204" pitchFamily="34" charset="0"/>
+              </a:rPr>
+              <a:t>, and </a:t>
+            </a:r>
+            <a:r>
+              <a:rPr lang="et-EE" sz="2800" dirty="0" err="1">
+                <a:latin typeface="Titillium Web" panose="00000500000000000000" pitchFamily="2" charset="0"/>
+                <a:ea typeface="Open Sans" panose="020B0606030504020204" pitchFamily="34" charset="0"/>
+                <a:cs typeface="Open Sans" panose="020B0606030504020204" pitchFamily="34" charset="0"/>
+              </a:rPr>
+              <a:t>certanly</a:t>
+            </a:r>
+            <a:r>
+              <a:rPr lang="et-EE" sz="2800" dirty="0">
+                <a:latin typeface="Titillium Web" panose="00000500000000000000" pitchFamily="2" charset="0"/>
+                <a:ea typeface="Open Sans" panose="020B0606030504020204" pitchFamily="34" charset="0"/>
+                <a:cs typeface="Open Sans" panose="020B0606030504020204" pitchFamily="34" charset="0"/>
+              </a:rPr>
+              <a:t> </a:t>
+            </a:r>
+            <a:r>
+              <a:rPr lang="et-EE" sz="2800" dirty="0" err="1">
+                <a:latin typeface="Titillium Web" panose="00000500000000000000" pitchFamily="2" charset="0"/>
+                <a:ea typeface="Open Sans" panose="020B0606030504020204" pitchFamily="34" charset="0"/>
+                <a:cs typeface="Open Sans" panose="020B0606030504020204" pitchFamily="34" charset="0"/>
+              </a:rPr>
+              <a:t>less</a:t>
+            </a:r>
+            <a:r>
+              <a:rPr lang="et-EE" sz="2800" dirty="0">
+                <a:latin typeface="Titillium Web" panose="00000500000000000000" pitchFamily="2" charset="0"/>
+                <a:ea typeface="Open Sans" panose="020B0606030504020204" pitchFamily="34" charset="0"/>
+                <a:cs typeface="Open Sans" panose="020B0606030504020204" pitchFamily="34" charset="0"/>
+              </a:rPr>
+              <a:t> </a:t>
+            </a:r>
+            <a:r>
+              <a:rPr lang="et-EE" sz="2800" dirty="0" err="1">
+                <a:latin typeface="Titillium Web" panose="00000500000000000000" pitchFamily="2" charset="0"/>
+                <a:ea typeface="Open Sans" panose="020B0606030504020204" pitchFamily="34" charset="0"/>
+                <a:cs typeface="Open Sans" panose="020B0606030504020204" pitchFamily="34" charset="0"/>
+              </a:rPr>
+              <a:t>NaN</a:t>
+            </a:r>
+            <a:r>
+              <a:rPr lang="et-EE" sz="2800" dirty="0">
+                <a:latin typeface="Titillium Web" panose="00000500000000000000" pitchFamily="2" charset="0"/>
+                <a:ea typeface="Open Sans" panose="020B0606030504020204" pitchFamily="34" charset="0"/>
+                <a:cs typeface="Open Sans" panose="020B0606030504020204" pitchFamily="34" charset="0"/>
+              </a:rPr>
+              <a:t> </a:t>
+            </a:r>
+            <a:r>
+              <a:rPr lang="et-EE" sz="2800" dirty="0" err="1">
+                <a:latin typeface="Titillium Web" panose="00000500000000000000" pitchFamily="2" charset="0"/>
+                <a:ea typeface="Open Sans" panose="020B0606030504020204" pitchFamily="34" charset="0"/>
+                <a:cs typeface="Open Sans" panose="020B0606030504020204" pitchFamily="34" charset="0"/>
+              </a:rPr>
+              <a:t>values</a:t>
+            </a:r>
+            <a:r>
+              <a:rPr lang="et-EE" sz="2800" dirty="0">
+                <a:latin typeface="Titillium Web" panose="00000500000000000000" pitchFamily="2" charset="0"/>
+                <a:ea typeface="Open Sans" panose="020B0606030504020204" pitchFamily="34" charset="0"/>
+                <a:cs typeface="Open Sans" panose="020B0606030504020204" pitchFamily="34" charset="0"/>
+              </a:rPr>
+              <a:t>.</a:t>
+            </a:r>
+          </a:p>
+          <a:p>
+            <a:endParaRPr lang="et-EE" sz="2800" dirty="0">
               <a:latin typeface="Titillium Web" panose="00000500000000000000" pitchFamily="2" charset="0"/>
               <a:ea typeface="Open Sans" panose="020B0606030504020204" pitchFamily="34" charset="0"/>
               <a:cs typeface="Open Sans" panose="020B0606030504020204" pitchFamily="34" charset="0"/>
@@ -13090,29 +13368,510 @@
           </a:p>
           <a:p>
             <a:r>
-              <a:rPr lang="en-US" sz="2800" dirty="0">
-                <a:latin typeface="Titillium Web" panose="00000500000000000000" pitchFamily="2" charset="0"/>
-                <a:ea typeface="Open Sans" panose="020B0606030504020204" pitchFamily="34" charset="0"/>
-                <a:cs typeface="Open Sans" panose="020B0606030504020204" pitchFamily="34" charset="0"/>
-              </a:rPr>
-              <a:t>Talk about how we </a:t>
-            </a:r>
-            <a:r>
-              <a:rPr lang="en-US" sz="2800" dirty="0" err="1">
-                <a:latin typeface="Titillium Web" panose="00000500000000000000" pitchFamily="2" charset="0"/>
-                <a:ea typeface="Open Sans" panose="020B0606030504020204" pitchFamily="34" charset="0"/>
-                <a:cs typeface="Open Sans" panose="020B0606030504020204" pitchFamily="34" charset="0"/>
-              </a:rPr>
-              <a:t>dont</a:t>
-            </a:r>
-            <a:r>
-              <a:rPr lang="en-US" sz="2800" dirty="0">
-                <a:latin typeface="Titillium Web" panose="00000500000000000000" pitchFamily="2" charset="0"/>
-                <a:ea typeface="Open Sans" panose="020B0606030504020204" pitchFamily="34" charset="0"/>
-                <a:cs typeface="Open Sans" panose="020B0606030504020204" pitchFamily="34" charset="0"/>
-              </a:rPr>
-              <a:t> need to do much</a:t>
-            </a:r>
+              <a:rPr lang="et-EE" sz="2800" dirty="0" err="1">
+                <a:latin typeface="Titillium Web" panose="00000500000000000000" pitchFamily="2" charset="0"/>
+                <a:ea typeface="Open Sans" panose="020B0606030504020204" pitchFamily="34" charset="0"/>
+                <a:cs typeface="Open Sans" panose="020B0606030504020204" pitchFamily="34" charset="0"/>
+              </a:rPr>
+              <a:t>This</a:t>
+            </a:r>
+            <a:r>
+              <a:rPr lang="et-EE" sz="2800" dirty="0">
+                <a:latin typeface="Titillium Web" panose="00000500000000000000" pitchFamily="2" charset="0"/>
+                <a:ea typeface="Open Sans" panose="020B0606030504020204" pitchFamily="34" charset="0"/>
+                <a:cs typeface="Open Sans" panose="020B0606030504020204" pitchFamily="34" charset="0"/>
+              </a:rPr>
+              <a:t> </a:t>
+            </a:r>
+            <a:r>
+              <a:rPr lang="et-EE" sz="2800" dirty="0" err="1">
+                <a:latin typeface="Titillium Web" panose="00000500000000000000" pitchFamily="2" charset="0"/>
+                <a:ea typeface="Open Sans" panose="020B0606030504020204" pitchFamily="34" charset="0"/>
+                <a:cs typeface="Open Sans" panose="020B0606030504020204" pitchFamily="34" charset="0"/>
+              </a:rPr>
+              <a:t>problem</a:t>
+            </a:r>
+            <a:r>
+              <a:rPr lang="et-EE" sz="2800" dirty="0">
+                <a:latin typeface="Titillium Web" panose="00000500000000000000" pitchFamily="2" charset="0"/>
+                <a:ea typeface="Open Sans" panose="020B0606030504020204" pitchFamily="34" charset="0"/>
+                <a:cs typeface="Open Sans" panose="020B0606030504020204" pitchFamily="34" charset="0"/>
+              </a:rPr>
+              <a:t> </a:t>
+            </a:r>
+            <a:r>
+              <a:rPr lang="et-EE" sz="2800" dirty="0" err="1">
+                <a:latin typeface="Titillium Web" panose="00000500000000000000" pitchFamily="2" charset="0"/>
+                <a:ea typeface="Open Sans" panose="020B0606030504020204" pitchFamily="34" charset="0"/>
+                <a:cs typeface="Open Sans" panose="020B0606030504020204" pitchFamily="34" charset="0"/>
+              </a:rPr>
+              <a:t>should</a:t>
+            </a:r>
+            <a:r>
+              <a:rPr lang="et-EE" sz="2800" dirty="0">
+                <a:latin typeface="Titillium Web" panose="00000500000000000000" pitchFamily="2" charset="0"/>
+                <a:ea typeface="Open Sans" panose="020B0606030504020204" pitchFamily="34" charset="0"/>
+                <a:cs typeface="Open Sans" panose="020B0606030504020204" pitchFamily="34" charset="0"/>
+              </a:rPr>
+              <a:t> </a:t>
+            </a:r>
+            <a:r>
+              <a:rPr lang="et-EE" sz="2800" dirty="0" err="1">
+                <a:latin typeface="Titillium Web" panose="00000500000000000000" pitchFamily="2" charset="0"/>
+                <a:ea typeface="Open Sans" panose="020B0606030504020204" pitchFamily="34" charset="0"/>
+                <a:cs typeface="Open Sans" panose="020B0606030504020204" pitchFamily="34" charset="0"/>
+              </a:rPr>
+              <a:t>be</a:t>
+            </a:r>
+            <a:r>
+              <a:rPr lang="et-EE" sz="2800" dirty="0">
+                <a:latin typeface="Titillium Web" panose="00000500000000000000" pitchFamily="2" charset="0"/>
+                <a:ea typeface="Open Sans" panose="020B0606030504020204" pitchFamily="34" charset="0"/>
+                <a:cs typeface="Open Sans" panose="020B0606030504020204" pitchFamily="34" charset="0"/>
+              </a:rPr>
+              <a:t> </a:t>
+            </a:r>
+            <a:r>
+              <a:rPr lang="et-EE" sz="2800" dirty="0" err="1">
+                <a:latin typeface="Titillium Web" panose="00000500000000000000" pitchFamily="2" charset="0"/>
+                <a:ea typeface="Open Sans" panose="020B0606030504020204" pitchFamily="34" charset="0"/>
+                <a:cs typeface="Open Sans" panose="020B0606030504020204" pitchFamily="34" charset="0"/>
+              </a:rPr>
+              <a:t>approached</a:t>
+            </a:r>
+            <a:r>
+              <a:rPr lang="et-EE" sz="2800" dirty="0">
+                <a:latin typeface="Titillium Web" panose="00000500000000000000" pitchFamily="2" charset="0"/>
+                <a:ea typeface="Open Sans" panose="020B0606030504020204" pitchFamily="34" charset="0"/>
+                <a:cs typeface="Open Sans" panose="020B0606030504020204" pitchFamily="34" charset="0"/>
+              </a:rPr>
+              <a:t> </a:t>
+            </a:r>
+            <a:r>
+              <a:rPr lang="et-EE" sz="2800" dirty="0" err="1">
+                <a:latin typeface="Titillium Web" panose="00000500000000000000" pitchFamily="2" charset="0"/>
+                <a:ea typeface="Open Sans" panose="020B0606030504020204" pitchFamily="34" charset="0"/>
+                <a:cs typeface="Open Sans" panose="020B0606030504020204" pitchFamily="34" charset="0"/>
+              </a:rPr>
+              <a:t>with</a:t>
+            </a:r>
+            <a:r>
+              <a:rPr lang="et-EE" sz="2800" dirty="0">
+                <a:latin typeface="Titillium Web" panose="00000500000000000000" pitchFamily="2" charset="0"/>
+                <a:ea typeface="Open Sans" panose="020B0606030504020204" pitchFamily="34" charset="0"/>
+                <a:cs typeface="Open Sans" panose="020B0606030504020204" pitchFamily="34" charset="0"/>
+              </a:rPr>
+              <a:t> </a:t>
+            </a:r>
+            <a:r>
+              <a:rPr lang="et-EE" sz="2800" dirty="0" err="1">
+                <a:latin typeface="Titillium Web" panose="00000500000000000000" pitchFamily="2" charset="0"/>
+                <a:ea typeface="Open Sans" panose="020B0606030504020204" pitchFamily="34" charset="0"/>
+                <a:cs typeface="Open Sans" panose="020B0606030504020204" pitchFamily="34" charset="0"/>
+              </a:rPr>
+              <a:t>knowledge</a:t>
+            </a:r>
+            <a:r>
+              <a:rPr lang="et-EE" sz="2800" dirty="0">
+                <a:latin typeface="Titillium Web" panose="00000500000000000000" pitchFamily="2" charset="0"/>
+                <a:ea typeface="Open Sans" panose="020B0606030504020204" pitchFamily="34" charset="0"/>
+                <a:cs typeface="Open Sans" panose="020B0606030504020204" pitchFamily="34" charset="0"/>
+              </a:rPr>
+              <a:t> </a:t>
+            </a:r>
+            <a:r>
+              <a:rPr lang="et-EE" sz="2800" dirty="0" err="1">
+                <a:latin typeface="Titillium Web" panose="00000500000000000000" pitchFamily="2" charset="0"/>
+                <a:ea typeface="Open Sans" panose="020B0606030504020204" pitchFamily="34" charset="0"/>
+                <a:cs typeface="Open Sans" panose="020B0606030504020204" pitchFamily="34" charset="0"/>
+              </a:rPr>
+              <a:t>about</a:t>
+            </a:r>
+            <a:r>
+              <a:rPr lang="et-EE" sz="2800" dirty="0">
+                <a:latin typeface="Titillium Web" panose="00000500000000000000" pitchFamily="2" charset="0"/>
+                <a:ea typeface="Open Sans" panose="020B0606030504020204" pitchFamily="34" charset="0"/>
+                <a:cs typeface="Open Sans" panose="020B0606030504020204" pitchFamily="34" charset="0"/>
+              </a:rPr>
+              <a:t> </a:t>
+            </a:r>
+            <a:r>
+              <a:rPr lang="et-EE" sz="2800" dirty="0" err="1">
+                <a:latin typeface="Titillium Web" panose="00000500000000000000" pitchFamily="2" charset="0"/>
+                <a:ea typeface="Open Sans" panose="020B0606030504020204" pitchFamily="34" charset="0"/>
+                <a:cs typeface="Open Sans" panose="020B0606030504020204" pitchFamily="34" charset="0"/>
+              </a:rPr>
+              <a:t>the</a:t>
+            </a:r>
+            <a:r>
+              <a:rPr lang="et-EE" sz="2800" dirty="0">
+                <a:latin typeface="Titillium Web" panose="00000500000000000000" pitchFamily="2" charset="0"/>
+                <a:ea typeface="Open Sans" panose="020B0606030504020204" pitchFamily="34" charset="0"/>
+                <a:cs typeface="Open Sans" panose="020B0606030504020204" pitchFamily="34" charset="0"/>
+              </a:rPr>
+              <a:t> </a:t>
+            </a:r>
+            <a:r>
+              <a:rPr lang="et-EE" sz="2800" dirty="0" err="1">
+                <a:latin typeface="Titillium Web" panose="00000500000000000000" pitchFamily="2" charset="0"/>
+                <a:ea typeface="Open Sans" panose="020B0606030504020204" pitchFamily="34" charset="0"/>
+                <a:cs typeface="Open Sans" panose="020B0606030504020204" pitchFamily="34" charset="0"/>
+              </a:rPr>
+              <a:t>field</a:t>
+            </a:r>
+            <a:r>
+              <a:rPr lang="et-EE" sz="2800" dirty="0">
+                <a:latin typeface="Titillium Web" panose="00000500000000000000" pitchFamily="2" charset="0"/>
+                <a:ea typeface="Open Sans" panose="020B0606030504020204" pitchFamily="34" charset="0"/>
+                <a:cs typeface="Open Sans" panose="020B0606030504020204" pitchFamily="34" charset="0"/>
+              </a:rPr>
+              <a:t> </a:t>
+            </a:r>
+            <a:r>
+              <a:rPr lang="et-EE" sz="2800" dirty="0" err="1">
+                <a:latin typeface="Titillium Web" panose="00000500000000000000" pitchFamily="2" charset="0"/>
+                <a:ea typeface="Open Sans" panose="020B0606030504020204" pitchFamily="34" charset="0"/>
+                <a:cs typeface="Open Sans" panose="020B0606030504020204" pitchFamily="34" charset="0"/>
+              </a:rPr>
+              <a:t>itself</a:t>
+            </a:r>
+            <a:r>
+              <a:rPr lang="et-EE" sz="2800" dirty="0">
+                <a:latin typeface="Titillium Web" panose="00000500000000000000" pitchFamily="2" charset="0"/>
+                <a:ea typeface="Open Sans" panose="020B0606030504020204" pitchFamily="34" charset="0"/>
+                <a:cs typeface="Open Sans" panose="020B0606030504020204" pitchFamily="34" charset="0"/>
+              </a:rPr>
+              <a:t>, </a:t>
+            </a:r>
+            <a:r>
+              <a:rPr lang="et-EE" sz="2800" dirty="0" err="1">
+                <a:latin typeface="Titillium Web" panose="00000500000000000000" pitchFamily="2" charset="0"/>
+                <a:ea typeface="Open Sans" panose="020B0606030504020204" pitchFamily="34" charset="0"/>
+                <a:cs typeface="Open Sans" panose="020B0606030504020204" pitchFamily="34" charset="0"/>
+              </a:rPr>
+              <a:t>not</a:t>
+            </a:r>
+            <a:r>
+              <a:rPr lang="et-EE" sz="2800" dirty="0">
+                <a:latin typeface="Titillium Web" panose="00000500000000000000" pitchFamily="2" charset="0"/>
+                <a:ea typeface="Open Sans" panose="020B0606030504020204" pitchFamily="34" charset="0"/>
+                <a:cs typeface="Open Sans" panose="020B0606030504020204" pitchFamily="34" charset="0"/>
+              </a:rPr>
+              <a:t> </a:t>
+            </a:r>
+            <a:r>
+              <a:rPr lang="et-EE" sz="2800" dirty="0" err="1">
+                <a:latin typeface="Titillium Web" panose="00000500000000000000" pitchFamily="2" charset="0"/>
+                <a:ea typeface="Open Sans" panose="020B0606030504020204" pitchFamily="34" charset="0"/>
+                <a:cs typeface="Open Sans" panose="020B0606030504020204" pitchFamily="34" charset="0"/>
+              </a:rPr>
+              <a:t>only</a:t>
+            </a:r>
+            <a:r>
+              <a:rPr lang="et-EE" sz="2800" dirty="0">
+                <a:latin typeface="Titillium Web" panose="00000500000000000000" pitchFamily="2" charset="0"/>
+                <a:ea typeface="Open Sans" panose="020B0606030504020204" pitchFamily="34" charset="0"/>
+                <a:cs typeface="Open Sans" panose="020B0606030504020204" pitchFamily="34" charset="0"/>
+              </a:rPr>
+              <a:t> </a:t>
+            </a:r>
+            <a:r>
+              <a:rPr lang="et-EE" sz="2800" dirty="0" err="1">
+                <a:latin typeface="Titillium Web" panose="00000500000000000000" pitchFamily="2" charset="0"/>
+                <a:ea typeface="Open Sans" panose="020B0606030504020204" pitchFamily="34" charset="0"/>
+                <a:cs typeface="Open Sans" panose="020B0606030504020204" pitchFamily="34" charset="0"/>
+              </a:rPr>
+              <a:t>about</a:t>
+            </a:r>
+            <a:r>
+              <a:rPr lang="et-EE" sz="2800" dirty="0">
+                <a:latin typeface="Titillium Web" panose="00000500000000000000" pitchFamily="2" charset="0"/>
+                <a:ea typeface="Open Sans" panose="020B0606030504020204" pitchFamily="34" charset="0"/>
+                <a:cs typeface="Open Sans" panose="020B0606030504020204" pitchFamily="34" charset="0"/>
+              </a:rPr>
+              <a:t> </a:t>
+            </a:r>
+            <a:r>
+              <a:rPr lang="et-EE" sz="2800" dirty="0" err="1">
+                <a:latin typeface="Titillium Web" panose="00000500000000000000" pitchFamily="2" charset="0"/>
+                <a:ea typeface="Open Sans" panose="020B0606030504020204" pitchFamily="34" charset="0"/>
+                <a:cs typeface="Open Sans" panose="020B0606030504020204" pitchFamily="34" charset="0"/>
+              </a:rPr>
+              <a:t>data</a:t>
+            </a:r>
+            <a:r>
+              <a:rPr lang="et-EE" sz="2800" dirty="0">
+                <a:latin typeface="Titillium Web" panose="00000500000000000000" pitchFamily="2" charset="0"/>
+                <a:ea typeface="Open Sans" panose="020B0606030504020204" pitchFamily="34" charset="0"/>
+                <a:cs typeface="Open Sans" panose="020B0606030504020204" pitchFamily="34" charset="0"/>
+              </a:rPr>
+              <a:t> </a:t>
+            </a:r>
+            <a:r>
+              <a:rPr lang="et-EE" sz="2800" dirty="0" err="1">
+                <a:latin typeface="Titillium Web" panose="00000500000000000000" pitchFamily="2" charset="0"/>
+                <a:ea typeface="Open Sans" panose="020B0606030504020204" pitchFamily="34" charset="0"/>
+                <a:cs typeface="Open Sans" panose="020B0606030504020204" pitchFamily="34" charset="0"/>
+              </a:rPr>
+              <a:t>science</a:t>
+            </a:r>
+            <a:r>
+              <a:rPr lang="et-EE" sz="2800" dirty="0">
+                <a:latin typeface="Titillium Web" panose="00000500000000000000" pitchFamily="2" charset="0"/>
+                <a:ea typeface="Open Sans" panose="020B0606030504020204" pitchFamily="34" charset="0"/>
+                <a:cs typeface="Open Sans" panose="020B0606030504020204" pitchFamily="34" charset="0"/>
+              </a:rPr>
+              <a:t>. </a:t>
+            </a:r>
+            <a:r>
+              <a:rPr lang="et-EE" sz="2800" dirty="0" err="1">
+                <a:latin typeface="Titillium Web" panose="00000500000000000000" pitchFamily="2" charset="0"/>
+                <a:ea typeface="Open Sans" panose="020B0606030504020204" pitchFamily="34" charset="0"/>
+                <a:cs typeface="Open Sans" panose="020B0606030504020204" pitchFamily="34" charset="0"/>
+              </a:rPr>
+              <a:t>When</a:t>
+            </a:r>
+            <a:r>
+              <a:rPr lang="et-EE" sz="2800" dirty="0">
+                <a:latin typeface="Titillium Web" panose="00000500000000000000" pitchFamily="2" charset="0"/>
+                <a:ea typeface="Open Sans" panose="020B0606030504020204" pitchFamily="34" charset="0"/>
+                <a:cs typeface="Open Sans" panose="020B0606030504020204" pitchFamily="34" charset="0"/>
+              </a:rPr>
+              <a:t> </a:t>
+            </a:r>
+            <a:r>
+              <a:rPr lang="et-EE" sz="2800" dirty="0" err="1">
+                <a:latin typeface="Titillium Web" panose="00000500000000000000" pitchFamily="2" charset="0"/>
+                <a:ea typeface="Open Sans" panose="020B0606030504020204" pitchFamily="34" charset="0"/>
+                <a:cs typeface="Open Sans" panose="020B0606030504020204" pitchFamily="34" charset="0"/>
+              </a:rPr>
+              <a:t>you</a:t>
+            </a:r>
+            <a:r>
+              <a:rPr lang="et-EE" sz="2800" dirty="0">
+                <a:latin typeface="Titillium Web" panose="00000500000000000000" pitchFamily="2" charset="0"/>
+                <a:ea typeface="Open Sans" panose="020B0606030504020204" pitchFamily="34" charset="0"/>
+                <a:cs typeface="Open Sans" panose="020B0606030504020204" pitchFamily="34" charset="0"/>
+              </a:rPr>
+              <a:t> </a:t>
+            </a:r>
+            <a:r>
+              <a:rPr lang="et-EE" sz="2800" dirty="0" err="1">
+                <a:latin typeface="Titillium Web" panose="00000500000000000000" pitchFamily="2" charset="0"/>
+                <a:ea typeface="Open Sans" panose="020B0606030504020204" pitchFamily="34" charset="0"/>
+                <a:cs typeface="Open Sans" panose="020B0606030504020204" pitchFamily="34" charset="0"/>
+              </a:rPr>
+              <a:t>know</a:t>
+            </a:r>
+            <a:r>
+              <a:rPr lang="et-EE" sz="2800" dirty="0">
+                <a:latin typeface="Titillium Web" panose="00000500000000000000" pitchFamily="2" charset="0"/>
+                <a:ea typeface="Open Sans" panose="020B0606030504020204" pitchFamily="34" charset="0"/>
+                <a:cs typeface="Open Sans" panose="020B0606030504020204" pitchFamily="34" charset="0"/>
+              </a:rPr>
+              <a:t> </a:t>
+            </a:r>
+            <a:r>
+              <a:rPr lang="et-EE" sz="2800" dirty="0" err="1">
+                <a:latin typeface="Titillium Web" panose="00000500000000000000" pitchFamily="2" charset="0"/>
+                <a:ea typeface="Open Sans" panose="020B0606030504020204" pitchFamily="34" charset="0"/>
+                <a:cs typeface="Open Sans" panose="020B0606030504020204" pitchFamily="34" charset="0"/>
+              </a:rPr>
+              <a:t>what</a:t>
+            </a:r>
+            <a:r>
+              <a:rPr lang="et-EE" sz="2800" dirty="0">
+                <a:latin typeface="Titillium Web" panose="00000500000000000000" pitchFamily="2" charset="0"/>
+                <a:ea typeface="Open Sans" panose="020B0606030504020204" pitchFamily="34" charset="0"/>
+                <a:cs typeface="Open Sans" panose="020B0606030504020204" pitchFamily="34" charset="0"/>
+              </a:rPr>
+              <a:t> are </a:t>
+            </a:r>
+            <a:r>
+              <a:rPr lang="et-EE" sz="2800" dirty="0" err="1">
+                <a:latin typeface="Titillium Web" panose="00000500000000000000" pitchFamily="2" charset="0"/>
+                <a:ea typeface="Open Sans" panose="020B0606030504020204" pitchFamily="34" charset="0"/>
+                <a:cs typeface="Open Sans" panose="020B0606030504020204" pitchFamily="34" charset="0"/>
+              </a:rPr>
+              <a:t>the</a:t>
+            </a:r>
+            <a:r>
+              <a:rPr lang="et-EE" sz="2800" dirty="0">
+                <a:latin typeface="Titillium Web" panose="00000500000000000000" pitchFamily="2" charset="0"/>
+                <a:ea typeface="Open Sans" panose="020B0606030504020204" pitchFamily="34" charset="0"/>
+                <a:cs typeface="Open Sans" panose="020B0606030504020204" pitchFamily="34" charset="0"/>
+              </a:rPr>
+              <a:t> </a:t>
+            </a:r>
+            <a:r>
+              <a:rPr lang="et-EE" sz="2800" dirty="0" err="1">
+                <a:latin typeface="Titillium Web" panose="00000500000000000000" pitchFamily="2" charset="0"/>
+                <a:ea typeface="Open Sans" panose="020B0606030504020204" pitchFamily="34" charset="0"/>
+                <a:cs typeface="Open Sans" panose="020B0606030504020204" pitchFamily="34" charset="0"/>
+              </a:rPr>
+              <a:t>critical</a:t>
+            </a:r>
+            <a:r>
+              <a:rPr lang="et-EE" sz="2800" dirty="0">
+                <a:latin typeface="Titillium Web" panose="00000500000000000000" pitchFamily="2" charset="0"/>
+                <a:ea typeface="Open Sans" panose="020B0606030504020204" pitchFamily="34" charset="0"/>
+                <a:cs typeface="Open Sans" panose="020B0606030504020204" pitchFamily="34" charset="0"/>
+              </a:rPr>
+              <a:t> </a:t>
+            </a:r>
+            <a:r>
+              <a:rPr lang="et-EE" sz="2800" dirty="0" err="1">
+                <a:latin typeface="Titillium Web" panose="00000500000000000000" pitchFamily="2" charset="0"/>
+                <a:ea typeface="Open Sans" panose="020B0606030504020204" pitchFamily="34" charset="0"/>
+                <a:cs typeface="Open Sans" panose="020B0606030504020204" pitchFamily="34" charset="0"/>
+              </a:rPr>
+              <a:t>attributes</a:t>
+            </a:r>
+            <a:r>
+              <a:rPr lang="et-EE" sz="2800" dirty="0">
+                <a:latin typeface="Titillium Web" panose="00000500000000000000" pitchFamily="2" charset="0"/>
+                <a:ea typeface="Open Sans" panose="020B0606030504020204" pitchFamily="34" charset="0"/>
+                <a:cs typeface="Open Sans" panose="020B0606030504020204" pitchFamily="34" charset="0"/>
+              </a:rPr>
+              <a:t> in </a:t>
+            </a:r>
+            <a:r>
+              <a:rPr lang="et-EE" sz="2800" dirty="0" err="1">
+                <a:latin typeface="Titillium Web" panose="00000500000000000000" pitchFamily="2" charset="0"/>
+                <a:ea typeface="Open Sans" panose="020B0606030504020204" pitchFamily="34" charset="0"/>
+                <a:cs typeface="Open Sans" panose="020B0606030504020204" pitchFamily="34" charset="0"/>
+              </a:rPr>
+              <a:t>water</a:t>
+            </a:r>
+            <a:r>
+              <a:rPr lang="et-EE" sz="2800" dirty="0">
+                <a:latin typeface="Titillium Web" panose="00000500000000000000" pitchFamily="2" charset="0"/>
+                <a:ea typeface="Open Sans" panose="020B0606030504020204" pitchFamily="34" charset="0"/>
+                <a:cs typeface="Open Sans" panose="020B0606030504020204" pitchFamily="34" charset="0"/>
+              </a:rPr>
+              <a:t> </a:t>
+            </a:r>
+            <a:r>
+              <a:rPr lang="et-EE" sz="2800" dirty="0" err="1">
+                <a:latin typeface="Titillium Web" panose="00000500000000000000" pitchFamily="2" charset="0"/>
+                <a:ea typeface="Open Sans" panose="020B0606030504020204" pitchFamily="34" charset="0"/>
+                <a:cs typeface="Open Sans" panose="020B0606030504020204" pitchFamily="34" charset="0"/>
+              </a:rPr>
+              <a:t>quality</a:t>
+            </a:r>
+            <a:r>
+              <a:rPr lang="et-EE" sz="2800" dirty="0">
+                <a:latin typeface="Titillium Web" panose="00000500000000000000" pitchFamily="2" charset="0"/>
+                <a:ea typeface="Open Sans" panose="020B0606030504020204" pitchFamily="34" charset="0"/>
+                <a:cs typeface="Open Sans" panose="020B0606030504020204" pitchFamily="34" charset="0"/>
+              </a:rPr>
+              <a:t>, </a:t>
+            </a:r>
+            <a:r>
+              <a:rPr lang="et-EE" sz="2800" dirty="0" err="1">
+                <a:latin typeface="Titillium Web" panose="00000500000000000000" pitchFamily="2" charset="0"/>
+                <a:ea typeface="Open Sans" panose="020B0606030504020204" pitchFamily="34" charset="0"/>
+                <a:cs typeface="Open Sans" panose="020B0606030504020204" pitchFamily="34" charset="0"/>
+              </a:rPr>
+              <a:t>it</a:t>
+            </a:r>
+            <a:r>
+              <a:rPr lang="et-EE" sz="2800" dirty="0">
+                <a:latin typeface="Titillium Web" panose="00000500000000000000" pitchFamily="2" charset="0"/>
+                <a:ea typeface="Open Sans" panose="020B0606030504020204" pitchFamily="34" charset="0"/>
+                <a:cs typeface="Open Sans" panose="020B0606030504020204" pitchFamily="34" charset="0"/>
+              </a:rPr>
+              <a:t> </a:t>
+            </a:r>
+            <a:r>
+              <a:rPr lang="et-EE" sz="2800" dirty="0" err="1">
+                <a:latin typeface="Titillium Web" panose="00000500000000000000" pitchFamily="2" charset="0"/>
+                <a:ea typeface="Open Sans" panose="020B0606030504020204" pitchFamily="34" charset="0"/>
+                <a:cs typeface="Open Sans" panose="020B0606030504020204" pitchFamily="34" charset="0"/>
+              </a:rPr>
+              <a:t>is</a:t>
+            </a:r>
+            <a:r>
+              <a:rPr lang="et-EE" sz="2800" dirty="0">
+                <a:latin typeface="Titillium Web" panose="00000500000000000000" pitchFamily="2" charset="0"/>
+                <a:ea typeface="Open Sans" panose="020B0606030504020204" pitchFamily="34" charset="0"/>
+                <a:cs typeface="Open Sans" panose="020B0606030504020204" pitchFamily="34" charset="0"/>
+              </a:rPr>
+              <a:t> </a:t>
+            </a:r>
+            <a:r>
+              <a:rPr lang="et-EE" sz="2800" dirty="0" err="1">
+                <a:latin typeface="Titillium Web" panose="00000500000000000000" pitchFamily="2" charset="0"/>
+                <a:ea typeface="Open Sans" panose="020B0606030504020204" pitchFamily="34" charset="0"/>
+                <a:cs typeface="Open Sans" panose="020B0606030504020204" pitchFamily="34" charset="0"/>
+              </a:rPr>
+              <a:t>easier</a:t>
+            </a:r>
+            <a:r>
+              <a:rPr lang="et-EE" sz="2800" dirty="0">
+                <a:latin typeface="Titillium Web" panose="00000500000000000000" pitchFamily="2" charset="0"/>
+                <a:ea typeface="Open Sans" panose="020B0606030504020204" pitchFamily="34" charset="0"/>
+                <a:cs typeface="Open Sans" panose="020B0606030504020204" pitchFamily="34" charset="0"/>
+              </a:rPr>
+              <a:t> </a:t>
+            </a:r>
+            <a:r>
+              <a:rPr lang="et-EE" sz="2800" dirty="0" err="1">
+                <a:latin typeface="Titillium Web" panose="00000500000000000000" pitchFamily="2" charset="0"/>
+                <a:ea typeface="Open Sans" panose="020B0606030504020204" pitchFamily="34" charset="0"/>
+                <a:cs typeface="Open Sans" panose="020B0606030504020204" pitchFamily="34" charset="0"/>
+              </a:rPr>
+              <a:t>to</a:t>
+            </a:r>
+            <a:r>
+              <a:rPr lang="et-EE" sz="2800" dirty="0">
+                <a:latin typeface="Titillium Web" panose="00000500000000000000" pitchFamily="2" charset="0"/>
+                <a:ea typeface="Open Sans" panose="020B0606030504020204" pitchFamily="34" charset="0"/>
+                <a:cs typeface="Open Sans" panose="020B0606030504020204" pitchFamily="34" charset="0"/>
+              </a:rPr>
+              <a:t> </a:t>
+            </a:r>
+            <a:r>
+              <a:rPr lang="et-EE" sz="2800" dirty="0" err="1">
+                <a:latin typeface="Titillium Web" panose="00000500000000000000" pitchFamily="2" charset="0"/>
+                <a:ea typeface="Open Sans" panose="020B0606030504020204" pitchFamily="34" charset="0"/>
+                <a:cs typeface="Open Sans" panose="020B0606030504020204" pitchFamily="34" charset="0"/>
+              </a:rPr>
+              <a:t>separate</a:t>
+            </a:r>
+            <a:r>
+              <a:rPr lang="et-EE" sz="2800" dirty="0">
+                <a:latin typeface="Titillium Web" panose="00000500000000000000" pitchFamily="2" charset="0"/>
+                <a:ea typeface="Open Sans" panose="020B0606030504020204" pitchFamily="34" charset="0"/>
+                <a:cs typeface="Open Sans" panose="020B0606030504020204" pitchFamily="34" charset="0"/>
+              </a:rPr>
+              <a:t> and </a:t>
+            </a:r>
+            <a:r>
+              <a:rPr lang="et-EE" sz="2800" dirty="0" err="1">
+                <a:latin typeface="Titillium Web" panose="00000500000000000000" pitchFamily="2" charset="0"/>
+                <a:ea typeface="Open Sans" panose="020B0606030504020204" pitchFamily="34" charset="0"/>
+                <a:cs typeface="Open Sans" panose="020B0606030504020204" pitchFamily="34" charset="0"/>
+              </a:rPr>
+              <a:t>predict</a:t>
+            </a:r>
+            <a:r>
+              <a:rPr lang="et-EE" sz="2800" dirty="0">
+                <a:latin typeface="Titillium Web" panose="00000500000000000000" pitchFamily="2" charset="0"/>
+                <a:ea typeface="Open Sans" panose="020B0606030504020204" pitchFamily="34" charset="0"/>
+                <a:cs typeface="Open Sans" panose="020B0606030504020204" pitchFamily="34" charset="0"/>
+              </a:rPr>
+              <a:t>.</a:t>
+            </a:r>
+          </a:p>
+          <a:p>
+            <a:endParaRPr lang="et-EE" sz="2800" dirty="0">
+              <a:latin typeface="Titillium Web" panose="00000500000000000000" pitchFamily="2" charset="0"/>
+              <a:ea typeface="Open Sans" panose="020B0606030504020204" pitchFamily="34" charset="0"/>
+              <a:cs typeface="Open Sans" panose="020B0606030504020204" pitchFamily="34" charset="0"/>
+            </a:endParaRPr>
+          </a:p>
+          <a:p>
             <a:endParaRPr lang="et-EE" sz="2800" dirty="0">
               <a:latin typeface="Titillium Web" panose="00000500000000000000" pitchFamily="2" charset="0"/>
               <a:ea typeface="Open Sans" panose="020B0606030504020204" pitchFamily="34" charset="0"/>
@@ -13401,7 +14160,7 @@
         </p:nvSpPr>
         <p:spPr>
           <a:xfrm>
-            <a:off x="22326600" y="8852418"/>
+            <a:off x="24307800" y="8852418"/>
             <a:ext cx="3915451" cy="677108"/>
           </a:xfrm>
           <a:prstGeom prst="rect">
@@ -13517,7 +14276,6 @@
             <a:tailEnd type="none" w="med" len="med"/>
           </a:ln>
           <a:effectLst/>
-          <a:extLst/>
         </p:spPr>
         <p:txBody>
           <a:bodyPr vert="horz" wrap="square" lIns="91440" tIns="45720" rIns="91440" bIns="45720" numCol="1" rtlCol="0" anchor="t" anchorCtr="0" compatLnSpc="1">
@@ -13584,7 +14342,7 @@
         </p:blipFill>
         <p:spPr>
           <a:xfrm>
-            <a:off x="22475669" y="9529526"/>
+            <a:off x="22409639" y="9529526"/>
             <a:ext cx="9951519" cy="9079732"/>
           </a:xfrm>
           <a:prstGeom prst="rect">
@@ -13626,7 +14384,6 @@
             <a:tailEnd type="none" w="med" len="med"/>
           </a:ln>
           <a:effectLst/>
-          <a:extLst/>
         </p:spPr>
         <p:txBody>
           <a:bodyPr vert="horz" wrap="square" lIns="91440" tIns="45720" rIns="91440" bIns="45720" numCol="1" rtlCol="0" anchor="t" anchorCtr="0" compatLnSpc="1">
@@ -13699,7 +14456,6 @@
             <a:tailEnd type="none" w="med" len="med"/>
           </a:ln>
           <a:effectLst/>
-          <a:extLst/>
         </p:spPr>
         <p:txBody>
           <a:bodyPr vert="horz" wrap="square" lIns="91440" tIns="45720" rIns="91440" bIns="45720" numCol="1" rtlCol="0" anchor="t" anchorCtr="0" compatLnSpc="1">
@@ -13738,6 +14494,2092 @@
           </a:p>
         </p:txBody>
       </p:sp>
+      <p:sp>
+        <p:nvSpPr>
+          <p:cNvPr id="4" name="Rectangle 3">
+            <a:extLst>
+              <a:ext uri="{FF2B5EF4-FFF2-40B4-BE49-F238E27FC236}">
+                <a16:creationId xmlns:a16="http://schemas.microsoft.com/office/drawing/2014/main" id="{A0A177FB-C003-CC31-2C56-9A75618087C5}"/>
+              </a:ext>
+            </a:extLst>
+          </p:cNvPr>
+          <p:cNvSpPr/>
+          <p:nvPr/>
+        </p:nvSpPr>
+        <p:spPr>
+          <a:xfrm>
+            <a:off x="33155973" y="17630832"/>
+            <a:ext cx="10058400" cy="7698182"/>
+          </a:xfrm>
+          <a:prstGeom prst="rect">
+            <a:avLst/>
+          </a:prstGeom>
+          <a:solidFill>
+            <a:schemeClr val="bg1"/>
+          </a:solidFill>
+          <a:ln>
+            <a:noFill/>
+          </a:ln>
+        </p:spPr>
+        <p:style>
+          <a:lnRef idx="2">
+            <a:schemeClr val="accent1">
+              <a:shade val="50000"/>
+            </a:schemeClr>
+          </a:lnRef>
+          <a:fillRef idx="1">
+            <a:schemeClr val="accent1"/>
+          </a:fillRef>
+          <a:effectRef idx="0">
+            <a:schemeClr val="accent1"/>
+          </a:effectRef>
+          <a:fontRef idx="minor">
+            <a:schemeClr val="lt1"/>
+          </a:fontRef>
+        </p:style>
+        <p:txBody>
+          <a:bodyPr rtlCol="0" anchor="ctr"/>
+          <a:lstStyle>
+            <a:defPPr>
+              <a:defRPr lang="en-US"/>
+            </a:defPPr>
+            <a:lvl1pPr algn="l" rtl="0" eaLnBrk="0" fontAlgn="base" hangingPunct="0">
+              <a:spcBef>
+                <a:spcPct val="0"/>
+              </a:spcBef>
+              <a:spcAft>
+                <a:spcPct val="0"/>
+              </a:spcAft>
+              <a:defRPr sz="2400" kern="1200">
+                <a:solidFill>
+                  <a:schemeClr val="lt1"/>
+                </a:solidFill>
+                <a:effectLst>
+                  <a:outerShdw blurRad="38100" dist="38100" dir="2700000" algn="tl">
+                    <a:srgbClr val="000000">
+                      <a:alpha val="43137"/>
+                    </a:srgbClr>
+                  </a:outerShdw>
+                </a:effectLst>
+                <a:latin typeface="+mn-lt"/>
+                <a:ea typeface="+mn-ea"/>
+                <a:cs typeface="+mn-cs"/>
+              </a:defRPr>
+            </a:lvl1pPr>
+            <a:lvl2pPr marL="457200" algn="l" rtl="0" eaLnBrk="0" fontAlgn="base" hangingPunct="0">
+              <a:spcBef>
+                <a:spcPct val="0"/>
+              </a:spcBef>
+              <a:spcAft>
+                <a:spcPct val="0"/>
+              </a:spcAft>
+              <a:defRPr sz="2400" kern="1200">
+                <a:solidFill>
+                  <a:schemeClr val="lt1"/>
+                </a:solidFill>
+                <a:effectLst>
+                  <a:outerShdw blurRad="38100" dist="38100" dir="2700000" algn="tl">
+                    <a:srgbClr val="000000">
+                      <a:alpha val="43137"/>
+                    </a:srgbClr>
+                  </a:outerShdw>
+                </a:effectLst>
+                <a:latin typeface="+mn-lt"/>
+                <a:ea typeface="+mn-ea"/>
+                <a:cs typeface="+mn-cs"/>
+              </a:defRPr>
+            </a:lvl2pPr>
+            <a:lvl3pPr marL="914400" algn="l" rtl="0" eaLnBrk="0" fontAlgn="base" hangingPunct="0">
+              <a:spcBef>
+                <a:spcPct val="0"/>
+              </a:spcBef>
+              <a:spcAft>
+                <a:spcPct val="0"/>
+              </a:spcAft>
+              <a:defRPr sz="2400" kern="1200">
+                <a:solidFill>
+                  <a:schemeClr val="lt1"/>
+                </a:solidFill>
+                <a:effectLst>
+                  <a:outerShdw blurRad="38100" dist="38100" dir="2700000" algn="tl">
+                    <a:srgbClr val="000000">
+                      <a:alpha val="43137"/>
+                    </a:srgbClr>
+                  </a:outerShdw>
+                </a:effectLst>
+                <a:latin typeface="+mn-lt"/>
+                <a:ea typeface="+mn-ea"/>
+                <a:cs typeface="+mn-cs"/>
+              </a:defRPr>
+            </a:lvl3pPr>
+            <a:lvl4pPr marL="1371600" algn="l" rtl="0" eaLnBrk="0" fontAlgn="base" hangingPunct="0">
+              <a:spcBef>
+                <a:spcPct val="0"/>
+              </a:spcBef>
+              <a:spcAft>
+                <a:spcPct val="0"/>
+              </a:spcAft>
+              <a:defRPr sz="2400" kern="1200">
+                <a:solidFill>
+                  <a:schemeClr val="lt1"/>
+                </a:solidFill>
+                <a:effectLst>
+                  <a:outerShdw blurRad="38100" dist="38100" dir="2700000" algn="tl">
+                    <a:srgbClr val="000000">
+                      <a:alpha val="43137"/>
+                    </a:srgbClr>
+                  </a:outerShdw>
+                </a:effectLst>
+                <a:latin typeface="+mn-lt"/>
+                <a:ea typeface="+mn-ea"/>
+                <a:cs typeface="+mn-cs"/>
+              </a:defRPr>
+            </a:lvl4pPr>
+            <a:lvl5pPr marL="1828800" algn="l" rtl="0" eaLnBrk="0" fontAlgn="base" hangingPunct="0">
+              <a:spcBef>
+                <a:spcPct val="0"/>
+              </a:spcBef>
+              <a:spcAft>
+                <a:spcPct val="0"/>
+              </a:spcAft>
+              <a:defRPr sz="2400" kern="1200">
+                <a:solidFill>
+                  <a:schemeClr val="lt1"/>
+                </a:solidFill>
+                <a:effectLst>
+                  <a:outerShdw blurRad="38100" dist="38100" dir="2700000" algn="tl">
+                    <a:srgbClr val="000000">
+                      <a:alpha val="43137"/>
+                    </a:srgbClr>
+                  </a:outerShdw>
+                </a:effectLst>
+                <a:latin typeface="+mn-lt"/>
+                <a:ea typeface="+mn-ea"/>
+                <a:cs typeface="+mn-cs"/>
+              </a:defRPr>
+            </a:lvl5pPr>
+            <a:lvl6pPr marL="2286000" algn="l" defTabSz="914400" rtl="0" eaLnBrk="1" latinLnBrk="0" hangingPunct="1">
+              <a:defRPr sz="2400" kern="1200">
+                <a:solidFill>
+                  <a:schemeClr val="lt1"/>
+                </a:solidFill>
+                <a:effectLst>
+                  <a:outerShdw blurRad="38100" dist="38100" dir="2700000" algn="tl">
+                    <a:srgbClr val="000000">
+                      <a:alpha val="43137"/>
+                    </a:srgbClr>
+                  </a:outerShdw>
+                </a:effectLst>
+                <a:latin typeface="+mn-lt"/>
+                <a:ea typeface="+mn-ea"/>
+                <a:cs typeface="+mn-cs"/>
+              </a:defRPr>
+            </a:lvl6pPr>
+            <a:lvl7pPr marL="2743200" algn="l" defTabSz="914400" rtl="0" eaLnBrk="1" latinLnBrk="0" hangingPunct="1">
+              <a:defRPr sz="2400" kern="1200">
+                <a:solidFill>
+                  <a:schemeClr val="lt1"/>
+                </a:solidFill>
+                <a:effectLst>
+                  <a:outerShdw blurRad="38100" dist="38100" dir="2700000" algn="tl">
+                    <a:srgbClr val="000000">
+                      <a:alpha val="43137"/>
+                    </a:srgbClr>
+                  </a:outerShdw>
+                </a:effectLst>
+                <a:latin typeface="+mn-lt"/>
+                <a:ea typeface="+mn-ea"/>
+                <a:cs typeface="+mn-cs"/>
+              </a:defRPr>
+            </a:lvl7pPr>
+            <a:lvl8pPr marL="3200400" algn="l" defTabSz="914400" rtl="0" eaLnBrk="1" latinLnBrk="0" hangingPunct="1">
+              <a:defRPr sz="2400" kern="1200">
+                <a:solidFill>
+                  <a:schemeClr val="lt1"/>
+                </a:solidFill>
+                <a:effectLst>
+                  <a:outerShdw blurRad="38100" dist="38100" dir="2700000" algn="tl">
+                    <a:srgbClr val="000000">
+                      <a:alpha val="43137"/>
+                    </a:srgbClr>
+                  </a:outerShdw>
+                </a:effectLst>
+                <a:latin typeface="+mn-lt"/>
+                <a:ea typeface="+mn-ea"/>
+                <a:cs typeface="+mn-cs"/>
+              </a:defRPr>
+            </a:lvl8pPr>
+            <a:lvl9pPr marL="3657600" algn="l" defTabSz="914400" rtl="0" eaLnBrk="1" latinLnBrk="0" hangingPunct="1">
+              <a:defRPr sz="2400" kern="1200">
+                <a:solidFill>
+                  <a:schemeClr val="lt1"/>
+                </a:solidFill>
+                <a:effectLst>
+                  <a:outerShdw blurRad="38100" dist="38100" dir="2700000" algn="tl">
+                    <a:srgbClr val="000000">
+                      <a:alpha val="43137"/>
+                    </a:srgbClr>
+                  </a:outerShdw>
+                </a:effectLst>
+                <a:latin typeface="+mn-lt"/>
+                <a:ea typeface="+mn-ea"/>
+                <a:cs typeface="+mn-cs"/>
+              </a:defRPr>
+            </a:lvl9pPr>
+          </a:lstStyle>
+          <a:p>
+            <a:pPr algn="ctr"/>
+            <a:endParaRPr lang="en-US" sz="9600">
+              <a:effectLst/>
+              <a:latin typeface="+mj-lt"/>
+            </a:endParaRPr>
+          </a:p>
+        </p:txBody>
+      </p:sp>
+      <p:sp>
+        <p:nvSpPr>
+          <p:cNvPr id="9" name="Rectangle 8">
+            <a:extLst>
+              <a:ext uri="{FF2B5EF4-FFF2-40B4-BE49-F238E27FC236}">
+                <a16:creationId xmlns:a16="http://schemas.microsoft.com/office/drawing/2014/main" id="{A7D17B64-9A81-10DE-8F9C-A8B74A942288}"/>
+              </a:ext>
+            </a:extLst>
+          </p:cNvPr>
+          <p:cNvSpPr>
+            <a:spLocks noChangeArrowheads="1"/>
+          </p:cNvSpPr>
+          <p:nvPr/>
+        </p:nvSpPr>
+        <p:spPr bwMode="auto">
+          <a:xfrm>
+            <a:off x="33154025" y="17640571"/>
+            <a:ext cx="10058400" cy="856940"/>
+          </a:xfrm>
+          <a:prstGeom prst="rect">
+            <a:avLst/>
+          </a:prstGeom>
+          <a:solidFill>
+            <a:srgbClr val="03AD80"/>
+          </a:solidFill>
+          <a:ln w="12700">
+            <a:noFill/>
+            <a:miter lim="800000"/>
+          </a:ln>
+        </p:spPr>
+        <p:txBody>
+          <a:bodyPr wrap="none" lIns="274320" tIns="73152" rIns="274320" bIns="68563" anchor="ctr" anchorCtr="0"/>
+          <a:lstStyle>
+            <a:defPPr>
+              <a:defRPr lang="en-US"/>
+            </a:defPPr>
+            <a:lvl1pPr algn="l" rtl="0" eaLnBrk="0" fontAlgn="base" hangingPunct="0">
+              <a:spcBef>
+                <a:spcPct val="0"/>
+              </a:spcBef>
+              <a:spcAft>
+                <a:spcPct val="0"/>
+              </a:spcAft>
+              <a:defRPr sz="2400" kern="1200">
+                <a:solidFill>
+                  <a:schemeClr val="tx1"/>
+                </a:solidFill>
+                <a:effectLst>
+                  <a:outerShdw blurRad="38100" dist="38100" dir="2700000" algn="tl">
+                    <a:srgbClr val="000000">
+                      <a:alpha val="43137"/>
+                    </a:srgbClr>
+                  </a:outerShdw>
+                </a:effectLst>
+                <a:latin typeface="Times New Roman" pitchFamily="18" charset="0"/>
+                <a:ea typeface="+mn-ea"/>
+                <a:cs typeface="+mn-cs"/>
+              </a:defRPr>
+            </a:lvl1pPr>
+            <a:lvl2pPr marL="457200" algn="l" rtl="0" eaLnBrk="0" fontAlgn="base" hangingPunct="0">
+              <a:spcBef>
+                <a:spcPct val="0"/>
+              </a:spcBef>
+              <a:spcAft>
+                <a:spcPct val="0"/>
+              </a:spcAft>
+              <a:defRPr sz="2400" kern="1200">
+                <a:solidFill>
+                  <a:schemeClr val="tx1"/>
+                </a:solidFill>
+                <a:effectLst>
+                  <a:outerShdw blurRad="38100" dist="38100" dir="2700000" algn="tl">
+                    <a:srgbClr val="000000">
+                      <a:alpha val="43137"/>
+                    </a:srgbClr>
+                  </a:outerShdw>
+                </a:effectLst>
+                <a:latin typeface="Times New Roman" pitchFamily="18" charset="0"/>
+                <a:ea typeface="+mn-ea"/>
+                <a:cs typeface="+mn-cs"/>
+              </a:defRPr>
+            </a:lvl2pPr>
+            <a:lvl3pPr marL="914400" algn="l" rtl="0" eaLnBrk="0" fontAlgn="base" hangingPunct="0">
+              <a:spcBef>
+                <a:spcPct val="0"/>
+              </a:spcBef>
+              <a:spcAft>
+                <a:spcPct val="0"/>
+              </a:spcAft>
+              <a:defRPr sz="2400" kern="1200">
+                <a:solidFill>
+                  <a:schemeClr val="tx1"/>
+                </a:solidFill>
+                <a:effectLst>
+                  <a:outerShdw blurRad="38100" dist="38100" dir="2700000" algn="tl">
+                    <a:srgbClr val="000000">
+                      <a:alpha val="43137"/>
+                    </a:srgbClr>
+                  </a:outerShdw>
+                </a:effectLst>
+                <a:latin typeface="Times New Roman" pitchFamily="18" charset="0"/>
+                <a:ea typeface="+mn-ea"/>
+                <a:cs typeface="+mn-cs"/>
+              </a:defRPr>
+            </a:lvl3pPr>
+            <a:lvl4pPr marL="1371600" algn="l" rtl="0" eaLnBrk="0" fontAlgn="base" hangingPunct="0">
+              <a:spcBef>
+                <a:spcPct val="0"/>
+              </a:spcBef>
+              <a:spcAft>
+                <a:spcPct val="0"/>
+              </a:spcAft>
+              <a:defRPr sz="2400" kern="1200">
+                <a:solidFill>
+                  <a:schemeClr val="tx1"/>
+                </a:solidFill>
+                <a:effectLst>
+                  <a:outerShdw blurRad="38100" dist="38100" dir="2700000" algn="tl">
+                    <a:srgbClr val="000000">
+                      <a:alpha val="43137"/>
+                    </a:srgbClr>
+                  </a:outerShdw>
+                </a:effectLst>
+                <a:latin typeface="Times New Roman" pitchFamily="18" charset="0"/>
+                <a:ea typeface="+mn-ea"/>
+                <a:cs typeface="+mn-cs"/>
+              </a:defRPr>
+            </a:lvl4pPr>
+            <a:lvl5pPr marL="1828800" algn="l" rtl="0" eaLnBrk="0" fontAlgn="base" hangingPunct="0">
+              <a:spcBef>
+                <a:spcPct val="0"/>
+              </a:spcBef>
+              <a:spcAft>
+                <a:spcPct val="0"/>
+              </a:spcAft>
+              <a:defRPr sz="2400" kern="1200">
+                <a:solidFill>
+                  <a:schemeClr val="tx1"/>
+                </a:solidFill>
+                <a:effectLst>
+                  <a:outerShdw blurRad="38100" dist="38100" dir="2700000" algn="tl">
+                    <a:srgbClr val="000000">
+                      <a:alpha val="43137"/>
+                    </a:srgbClr>
+                  </a:outerShdw>
+                </a:effectLst>
+                <a:latin typeface="Times New Roman" pitchFamily="18" charset="0"/>
+                <a:ea typeface="+mn-ea"/>
+                <a:cs typeface="+mn-cs"/>
+              </a:defRPr>
+            </a:lvl5pPr>
+            <a:lvl6pPr marL="2286000" algn="l" defTabSz="914400" rtl="0" eaLnBrk="1" latinLnBrk="0" hangingPunct="1">
+              <a:defRPr sz="2400" kern="1200">
+                <a:solidFill>
+                  <a:schemeClr val="tx1"/>
+                </a:solidFill>
+                <a:effectLst>
+                  <a:outerShdw blurRad="38100" dist="38100" dir="2700000" algn="tl">
+                    <a:srgbClr val="000000">
+                      <a:alpha val="43137"/>
+                    </a:srgbClr>
+                  </a:outerShdw>
+                </a:effectLst>
+                <a:latin typeface="Times New Roman" pitchFamily="18" charset="0"/>
+                <a:ea typeface="+mn-ea"/>
+                <a:cs typeface="+mn-cs"/>
+              </a:defRPr>
+            </a:lvl6pPr>
+            <a:lvl7pPr marL="2743200" algn="l" defTabSz="914400" rtl="0" eaLnBrk="1" latinLnBrk="0" hangingPunct="1">
+              <a:defRPr sz="2400" kern="1200">
+                <a:solidFill>
+                  <a:schemeClr val="tx1"/>
+                </a:solidFill>
+                <a:effectLst>
+                  <a:outerShdw blurRad="38100" dist="38100" dir="2700000" algn="tl">
+                    <a:srgbClr val="000000">
+                      <a:alpha val="43137"/>
+                    </a:srgbClr>
+                  </a:outerShdw>
+                </a:effectLst>
+                <a:latin typeface="Times New Roman" pitchFamily="18" charset="0"/>
+                <a:ea typeface="+mn-ea"/>
+                <a:cs typeface="+mn-cs"/>
+              </a:defRPr>
+            </a:lvl7pPr>
+            <a:lvl8pPr marL="3200400" algn="l" defTabSz="914400" rtl="0" eaLnBrk="1" latinLnBrk="0" hangingPunct="1">
+              <a:defRPr sz="2400" kern="1200">
+                <a:solidFill>
+                  <a:schemeClr val="tx1"/>
+                </a:solidFill>
+                <a:effectLst>
+                  <a:outerShdw blurRad="38100" dist="38100" dir="2700000" algn="tl">
+                    <a:srgbClr val="000000">
+                      <a:alpha val="43137"/>
+                    </a:srgbClr>
+                  </a:outerShdw>
+                </a:effectLst>
+                <a:latin typeface="Times New Roman" pitchFamily="18" charset="0"/>
+                <a:ea typeface="+mn-ea"/>
+                <a:cs typeface="+mn-cs"/>
+              </a:defRPr>
+            </a:lvl8pPr>
+            <a:lvl9pPr marL="3657600" algn="l" defTabSz="914400" rtl="0" eaLnBrk="1" latinLnBrk="0" hangingPunct="1">
+              <a:defRPr sz="2400" kern="1200">
+                <a:solidFill>
+                  <a:schemeClr val="tx1"/>
+                </a:solidFill>
+                <a:effectLst>
+                  <a:outerShdw blurRad="38100" dist="38100" dir="2700000" algn="tl">
+                    <a:srgbClr val="000000">
+                      <a:alpha val="43137"/>
+                    </a:srgbClr>
+                  </a:outerShdw>
+                </a:effectLst>
+                <a:latin typeface="Times New Roman" pitchFamily="18" charset="0"/>
+                <a:ea typeface="+mn-ea"/>
+                <a:cs typeface="+mn-cs"/>
+              </a:defRPr>
+            </a:lvl9pPr>
+          </a:lstStyle>
+          <a:p>
+            <a:pPr defTabSz="4702588">
+              <a:defRPr/>
+            </a:pPr>
+            <a:r>
+              <a:rPr lang="et-EE" sz="3600" dirty="0" err="1">
+                <a:solidFill>
+                  <a:schemeClr val="bg1"/>
+                </a:solidFill>
+                <a:effectLst/>
+                <a:latin typeface="Amaranth" panose="02000503050000020004" pitchFamily="2" charset="0"/>
+              </a:rPr>
+              <a:t>What</a:t>
+            </a:r>
+            <a:r>
+              <a:rPr lang="et-EE" sz="3600" dirty="0">
+                <a:solidFill>
+                  <a:schemeClr val="bg1"/>
+                </a:solidFill>
+                <a:effectLst/>
+                <a:latin typeface="Amaranth" panose="02000503050000020004" pitchFamily="2" charset="0"/>
+              </a:rPr>
+              <a:t> </a:t>
+            </a:r>
+            <a:r>
+              <a:rPr lang="et-EE" sz="3600" dirty="0" err="1">
+                <a:solidFill>
+                  <a:schemeClr val="bg1"/>
+                </a:solidFill>
+                <a:effectLst/>
+                <a:latin typeface="Amaranth" panose="02000503050000020004" pitchFamily="2" charset="0"/>
+              </a:rPr>
+              <a:t>we</a:t>
+            </a:r>
+            <a:r>
+              <a:rPr lang="et-EE" sz="3600" dirty="0">
+                <a:solidFill>
+                  <a:schemeClr val="bg1"/>
+                </a:solidFill>
+                <a:effectLst/>
+                <a:latin typeface="Amaranth" panose="02000503050000020004" pitchFamily="2" charset="0"/>
+              </a:rPr>
+              <a:t> </a:t>
+            </a:r>
+            <a:r>
+              <a:rPr lang="et-EE" sz="3600" dirty="0" err="1">
+                <a:solidFill>
+                  <a:schemeClr val="bg1"/>
+                </a:solidFill>
+                <a:effectLst/>
+                <a:latin typeface="Amaranth" panose="02000503050000020004" pitchFamily="2" charset="0"/>
+              </a:rPr>
+              <a:t>learned</a:t>
+            </a:r>
+            <a:endParaRPr lang="en-US" sz="3600" dirty="0">
+              <a:solidFill>
+                <a:schemeClr val="bg1"/>
+              </a:solidFill>
+              <a:effectLst/>
+              <a:latin typeface="Amaranth" panose="02000503050000020004" pitchFamily="2" charset="0"/>
+            </a:endParaRPr>
+          </a:p>
+        </p:txBody>
+      </p:sp>
+      <p:sp>
+        <p:nvSpPr>
+          <p:cNvPr id="14" name="TextBox 13">
+            <a:extLst>
+              <a:ext uri="{FF2B5EF4-FFF2-40B4-BE49-F238E27FC236}">
+                <a16:creationId xmlns:a16="http://schemas.microsoft.com/office/drawing/2014/main" id="{61B449F4-A8D6-28E4-58DA-0C90D5727CF5}"/>
+              </a:ext>
+            </a:extLst>
+          </p:cNvPr>
+          <p:cNvSpPr txBox="1"/>
+          <p:nvPr/>
+        </p:nvSpPr>
+        <p:spPr>
+          <a:xfrm>
+            <a:off x="33448482" y="18840090"/>
+            <a:ext cx="9379972" cy="6863417"/>
+          </a:xfrm>
+          <a:prstGeom prst="rect">
+            <a:avLst/>
+          </a:prstGeom>
+          <a:noFill/>
+        </p:spPr>
+        <p:txBody>
+          <a:bodyPr wrap="square" rtlCol="0">
+            <a:spAutoFit/>
+          </a:bodyPr>
+          <a:lstStyle/>
+          <a:p>
+            <a:pPr marL="457200" indent="-457200">
+              <a:buFont typeface="Arial" panose="020B0604020202020204" pitchFamily="34" charset="0"/>
+              <a:buChar char="•"/>
+            </a:pPr>
+            <a:r>
+              <a:rPr lang="et-EE" sz="3200" dirty="0" err="1">
+                <a:latin typeface="Segoe UI Historic" panose="020B0502040204020203" pitchFamily="34" charset="0"/>
+                <a:ea typeface="Segoe UI Historic" panose="020B0502040204020203" pitchFamily="34" charset="0"/>
+                <a:cs typeface="Segoe UI Historic" panose="020B0502040204020203" pitchFamily="34" charset="0"/>
+              </a:rPr>
+              <a:t>How</a:t>
+            </a:r>
+            <a:r>
+              <a:rPr lang="et-EE" sz="3200" dirty="0">
+                <a:latin typeface="Segoe UI Historic" panose="020B0502040204020203" pitchFamily="34" charset="0"/>
+                <a:ea typeface="Segoe UI Historic" panose="020B0502040204020203" pitchFamily="34" charset="0"/>
+                <a:cs typeface="Segoe UI Historic" panose="020B0502040204020203" pitchFamily="34" charset="0"/>
+              </a:rPr>
+              <a:t> </a:t>
+            </a:r>
+            <a:r>
+              <a:rPr lang="et-EE" sz="3200" dirty="0" err="1">
+                <a:latin typeface="Segoe UI Historic" panose="020B0502040204020203" pitchFamily="34" charset="0"/>
+                <a:ea typeface="Segoe UI Historic" panose="020B0502040204020203" pitchFamily="34" charset="0"/>
+                <a:cs typeface="Segoe UI Historic" panose="020B0502040204020203" pitchFamily="34" charset="0"/>
+              </a:rPr>
+              <a:t>to</a:t>
+            </a:r>
+            <a:r>
+              <a:rPr lang="et-EE" sz="3200" dirty="0">
+                <a:latin typeface="Segoe UI Historic" panose="020B0502040204020203" pitchFamily="34" charset="0"/>
+                <a:ea typeface="Segoe UI Historic" panose="020B0502040204020203" pitchFamily="34" charset="0"/>
+                <a:cs typeface="Segoe UI Historic" panose="020B0502040204020203" pitchFamily="34" charset="0"/>
+              </a:rPr>
+              <a:t> </a:t>
+            </a:r>
+            <a:r>
+              <a:rPr lang="et-EE" sz="3200" dirty="0" err="1">
+                <a:latin typeface="Segoe UI Historic" panose="020B0502040204020203" pitchFamily="34" charset="0"/>
+                <a:ea typeface="Segoe UI Historic" panose="020B0502040204020203" pitchFamily="34" charset="0"/>
+                <a:cs typeface="Segoe UI Historic" panose="020B0502040204020203" pitchFamily="34" charset="0"/>
+              </a:rPr>
+              <a:t>deal</a:t>
+            </a:r>
+            <a:r>
+              <a:rPr lang="et-EE" sz="3200" dirty="0">
+                <a:latin typeface="Segoe UI Historic" panose="020B0502040204020203" pitchFamily="34" charset="0"/>
+                <a:ea typeface="Segoe UI Historic" panose="020B0502040204020203" pitchFamily="34" charset="0"/>
+                <a:cs typeface="Segoe UI Historic" panose="020B0502040204020203" pitchFamily="34" charset="0"/>
+              </a:rPr>
+              <a:t> </a:t>
+            </a:r>
+            <a:r>
+              <a:rPr lang="et-EE" sz="3200" dirty="0" err="1">
+                <a:latin typeface="Segoe UI Historic" panose="020B0502040204020203" pitchFamily="34" charset="0"/>
+                <a:ea typeface="Segoe UI Historic" panose="020B0502040204020203" pitchFamily="34" charset="0"/>
+                <a:cs typeface="Segoe UI Historic" panose="020B0502040204020203" pitchFamily="34" charset="0"/>
+              </a:rPr>
+              <a:t>with</a:t>
+            </a:r>
+            <a:r>
+              <a:rPr lang="et-EE" sz="3200" dirty="0">
+                <a:latin typeface="Segoe UI Historic" panose="020B0502040204020203" pitchFamily="34" charset="0"/>
+                <a:ea typeface="Segoe UI Historic" panose="020B0502040204020203" pitchFamily="34" charset="0"/>
+                <a:cs typeface="Segoe UI Historic" panose="020B0502040204020203" pitchFamily="34" charset="0"/>
+              </a:rPr>
+              <a:t> </a:t>
+            </a:r>
+            <a:r>
+              <a:rPr lang="et-EE" sz="3200" dirty="0" err="1">
+                <a:latin typeface="Segoe UI Historic" panose="020B0502040204020203" pitchFamily="34" charset="0"/>
+                <a:ea typeface="Segoe UI Historic" panose="020B0502040204020203" pitchFamily="34" charset="0"/>
+                <a:cs typeface="Segoe UI Historic" panose="020B0502040204020203" pitchFamily="34" charset="0"/>
+              </a:rPr>
+              <a:t>imperfect</a:t>
+            </a:r>
+            <a:r>
+              <a:rPr lang="et-EE" sz="3200" dirty="0">
+                <a:latin typeface="Segoe UI Historic" panose="020B0502040204020203" pitchFamily="34" charset="0"/>
+                <a:ea typeface="Segoe UI Historic" panose="020B0502040204020203" pitchFamily="34" charset="0"/>
+                <a:cs typeface="Segoe UI Historic" panose="020B0502040204020203" pitchFamily="34" charset="0"/>
+              </a:rPr>
+              <a:t> </a:t>
+            </a:r>
+            <a:r>
+              <a:rPr lang="et-EE" sz="3200" dirty="0" err="1">
+                <a:latin typeface="Segoe UI Historic" panose="020B0502040204020203" pitchFamily="34" charset="0"/>
+                <a:ea typeface="Segoe UI Historic" panose="020B0502040204020203" pitchFamily="34" charset="0"/>
+                <a:cs typeface="Segoe UI Historic" panose="020B0502040204020203" pitchFamily="34" charset="0"/>
+              </a:rPr>
+              <a:t>data</a:t>
+            </a:r>
+            <a:endParaRPr lang="et-EE" sz="2800" dirty="0">
+              <a:latin typeface="Segoe UI Historic" panose="020B0502040204020203" pitchFamily="34" charset="0"/>
+              <a:ea typeface="Segoe UI Historic" panose="020B0502040204020203" pitchFamily="34" charset="0"/>
+              <a:cs typeface="Segoe UI Historic" panose="020B0502040204020203" pitchFamily="34" charset="0"/>
+            </a:endParaRPr>
+          </a:p>
+          <a:p>
+            <a:pPr marL="914400" lvl="1" indent="-457200">
+              <a:buFont typeface="Arial" panose="020B0604020202020204" pitchFamily="34" charset="0"/>
+              <a:buChar char="•"/>
+            </a:pPr>
+            <a:r>
+              <a:rPr lang="et-EE" sz="2400" dirty="0" err="1">
+                <a:latin typeface="Segoe UI Historic" panose="020B0502040204020203" pitchFamily="34" charset="0"/>
+                <a:ea typeface="Segoe UI Historic" panose="020B0502040204020203" pitchFamily="34" charset="0"/>
+                <a:cs typeface="Segoe UI Historic" panose="020B0502040204020203" pitchFamily="34" charset="0"/>
+              </a:rPr>
+              <a:t>Sometimes</a:t>
+            </a:r>
+            <a:r>
+              <a:rPr lang="et-EE" sz="2400" dirty="0">
+                <a:latin typeface="Segoe UI Historic" panose="020B0502040204020203" pitchFamily="34" charset="0"/>
+                <a:ea typeface="Segoe UI Historic" panose="020B0502040204020203" pitchFamily="34" charset="0"/>
+                <a:cs typeface="Segoe UI Historic" panose="020B0502040204020203" pitchFamily="34" charset="0"/>
+              </a:rPr>
+              <a:t> </a:t>
+            </a:r>
+            <a:r>
+              <a:rPr lang="et-EE" sz="2400" dirty="0" err="1">
+                <a:latin typeface="Segoe UI Historic" panose="020B0502040204020203" pitchFamily="34" charset="0"/>
+                <a:ea typeface="Segoe UI Historic" panose="020B0502040204020203" pitchFamily="34" charset="0"/>
+                <a:cs typeface="Segoe UI Historic" panose="020B0502040204020203" pitchFamily="34" charset="0"/>
+              </a:rPr>
+              <a:t>water</a:t>
+            </a:r>
+            <a:r>
+              <a:rPr lang="et-EE" sz="2400" dirty="0">
+                <a:latin typeface="Segoe UI Historic" panose="020B0502040204020203" pitchFamily="34" charset="0"/>
+                <a:ea typeface="Segoe UI Historic" panose="020B0502040204020203" pitchFamily="34" charset="0"/>
+                <a:cs typeface="Segoe UI Historic" panose="020B0502040204020203" pitchFamily="34" charset="0"/>
+              </a:rPr>
+              <a:t> </a:t>
+            </a:r>
+            <a:r>
+              <a:rPr lang="et-EE" sz="2400" dirty="0" err="1">
+                <a:latin typeface="Segoe UI Historic" panose="020B0502040204020203" pitchFamily="34" charset="0"/>
+                <a:ea typeface="Segoe UI Historic" panose="020B0502040204020203" pitchFamily="34" charset="0"/>
+                <a:cs typeface="Segoe UI Historic" panose="020B0502040204020203" pitchFamily="34" charset="0"/>
+              </a:rPr>
+              <a:t>stations</a:t>
+            </a:r>
+            <a:r>
+              <a:rPr lang="et-EE" sz="2400" dirty="0">
+                <a:latin typeface="Segoe UI Historic" panose="020B0502040204020203" pitchFamily="34" charset="0"/>
+                <a:ea typeface="Segoe UI Historic" panose="020B0502040204020203" pitchFamily="34" charset="0"/>
+                <a:cs typeface="Segoe UI Historic" panose="020B0502040204020203" pitchFamily="34" charset="0"/>
+              </a:rPr>
+              <a:t> </a:t>
+            </a:r>
+            <a:r>
+              <a:rPr lang="et-EE" sz="2400" dirty="0" err="1">
+                <a:latin typeface="Segoe UI Historic" panose="020B0502040204020203" pitchFamily="34" charset="0"/>
+                <a:ea typeface="Segoe UI Historic" panose="020B0502040204020203" pitchFamily="34" charset="0"/>
+                <a:cs typeface="Segoe UI Historic" panose="020B0502040204020203" pitchFamily="34" charset="0"/>
+              </a:rPr>
+              <a:t>may</a:t>
+            </a:r>
+            <a:r>
+              <a:rPr lang="et-EE" sz="2400" dirty="0">
+                <a:latin typeface="Segoe UI Historic" panose="020B0502040204020203" pitchFamily="34" charset="0"/>
+                <a:ea typeface="Segoe UI Historic" panose="020B0502040204020203" pitchFamily="34" charset="0"/>
+                <a:cs typeface="Segoe UI Historic" panose="020B0502040204020203" pitchFamily="34" charset="0"/>
+              </a:rPr>
+              <a:t> have </a:t>
+            </a:r>
+            <a:r>
+              <a:rPr lang="et-EE" sz="2400" dirty="0" err="1">
+                <a:latin typeface="Segoe UI Historic" panose="020B0502040204020203" pitchFamily="34" charset="0"/>
+                <a:ea typeface="Segoe UI Historic" panose="020B0502040204020203" pitchFamily="34" charset="0"/>
+                <a:cs typeface="Segoe UI Historic" panose="020B0502040204020203" pitchFamily="34" charset="0"/>
+              </a:rPr>
+              <a:t>not</a:t>
+            </a:r>
+            <a:r>
+              <a:rPr lang="et-EE" sz="2400" dirty="0">
+                <a:latin typeface="Segoe UI Historic" panose="020B0502040204020203" pitchFamily="34" charset="0"/>
+                <a:ea typeface="Segoe UI Historic" panose="020B0502040204020203" pitchFamily="34" charset="0"/>
+                <a:cs typeface="Segoe UI Historic" panose="020B0502040204020203" pitchFamily="34" charset="0"/>
+              </a:rPr>
+              <a:t> </a:t>
+            </a:r>
+            <a:r>
+              <a:rPr lang="et-EE" sz="2400" dirty="0" err="1">
+                <a:latin typeface="Segoe UI Historic" panose="020B0502040204020203" pitchFamily="34" charset="0"/>
+                <a:ea typeface="Segoe UI Historic" panose="020B0502040204020203" pitchFamily="34" charset="0"/>
+                <a:cs typeface="Segoe UI Historic" panose="020B0502040204020203" pitchFamily="34" charset="0"/>
+              </a:rPr>
+              <a:t>had</a:t>
+            </a:r>
+            <a:r>
+              <a:rPr lang="et-EE" sz="2400" dirty="0">
+                <a:latin typeface="Segoe UI Historic" panose="020B0502040204020203" pitchFamily="34" charset="0"/>
+                <a:ea typeface="Segoe UI Historic" panose="020B0502040204020203" pitchFamily="34" charset="0"/>
+                <a:cs typeface="Segoe UI Historic" panose="020B0502040204020203" pitchFamily="34" charset="0"/>
+              </a:rPr>
+              <a:t> </a:t>
+            </a:r>
+            <a:r>
+              <a:rPr lang="et-EE" sz="2400" dirty="0" err="1">
+                <a:latin typeface="Segoe UI Historic" panose="020B0502040204020203" pitchFamily="34" charset="0"/>
+                <a:ea typeface="Segoe UI Historic" panose="020B0502040204020203" pitchFamily="34" charset="0"/>
+                <a:cs typeface="Segoe UI Historic" panose="020B0502040204020203" pitchFamily="34" charset="0"/>
+              </a:rPr>
+              <a:t>the</a:t>
+            </a:r>
+            <a:r>
+              <a:rPr lang="et-EE" sz="2400" dirty="0">
+                <a:latin typeface="Segoe UI Historic" panose="020B0502040204020203" pitchFamily="34" charset="0"/>
+                <a:ea typeface="Segoe UI Historic" panose="020B0502040204020203" pitchFamily="34" charset="0"/>
+                <a:cs typeface="Segoe UI Historic" panose="020B0502040204020203" pitchFamily="34" charset="0"/>
+              </a:rPr>
+              <a:t> </a:t>
+            </a:r>
+            <a:r>
+              <a:rPr lang="et-EE" sz="2400" dirty="0" err="1">
+                <a:latin typeface="Segoe UI Historic" panose="020B0502040204020203" pitchFamily="34" charset="0"/>
+                <a:ea typeface="Segoe UI Historic" panose="020B0502040204020203" pitchFamily="34" charset="0"/>
+                <a:cs typeface="Segoe UI Historic" panose="020B0502040204020203" pitchFamily="34" charset="0"/>
+              </a:rPr>
+              <a:t>equipment</a:t>
+            </a:r>
+            <a:r>
+              <a:rPr lang="et-EE" sz="2400" dirty="0">
+                <a:latin typeface="Segoe UI Historic" panose="020B0502040204020203" pitchFamily="34" charset="0"/>
+                <a:ea typeface="Segoe UI Historic" panose="020B0502040204020203" pitchFamily="34" charset="0"/>
+                <a:cs typeface="Segoe UI Historic" panose="020B0502040204020203" pitchFamily="34" charset="0"/>
+              </a:rPr>
+              <a:t> </a:t>
+            </a:r>
+            <a:r>
+              <a:rPr lang="et-EE" sz="2400" dirty="0" err="1">
+                <a:latin typeface="Segoe UI Historic" panose="020B0502040204020203" pitchFamily="34" charset="0"/>
+                <a:ea typeface="Segoe UI Historic" panose="020B0502040204020203" pitchFamily="34" charset="0"/>
+                <a:cs typeface="Segoe UI Historic" panose="020B0502040204020203" pitchFamily="34" charset="0"/>
+              </a:rPr>
+              <a:t>required</a:t>
+            </a:r>
+            <a:r>
+              <a:rPr lang="et-EE" sz="2400" dirty="0">
+                <a:latin typeface="Segoe UI Historic" panose="020B0502040204020203" pitchFamily="34" charset="0"/>
+                <a:ea typeface="Segoe UI Historic" panose="020B0502040204020203" pitchFamily="34" charset="0"/>
+                <a:cs typeface="Segoe UI Historic" panose="020B0502040204020203" pitchFamily="34" charset="0"/>
+              </a:rPr>
+              <a:t> </a:t>
+            </a:r>
+            <a:r>
+              <a:rPr lang="et-EE" sz="2400" dirty="0" err="1">
+                <a:latin typeface="Segoe UI Historic" panose="020B0502040204020203" pitchFamily="34" charset="0"/>
+                <a:ea typeface="Segoe UI Historic" panose="020B0502040204020203" pitchFamily="34" charset="0"/>
+                <a:cs typeface="Segoe UI Historic" panose="020B0502040204020203" pitchFamily="34" charset="0"/>
+              </a:rPr>
+              <a:t>to</a:t>
+            </a:r>
+            <a:r>
+              <a:rPr lang="et-EE" sz="2400" dirty="0">
+                <a:latin typeface="Segoe UI Historic" panose="020B0502040204020203" pitchFamily="34" charset="0"/>
+                <a:ea typeface="Segoe UI Historic" panose="020B0502040204020203" pitchFamily="34" charset="0"/>
+                <a:cs typeface="Segoe UI Historic" panose="020B0502040204020203" pitchFamily="34" charset="0"/>
+              </a:rPr>
+              <a:t> </a:t>
+            </a:r>
+            <a:r>
+              <a:rPr lang="et-EE" sz="2400" dirty="0" err="1">
+                <a:latin typeface="Segoe UI Historic" panose="020B0502040204020203" pitchFamily="34" charset="0"/>
+                <a:ea typeface="Segoe UI Historic" panose="020B0502040204020203" pitchFamily="34" charset="0"/>
+                <a:cs typeface="Segoe UI Historic" panose="020B0502040204020203" pitchFamily="34" charset="0"/>
+              </a:rPr>
+              <a:t>measure</a:t>
+            </a:r>
+            <a:r>
+              <a:rPr lang="et-EE" sz="2400" dirty="0">
+                <a:latin typeface="Segoe UI Historic" panose="020B0502040204020203" pitchFamily="34" charset="0"/>
+                <a:ea typeface="Segoe UI Historic" panose="020B0502040204020203" pitchFamily="34" charset="0"/>
+                <a:cs typeface="Segoe UI Historic" panose="020B0502040204020203" pitchFamily="34" charset="0"/>
+              </a:rPr>
+              <a:t> </a:t>
+            </a:r>
+            <a:r>
+              <a:rPr lang="et-EE" sz="2400" dirty="0" err="1">
+                <a:latin typeface="Segoe UI Historic" panose="020B0502040204020203" pitchFamily="34" charset="0"/>
+                <a:ea typeface="Segoe UI Historic" panose="020B0502040204020203" pitchFamily="34" charset="0"/>
+                <a:cs typeface="Segoe UI Historic" panose="020B0502040204020203" pitchFamily="34" charset="0"/>
+              </a:rPr>
+              <a:t>certain</a:t>
+            </a:r>
+            <a:r>
+              <a:rPr lang="et-EE" sz="2400" dirty="0">
+                <a:latin typeface="Segoe UI Historic" panose="020B0502040204020203" pitchFamily="34" charset="0"/>
+                <a:ea typeface="Segoe UI Historic" panose="020B0502040204020203" pitchFamily="34" charset="0"/>
+                <a:cs typeface="Segoe UI Historic" panose="020B0502040204020203" pitchFamily="34" charset="0"/>
+              </a:rPr>
+              <a:t> </a:t>
+            </a:r>
+            <a:r>
+              <a:rPr lang="et-EE" sz="2400" dirty="0" err="1">
+                <a:latin typeface="Segoe UI Historic" panose="020B0502040204020203" pitchFamily="34" charset="0"/>
+                <a:ea typeface="Segoe UI Historic" panose="020B0502040204020203" pitchFamily="34" charset="0"/>
+                <a:cs typeface="Segoe UI Historic" panose="020B0502040204020203" pitchFamily="34" charset="0"/>
+              </a:rPr>
+              <a:t>attributes</a:t>
+            </a:r>
+            <a:endParaRPr lang="et-EE" sz="2400" dirty="0">
+              <a:latin typeface="Segoe UI Historic" panose="020B0502040204020203" pitchFamily="34" charset="0"/>
+              <a:ea typeface="Segoe UI Historic" panose="020B0502040204020203" pitchFamily="34" charset="0"/>
+              <a:cs typeface="Segoe UI Historic" panose="020B0502040204020203" pitchFamily="34" charset="0"/>
+            </a:endParaRPr>
+          </a:p>
+          <a:p>
+            <a:pPr marL="914400" lvl="1" indent="-457200">
+              <a:buFont typeface="Arial" panose="020B0604020202020204" pitchFamily="34" charset="0"/>
+              <a:buChar char="•"/>
+            </a:pPr>
+            <a:r>
+              <a:rPr lang="et-EE" sz="2400" dirty="0" err="1">
+                <a:latin typeface="Segoe UI Historic" panose="020B0502040204020203" pitchFamily="34" charset="0"/>
+                <a:ea typeface="Segoe UI Historic" panose="020B0502040204020203" pitchFamily="34" charset="0"/>
+                <a:cs typeface="Segoe UI Historic" panose="020B0502040204020203" pitchFamily="34" charset="0"/>
+              </a:rPr>
+              <a:t>When</a:t>
+            </a:r>
+            <a:r>
+              <a:rPr lang="et-EE" sz="2400" dirty="0">
+                <a:latin typeface="Segoe UI Historic" panose="020B0502040204020203" pitchFamily="34" charset="0"/>
+                <a:ea typeface="Segoe UI Historic" panose="020B0502040204020203" pitchFamily="34" charset="0"/>
+                <a:cs typeface="Segoe UI Historic" panose="020B0502040204020203" pitchFamily="34" charset="0"/>
+              </a:rPr>
+              <a:t> </a:t>
+            </a:r>
+            <a:r>
+              <a:rPr lang="et-EE" sz="2400" dirty="0" err="1">
+                <a:latin typeface="Segoe UI Historic" panose="020B0502040204020203" pitchFamily="34" charset="0"/>
+                <a:ea typeface="Segoe UI Historic" panose="020B0502040204020203" pitchFamily="34" charset="0"/>
+                <a:cs typeface="Segoe UI Historic" panose="020B0502040204020203" pitchFamily="34" charset="0"/>
+              </a:rPr>
+              <a:t>there</a:t>
+            </a:r>
+            <a:r>
+              <a:rPr lang="et-EE" sz="2400" dirty="0">
+                <a:latin typeface="Segoe UI Historic" panose="020B0502040204020203" pitchFamily="34" charset="0"/>
+                <a:ea typeface="Segoe UI Historic" panose="020B0502040204020203" pitchFamily="34" charset="0"/>
+                <a:cs typeface="Segoe UI Historic" panose="020B0502040204020203" pitchFamily="34" charset="0"/>
+              </a:rPr>
+              <a:t> are too </a:t>
+            </a:r>
+            <a:r>
+              <a:rPr lang="et-EE" sz="2400" dirty="0" err="1">
+                <a:latin typeface="Segoe UI Historic" panose="020B0502040204020203" pitchFamily="34" charset="0"/>
+                <a:ea typeface="Segoe UI Historic" panose="020B0502040204020203" pitchFamily="34" charset="0"/>
+                <a:cs typeface="Segoe UI Historic" panose="020B0502040204020203" pitchFamily="34" charset="0"/>
+              </a:rPr>
+              <a:t>many</a:t>
+            </a:r>
+            <a:r>
+              <a:rPr lang="et-EE" sz="2400" dirty="0">
+                <a:latin typeface="Segoe UI Historic" panose="020B0502040204020203" pitchFamily="34" charset="0"/>
+                <a:ea typeface="Segoe UI Historic" panose="020B0502040204020203" pitchFamily="34" charset="0"/>
+                <a:cs typeface="Segoe UI Historic" panose="020B0502040204020203" pitchFamily="34" charset="0"/>
+              </a:rPr>
+              <a:t> </a:t>
+            </a:r>
+            <a:r>
+              <a:rPr lang="et-EE" sz="2400" dirty="0" err="1">
+                <a:latin typeface="Segoe UI Historic" panose="020B0502040204020203" pitchFamily="34" charset="0"/>
+                <a:ea typeface="Segoe UI Historic" panose="020B0502040204020203" pitchFamily="34" charset="0"/>
+                <a:cs typeface="Segoe UI Historic" panose="020B0502040204020203" pitchFamily="34" charset="0"/>
+              </a:rPr>
+              <a:t>unknowns</a:t>
+            </a:r>
+            <a:r>
+              <a:rPr lang="et-EE" sz="2400" dirty="0">
+                <a:latin typeface="Segoe UI Historic" panose="020B0502040204020203" pitchFamily="34" charset="0"/>
+                <a:ea typeface="Segoe UI Historic" panose="020B0502040204020203" pitchFamily="34" charset="0"/>
+                <a:cs typeface="Segoe UI Historic" panose="020B0502040204020203" pitchFamily="34" charset="0"/>
+              </a:rPr>
+              <a:t>, </a:t>
+            </a:r>
+            <a:r>
+              <a:rPr lang="et-EE" sz="2400" dirty="0" err="1">
+                <a:latin typeface="Segoe UI Historic" panose="020B0502040204020203" pitchFamily="34" charset="0"/>
+                <a:ea typeface="Segoe UI Historic" panose="020B0502040204020203" pitchFamily="34" charset="0"/>
+                <a:cs typeface="Segoe UI Historic" panose="020B0502040204020203" pitchFamily="34" charset="0"/>
+              </a:rPr>
+              <a:t>it</a:t>
+            </a:r>
+            <a:r>
+              <a:rPr lang="et-EE" sz="2400" dirty="0">
+                <a:latin typeface="Segoe UI Historic" panose="020B0502040204020203" pitchFamily="34" charset="0"/>
+                <a:ea typeface="Segoe UI Historic" panose="020B0502040204020203" pitchFamily="34" charset="0"/>
+                <a:cs typeface="Segoe UI Historic" panose="020B0502040204020203" pitchFamily="34" charset="0"/>
+              </a:rPr>
+              <a:t> </a:t>
+            </a:r>
+            <a:r>
+              <a:rPr lang="et-EE" sz="2400" dirty="0" err="1">
+                <a:latin typeface="Segoe UI Historic" panose="020B0502040204020203" pitchFamily="34" charset="0"/>
+                <a:ea typeface="Segoe UI Historic" panose="020B0502040204020203" pitchFamily="34" charset="0"/>
+                <a:cs typeface="Segoe UI Historic" panose="020B0502040204020203" pitchFamily="34" charset="0"/>
+              </a:rPr>
+              <a:t>is</a:t>
+            </a:r>
+            <a:r>
+              <a:rPr lang="et-EE" sz="2400" dirty="0">
+                <a:latin typeface="Segoe UI Historic" panose="020B0502040204020203" pitchFamily="34" charset="0"/>
+                <a:ea typeface="Segoe UI Historic" panose="020B0502040204020203" pitchFamily="34" charset="0"/>
+                <a:cs typeface="Segoe UI Historic" panose="020B0502040204020203" pitchFamily="34" charset="0"/>
+              </a:rPr>
+              <a:t> </a:t>
+            </a:r>
+            <a:r>
+              <a:rPr lang="et-EE" sz="2400" dirty="0" err="1">
+                <a:latin typeface="Segoe UI Historic" panose="020B0502040204020203" pitchFamily="34" charset="0"/>
+                <a:ea typeface="Segoe UI Historic" panose="020B0502040204020203" pitchFamily="34" charset="0"/>
+                <a:cs typeface="Segoe UI Historic" panose="020B0502040204020203" pitchFamily="34" charset="0"/>
+              </a:rPr>
+              <a:t>better</a:t>
+            </a:r>
+            <a:r>
+              <a:rPr lang="et-EE" sz="2400" dirty="0">
+                <a:latin typeface="Segoe UI Historic" panose="020B0502040204020203" pitchFamily="34" charset="0"/>
+                <a:ea typeface="Segoe UI Historic" panose="020B0502040204020203" pitchFamily="34" charset="0"/>
+                <a:cs typeface="Segoe UI Historic" panose="020B0502040204020203" pitchFamily="34" charset="0"/>
+              </a:rPr>
+              <a:t> </a:t>
+            </a:r>
+            <a:r>
+              <a:rPr lang="et-EE" sz="2400" dirty="0" err="1">
+                <a:latin typeface="Segoe UI Historic" panose="020B0502040204020203" pitchFamily="34" charset="0"/>
+                <a:ea typeface="Segoe UI Historic" panose="020B0502040204020203" pitchFamily="34" charset="0"/>
+                <a:cs typeface="Segoe UI Historic" panose="020B0502040204020203" pitchFamily="34" charset="0"/>
+              </a:rPr>
+              <a:t>to</a:t>
+            </a:r>
+            <a:r>
+              <a:rPr lang="et-EE" sz="2400" dirty="0">
+                <a:latin typeface="Segoe UI Historic" panose="020B0502040204020203" pitchFamily="34" charset="0"/>
+                <a:ea typeface="Segoe UI Historic" panose="020B0502040204020203" pitchFamily="34" charset="0"/>
+                <a:cs typeface="Segoe UI Historic" panose="020B0502040204020203" pitchFamily="34" charset="0"/>
+              </a:rPr>
+              <a:t> </a:t>
+            </a:r>
+            <a:r>
+              <a:rPr lang="et-EE" sz="2400" dirty="0" err="1">
+                <a:latin typeface="Segoe UI Historic" panose="020B0502040204020203" pitchFamily="34" charset="0"/>
+                <a:ea typeface="Segoe UI Historic" panose="020B0502040204020203" pitchFamily="34" charset="0"/>
+                <a:cs typeface="Segoe UI Historic" panose="020B0502040204020203" pitchFamily="34" charset="0"/>
+              </a:rPr>
+              <a:t>remove</a:t>
+            </a:r>
+            <a:r>
+              <a:rPr lang="et-EE" sz="2400" dirty="0">
+                <a:latin typeface="Segoe UI Historic" panose="020B0502040204020203" pitchFamily="34" charset="0"/>
+                <a:ea typeface="Segoe UI Historic" panose="020B0502040204020203" pitchFamily="34" charset="0"/>
+                <a:cs typeface="Segoe UI Historic" panose="020B0502040204020203" pitchFamily="34" charset="0"/>
+              </a:rPr>
+              <a:t> </a:t>
+            </a:r>
+            <a:r>
+              <a:rPr lang="et-EE" sz="2400" dirty="0" err="1">
+                <a:latin typeface="Segoe UI Historic" panose="020B0502040204020203" pitchFamily="34" charset="0"/>
+                <a:ea typeface="Segoe UI Historic" panose="020B0502040204020203" pitchFamily="34" charset="0"/>
+                <a:cs typeface="Segoe UI Historic" panose="020B0502040204020203" pitchFamily="34" charset="0"/>
+              </a:rPr>
+              <a:t>that</a:t>
+            </a:r>
+            <a:r>
+              <a:rPr lang="et-EE" sz="2400" dirty="0">
+                <a:latin typeface="Segoe UI Historic" panose="020B0502040204020203" pitchFamily="34" charset="0"/>
+                <a:ea typeface="Segoe UI Historic" panose="020B0502040204020203" pitchFamily="34" charset="0"/>
+                <a:cs typeface="Segoe UI Historic" panose="020B0502040204020203" pitchFamily="34" charset="0"/>
+              </a:rPr>
+              <a:t> info </a:t>
+            </a:r>
+            <a:r>
+              <a:rPr lang="et-EE" sz="2400" dirty="0" err="1">
+                <a:latin typeface="Segoe UI Historic" panose="020B0502040204020203" pitchFamily="34" charset="0"/>
+                <a:ea typeface="Segoe UI Historic" panose="020B0502040204020203" pitchFamily="34" charset="0"/>
+                <a:cs typeface="Segoe UI Historic" panose="020B0502040204020203" pitchFamily="34" charset="0"/>
+              </a:rPr>
+              <a:t>than</a:t>
+            </a:r>
+            <a:r>
+              <a:rPr lang="et-EE" sz="2400" dirty="0">
+                <a:latin typeface="Segoe UI Historic" panose="020B0502040204020203" pitchFamily="34" charset="0"/>
+                <a:ea typeface="Segoe UI Historic" panose="020B0502040204020203" pitchFamily="34" charset="0"/>
+                <a:cs typeface="Segoe UI Historic" panose="020B0502040204020203" pitchFamily="34" charset="0"/>
+              </a:rPr>
+              <a:t> </a:t>
+            </a:r>
+            <a:r>
+              <a:rPr lang="et-EE" sz="2400" dirty="0" err="1">
+                <a:latin typeface="Segoe UI Historic" panose="020B0502040204020203" pitchFamily="34" charset="0"/>
+                <a:ea typeface="Segoe UI Historic" panose="020B0502040204020203" pitchFamily="34" charset="0"/>
+                <a:cs typeface="Segoe UI Historic" panose="020B0502040204020203" pitchFamily="34" charset="0"/>
+              </a:rPr>
+              <a:t>try</a:t>
+            </a:r>
+            <a:r>
+              <a:rPr lang="et-EE" sz="2400" dirty="0">
+                <a:latin typeface="Segoe UI Historic" panose="020B0502040204020203" pitchFamily="34" charset="0"/>
+                <a:ea typeface="Segoe UI Historic" panose="020B0502040204020203" pitchFamily="34" charset="0"/>
+                <a:cs typeface="Segoe UI Historic" panose="020B0502040204020203" pitchFamily="34" charset="0"/>
+              </a:rPr>
+              <a:t> </a:t>
+            </a:r>
+            <a:r>
+              <a:rPr lang="et-EE" sz="2400" dirty="0" err="1">
+                <a:latin typeface="Segoe UI Historic" panose="020B0502040204020203" pitchFamily="34" charset="0"/>
+                <a:ea typeface="Segoe UI Historic" panose="020B0502040204020203" pitchFamily="34" charset="0"/>
+                <a:cs typeface="Segoe UI Historic" panose="020B0502040204020203" pitchFamily="34" charset="0"/>
+              </a:rPr>
+              <a:t>to</a:t>
+            </a:r>
+            <a:r>
+              <a:rPr lang="et-EE" sz="2400" dirty="0">
+                <a:latin typeface="Segoe UI Historic" panose="020B0502040204020203" pitchFamily="34" charset="0"/>
+                <a:ea typeface="Segoe UI Historic" panose="020B0502040204020203" pitchFamily="34" charset="0"/>
+                <a:cs typeface="Segoe UI Historic" panose="020B0502040204020203" pitchFamily="34" charset="0"/>
+              </a:rPr>
+              <a:t> </a:t>
+            </a:r>
+            <a:r>
+              <a:rPr lang="et-EE" sz="2400" dirty="0" err="1">
+                <a:latin typeface="Segoe UI Historic" panose="020B0502040204020203" pitchFamily="34" charset="0"/>
+                <a:ea typeface="Segoe UI Historic" panose="020B0502040204020203" pitchFamily="34" charset="0"/>
+                <a:cs typeface="Segoe UI Historic" panose="020B0502040204020203" pitchFamily="34" charset="0"/>
+              </a:rPr>
+              <a:t>fit</a:t>
+            </a:r>
+            <a:r>
+              <a:rPr lang="et-EE" sz="2400" dirty="0">
+                <a:latin typeface="Segoe UI Historic" panose="020B0502040204020203" pitchFamily="34" charset="0"/>
+                <a:ea typeface="Segoe UI Historic" panose="020B0502040204020203" pitchFamily="34" charset="0"/>
+                <a:cs typeface="Segoe UI Historic" panose="020B0502040204020203" pitchFamily="34" charset="0"/>
+              </a:rPr>
+              <a:t> </a:t>
+            </a:r>
+            <a:r>
+              <a:rPr lang="et-EE" sz="2400" dirty="0" err="1">
+                <a:latin typeface="Segoe UI Historic" panose="020B0502040204020203" pitchFamily="34" charset="0"/>
+                <a:ea typeface="Segoe UI Historic" panose="020B0502040204020203" pitchFamily="34" charset="0"/>
+                <a:cs typeface="Segoe UI Historic" panose="020B0502040204020203" pitchFamily="34" charset="0"/>
+              </a:rPr>
+              <a:t>some</a:t>
+            </a:r>
+            <a:r>
+              <a:rPr lang="et-EE" sz="2400" dirty="0">
+                <a:latin typeface="Segoe UI Historic" panose="020B0502040204020203" pitchFamily="34" charset="0"/>
+                <a:ea typeface="Segoe UI Historic" panose="020B0502040204020203" pitchFamily="34" charset="0"/>
+                <a:cs typeface="Segoe UI Historic" panose="020B0502040204020203" pitchFamily="34" charset="0"/>
+              </a:rPr>
+              <a:t> </a:t>
+            </a:r>
+            <a:r>
+              <a:rPr lang="et-EE" sz="2400" dirty="0" err="1">
+                <a:latin typeface="Segoe UI Historic" panose="020B0502040204020203" pitchFamily="34" charset="0"/>
+                <a:ea typeface="Segoe UI Historic" panose="020B0502040204020203" pitchFamily="34" charset="0"/>
+                <a:cs typeface="Segoe UI Historic" panose="020B0502040204020203" pitchFamily="34" charset="0"/>
+              </a:rPr>
+              <a:t>values</a:t>
+            </a:r>
+            <a:r>
+              <a:rPr lang="et-EE" sz="2400" dirty="0">
+                <a:latin typeface="Segoe UI Historic" panose="020B0502040204020203" pitchFamily="34" charset="0"/>
+                <a:ea typeface="Segoe UI Historic" panose="020B0502040204020203" pitchFamily="34" charset="0"/>
+                <a:cs typeface="Segoe UI Historic" panose="020B0502040204020203" pitchFamily="34" charset="0"/>
+              </a:rPr>
+              <a:t> </a:t>
+            </a:r>
+            <a:r>
+              <a:rPr lang="et-EE" sz="2400" dirty="0" err="1">
+                <a:latin typeface="Segoe UI Historic" panose="020B0502040204020203" pitchFamily="34" charset="0"/>
+                <a:ea typeface="Segoe UI Historic" panose="020B0502040204020203" pitchFamily="34" charset="0"/>
+                <a:cs typeface="Segoe UI Historic" panose="020B0502040204020203" pitchFamily="34" charset="0"/>
+              </a:rPr>
+              <a:t>into</a:t>
+            </a:r>
+            <a:r>
+              <a:rPr lang="et-EE" sz="2400" dirty="0">
+                <a:latin typeface="Segoe UI Historic" panose="020B0502040204020203" pitchFamily="34" charset="0"/>
+                <a:ea typeface="Segoe UI Historic" panose="020B0502040204020203" pitchFamily="34" charset="0"/>
+                <a:cs typeface="Segoe UI Historic" panose="020B0502040204020203" pitchFamily="34" charset="0"/>
+              </a:rPr>
+              <a:t> </a:t>
+            </a:r>
+            <a:r>
+              <a:rPr lang="et-EE" sz="2400" dirty="0" err="1">
+                <a:latin typeface="Segoe UI Historic" panose="020B0502040204020203" pitchFamily="34" charset="0"/>
+                <a:ea typeface="Segoe UI Historic" panose="020B0502040204020203" pitchFamily="34" charset="0"/>
+                <a:cs typeface="Segoe UI Historic" panose="020B0502040204020203" pitchFamily="34" charset="0"/>
+              </a:rPr>
+              <a:t>it</a:t>
+            </a:r>
+            <a:r>
+              <a:rPr lang="et-EE" sz="2400" dirty="0">
+                <a:latin typeface="Segoe UI Historic" panose="020B0502040204020203" pitchFamily="34" charset="0"/>
+                <a:ea typeface="Segoe UI Historic" panose="020B0502040204020203" pitchFamily="34" charset="0"/>
+                <a:cs typeface="Segoe UI Historic" panose="020B0502040204020203" pitchFamily="34" charset="0"/>
+              </a:rPr>
+              <a:t>, </a:t>
+            </a:r>
+            <a:r>
+              <a:rPr lang="et-EE" sz="2400" dirty="0" err="1">
+                <a:latin typeface="Segoe UI Historic" panose="020B0502040204020203" pitchFamily="34" charset="0"/>
+                <a:ea typeface="Segoe UI Historic" panose="020B0502040204020203" pitchFamily="34" charset="0"/>
+                <a:cs typeface="Segoe UI Historic" panose="020B0502040204020203" pitchFamily="34" charset="0"/>
+              </a:rPr>
+              <a:t>for</a:t>
+            </a:r>
+            <a:r>
+              <a:rPr lang="et-EE" sz="2400" dirty="0">
+                <a:latin typeface="Segoe UI Historic" panose="020B0502040204020203" pitchFamily="34" charset="0"/>
+                <a:ea typeface="Segoe UI Historic" panose="020B0502040204020203" pitchFamily="34" charset="0"/>
+                <a:cs typeface="Segoe UI Historic" panose="020B0502040204020203" pitchFamily="34" charset="0"/>
+              </a:rPr>
+              <a:t> </a:t>
+            </a:r>
+            <a:r>
+              <a:rPr lang="et-EE" sz="2400" dirty="0" err="1">
+                <a:latin typeface="Segoe UI Historic" panose="020B0502040204020203" pitchFamily="34" charset="0"/>
+                <a:ea typeface="Segoe UI Historic" panose="020B0502040204020203" pitchFamily="34" charset="0"/>
+                <a:cs typeface="Segoe UI Historic" panose="020B0502040204020203" pitchFamily="34" charset="0"/>
+              </a:rPr>
+              <a:t>it</a:t>
+            </a:r>
+            <a:r>
+              <a:rPr lang="et-EE" sz="2400" dirty="0">
+                <a:latin typeface="Segoe UI Historic" panose="020B0502040204020203" pitchFamily="34" charset="0"/>
+                <a:ea typeface="Segoe UI Historic" panose="020B0502040204020203" pitchFamily="34" charset="0"/>
+                <a:cs typeface="Segoe UI Historic" panose="020B0502040204020203" pitchFamily="34" charset="0"/>
+              </a:rPr>
+              <a:t> </a:t>
+            </a:r>
+            <a:r>
+              <a:rPr lang="et-EE" sz="2400" dirty="0" err="1">
+                <a:latin typeface="Segoe UI Historic" panose="020B0502040204020203" pitchFamily="34" charset="0"/>
+                <a:ea typeface="Segoe UI Historic" panose="020B0502040204020203" pitchFamily="34" charset="0"/>
+                <a:cs typeface="Segoe UI Historic" panose="020B0502040204020203" pitchFamily="34" charset="0"/>
+              </a:rPr>
+              <a:t>may</a:t>
+            </a:r>
+            <a:r>
+              <a:rPr lang="et-EE" sz="2400" dirty="0">
+                <a:latin typeface="Segoe UI Historic" panose="020B0502040204020203" pitchFamily="34" charset="0"/>
+                <a:ea typeface="Segoe UI Historic" panose="020B0502040204020203" pitchFamily="34" charset="0"/>
+                <a:cs typeface="Segoe UI Historic" panose="020B0502040204020203" pitchFamily="34" charset="0"/>
+              </a:rPr>
+              <a:t> </a:t>
+            </a:r>
+            <a:r>
+              <a:rPr lang="et-EE" sz="2400" dirty="0" err="1">
+                <a:latin typeface="Segoe UI Historic" panose="020B0502040204020203" pitchFamily="34" charset="0"/>
+                <a:ea typeface="Segoe UI Historic" panose="020B0502040204020203" pitchFamily="34" charset="0"/>
+                <a:cs typeface="Segoe UI Historic" panose="020B0502040204020203" pitchFamily="34" charset="0"/>
+              </a:rPr>
+              <a:t>ruin</a:t>
+            </a:r>
+            <a:r>
+              <a:rPr lang="et-EE" sz="2400" dirty="0">
+                <a:latin typeface="Segoe UI Historic" panose="020B0502040204020203" pitchFamily="34" charset="0"/>
+                <a:ea typeface="Segoe UI Historic" panose="020B0502040204020203" pitchFamily="34" charset="0"/>
+                <a:cs typeface="Segoe UI Historic" panose="020B0502040204020203" pitchFamily="34" charset="0"/>
+              </a:rPr>
+              <a:t> </a:t>
+            </a:r>
+            <a:r>
+              <a:rPr lang="et-EE" sz="2400" dirty="0" err="1">
+                <a:latin typeface="Segoe UI Historic" panose="020B0502040204020203" pitchFamily="34" charset="0"/>
+                <a:ea typeface="Segoe UI Historic" panose="020B0502040204020203" pitchFamily="34" charset="0"/>
+                <a:cs typeface="Segoe UI Historic" panose="020B0502040204020203" pitchFamily="34" charset="0"/>
+              </a:rPr>
+              <a:t>the</a:t>
+            </a:r>
+            <a:r>
+              <a:rPr lang="et-EE" sz="2400" dirty="0">
+                <a:latin typeface="Segoe UI Historic" panose="020B0502040204020203" pitchFamily="34" charset="0"/>
+                <a:ea typeface="Segoe UI Historic" panose="020B0502040204020203" pitchFamily="34" charset="0"/>
+                <a:cs typeface="Segoe UI Historic" panose="020B0502040204020203" pitchFamily="34" charset="0"/>
+              </a:rPr>
+              <a:t> </a:t>
+            </a:r>
+            <a:r>
+              <a:rPr lang="et-EE" sz="2400" dirty="0" err="1">
+                <a:latin typeface="Segoe UI Historic" panose="020B0502040204020203" pitchFamily="34" charset="0"/>
+                <a:ea typeface="Segoe UI Historic" panose="020B0502040204020203" pitchFamily="34" charset="0"/>
+                <a:cs typeface="Segoe UI Historic" panose="020B0502040204020203" pitchFamily="34" charset="0"/>
+              </a:rPr>
+              <a:t>model</a:t>
+            </a:r>
+            <a:r>
+              <a:rPr lang="et-EE" sz="2400" dirty="0">
+                <a:latin typeface="Segoe UI Historic" panose="020B0502040204020203" pitchFamily="34" charset="0"/>
+                <a:ea typeface="Segoe UI Historic" panose="020B0502040204020203" pitchFamily="34" charset="0"/>
+                <a:cs typeface="Segoe UI Historic" panose="020B0502040204020203" pitchFamily="34" charset="0"/>
+              </a:rPr>
+              <a:t>.</a:t>
+            </a:r>
+          </a:p>
+          <a:p>
+            <a:endParaRPr lang="et-EE" sz="3200" dirty="0">
+              <a:latin typeface="Segoe UI Historic" panose="020B0502040204020203" pitchFamily="34" charset="0"/>
+              <a:ea typeface="Segoe UI Historic" panose="020B0502040204020203" pitchFamily="34" charset="0"/>
+              <a:cs typeface="Segoe UI Historic" panose="020B0502040204020203" pitchFamily="34" charset="0"/>
+            </a:endParaRPr>
+          </a:p>
+          <a:p>
+            <a:pPr marL="457200" indent="-457200">
+              <a:buFont typeface="Arial" panose="020B0604020202020204" pitchFamily="34" charset="0"/>
+              <a:buChar char="•"/>
+            </a:pPr>
+            <a:r>
+              <a:rPr lang="et-EE" sz="3200" dirty="0" err="1">
+                <a:latin typeface="Segoe UI Historic" panose="020B0502040204020203" pitchFamily="34" charset="0"/>
+                <a:ea typeface="Segoe UI Historic" panose="020B0502040204020203" pitchFamily="34" charset="0"/>
+                <a:cs typeface="Segoe UI Historic" panose="020B0502040204020203" pitchFamily="34" charset="0"/>
+              </a:rPr>
+              <a:t>Sometimes</a:t>
+            </a:r>
+            <a:r>
+              <a:rPr lang="et-EE" sz="3200" dirty="0">
+                <a:latin typeface="Segoe UI Historic" panose="020B0502040204020203" pitchFamily="34" charset="0"/>
+                <a:ea typeface="Segoe UI Historic" panose="020B0502040204020203" pitchFamily="34" charset="0"/>
+                <a:cs typeface="Segoe UI Historic" panose="020B0502040204020203" pitchFamily="34" charset="0"/>
+              </a:rPr>
+              <a:t> </a:t>
+            </a:r>
+            <a:r>
+              <a:rPr lang="et-EE" sz="3200" dirty="0" err="1">
+                <a:latin typeface="Segoe UI Historic" panose="020B0502040204020203" pitchFamily="34" charset="0"/>
+                <a:ea typeface="Segoe UI Historic" panose="020B0502040204020203" pitchFamily="34" charset="0"/>
+                <a:cs typeface="Segoe UI Historic" panose="020B0502040204020203" pitchFamily="34" charset="0"/>
+              </a:rPr>
+              <a:t>doing</a:t>
+            </a:r>
+            <a:r>
+              <a:rPr lang="et-EE" sz="3200" dirty="0">
+                <a:latin typeface="Segoe UI Historic" panose="020B0502040204020203" pitchFamily="34" charset="0"/>
+                <a:ea typeface="Segoe UI Historic" panose="020B0502040204020203" pitchFamily="34" charset="0"/>
+                <a:cs typeface="Segoe UI Historic" panose="020B0502040204020203" pitchFamily="34" charset="0"/>
+              </a:rPr>
+              <a:t> </a:t>
+            </a:r>
+            <a:r>
+              <a:rPr lang="et-EE" sz="3200" dirty="0" err="1">
+                <a:latin typeface="Segoe UI Historic" panose="020B0502040204020203" pitchFamily="34" charset="0"/>
+                <a:ea typeface="Segoe UI Historic" panose="020B0502040204020203" pitchFamily="34" charset="0"/>
+                <a:cs typeface="Segoe UI Historic" panose="020B0502040204020203" pitchFamily="34" charset="0"/>
+              </a:rPr>
+              <a:t>less</a:t>
+            </a:r>
+            <a:r>
+              <a:rPr lang="et-EE" sz="3200" dirty="0">
+                <a:latin typeface="Segoe UI Historic" panose="020B0502040204020203" pitchFamily="34" charset="0"/>
+                <a:ea typeface="Segoe UI Historic" panose="020B0502040204020203" pitchFamily="34" charset="0"/>
+                <a:cs typeface="Segoe UI Historic" panose="020B0502040204020203" pitchFamily="34" charset="0"/>
+              </a:rPr>
+              <a:t> </a:t>
+            </a:r>
+            <a:r>
+              <a:rPr lang="et-EE" sz="3200" dirty="0" err="1">
+                <a:latin typeface="Segoe UI Historic" panose="020B0502040204020203" pitchFamily="34" charset="0"/>
+                <a:ea typeface="Segoe UI Historic" panose="020B0502040204020203" pitchFamily="34" charset="0"/>
+                <a:cs typeface="Segoe UI Historic" panose="020B0502040204020203" pitchFamily="34" charset="0"/>
+              </a:rPr>
+              <a:t>is</a:t>
+            </a:r>
+            <a:r>
+              <a:rPr lang="et-EE" sz="3200" dirty="0">
+                <a:latin typeface="Segoe UI Historic" panose="020B0502040204020203" pitchFamily="34" charset="0"/>
+                <a:ea typeface="Segoe UI Historic" panose="020B0502040204020203" pitchFamily="34" charset="0"/>
+                <a:cs typeface="Segoe UI Historic" panose="020B0502040204020203" pitchFamily="34" charset="0"/>
+              </a:rPr>
+              <a:t> </a:t>
+            </a:r>
+            <a:r>
+              <a:rPr lang="et-EE" sz="3200" dirty="0" err="1">
+                <a:latin typeface="Segoe UI Historic" panose="020B0502040204020203" pitchFamily="34" charset="0"/>
+                <a:ea typeface="Segoe UI Historic" panose="020B0502040204020203" pitchFamily="34" charset="0"/>
+                <a:cs typeface="Segoe UI Historic" panose="020B0502040204020203" pitchFamily="34" charset="0"/>
+              </a:rPr>
+              <a:t>more</a:t>
+            </a:r>
+            <a:endParaRPr lang="et-EE" sz="3200" dirty="0">
+              <a:latin typeface="Segoe UI Historic" panose="020B0502040204020203" pitchFamily="34" charset="0"/>
+              <a:ea typeface="Segoe UI Historic" panose="020B0502040204020203" pitchFamily="34" charset="0"/>
+              <a:cs typeface="Segoe UI Historic" panose="020B0502040204020203" pitchFamily="34" charset="0"/>
+            </a:endParaRPr>
+          </a:p>
+          <a:p>
+            <a:pPr marL="1371600" lvl="2" indent="-457200">
+              <a:buFont typeface="Arial" panose="020B0604020202020204" pitchFamily="34" charset="0"/>
+              <a:buChar char="•"/>
+            </a:pPr>
+            <a:r>
+              <a:rPr lang="et-EE" sz="2400" dirty="0" err="1">
+                <a:latin typeface="Segoe UI Historic" panose="020B0502040204020203" pitchFamily="34" charset="0"/>
+                <a:ea typeface="Segoe UI Historic" panose="020B0502040204020203" pitchFamily="34" charset="0"/>
+                <a:cs typeface="Segoe UI Historic" panose="020B0502040204020203" pitchFamily="34" charset="0"/>
+              </a:rPr>
+              <a:t>Doing</a:t>
+            </a:r>
+            <a:r>
+              <a:rPr lang="et-EE" sz="2400" dirty="0">
+                <a:latin typeface="Segoe UI Historic" panose="020B0502040204020203" pitchFamily="34" charset="0"/>
+                <a:ea typeface="Segoe UI Historic" panose="020B0502040204020203" pitchFamily="34" charset="0"/>
+                <a:cs typeface="Segoe UI Historic" panose="020B0502040204020203" pitchFamily="34" charset="0"/>
+              </a:rPr>
+              <a:t> </a:t>
+            </a:r>
+            <a:r>
+              <a:rPr lang="et-EE" sz="2400" dirty="0" err="1">
+                <a:latin typeface="Segoe UI Historic" panose="020B0502040204020203" pitchFamily="34" charset="0"/>
+                <a:ea typeface="Segoe UI Historic" panose="020B0502040204020203" pitchFamily="34" charset="0"/>
+                <a:cs typeface="Segoe UI Historic" panose="020B0502040204020203" pitchFamily="34" charset="0"/>
+              </a:rPr>
+              <a:t>fancy</a:t>
+            </a:r>
+            <a:r>
+              <a:rPr lang="et-EE" sz="2400" dirty="0">
+                <a:latin typeface="Segoe UI Historic" panose="020B0502040204020203" pitchFamily="34" charset="0"/>
+                <a:ea typeface="Segoe UI Historic" panose="020B0502040204020203" pitchFamily="34" charset="0"/>
+                <a:cs typeface="Segoe UI Historic" panose="020B0502040204020203" pitchFamily="34" charset="0"/>
+              </a:rPr>
+              <a:t> </a:t>
+            </a:r>
+            <a:r>
+              <a:rPr lang="et-EE" sz="2400" dirty="0" err="1">
+                <a:latin typeface="Segoe UI Historic" panose="020B0502040204020203" pitchFamily="34" charset="0"/>
+                <a:ea typeface="Segoe UI Historic" panose="020B0502040204020203" pitchFamily="34" charset="0"/>
+                <a:cs typeface="Segoe UI Historic" panose="020B0502040204020203" pitchFamily="34" charset="0"/>
+              </a:rPr>
+              <a:t>procedures</a:t>
+            </a:r>
+            <a:r>
+              <a:rPr lang="et-EE" sz="2400" dirty="0">
+                <a:latin typeface="Segoe UI Historic" panose="020B0502040204020203" pitchFamily="34" charset="0"/>
+                <a:ea typeface="Segoe UI Historic" panose="020B0502040204020203" pitchFamily="34" charset="0"/>
+                <a:cs typeface="Segoe UI Historic" panose="020B0502040204020203" pitchFamily="34" charset="0"/>
+              </a:rPr>
+              <a:t> </a:t>
+            </a:r>
+            <a:r>
+              <a:rPr lang="et-EE" sz="2400" dirty="0" err="1">
+                <a:latin typeface="Segoe UI Historic" panose="020B0502040204020203" pitchFamily="34" charset="0"/>
+                <a:ea typeface="Segoe UI Historic" panose="020B0502040204020203" pitchFamily="34" charset="0"/>
+                <a:cs typeface="Segoe UI Historic" panose="020B0502040204020203" pitchFamily="34" charset="0"/>
+              </a:rPr>
+              <a:t>with</a:t>
+            </a:r>
+            <a:r>
+              <a:rPr lang="et-EE" sz="2400" dirty="0">
+                <a:latin typeface="Segoe UI Historic" panose="020B0502040204020203" pitchFamily="34" charset="0"/>
+                <a:ea typeface="Segoe UI Historic" panose="020B0502040204020203" pitchFamily="34" charset="0"/>
+                <a:cs typeface="Segoe UI Historic" panose="020B0502040204020203" pitchFamily="34" charset="0"/>
+              </a:rPr>
+              <a:t> </a:t>
+            </a:r>
+            <a:r>
+              <a:rPr lang="et-EE" sz="2400" dirty="0" err="1">
+                <a:latin typeface="Segoe UI Historic" panose="020B0502040204020203" pitchFamily="34" charset="0"/>
+                <a:ea typeface="Segoe UI Historic" panose="020B0502040204020203" pitchFamily="34" charset="0"/>
+                <a:cs typeface="Segoe UI Historic" panose="020B0502040204020203" pitchFamily="34" charset="0"/>
+              </a:rPr>
+              <a:t>data</a:t>
+            </a:r>
+            <a:r>
+              <a:rPr lang="et-EE" sz="2400" dirty="0">
+                <a:latin typeface="Segoe UI Historic" panose="020B0502040204020203" pitchFamily="34" charset="0"/>
+                <a:ea typeface="Segoe UI Historic" panose="020B0502040204020203" pitchFamily="34" charset="0"/>
+                <a:cs typeface="Segoe UI Historic" panose="020B0502040204020203" pitchFamily="34" charset="0"/>
+              </a:rPr>
+              <a:t> and </a:t>
+            </a:r>
+            <a:r>
+              <a:rPr lang="et-EE" sz="2400" dirty="0" err="1">
+                <a:latin typeface="Segoe UI Historic" panose="020B0502040204020203" pitchFamily="34" charset="0"/>
+                <a:ea typeface="Segoe UI Historic" panose="020B0502040204020203" pitchFamily="34" charset="0"/>
+                <a:cs typeface="Segoe UI Historic" panose="020B0502040204020203" pitchFamily="34" charset="0"/>
+              </a:rPr>
+              <a:t>models</a:t>
+            </a:r>
+            <a:r>
+              <a:rPr lang="et-EE" sz="2400" dirty="0">
+                <a:latin typeface="Segoe UI Historic" panose="020B0502040204020203" pitchFamily="34" charset="0"/>
+                <a:ea typeface="Segoe UI Historic" panose="020B0502040204020203" pitchFamily="34" charset="0"/>
+                <a:cs typeface="Segoe UI Historic" panose="020B0502040204020203" pitchFamily="34" charset="0"/>
+              </a:rPr>
+              <a:t> </a:t>
+            </a:r>
+            <a:r>
+              <a:rPr lang="et-EE" sz="2400" dirty="0" err="1">
+                <a:latin typeface="Segoe UI Historic" panose="020B0502040204020203" pitchFamily="34" charset="0"/>
+                <a:ea typeface="Segoe UI Historic" panose="020B0502040204020203" pitchFamily="34" charset="0"/>
+                <a:cs typeface="Segoe UI Historic" panose="020B0502040204020203" pitchFamily="34" charset="0"/>
+              </a:rPr>
+              <a:t>did</a:t>
+            </a:r>
+            <a:r>
+              <a:rPr lang="et-EE" sz="2400" dirty="0">
+                <a:latin typeface="Segoe UI Historic" panose="020B0502040204020203" pitchFamily="34" charset="0"/>
+                <a:ea typeface="Segoe UI Historic" panose="020B0502040204020203" pitchFamily="34" charset="0"/>
+                <a:cs typeface="Segoe UI Historic" panose="020B0502040204020203" pitchFamily="34" charset="0"/>
+              </a:rPr>
+              <a:t> </a:t>
+            </a:r>
+            <a:r>
+              <a:rPr lang="et-EE" sz="2400" dirty="0" err="1">
+                <a:latin typeface="Segoe UI Historic" panose="020B0502040204020203" pitchFamily="34" charset="0"/>
+                <a:ea typeface="Segoe UI Historic" panose="020B0502040204020203" pitchFamily="34" charset="0"/>
+                <a:cs typeface="Segoe UI Historic" panose="020B0502040204020203" pitchFamily="34" charset="0"/>
+              </a:rPr>
+              <a:t>not</a:t>
+            </a:r>
+            <a:r>
+              <a:rPr lang="et-EE" sz="2400" dirty="0">
+                <a:latin typeface="Segoe UI Historic" panose="020B0502040204020203" pitchFamily="34" charset="0"/>
+                <a:ea typeface="Segoe UI Historic" panose="020B0502040204020203" pitchFamily="34" charset="0"/>
+                <a:cs typeface="Segoe UI Historic" panose="020B0502040204020203" pitchFamily="34" charset="0"/>
+              </a:rPr>
+              <a:t> </a:t>
+            </a:r>
+            <a:r>
+              <a:rPr lang="et-EE" sz="2400" dirty="0" err="1">
+                <a:latin typeface="Segoe UI Historic" panose="020B0502040204020203" pitchFamily="34" charset="0"/>
+                <a:ea typeface="Segoe UI Historic" panose="020B0502040204020203" pitchFamily="34" charset="0"/>
+                <a:cs typeface="Segoe UI Historic" panose="020B0502040204020203" pitchFamily="34" charset="0"/>
+              </a:rPr>
+              <a:t>always</a:t>
+            </a:r>
+            <a:r>
+              <a:rPr lang="et-EE" sz="2400" dirty="0">
+                <a:latin typeface="Segoe UI Historic" panose="020B0502040204020203" pitchFamily="34" charset="0"/>
+                <a:ea typeface="Segoe UI Historic" panose="020B0502040204020203" pitchFamily="34" charset="0"/>
+                <a:cs typeface="Segoe UI Historic" panose="020B0502040204020203" pitchFamily="34" charset="0"/>
+              </a:rPr>
+              <a:t> </a:t>
+            </a:r>
+            <a:r>
+              <a:rPr lang="et-EE" sz="2400" dirty="0" err="1">
+                <a:latin typeface="Segoe UI Historic" panose="020B0502040204020203" pitchFamily="34" charset="0"/>
+                <a:ea typeface="Segoe UI Historic" panose="020B0502040204020203" pitchFamily="34" charset="0"/>
+                <a:cs typeface="Segoe UI Historic" panose="020B0502040204020203" pitchFamily="34" charset="0"/>
+              </a:rPr>
+              <a:t>result</a:t>
+            </a:r>
+            <a:r>
+              <a:rPr lang="et-EE" sz="2400" dirty="0">
+                <a:latin typeface="Segoe UI Historic" panose="020B0502040204020203" pitchFamily="34" charset="0"/>
+                <a:ea typeface="Segoe UI Historic" panose="020B0502040204020203" pitchFamily="34" charset="0"/>
+                <a:cs typeface="Segoe UI Historic" panose="020B0502040204020203" pitchFamily="34" charset="0"/>
+              </a:rPr>
+              <a:t> in </a:t>
+            </a:r>
+            <a:r>
+              <a:rPr lang="et-EE" sz="2400" dirty="0" err="1">
+                <a:latin typeface="Segoe UI Historic" panose="020B0502040204020203" pitchFamily="34" charset="0"/>
+                <a:ea typeface="Segoe UI Historic" panose="020B0502040204020203" pitchFamily="34" charset="0"/>
+                <a:cs typeface="Segoe UI Historic" panose="020B0502040204020203" pitchFamily="34" charset="0"/>
+              </a:rPr>
+              <a:t>better</a:t>
+            </a:r>
+            <a:r>
+              <a:rPr lang="et-EE" sz="2400" dirty="0">
+                <a:latin typeface="Segoe UI Historic" panose="020B0502040204020203" pitchFamily="34" charset="0"/>
+                <a:ea typeface="Segoe UI Historic" panose="020B0502040204020203" pitchFamily="34" charset="0"/>
+                <a:cs typeface="Segoe UI Historic" panose="020B0502040204020203" pitchFamily="34" charset="0"/>
+              </a:rPr>
+              <a:t> </a:t>
+            </a:r>
+            <a:r>
+              <a:rPr lang="et-EE" sz="2400" dirty="0" err="1">
+                <a:latin typeface="Segoe UI Historic" panose="020B0502040204020203" pitchFamily="34" charset="0"/>
+                <a:ea typeface="Segoe UI Historic" panose="020B0502040204020203" pitchFamily="34" charset="0"/>
+                <a:cs typeface="Segoe UI Historic" panose="020B0502040204020203" pitchFamily="34" charset="0"/>
+              </a:rPr>
+              <a:t>models</a:t>
+            </a:r>
+            <a:r>
+              <a:rPr lang="et-EE" sz="2400" dirty="0">
+                <a:latin typeface="Segoe UI Historic" panose="020B0502040204020203" pitchFamily="34" charset="0"/>
+                <a:ea typeface="Segoe UI Historic" panose="020B0502040204020203" pitchFamily="34" charset="0"/>
+                <a:cs typeface="Segoe UI Historic" panose="020B0502040204020203" pitchFamily="34" charset="0"/>
+              </a:rPr>
+              <a:t>.</a:t>
+            </a:r>
+          </a:p>
+          <a:p>
+            <a:pPr marL="1371600" lvl="2" indent="-457200">
+              <a:buFont typeface="Arial" panose="020B0604020202020204" pitchFamily="34" charset="0"/>
+              <a:buChar char="•"/>
+            </a:pPr>
+            <a:endParaRPr lang="et-EE" sz="2400" dirty="0">
+              <a:latin typeface="Segoe UI Historic" panose="020B0502040204020203" pitchFamily="34" charset="0"/>
+              <a:ea typeface="Segoe UI Historic" panose="020B0502040204020203" pitchFamily="34" charset="0"/>
+              <a:cs typeface="Segoe UI Historic" panose="020B0502040204020203" pitchFamily="34" charset="0"/>
+            </a:endParaRPr>
+          </a:p>
+          <a:p>
+            <a:pPr marL="457200" indent="-457200">
+              <a:buFont typeface="Arial" panose="020B0604020202020204" pitchFamily="34" charset="0"/>
+              <a:buChar char="•"/>
+            </a:pPr>
+            <a:r>
+              <a:rPr lang="et-EE" sz="3200" dirty="0" err="1">
+                <a:latin typeface="Segoe UI Historic" panose="020B0502040204020203" pitchFamily="34" charset="0"/>
+                <a:ea typeface="Segoe UI Historic" panose="020B0502040204020203" pitchFamily="34" charset="0"/>
+                <a:cs typeface="Segoe UI Historic" panose="020B0502040204020203" pitchFamily="34" charset="0"/>
+              </a:rPr>
+              <a:t>Try</a:t>
+            </a:r>
+            <a:r>
+              <a:rPr lang="et-EE" sz="3200" dirty="0">
+                <a:latin typeface="Segoe UI Historic" panose="020B0502040204020203" pitchFamily="34" charset="0"/>
+                <a:ea typeface="Segoe UI Historic" panose="020B0502040204020203" pitchFamily="34" charset="0"/>
+                <a:cs typeface="Segoe UI Historic" panose="020B0502040204020203" pitchFamily="34" charset="0"/>
+              </a:rPr>
+              <a:t> </a:t>
+            </a:r>
+            <a:r>
+              <a:rPr lang="et-EE" sz="3200" dirty="0" err="1">
+                <a:latin typeface="Segoe UI Historic" panose="020B0502040204020203" pitchFamily="34" charset="0"/>
+                <a:ea typeface="Segoe UI Historic" panose="020B0502040204020203" pitchFamily="34" charset="0"/>
+                <a:cs typeface="Segoe UI Historic" panose="020B0502040204020203" pitchFamily="34" charset="0"/>
+              </a:rPr>
+              <a:t>different</a:t>
+            </a:r>
+            <a:r>
+              <a:rPr lang="et-EE" sz="3200" dirty="0">
+                <a:latin typeface="Segoe UI Historic" panose="020B0502040204020203" pitchFamily="34" charset="0"/>
+                <a:ea typeface="Segoe UI Historic" panose="020B0502040204020203" pitchFamily="34" charset="0"/>
+                <a:cs typeface="Segoe UI Historic" panose="020B0502040204020203" pitchFamily="34" charset="0"/>
+              </a:rPr>
+              <a:t> </a:t>
+            </a:r>
+            <a:r>
+              <a:rPr lang="et-EE" sz="3200" dirty="0" err="1">
+                <a:latin typeface="Segoe UI Historic" panose="020B0502040204020203" pitchFamily="34" charset="0"/>
+                <a:ea typeface="Segoe UI Historic" panose="020B0502040204020203" pitchFamily="34" charset="0"/>
+                <a:cs typeface="Segoe UI Historic" panose="020B0502040204020203" pitchFamily="34" charset="0"/>
+              </a:rPr>
+              <a:t>things</a:t>
+            </a:r>
+            <a:endParaRPr lang="et-EE" sz="3200" dirty="0">
+              <a:latin typeface="Segoe UI Historic" panose="020B0502040204020203" pitchFamily="34" charset="0"/>
+              <a:ea typeface="Segoe UI Historic" panose="020B0502040204020203" pitchFamily="34" charset="0"/>
+              <a:cs typeface="Segoe UI Historic" panose="020B0502040204020203" pitchFamily="34" charset="0"/>
+            </a:endParaRPr>
+          </a:p>
+          <a:p>
+            <a:pPr marL="1371600" lvl="2" indent="-457200">
+              <a:buFont typeface="Arial" panose="020B0604020202020204" pitchFamily="34" charset="0"/>
+              <a:buChar char="•"/>
+            </a:pPr>
+            <a:r>
+              <a:rPr lang="et-EE" sz="2400" dirty="0" err="1">
+                <a:latin typeface="Segoe UI Historic" panose="020B0502040204020203" pitchFamily="34" charset="0"/>
+                <a:ea typeface="Segoe UI Historic" panose="020B0502040204020203" pitchFamily="34" charset="0"/>
+                <a:cs typeface="Segoe UI Historic" panose="020B0502040204020203" pitchFamily="34" charset="0"/>
+              </a:rPr>
+              <a:t>Some</a:t>
+            </a:r>
+            <a:r>
+              <a:rPr lang="et-EE" sz="2400" dirty="0">
+                <a:latin typeface="Segoe UI Historic" panose="020B0502040204020203" pitchFamily="34" charset="0"/>
+                <a:ea typeface="Segoe UI Historic" panose="020B0502040204020203" pitchFamily="34" charset="0"/>
+                <a:cs typeface="Segoe UI Historic" panose="020B0502040204020203" pitchFamily="34" charset="0"/>
+              </a:rPr>
+              <a:t> </a:t>
+            </a:r>
+            <a:r>
+              <a:rPr lang="et-EE" sz="2400" dirty="0" err="1">
+                <a:latin typeface="Segoe UI Historic" panose="020B0502040204020203" pitchFamily="34" charset="0"/>
+                <a:ea typeface="Segoe UI Historic" panose="020B0502040204020203" pitchFamily="34" charset="0"/>
+                <a:cs typeface="Segoe UI Historic" panose="020B0502040204020203" pitchFamily="34" charset="0"/>
+              </a:rPr>
+              <a:t>things</a:t>
+            </a:r>
+            <a:r>
+              <a:rPr lang="et-EE" sz="2400" dirty="0">
+                <a:latin typeface="Segoe UI Historic" panose="020B0502040204020203" pitchFamily="34" charset="0"/>
+                <a:ea typeface="Segoe UI Historic" panose="020B0502040204020203" pitchFamily="34" charset="0"/>
+                <a:cs typeface="Segoe UI Historic" panose="020B0502040204020203" pitchFamily="34" charset="0"/>
+              </a:rPr>
+              <a:t> </a:t>
+            </a:r>
+            <a:r>
+              <a:rPr lang="et-EE" sz="2400" dirty="0" err="1">
+                <a:latin typeface="Segoe UI Historic" panose="020B0502040204020203" pitchFamily="34" charset="0"/>
+                <a:ea typeface="Segoe UI Historic" panose="020B0502040204020203" pitchFamily="34" charset="0"/>
+                <a:cs typeface="Segoe UI Historic" panose="020B0502040204020203" pitchFamily="34" charset="0"/>
+              </a:rPr>
+              <a:t>work</a:t>
+            </a:r>
+            <a:r>
+              <a:rPr lang="et-EE" sz="2400" dirty="0">
+                <a:latin typeface="Segoe UI Historic" panose="020B0502040204020203" pitchFamily="34" charset="0"/>
+                <a:ea typeface="Segoe UI Historic" panose="020B0502040204020203" pitchFamily="34" charset="0"/>
+                <a:cs typeface="Segoe UI Historic" panose="020B0502040204020203" pitchFamily="34" charset="0"/>
+              </a:rPr>
+              <a:t>, </a:t>
+            </a:r>
+            <a:r>
+              <a:rPr lang="et-EE" sz="2400" dirty="0" err="1">
+                <a:latin typeface="Segoe UI Historic" panose="020B0502040204020203" pitchFamily="34" charset="0"/>
+                <a:ea typeface="Segoe UI Historic" panose="020B0502040204020203" pitchFamily="34" charset="0"/>
+                <a:cs typeface="Segoe UI Historic" panose="020B0502040204020203" pitchFamily="34" charset="0"/>
+              </a:rPr>
+              <a:t>ohters</a:t>
+            </a:r>
+            <a:r>
+              <a:rPr lang="et-EE" sz="2400" dirty="0">
+                <a:latin typeface="Segoe UI Historic" panose="020B0502040204020203" pitchFamily="34" charset="0"/>
+                <a:ea typeface="Segoe UI Historic" panose="020B0502040204020203" pitchFamily="34" charset="0"/>
+                <a:cs typeface="Segoe UI Historic" panose="020B0502040204020203" pitchFamily="34" charset="0"/>
+              </a:rPr>
+              <a:t> </a:t>
+            </a:r>
+            <a:r>
+              <a:rPr lang="et-EE" sz="2400" dirty="0" err="1">
+                <a:latin typeface="Segoe UI Historic" panose="020B0502040204020203" pitchFamily="34" charset="0"/>
+                <a:ea typeface="Segoe UI Historic" panose="020B0502040204020203" pitchFamily="34" charset="0"/>
+                <a:cs typeface="Segoe UI Historic" panose="020B0502040204020203" pitchFamily="34" charset="0"/>
+              </a:rPr>
+              <a:t>don’t</a:t>
+            </a:r>
+            <a:r>
+              <a:rPr lang="et-EE" sz="2400" dirty="0">
+                <a:latin typeface="Segoe UI Historic" panose="020B0502040204020203" pitchFamily="34" charset="0"/>
+                <a:ea typeface="Segoe UI Historic" panose="020B0502040204020203" pitchFamily="34" charset="0"/>
+                <a:cs typeface="Segoe UI Historic" panose="020B0502040204020203" pitchFamily="34" charset="0"/>
+              </a:rPr>
+              <a:t>. </a:t>
+            </a:r>
+            <a:r>
+              <a:rPr lang="et-EE" sz="2400" dirty="0" err="1">
+                <a:latin typeface="Segoe UI Historic" panose="020B0502040204020203" pitchFamily="34" charset="0"/>
+                <a:ea typeface="Segoe UI Historic" panose="020B0502040204020203" pitchFamily="34" charset="0"/>
+                <a:cs typeface="Segoe UI Historic" panose="020B0502040204020203" pitchFamily="34" charset="0"/>
+              </a:rPr>
+              <a:t>You</a:t>
+            </a:r>
+            <a:r>
+              <a:rPr lang="et-EE" sz="2400" dirty="0">
+                <a:latin typeface="Segoe UI Historic" panose="020B0502040204020203" pitchFamily="34" charset="0"/>
+                <a:ea typeface="Segoe UI Historic" panose="020B0502040204020203" pitchFamily="34" charset="0"/>
+                <a:cs typeface="Segoe UI Historic" panose="020B0502040204020203" pitchFamily="34" charset="0"/>
+              </a:rPr>
+              <a:t> </a:t>
+            </a:r>
+            <a:r>
+              <a:rPr lang="et-EE" sz="2400" dirty="0" err="1">
+                <a:latin typeface="Segoe UI Historic" panose="020B0502040204020203" pitchFamily="34" charset="0"/>
+                <a:ea typeface="Segoe UI Historic" panose="020B0502040204020203" pitchFamily="34" charset="0"/>
+                <a:cs typeface="Segoe UI Historic" panose="020B0502040204020203" pitchFamily="34" charset="0"/>
+              </a:rPr>
+              <a:t>wont</a:t>
+            </a:r>
+            <a:r>
+              <a:rPr lang="et-EE" sz="2400" dirty="0">
+                <a:latin typeface="Segoe UI Historic" panose="020B0502040204020203" pitchFamily="34" charset="0"/>
+                <a:ea typeface="Segoe UI Historic" panose="020B0502040204020203" pitchFamily="34" charset="0"/>
+                <a:cs typeface="Segoe UI Historic" panose="020B0502040204020203" pitchFamily="34" charset="0"/>
+              </a:rPr>
+              <a:t> </a:t>
+            </a:r>
+            <a:r>
+              <a:rPr lang="et-EE" sz="2400" dirty="0" err="1">
+                <a:latin typeface="Segoe UI Historic" panose="020B0502040204020203" pitchFamily="34" charset="0"/>
+                <a:ea typeface="Segoe UI Historic" panose="020B0502040204020203" pitchFamily="34" charset="0"/>
+                <a:cs typeface="Segoe UI Historic" panose="020B0502040204020203" pitchFamily="34" charset="0"/>
+              </a:rPr>
+              <a:t>know</a:t>
+            </a:r>
+            <a:r>
+              <a:rPr lang="et-EE" sz="2400" dirty="0">
+                <a:latin typeface="Segoe UI Historic" panose="020B0502040204020203" pitchFamily="34" charset="0"/>
+                <a:ea typeface="Segoe UI Historic" panose="020B0502040204020203" pitchFamily="34" charset="0"/>
+                <a:cs typeface="Segoe UI Historic" panose="020B0502040204020203" pitchFamily="34" charset="0"/>
+              </a:rPr>
+              <a:t> </a:t>
+            </a:r>
+            <a:r>
+              <a:rPr lang="et-EE" sz="2400" dirty="0" err="1">
+                <a:latin typeface="Segoe UI Historic" panose="020B0502040204020203" pitchFamily="34" charset="0"/>
+                <a:ea typeface="Segoe UI Historic" panose="020B0502040204020203" pitchFamily="34" charset="0"/>
+                <a:cs typeface="Segoe UI Historic" panose="020B0502040204020203" pitchFamily="34" charset="0"/>
+              </a:rPr>
+              <a:t>until</a:t>
+            </a:r>
+            <a:r>
+              <a:rPr lang="et-EE" sz="2400" dirty="0">
+                <a:latin typeface="Segoe UI Historic" panose="020B0502040204020203" pitchFamily="34" charset="0"/>
+                <a:ea typeface="Segoe UI Historic" panose="020B0502040204020203" pitchFamily="34" charset="0"/>
+                <a:cs typeface="Segoe UI Historic" panose="020B0502040204020203" pitchFamily="34" charset="0"/>
+              </a:rPr>
+              <a:t> </a:t>
+            </a:r>
+            <a:r>
+              <a:rPr lang="et-EE" sz="2400" dirty="0" err="1">
+                <a:latin typeface="Segoe UI Historic" panose="020B0502040204020203" pitchFamily="34" charset="0"/>
+                <a:ea typeface="Segoe UI Historic" panose="020B0502040204020203" pitchFamily="34" charset="0"/>
+                <a:cs typeface="Segoe UI Historic" panose="020B0502040204020203" pitchFamily="34" charset="0"/>
+              </a:rPr>
+              <a:t>you</a:t>
+            </a:r>
+            <a:r>
+              <a:rPr lang="et-EE" sz="2400" dirty="0">
+                <a:latin typeface="Segoe UI Historic" panose="020B0502040204020203" pitchFamily="34" charset="0"/>
+                <a:ea typeface="Segoe UI Historic" panose="020B0502040204020203" pitchFamily="34" charset="0"/>
+                <a:cs typeface="Segoe UI Historic" panose="020B0502040204020203" pitchFamily="34" charset="0"/>
+              </a:rPr>
+              <a:t> </a:t>
+            </a:r>
+            <a:r>
+              <a:rPr lang="et-EE" sz="2400" dirty="0" err="1">
+                <a:latin typeface="Segoe UI Historic" panose="020B0502040204020203" pitchFamily="34" charset="0"/>
+                <a:ea typeface="Segoe UI Historic" panose="020B0502040204020203" pitchFamily="34" charset="0"/>
+                <a:cs typeface="Segoe UI Historic" panose="020B0502040204020203" pitchFamily="34" charset="0"/>
+              </a:rPr>
+              <a:t>try</a:t>
+            </a:r>
+            <a:r>
+              <a:rPr lang="et-EE" sz="2400" dirty="0">
+                <a:latin typeface="Segoe UI Historic" panose="020B0502040204020203" pitchFamily="34" charset="0"/>
+                <a:ea typeface="Segoe UI Historic" panose="020B0502040204020203" pitchFamily="34" charset="0"/>
+                <a:cs typeface="Segoe UI Historic" panose="020B0502040204020203" pitchFamily="34" charset="0"/>
+              </a:rPr>
+              <a:t>. </a:t>
+            </a:r>
+            <a:r>
+              <a:rPr lang="et-EE" sz="2400" dirty="0" err="1">
+                <a:latin typeface="Segoe UI Historic" panose="020B0502040204020203" pitchFamily="34" charset="0"/>
+                <a:ea typeface="Segoe UI Historic" panose="020B0502040204020203" pitchFamily="34" charset="0"/>
+                <a:cs typeface="Segoe UI Historic" panose="020B0502040204020203" pitchFamily="34" charset="0"/>
+              </a:rPr>
+              <a:t>Our</a:t>
+            </a:r>
+            <a:r>
+              <a:rPr lang="et-EE" sz="2400" dirty="0">
+                <a:latin typeface="Segoe UI Historic" panose="020B0502040204020203" pitchFamily="34" charset="0"/>
+                <a:ea typeface="Segoe UI Historic" panose="020B0502040204020203" pitchFamily="34" charset="0"/>
+                <a:cs typeface="Segoe UI Historic" panose="020B0502040204020203" pitchFamily="34" charset="0"/>
+              </a:rPr>
+              <a:t> </a:t>
+            </a:r>
+            <a:r>
+              <a:rPr lang="et-EE" sz="2400" dirty="0" err="1">
+                <a:latin typeface="Segoe UI Historic" panose="020B0502040204020203" pitchFamily="34" charset="0"/>
+                <a:ea typeface="Segoe UI Historic" panose="020B0502040204020203" pitchFamily="34" charset="0"/>
+                <a:cs typeface="Segoe UI Historic" panose="020B0502040204020203" pitchFamily="34" charset="0"/>
+              </a:rPr>
+              <a:t>best</a:t>
+            </a:r>
+            <a:r>
+              <a:rPr lang="et-EE" sz="2400" dirty="0">
+                <a:latin typeface="Segoe UI Historic" panose="020B0502040204020203" pitchFamily="34" charset="0"/>
+                <a:ea typeface="Segoe UI Historic" panose="020B0502040204020203" pitchFamily="34" charset="0"/>
+                <a:cs typeface="Segoe UI Historic" panose="020B0502040204020203" pitchFamily="34" charset="0"/>
+              </a:rPr>
+              <a:t> </a:t>
+            </a:r>
+            <a:r>
+              <a:rPr lang="et-EE" sz="2400" dirty="0" err="1">
+                <a:latin typeface="Segoe UI Historic" panose="020B0502040204020203" pitchFamily="34" charset="0"/>
+                <a:ea typeface="Segoe UI Historic" panose="020B0502040204020203" pitchFamily="34" charset="0"/>
+                <a:cs typeface="Segoe UI Historic" panose="020B0502040204020203" pitchFamily="34" charset="0"/>
+              </a:rPr>
+              <a:t>solution</a:t>
+            </a:r>
+            <a:r>
+              <a:rPr lang="et-EE" sz="2400" dirty="0">
+                <a:latin typeface="Segoe UI Historic" panose="020B0502040204020203" pitchFamily="34" charset="0"/>
+                <a:ea typeface="Segoe UI Historic" panose="020B0502040204020203" pitchFamily="34" charset="0"/>
+                <a:cs typeface="Segoe UI Historic" panose="020B0502040204020203" pitchFamily="34" charset="0"/>
+              </a:rPr>
+              <a:t> </a:t>
+            </a:r>
+            <a:r>
+              <a:rPr lang="et-EE" sz="2400" dirty="0" err="1">
+                <a:latin typeface="Segoe UI Historic" panose="020B0502040204020203" pitchFamily="34" charset="0"/>
+                <a:ea typeface="Segoe UI Historic" panose="020B0502040204020203" pitchFamily="34" charset="0"/>
+                <a:cs typeface="Segoe UI Historic" panose="020B0502040204020203" pitchFamily="34" charset="0"/>
+              </a:rPr>
+              <a:t>was</a:t>
+            </a:r>
+            <a:r>
+              <a:rPr lang="et-EE" sz="2400" dirty="0">
+                <a:latin typeface="Segoe UI Historic" panose="020B0502040204020203" pitchFamily="34" charset="0"/>
+                <a:ea typeface="Segoe UI Historic" panose="020B0502040204020203" pitchFamily="34" charset="0"/>
+                <a:cs typeface="Segoe UI Historic" panose="020B0502040204020203" pitchFamily="34" charset="0"/>
+              </a:rPr>
+              <a:t> </a:t>
+            </a:r>
+            <a:r>
+              <a:rPr lang="et-EE" sz="2400" dirty="0" err="1">
+                <a:latin typeface="Segoe UI Historic" panose="020B0502040204020203" pitchFamily="34" charset="0"/>
+                <a:ea typeface="Segoe UI Historic" panose="020B0502040204020203" pitchFamily="34" charset="0"/>
+                <a:cs typeface="Segoe UI Historic" panose="020B0502040204020203" pitchFamily="34" charset="0"/>
+              </a:rPr>
+              <a:t>not</a:t>
+            </a:r>
+            <a:r>
+              <a:rPr lang="et-EE" sz="2400" dirty="0">
+                <a:latin typeface="Segoe UI Historic" panose="020B0502040204020203" pitchFamily="34" charset="0"/>
+                <a:ea typeface="Segoe UI Historic" panose="020B0502040204020203" pitchFamily="34" charset="0"/>
+                <a:cs typeface="Segoe UI Historic" panose="020B0502040204020203" pitchFamily="34" charset="0"/>
+              </a:rPr>
+              <a:t> </a:t>
+            </a:r>
+            <a:r>
+              <a:rPr lang="et-EE" sz="2400" dirty="0" err="1">
+                <a:latin typeface="Segoe UI Historic" panose="020B0502040204020203" pitchFamily="34" charset="0"/>
+                <a:ea typeface="Segoe UI Historic" panose="020B0502040204020203" pitchFamily="34" charset="0"/>
+                <a:cs typeface="Segoe UI Historic" panose="020B0502040204020203" pitchFamily="34" charset="0"/>
+              </a:rPr>
+              <a:t>something</a:t>
+            </a:r>
+            <a:r>
+              <a:rPr lang="et-EE" sz="2400" dirty="0">
+                <a:latin typeface="Segoe UI Historic" panose="020B0502040204020203" pitchFamily="34" charset="0"/>
+                <a:ea typeface="Segoe UI Historic" panose="020B0502040204020203" pitchFamily="34" charset="0"/>
+                <a:cs typeface="Segoe UI Historic" panose="020B0502040204020203" pitchFamily="34" charset="0"/>
+              </a:rPr>
+              <a:t> </a:t>
+            </a:r>
+            <a:r>
+              <a:rPr lang="et-EE" sz="2400" dirty="0" err="1">
+                <a:latin typeface="Segoe UI Historic" panose="020B0502040204020203" pitchFamily="34" charset="0"/>
+                <a:ea typeface="Segoe UI Historic" panose="020B0502040204020203" pitchFamily="34" charset="0"/>
+                <a:cs typeface="Segoe UI Historic" panose="020B0502040204020203" pitchFamily="34" charset="0"/>
+              </a:rPr>
+              <a:t>we</a:t>
+            </a:r>
+            <a:r>
+              <a:rPr lang="et-EE" sz="2400" dirty="0">
+                <a:latin typeface="Segoe UI Historic" panose="020B0502040204020203" pitchFamily="34" charset="0"/>
+                <a:ea typeface="Segoe UI Historic" panose="020B0502040204020203" pitchFamily="34" charset="0"/>
+                <a:cs typeface="Segoe UI Historic" panose="020B0502040204020203" pitchFamily="34" charset="0"/>
+              </a:rPr>
+              <a:t> </a:t>
+            </a:r>
+            <a:r>
+              <a:rPr lang="et-EE" sz="2400" dirty="0" err="1">
+                <a:latin typeface="Segoe UI Historic" panose="020B0502040204020203" pitchFamily="34" charset="0"/>
+                <a:ea typeface="Segoe UI Historic" panose="020B0502040204020203" pitchFamily="34" charset="0"/>
+                <a:cs typeface="Segoe UI Historic" panose="020B0502040204020203" pitchFamily="34" charset="0"/>
+              </a:rPr>
+              <a:t>had</a:t>
+            </a:r>
+            <a:r>
+              <a:rPr lang="et-EE" sz="2400" dirty="0">
+                <a:latin typeface="Segoe UI Historic" panose="020B0502040204020203" pitchFamily="34" charset="0"/>
+                <a:ea typeface="Segoe UI Historic" panose="020B0502040204020203" pitchFamily="34" charset="0"/>
+                <a:cs typeface="Segoe UI Historic" panose="020B0502040204020203" pitchFamily="34" charset="0"/>
+              </a:rPr>
+              <a:t> </a:t>
+            </a:r>
+            <a:r>
+              <a:rPr lang="et-EE" sz="2400" dirty="0" err="1">
+                <a:latin typeface="Segoe UI Historic" panose="020B0502040204020203" pitchFamily="34" charset="0"/>
+                <a:ea typeface="Segoe UI Historic" panose="020B0502040204020203" pitchFamily="34" charset="0"/>
+                <a:cs typeface="Segoe UI Historic" panose="020B0502040204020203" pitchFamily="34" charset="0"/>
+              </a:rPr>
+              <a:t>done</a:t>
+            </a:r>
+            <a:r>
+              <a:rPr lang="et-EE" sz="2400" dirty="0">
+                <a:latin typeface="Segoe UI Historic" panose="020B0502040204020203" pitchFamily="34" charset="0"/>
+                <a:ea typeface="Segoe UI Historic" panose="020B0502040204020203" pitchFamily="34" charset="0"/>
+                <a:cs typeface="Segoe UI Historic" panose="020B0502040204020203" pitchFamily="34" charset="0"/>
+              </a:rPr>
+              <a:t> </a:t>
+            </a:r>
+            <a:r>
+              <a:rPr lang="et-EE" sz="2400" dirty="0" err="1">
+                <a:latin typeface="Segoe UI Historic" panose="020B0502040204020203" pitchFamily="34" charset="0"/>
+                <a:ea typeface="Segoe UI Historic" panose="020B0502040204020203" pitchFamily="34" charset="0"/>
+                <a:cs typeface="Segoe UI Historic" panose="020B0502040204020203" pitchFamily="34" charset="0"/>
+              </a:rPr>
+              <a:t>before</a:t>
+            </a:r>
+            <a:r>
+              <a:rPr lang="et-EE" sz="2400" dirty="0">
+                <a:latin typeface="Segoe UI Historic" panose="020B0502040204020203" pitchFamily="34" charset="0"/>
+                <a:ea typeface="Segoe UI Historic" panose="020B0502040204020203" pitchFamily="34" charset="0"/>
+                <a:cs typeface="Segoe UI Historic" panose="020B0502040204020203" pitchFamily="34" charset="0"/>
+              </a:rPr>
+              <a:t>.</a:t>
+            </a:r>
+          </a:p>
+          <a:p>
+            <a:pPr marL="1371600" lvl="2" indent="-457200">
+              <a:buFont typeface="Arial" panose="020B0604020202020204" pitchFamily="34" charset="0"/>
+              <a:buChar char="•"/>
+            </a:pPr>
+            <a:endParaRPr lang="et-EE" sz="2400" dirty="0">
+              <a:latin typeface="Segoe UI Historic" panose="020B0502040204020203" pitchFamily="34" charset="0"/>
+              <a:ea typeface="Segoe UI Historic" panose="020B0502040204020203" pitchFamily="34" charset="0"/>
+              <a:cs typeface="Segoe UI Historic" panose="020B0502040204020203" pitchFamily="34" charset="0"/>
+            </a:endParaRPr>
+          </a:p>
+          <a:p>
+            <a:pPr marL="1371600" lvl="2" indent="-457200">
+              <a:buFont typeface="Arial" panose="020B0604020202020204" pitchFamily="34" charset="0"/>
+              <a:buChar char="•"/>
+            </a:pPr>
+            <a:endParaRPr lang="et-EE" sz="2400" dirty="0">
+              <a:latin typeface="Segoe UI Historic" panose="020B0502040204020203" pitchFamily="34" charset="0"/>
+              <a:ea typeface="Segoe UI Historic" panose="020B0502040204020203" pitchFamily="34" charset="0"/>
+              <a:cs typeface="Segoe UI Historic" panose="020B0502040204020203" pitchFamily="34" charset="0"/>
+            </a:endParaRPr>
+          </a:p>
+        </p:txBody>
+      </p:sp>
+      <p:sp>
+        <p:nvSpPr>
+          <p:cNvPr id="15" name="Rectangle: Rounded Corners 14">
+            <a:extLst>
+              <a:ext uri="{FF2B5EF4-FFF2-40B4-BE49-F238E27FC236}">
+                <a16:creationId xmlns:a16="http://schemas.microsoft.com/office/drawing/2014/main" id="{8903E257-5C71-B5BA-E825-6AA7DCE7F03D}"/>
+              </a:ext>
+            </a:extLst>
+          </p:cNvPr>
+          <p:cNvSpPr/>
+          <p:nvPr/>
+        </p:nvSpPr>
+        <p:spPr bwMode="auto">
+          <a:xfrm>
+            <a:off x="33288743" y="10191349"/>
+            <a:ext cx="9788964" cy="2229251"/>
+          </a:xfrm>
+          <a:prstGeom prst="roundRect">
+            <a:avLst/>
+          </a:prstGeom>
+          <a:noFill/>
+          <a:ln w="57150" cap="flat" cmpd="sng" algn="ctr">
+            <a:solidFill>
+              <a:schemeClr val="accent6">
+                <a:lumMod val="60000"/>
+                <a:lumOff val="40000"/>
+              </a:schemeClr>
+            </a:solidFill>
+            <a:prstDash val="solid"/>
+            <a:round/>
+            <a:headEnd type="none" w="med" len="med"/>
+            <a:tailEnd type="none" w="med" len="med"/>
+          </a:ln>
+          <a:effectLst/>
+        </p:spPr>
+        <p:txBody>
+          <a:bodyPr vert="horz" wrap="square" lIns="91440" tIns="45720" rIns="91440" bIns="45720" numCol="1" rtlCol="0" anchor="t" anchorCtr="0" compatLnSpc="1">
+            <a:prstTxWarp prst="textNoShape">
+              <a:avLst/>
+            </a:prstTxWarp>
+          </a:bodyPr>
+          <a:lstStyle/>
+          <a:p>
+            <a:pPr marL="0" marR="0" indent="0" algn="l" defTabSz="4703763" rtl="0" eaLnBrk="1" fontAlgn="base" latinLnBrk="0" hangingPunct="1">
+              <a:lnSpc>
+                <a:spcPct val="100000"/>
+              </a:lnSpc>
+              <a:spcBef>
+                <a:spcPct val="0"/>
+              </a:spcBef>
+              <a:spcAft>
+                <a:spcPct val="0"/>
+              </a:spcAft>
+              <a:buClrTx/>
+              <a:buSzTx/>
+              <a:buFontTx/>
+              <a:buNone/>
+              <a:tabLst/>
+            </a:pPr>
+            <a:endParaRPr kumimoji="0" lang="en-US" sz="3800" b="0" i="0" u="none" strike="noStrike" cap="none" normalizeH="0" baseline="0">
+              <a:ln>
+                <a:noFill/>
+              </a:ln>
+              <a:solidFill>
+                <a:schemeClr val="tx1"/>
+              </a:solidFill>
+              <a:effectLst/>
+              <a:latin typeface="Arial" charset="0"/>
+            </a:endParaRPr>
+          </a:p>
+        </p:txBody>
+      </p:sp>
+      <p:pic>
+        <p:nvPicPr>
+          <p:cNvPr id="1030" name="Picture 6" descr="Avaleht | Tartu Ülikool">
+            <a:extLst>
+              <a:ext uri="{FF2B5EF4-FFF2-40B4-BE49-F238E27FC236}">
+                <a16:creationId xmlns:a16="http://schemas.microsoft.com/office/drawing/2014/main" id="{03E9CF75-FE8B-9CF3-D3DD-569F51370505}"/>
+              </a:ext>
+            </a:extLst>
+          </p:cNvPr>
+          <p:cNvPicPr>
+            <a:picLocks noChangeAspect="1" noChangeArrowheads="1"/>
+          </p:cNvPicPr>
+          <p:nvPr/>
+        </p:nvPicPr>
+        <p:blipFill rotWithShape="1">
+          <a:blip r:embed="rId10" cstate="print">
+            <a:extLst>
+              <a:ext uri="{28A0092B-C50C-407E-A947-70E740481C1C}">
+                <a14:useLocalDpi xmlns:a14="http://schemas.microsoft.com/office/drawing/2010/main" val="0"/>
+              </a:ext>
+            </a:extLst>
+          </a:blip>
+          <a:srcRect b="26673"/>
+          <a:stretch/>
+        </p:blipFill>
+        <p:spPr bwMode="auto">
+          <a:xfrm>
+            <a:off x="39785018" y="30797812"/>
+            <a:ext cx="3436728" cy="1323027"/>
+          </a:xfrm>
+          <a:prstGeom prst="rect">
+            <a:avLst/>
+          </a:prstGeom>
+          <a:noFill/>
+          <a:extLst>
+            <a:ext uri="{909E8E84-426E-40DD-AFC4-6F175D3DCCD1}">
+              <a14:hiddenFill xmlns:a14="http://schemas.microsoft.com/office/drawing/2010/main">
+                <a:solidFill>
+                  <a:srgbClr val="FFFFFF"/>
+                </a:solidFill>
+              </a14:hiddenFill>
+            </a:ext>
+          </a:extLst>
+        </p:spPr>
+      </p:pic>
     </p:spTree>
   </p:cSld>
   <p:clrMapOvr>

--- a/Poster.pptx
+++ b/Poster.pptx
@@ -21,19 +21,26 @@
       <p:boldItalic r:id="rId7"/>
     </p:embeddedFont>
     <p:embeddedFont>
-      <p:font typeface="Segoe UI Historic" panose="020B0502040204020203" pitchFamily="34" charset="0"/>
+      <p:font typeface="Open Sans" pitchFamily="2" charset="0"/>
       <p:regular r:id="rId8"/>
+      <p:bold r:id="rId9"/>
+      <p:italic r:id="rId10"/>
+      <p:boldItalic r:id="rId11"/>
     </p:embeddedFont>
     <p:embeddedFont>
-      <p:font typeface="Titillium Web" panose="00000500000000000000" pitchFamily="2" charset="-70"/>
-      <p:regular r:id="rId9"/>
-      <p:bold r:id="rId10"/>
-      <p:italic r:id="rId11"/>
-      <p:boldItalic r:id="rId12"/>
+      <p:font typeface="Segoe UI Historic" panose="020B0502040204020203" pitchFamily="34" charset="0"/>
+      <p:regular r:id="rId12"/>
+    </p:embeddedFont>
+    <p:embeddedFont>
+      <p:font typeface="Titillium Web" panose="020B0604020202020204" charset="0"/>
+      <p:regular r:id="rId13"/>
+      <p:bold r:id="rId14"/>
+      <p:italic r:id="rId15"/>
+      <p:boldItalic r:id="rId16"/>
     </p:embeddedFont>
   </p:embeddedFontLst>
   <p:custDataLst>
-    <p:tags r:id="rId13"/>
+    <p:tags r:id="rId17"/>
   </p:custDataLst>
   <p:defaultTextStyle>
     <a:defPPr>
@@ -12568,12 +12575,12 @@
               <a:t> </a:t>
             </a:r>
             <a:r>
-              <a:rPr lang="et-EE" sz="2800" dirty="0" err="1">
-                <a:latin typeface="Titillium Web" panose="00000500000000000000" pitchFamily="2" charset="0"/>
-                <a:ea typeface="Open Sans" panose="020B0606030504020204" pitchFamily="34" charset="0"/>
-                <a:cs typeface="Open Sans" panose="020B0606030504020204" pitchFamily="34" charset="0"/>
-              </a:rPr>
-              <a:t>things</a:t>
+              <a:rPr lang="en-US" sz="2800" dirty="0">
+                <a:latin typeface="Titillium Web" panose="00000500000000000000" pitchFamily="2" charset="0"/>
+                <a:ea typeface="Open Sans" panose="020B0606030504020204" pitchFamily="34" charset="0"/>
+                <a:cs typeface="Open Sans" panose="020B0606030504020204" pitchFamily="34" charset="0"/>
+              </a:rPr>
+              <a:t>methods</a:t>
             </a:r>
             <a:r>
               <a:rPr lang="et-EE" sz="2800" dirty="0">
@@ -13351,15 +13358,13 @@
               <a:t>values</a:t>
             </a:r>
             <a:r>
-              <a:rPr lang="et-EE" sz="2800" dirty="0">
-                <a:latin typeface="Titillium Web" panose="00000500000000000000" pitchFamily="2" charset="0"/>
-                <a:ea typeface="Open Sans" panose="020B0606030504020204" pitchFamily="34" charset="0"/>
-                <a:cs typeface="Open Sans" panose="020B0606030504020204" pitchFamily="34" charset="0"/>
-              </a:rPr>
-              <a:t>.</a:t>
-            </a:r>
-          </a:p>
-          <a:p>
+              <a:rPr lang="en-US" sz="2800" dirty="0">
+                <a:latin typeface="Titillium Web" panose="00000500000000000000" pitchFamily="2" charset="0"/>
+                <a:ea typeface="Open Sans" panose="020B0606030504020204" pitchFamily="34" charset="0"/>
+                <a:cs typeface="Open Sans" panose="020B0606030504020204" pitchFamily="34" charset="0"/>
+              </a:rPr>
+              <a:t> (more measurements done regularly)</a:t>
+            </a:r>
             <a:endParaRPr lang="et-EE" sz="2800" dirty="0">
               <a:latin typeface="Titillium Web" panose="00000500000000000000" pitchFamily="2" charset="0"/>
               <a:ea typeface="Open Sans" panose="020B0606030504020204" pitchFamily="34" charset="0"/>
@@ -13367,6 +13372,13 @@
             </a:endParaRPr>
           </a:p>
           <a:p>
+            <a:endParaRPr lang="et-EE" sz="2800" dirty="0">
+              <a:latin typeface="Titillium Web" panose="00000500000000000000" pitchFamily="2" charset="0"/>
+              <a:ea typeface="Open Sans" panose="020B0606030504020204" pitchFamily="34" charset="0"/>
+              <a:cs typeface="Open Sans" panose="020B0606030504020204" pitchFamily="34" charset="0"/>
+            </a:endParaRPr>
+          </a:p>
+          <a:p>
             <a:r>
               <a:rPr lang="et-EE" sz="2800" dirty="0" err="1">
                 <a:latin typeface="Titillium Web" panose="00000500000000000000" pitchFamily="2" charset="0"/>
@@ -13448,6 +13460,22 @@
               <a:t> </a:t>
             </a:r>
             <a:r>
+              <a:rPr lang="en-US" sz="2800" dirty="0" err="1">
+                <a:latin typeface="Titillium Web" panose="00000500000000000000" pitchFamily="2" charset="0"/>
+                <a:ea typeface="Open Sans" panose="020B0606030504020204" pitchFamily="34" charset="0"/>
+                <a:cs typeface="Open Sans" panose="020B0606030504020204" pitchFamily="34" charset="0"/>
+              </a:rPr>
+              <a:t>togheter</a:t>
+            </a:r>
+            <a:r>
+              <a:rPr lang="en-US" sz="2800" dirty="0">
+                <a:latin typeface="Titillium Web" panose="00000500000000000000" pitchFamily="2" charset="0"/>
+                <a:ea typeface="Open Sans" panose="020B0606030504020204" pitchFamily="34" charset="0"/>
+                <a:cs typeface="Open Sans" panose="020B0606030504020204" pitchFamily="34" charset="0"/>
+              </a:rPr>
+              <a:t> </a:t>
+            </a:r>
+            <a:r>
               <a:rPr lang="et-EE" sz="2800" dirty="0" err="1">
                 <a:latin typeface="Titillium Web" panose="00000500000000000000" pitchFamily="2" charset="0"/>
                 <a:ea typeface="Open Sans" panose="020B0606030504020204" pitchFamily="34" charset="0"/>
@@ -13621,250 +13649,16 @@
                 <a:ea typeface="Open Sans" panose="020B0606030504020204" pitchFamily="34" charset="0"/>
                 <a:cs typeface="Open Sans" panose="020B0606030504020204" pitchFamily="34" charset="0"/>
               </a:rPr>
-              <a:t>. </a:t>
-            </a:r>
-            <a:r>
-              <a:rPr lang="et-EE" sz="2800" dirty="0" err="1">
-                <a:latin typeface="Titillium Web" panose="00000500000000000000" pitchFamily="2" charset="0"/>
-                <a:ea typeface="Open Sans" panose="020B0606030504020204" pitchFamily="34" charset="0"/>
-                <a:cs typeface="Open Sans" panose="020B0606030504020204" pitchFamily="34" charset="0"/>
-              </a:rPr>
-              <a:t>When</a:t>
-            </a:r>
-            <a:r>
-              <a:rPr lang="et-EE" sz="2800" dirty="0">
-                <a:latin typeface="Titillium Web" panose="00000500000000000000" pitchFamily="2" charset="0"/>
-                <a:ea typeface="Open Sans" panose="020B0606030504020204" pitchFamily="34" charset="0"/>
-                <a:cs typeface="Open Sans" panose="020B0606030504020204" pitchFamily="34" charset="0"/>
-              </a:rPr>
-              <a:t> </a:t>
-            </a:r>
-            <a:r>
-              <a:rPr lang="et-EE" sz="2800" dirty="0" err="1">
-                <a:latin typeface="Titillium Web" panose="00000500000000000000" pitchFamily="2" charset="0"/>
-                <a:ea typeface="Open Sans" panose="020B0606030504020204" pitchFamily="34" charset="0"/>
-                <a:cs typeface="Open Sans" panose="020B0606030504020204" pitchFamily="34" charset="0"/>
-              </a:rPr>
-              <a:t>you</a:t>
-            </a:r>
-            <a:r>
-              <a:rPr lang="et-EE" sz="2800" dirty="0">
-                <a:latin typeface="Titillium Web" panose="00000500000000000000" pitchFamily="2" charset="0"/>
-                <a:ea typeface="Open Sans" panose="020B0606030504020204" pitchFamily="34" charset="0"/>
-                <a:cs typeface="Open Sans" panose="020B0606030504020204" pitchFamily="34" charset="0"/>
-              </a:rPr>
-              <a:t> </a:t>
-            </a:r>
-            <a:r>
-              <a:rPr lang="et-EE" sz="2800" dirty="0" err="1">
-                <a:latin typeface="Titillium Web" panose="00000500000000000000" pitchFamily="2" charset="0"/>
-                <a:ea typeface="Open Sans" panose="020B0606030504020204" pitchFamily="34" charset="0"/>
-                <a:cs typeface="Open Sans" panose="020B0606030504020204" pitchFamily="34" charset="0"/>
-              </a:rPr>
-              <a:t>know</a:t>
-            </a:r>
-            <a:r>
-              <a:rPr lang="et-EE" sz="2800" dirty="0">
-                <a:latin typeface="Titillium Web" panose="00000500000000000000" pitchFamily="2" charset="0"/>
-                <a:ea typeface="Open Sans" panose="020B0606030504020204" pitchFamily="34" charset="0"/>
-                <a:cs typeface="Open Sans" panose="020B0606030504020204" pitchFamily="34" charset="0"/>
-              </a:rPr>
-              <a:t> </a:t>
-            </a:r>
-            <a:r>
-              <a:rPr lang="et-EE" sz="2800" dirty="0" err="1">
-                <a:latin typeface="Titillium Web" panose="00000500000000000000" pitchFamily="2" charset="0"/>
-                <a:ea typeface="Open Sans" panose="020B0606030504020204" pitchFamily="34" charset="0"/>
-                <a:cs typeface="Open Sans" panose="020B0606030504020204" pitchFamily="34" charset="0"/>
-              </a:rPr>
-              <a:t>what</a:t>
-            </a:r>
-            <a:r>
-              <a:rPr lang="et-EE" sz="2800" dirty="0">
-                <a:latin typeface="Titillium Web" panose="00000500000000000000" pitchFamily="2" charset="0"/>
-                <a:ea typeface="Open Sans" panose="020B0606030504020204" pitchFamily="34" charset="0"/>
-                <a:cs typeface="Open Sans" panose="020B0606030504020204" pitchFamily="34" charset="0"/>
-              </a:rPr>
-              <a:t> are </a:t>
-            </a:r>
-            <a:r>
-              <a:rPr lang="et-EE" sz="2800" dirty="0" err="1">
-                <a:latin typeface="Titillium Web" panose="00000500000000000000" pitchFamily="2" charset="0"/>
-                <a:ea typeface="Open Sans" panose="020B0606030504020204" pitchFamily="34" charset="0"/>
-                <a:cs typeface="Open Sans" panose="020B0606030504020204" pitchFamily="34" charset="0"/>
-              </a:rPr>
-              <a:t>the</a:t>
-            </a:r>
-            <a:r>
-              <a:rPr lang="et-EE" sz="2800" dirty="0">
-                <a:latin typeface="Titillium Web" panose="00000500000000000000" pitchFamily="2" charset="0"/>
-                <a:ea typeface="Open Sans" panose="020B0606030504020204" pitchFamily="34" charset="0"/>
-                <a:cs typeface="Open Sans" panose="020B0606030504020204" pitchFamily="34" charset="0"/>
-              </a:rPr>
-              <a:t> </a:t>
-            </a:r>
-            <a:r>
-              <a:rPr lang="et-EE" sz="2800" dirty="0" err="1">
-                <a:latin typeface="Titillium Web" panose="00000500000000000000" pitchFamily="2" charset="0"/>
-                <a:ea typeface="Open Sans" panose="020B0606030504020204" pitchFamily="34" charset="0"/>
-                <a:cs typeface="Open Sans" panose="020B0606030504020204" pitchFamily="34" charset="0"/>
-              </a:rPr>
-              <a:t>critical</a:t>
-            </a:r>
-            <a:r>
-              <a:rPr lang="et-EE" sz="2800" dirty="0">
-                <a:latin typeface="Titillium Web" panose="00000500000000000000" pitchFamily="2" charset="0"/>
-                <a:ea typeface="Open Sans" panose="020B0606030504020204" pitchFamily="34" charset="0"/>
-                <a:cs typeface="Open Sans" panose="020B0606030504020204" pitchFamily="34" charset="0"/>
-              </a:rPr>
-              <a:t> </a:t>
-            </a:r>
-            <a:r>
-              <a:rPr lang="et-EE" sz="2800" dirty="0" err="1">
-                <a:latin typeface="Titillium Web" panose="00000500000000000000" pitchFamily="2" charset="0"/>
-                <a:ea typeface="Open Sans" panose="020B0606030504020204" pitchFamily="34" charset="0"/>
-                <a:cs typeface="Open Sans" panose="020B0606030504020204" pitchFamily="34" charset="0"/>
-              </a:rPr>
-              <a:t>attributes</a:t>
-            </a:r>
-            <a:r>
-              <a:rPr lang="et-EE" sz="2800" dirty="0">
-                <a:latin typeface="Titillium Web" panose="00000500000000000000" pitchFamily="2" charset="0"/>
-                <a:ea typeface="Open Sans" panose="020B0606030504020204" pitchFamily="34" charset="0"/>
-                <a:cs typeface="Open Sans" panose="020B0606030504020204" pitchFamily="34" charset="0"/>
-              </a:rPr>
-              <a:t> in </a:t>
-            </a:r>
-            <a:r>
-              <a:rPr lang="et-EE" sz="2800" dirty="0" err="1">
-                <a:latin typeface="Titillium Web" panose="00000500000000000000" pitchFamily="2" charset="0"/>
-                <a:ea typeface="Open Sans" panose="020B0606030504020204" pitchFamily="34" charset="0"/>
-                <a:cs typeface="Open Sans" panose="020B0606030504020204" pitchFamily="34" charset="0"/>
-              </a:rPr>
-              <a:t>water</a:t>
-            </a:r>
-            <a:r>
-              <a:rPr lang="et-EE" sz="2800" dirty="0">
-                <a:latin typeface="Titillium Web" panose="00000500000000000000" pitchFamily="2" charset="0"/>
-                <a:ea typeface="Open Sans" panose="020B0606030504020204" pitchFamily="34" charset="0"/>
-                <a:cs typeface="Open Sans" panose="020B0606030504020204" pitchFamily="34" charset="0"/>
-              </a:rPr>
-              <a:t> </a:t>
-            </a:r>
-            <a:r>
-              <a:rPr lang="et-EE" sz="2800" dirty="0" err="1">
-                <a:latin typeface="Titillium Web" panose="00000500000000000000" pitchFamily="2" charset="0"/>
-                <a:ea typeface="Open Sans" panose="020B0606030504020204" pitchFamily="34" charset="0"/>
-                <a:cs typeface="Open Sans" panose="020B0606030504020204" pitchFamily="34" charset="0"/>
-              </a:rPr>
-              <a:t>quality</a:t>
-            </a:r>
-            <a:r>
-              <a:rPr lang="et-EE" sz="2800" dirty="0">
-                <a:latin typeface="Titillium Web" panose="00000500000000000000" pitchFamily="2" charset="0"/>
-                <a:ea typeface="Open Sans" panose="020B0606030504020204" pitchFamily="34" charset="0"/>
-                <a:cs typeface="Open Sans" panose="020B0606030504020204" pitchFamily="34" charset="0"/>
-              </a:rPr>
-              <a:t>, </a:t>
-            </a:r>
-            <a:r>
-              <a:rPr lang="et-EE" sz="2800" dirty="0" err="1">
-                <a:latin typeface="Titillium Web" panose="00000500000000000000" pitchFamily="2" charset="0"/>
-                <a:ea typeface="Open Sans" panose="020B0606030504020204" pitchFamily="34" charset="0"/>
-                <a:cs typeface="Open Sans" panose="020B0606030504020204" pitchFamily="34" charset="0"/>
-              </a:rPr>
-              <a:t>it</a:t>
-            </a:r>
-            <a:r>
-              <a:rPr lang="et-EE" sz="2800" dirty="0">
-                <a:latin typeface="Titillium Web" panose="00000500000000000000" pitchFamily="2" charset="0"/>
-                <a:ea typeface="Open Sans" panose="020B0606030504020204" pitchFamily="34" charset="0"/>
-                <a:cs typeface="Open Sans" panose="020B0606030504020204" pitchFamily="34" charset="0"/>
-              </a:rPr>
-              <a:t> </a:t>
-            </a:r>
-            <a:r>
-              <a:rPr lang="et-EE" sz="2800" dirty="0" err="1">
-                <a:latin typeface="Titillium Web" panose="00000500000000000000" pitchFamily="2" charset="0"/>
-                <a:ea typeface="Open Sans" panose="020B0606030504020204" pitchFamily="34" charset="0"/>
-                <a:cs typeface="Open Sans" panose="020B0606030504020204" pitchFamily="34" charset="0"/>
-              </a:rPr>
-              <a:t>is</a:t>
-            </a:r>
-            <a:r>
-              <a:rPr lang="et-EE" sz="2800" dirty="0">
-                <a:latin typeface="Titillium Web" panose="00000500000000000000" pitchFamily="2" charset="0"/>
-                <a:ea typeface="Open Sans" panose="020B0606030504020204" pitchFamily="34" charset="0"/>
-                <a:cs typeface="Open Sans" panose="020B0606030504020204" pitchFamily="34" charset="0"/>
-              </a:rPr>
-              <a:t> </a:t>
-            </a:r>
-            <a:r>
-              <a:rPr lang="et-EE" sz="2800" dirty="0" err="1">
-                <a:latin typeface="Titillium Web" panose="00000500000000000000" pitchFamily="2" charset="0"/>
-                <a:ea typeface="Open Sans" panose="020B0606030504020204" pitchFamily="34" charset="0"/>
-                <a:cs typeface="Open Sans" panose="020B0606030504020204" pitchFamily="34" charset="0"/>
-              </a:rPr>
-              <a:t>easier</a:t>
-            </a:r>
-            <a:r>
-              <a:rPr lang="et-EE" sz="2800" dirty="0">
-                <a:latin typeface="Titillium Web" panose="00000500000000000000" pitchFamily="2" charset="0"/>
-                <a:ea typeface="Open Sans" panose="020B0606030504020204" pitchFamily="34" charset="0"/>
-                <a:cs typeface="Open Sans" panose="020B0606030504020204" pitchFamily="34" charset="0"/>
-              </a:rPr>
-              <a:t> </a:t>
-            </a:r>
-            <a:r>
-              <a:rPr lang="et-EE" sz="2800" dirty="0" err="1">
-                <a:latin typeface="Titillium Web" panose="00000500000000000000" pitchFamily="2" charset="0"/>
-                <a:ea typeface="Open Sans" panose="020B0606030504020204" pitchFamily="34" charset="0"/>
-                <a:cs typeface="Open Sans" panose="020B0606030504020204" pitchFamily="34" charset="0"/>
-              </a:rPr>
-              <a:t>to</a:t>
-            </a:r>
-            <a:r>
-              <a:rPr lang="et-EE" sz="2800" dirty="0">
-                <a:latin typeface="Titillium Web" panose="00000500000000000000" pitchFamily="2" charset="0"/>
-                <a:ea typeface="Open Sans" panose="020B0606030504020204" pitchFamily="34" charset="0"/>
-                <a:cs typeface="Open Sans" panose="020B0606030504020204" pitchFamily="34" charset="0"/>
-              </a:rPr>
-              <a:t> </a:t>
-            </a:r>
-            <a:r>
-              <a:rPr lang="et-EE" sz="2800" dirty="0" err="1">
-                <a:latin typeface="Titillium Web" panose="00000500000000000000" pitchFamily="2" charset="0"/>
-                <a:ea typeface="Open Sans" panose="020B0606030504020204" pitchFamily="34" charset="0"/>
-                <a:cs typeface="Open Sans" panose="020B0606030504020204" pitchFamily="34" charset="0"/>
-              </a:rPr>
-              <a:t>separate</a:t>
-            </a:r>
-            <a:r>
-              <a:rPr lang="et-EE" sz="2800" dirty="0">
-                <a:latin typeface="Titillium Web" panose="00000500000000000000" pitchFamily="2" charset="0"/>
-                <a:ea typeface="Open Sans" panose="020B0606030504020204" pitchFamily="34" charset="0"/>
-                <a:cs typeface="Open Sans" panose="020B0606030504020204" pitchFamily="34" charset="0"/>
-              </a:rPr>
-              <a:t> and </a:t>
-            </a:r>
-            <a:r>
-              <a:rPr lang="et-EE" sz="2800" dirty="0" err="1">
-                <a:latin typeface="Titillium Web" panose="00000500000000000000" pitchFamily="2" charset="0"/>
-                <a:ea typeface="Open Sans" panose="020B0606030504020204" pitchFamily="34" charset="0"/>
-                <a:cs typeface="Open Sans" panose="020B0606030504020204" pitchFamily="34" charset="0"/>
-              </a:rPr>
-              <a:t>predict</a:t>
-            </a:r>
-            <a:r>
-              <a:rPr lang="et-EE" sz="2800" dirty="0">
-                <a:latin typeface="Titillium Web" panose="00000500000000000000" pitchFamily="2" charset="0"/>
-                <a:ea typeface="Open Sans" panose="020B0606030504020204" pitchFamily="34" charset="0"/>
-                <a:cs typeface="Open Sans" panose="020B0606030504020204" pitchFamily="34" charset="0"/>
-              </a:rPr>
               <a:t>.</a:t>
             </a:r>
-          </a:p>
-          <a:p>
+            <a:r>
+              <a:rPr lang="en-US" sz="2800" dirty="0">
+                <a:latin typeface="Titillium Web" panose="00000500000000000000" pitchFamily="2" charset="0"/>
+                <a:ea typeface="Open Sans" panose="020B0606030504020204" pitchFamily="34" charset="0"/>
+                <a:cs typeface="Open Sans" panose="020B0606030504020204" pitchFamily="34" charset="0"/>
+              </a:rPr>
+              <a:t> With more data that spans multiple years, predictive models could be potentially used to aid water testing and monitoring personnel.</a:t>
+            </a:r>
             <a:endParaRPr lang="et-EE" sz="2800" dirty="0">
               <a:latin typeface="Titillium Web" panose="00000500000000000000" pitchFamily="2" charset="0"/>
               <a:ea typeface="Open Sans" panose="020B0606030504020204" pitchFamily="34" charset="0"/>
@@ -16431,13 +16225,18 @@
               <a:t>before</a:t>
             </a:r>
             <a:r>
-              <a:rPr lang="et-EE" sz="2400" dirty="0">
-                <a:latin typeface="Segoe UI Historic" panose="020B0502040204020203" pitchFamily="34" charset="0"/>
-                <a:ea typeface="Segoe UI Historic" panose="020B0502040204020203" pitchFamily="34" charset="0"/>
-                <a:cs typeface="Segoe UI Historic" panose="020B0502040204020203" pitchFamily="34" charset="0"/>
-              </a:rPr>
-              <a:t>.</a:t>
-            </a:r>
+              <a:rPr lang="en-US" sz="2400" dirty="0">
+                <a:latin typeface="Segoe UI Historic" panose="020B0502040204020203" pitchFamily="34" charset="0"/>
+                <a:ea typeface="Segoe UI Historic" panose="020B0502040204020203" pitchFamily="34" charset="0"/>
+                <a:cs typeface="Segoe UI Historic" panose="020B0502040204020203" pitchFamily="34" charset="0"/>
+              </a:rPr>
+              <a:t>, but rather a costume approach for this problem.</a:t>
+            </a:r>
+            <a:endParaRPr lang="et-EE" sz="2400" dirty="0">
+              <a:latin typeface="Segoe UI Historic" panose="020B0502040204020203" pitchFamily="34" charset="0"/>
+              <a:ea typeface="Segoe UI Historic" panose="020B0502040204020203" pitchFamily="34" charset="0"/>
+              <a:cs typeface="Segoe UI Historic" panose="020B0502040204020203" pitchFamily="34" charset="0"/>
+            </a:endParaRPr>
           </a:p>
           <a:p>
             <a:pPr marL="1371600" lvl="2" indent="-457200">
@@ -16562,8 +16361,8 @@
         </p:blipFill>
         <p:spPr bwMode="auto">
           <a:xfrm>
-            <a:off x="39785018" y="30797812"/>
-            <a:ext cx="3436728" cy="1323027"/>
+            <a:off x="37679543" y="29987274"/>
+            <a:ext cx="5542204" cy="2133566"/>
           </a:xfrm>
           <a:prstGeom prst="rect">
             <a:avLst/>

--- a/Poster.pptx
+++ b/Poster.pptx
@@ -6012,7 +6012,7 @@
         <p:spPr>
           <a:xfrm>
             <a:off x="33155973" y="7517019"/>
-            <a:ext cx="10058400" cy="9060399"/>
+            <a:ext cx="10058400" cy="9505833"/>
           </a:xfrm>
           <a:prstGeom prst="rect">
             <a:avLst/>
@@ -6965,134 +6965,134 @@
             <a:r>
               <a:rPr lang="et-EE" dirty="0" err="1">
                 <a:effectLst/>
-                <a:latin typeface="Titillium Web" panose="00000500000000000000" pitchFamily="2" charset="0"/>
-                <a:ea typeface="Open Sans" panose="020B0606030504020204" pitchFamily="34" charset="0"/>
-                <a:cs typeface="Open Sans" panose="020B0606030504020204" pitchFamily="34" charset="0"/>
+                <a:latin typeface="Segoe UI Historic" panose="020B0502040204020203" pitchFamily="34" charset="0"/>
+                <a:ea typeface="Segoe UI Historic" panose="020B0502040204020203" pitchFamily="34" charset="0"/>
+                <a:cs typeface="Segoe UI Historic" panose="020B0502040204020203" pitchFamily="34" charset="0"/>
               </a:rPr>
               <a:t>Poster</a:t>
             </a:r>
             <a:r>
               <a:rPr lang="et-EE" dirty="0">
                 <a:effectLst/>
-                <a:latin typeface="Titillium Web" panose="00000500000000000000" pitchFamily="2" charset="0"/>
-                <a:ea typeface="Open Sans" panose="020B0606030504020204" pitchFamily="34" charset="0"/>
-                <a:cs typeface="Open Sans" panose="020B0606030504020204" pitchFamily="34" charset="0"/>
+                <a:latin typeface="Segoe UI Historic" panose="020B0502040204020203" pitchFamily="34" charset="0"/>
+                <a:ea typeface="Segoe UI Historic" panose="020B0502040204020203" pitchFamily="34" charset="0"/>
+                <a:cs typeface="Segoe UI Historic" panose="020B0502040204020203" pitchFamily="34" charset="0"/>
               </a:rPr>
               <a:t> </a:t>
             </a:r>
             <a:r>
               <a:rPr lang="et-EE" dirty="0" err="1">
                 <a:effectLst/>
-                <a:latin typeface="Titillium Web" panose="00000500000000000000" pitchFamily="2" charset="0"/>
-                <a:ea typeface="Open Sans" panose="020B0606030504020204" pitchFamily="34" charset="0"/>
-                <a:cs typeface="Open Sans" panose="020B0606030504020204" pitchFamily="34" charset="0"/>
+                <a:latin typeface="Segoe UI Historic" panose="020B0502040204020203" pitchFamily="34" charset="0"/>
+                <a:ea typeface="Segoe UI Historic" panose="020B0502040204020203" pitchFamily="34" charset="0"/>
+                <a:cs typeface="Segoe UI Historic" panose="020B0502040204020203" pitchFamily="34" charset="0"/>
               </a:rPr>
               <a:t>template</a:t>
             </a:r>
             <a:r>
               <a:rPr lang="et-EE" dirty="0">
                 <a:effectLst/>
-                <a:latin typeface="Titillium Web" panose="00000500000000000000" pitchFamily="2" charset="0"/>
-                <a:ea typeface="Open Sans" panose="020B0606030504020204" pitchFamily="34" charset="0"/>
-                <a:cs typeface="Open Sans" panose="020B0606030504020204" pitchFamily="34" charset="0"/>
+                <a:latin typeface="Segoe UI Historic" panose="020B0502040204020203" pitchFamily="34" charset="0"/>
+                <a:ea typeface="Segoe UI Historic" panose="020B0502040204020203" pitchFamily="34" charset="0"/>
+                <a:cs typeface="Segoe UI Historic" panose="020B0502040204020203" pitchFamily="34" charset="0"/>
               </a:rPr>
               <a:t> </a:t>
             </a:r>
             <a:r>
               <a:rPr lang="et-EE" dirty="0" err="1">
                 <a:effectLst/>
-                <a:latin typeface="Titillium Web" panose="00000500000000000000" pitchFamily="2" charset="0"/>
-                <a:ea typeface="Open Sans" panose="020B0606030504020204" pitchFamily="34" charset="0"/>
-                <a:cs typeface="Open Sans" panose="020B0606030504020204" pitchFamily="34" charset="0"/>
+                <a:latin typeface="Segoe UI Historic" panose="020B0502040204020203" pitchFamily="34" charset="0"/>
+                <a:ea typeface="Segoe UI Historic" panose="020B0502040204020203" pitchFamily="34" charset="0"/>
+                <a:cs typeface="Segoe UI Historic" panose="020B0502040204020203" pitchFamily="34" charset="0"/>
               </a:rPr>
               <a:t>from</a:t>
             </a:r>
             <a:r>
               <a:rPr lang="et-EE" dirty="0">
                 <a:effectLst/>
-                <a:latin typeface="Titillium Web" panose="00000500000000000000" pitchFamily="2" charset="0"/>
-                <a:ea typeface="Open Sans" panose="020B0606030504020204" pitchFamily="34" charset="0"/>
-                <a:cs typeface="Open Sans" panose="020B0606030504020204" pitchFamily="34" charset="0"/>
+                <a:latin typeface="Segoe UI Historic" panose="020B0502040204020203" pitchFamily="34" charset="0"/>
+                <a:ea typeface="Segoe UI Historic" panose="020B0502040204020203" pitchFamily="34" charset="0"/>
+                <a:cs typeface="Segoe UI Historic" panose="020B0502040204020203" pitchFamily="34" charset="0"/>
               </a:rPr>
               <a:t> </a:t>
             </a:r>
             <a:r>
               <a:rPr lang="et-EE" dirty="0">
                 <a:effectLst/>
-                <a:latin typeface="Titillium Web" panose="00000500000000000000" pitchFamily="2" charset="0"/>
-                <a:ea typeface="Open Sans" panose="020B0606030504020204" pitchFamily="34" charset="0"/>
-                <a:cs typeface="Open Sans" panose="020B0606030504020204" pitchFamily="34" charset="0"/>
+                <a:latin typeface="Segoe UI Historic" panose="020B0502040204020203" pitchFamily="34" charset="0"/>
+                <a:ea typeface="Segoe UI Historic" panose="020B0502040204020203" pitchFamily="34" charset="0"/>
+                <a:cs typeface="Segoe UI Historic" panose="020B0502040204020203" pitchFamily="34" charset="0"/>
                 <a:hlinkClick r:id="rId3"/>
               </a:rPr>
               <a:t>https://www.posternerd.com/</a:t>
             </a:r>
             <a:endParaRPr lang="et-EE" dirty="0">
               <a:effectLst/>
-              <a:latin typeface="Titillium Web" panose="00000500000000000000" pitchFamily="2" charset="0"/>
-              <a:ea typeface="Open Sans" panose="020B0606030504020204" pitchFamily="34" charset="0"/>
-              <a:cs typeface="Open Sans" panose="020B0606030504020204" pitchFamily="34" charset="0"/>
+              <a:latin typeface="Segoe UI Historic" panose="020B0502040204020203" pitchFamily="34" charset="0"/>
+              <a:ea typeface="Segoe UI Historic" panose="020B0502040204020203" pitchFamily="34" charset="0"/>
+              <a:cs typeface="Segoe UI Historic" panose="020B0502040204020203" pitchFamily="34" charset="0"/>
             </a:endParaRPr>
           </a:p>
           <a:p>
             <a:endParaRPr lang="et-EE" dirty="0">
               <a:effectLst/>
-              <a:latin typeface="Titillium Web" panose="00000500000000000000" pitchFamily="2" charset="0"/>
-              <a:ea typeface="Open Sans" panose="020B0606030504020204" pitchFamily="34" charset="0"/>
-              <a:cs typeface="Open Sans" panose="020B0606030504020204" pitchFamily="34" charset="0"/>
+              <a:latin typeface="Segoe UI Historic" panose="020B0502040204020203" pitchFamily="34" charset="0"/>
+              <a:ea typeface="Segoe UI Historic" panose="020B0502040204020203" pitchFamily="34" charset="0"/>
+              <a:cs typeface="Segoe UI Historic" panose="020B0502040204020203" pitchFamily="34" charset="0"/>
             </a:endParaRPr>
           </a:p>
           <a:p>
             <a:r>
               <a:rPr lang="et-EE" dirty="0" err="1">
                 <a:effectLst/>
-                <a:latin typeface="Titillium Web" panose="00000500000000000000" pitchFamily="2" charset="0"/>
-                <a:ea typeface="Open Sans" panose="020B0606030504020204" pitchFamily="34" charset="0"/>
-                <a:cs typeface="Open Sans" panose="020B0606030504020204" pitchFamily="34" charset="0"/>
+                <a:latin typeface="Segoe UI Historic" panose="020B0502040204020203" pitchFamily="34" charset="0"/>
+                <a:ea typeface="Segoe UI Historic" panose="020B0502040204020203" pitchFamily="34" charset="0"/>
+                <a:cs typeface="Segoe UI Historic" panose="020B0502040204020203" pitchFamily="34" charset="0"/>
               </a:rPr>
               <a:t>Kaggle</a:t>
             </a:r>
             <a:r>
               <a:rPr lang="et-EE" dirty="0">
                 <a:effectLst/>
-                <a:latin typeface="Titillium Web" panose="00000500000000000000" pitchFamily="2" charset="0"/>
-                <a:ea typeface="Open Sans" panose="020B0606030504020204" pitchFamily="34" charset="0"/>
-                <a:cs typeface="Open Sans" panose="020B0606030504020204" pitchFamily="34" charset="0"/>
+                <a:latin typeface="Segoe UI Historic" panose="020B0502040204020203" pitchFamily="34" charset="0"/>
+                <a:ea typeface="Segoe UI Historic" panose="020B0502040204020203" pitchFamily="34" charset="0"/>
+                <a:cs typeface="Segoe UI Historic" panose="020B0502040204020203" pitchFamily="34" charset="0"/>
               </a:rPr>
               <a:t> </a:t>
             </a:r>
             <a:r>
               <a:rPr lang="et-EE" dirty="0" err="1">
                 <a:effectLst/>
-                <a:latin typeface="Titillium Web" panose="00000500000000000000" pitchFamily="2" charset="0"/>
-                <a:ea typeface="Open Sans" panose="020B0606030504020204" pitchFamily="34" charset="0"/>
-                <a:cs typeface="Open Sans" panose="020B0606030504020204" pitchFamily="34" charset="0"/>
+                <a:latin typeface="Segoe UI Historic" panose="020B0502040204020203" pitchFamily="34" charset="0"/>
+                <a:ea typeface="Segoe UI Historic" panose="020B0502040204020203" pitchFamily="34" charset="0"/>
+                <a:cs typeface="Segoe UI Historic" panose="020B0502040204020203" pitchFamily="34" charset="0"/>
               </a:rPr>
               <a:t>contest</a:t>
             </a:r>
             <a:r>
               <a:rPr lang="et-EE" dirty="0">
                 <a:effectLst/>
-                <a:latin typeface="Titillium Web" panose="00000500000000000000" pitchFamily="2" charset="0"/>
-                <a:ea typeface="Open Sans" panose="020B0606030504020204" pitchFamily="34" charset="0"/>
-                <a:cs typeface="Open Sans" panose="020B0606030504020204" pitchFamily="34" charset="0"/>
+                <a:latin typeface="Segoe UI Historic" panose="020B0502040204020203" pitchFamily="34" charset="0"/>
+                <a:ea typeface="Segoe UI Historic" panose="020B0502040204020203" pitchFamily="34" charset="0"/>
+                <a:cs typeface="Segoe UI Historic" panose="020B0502040204020203" pitchFamily="34" charset="0"/>
               </a:rPr>
               <a:t>: </a:t>
             </a:r>
             <a:r>
               <a:rPr lang="en-US" dirty="0">
                 <a:effectLst/>
-                <a:latin typeface="Titillium Web" panose="00000500000000000000" pitchFamily="2" charset="0"/>
-                <a:ea typeface="Open Sans" panose="020B0606030504020204" pitchFamily="34" charset="0"/>
-                <a:cs typeface="Open Sans" panose="020B0606030504020204" pitchFamily="34" charset="0"/>
+                <a:latin typeface="Segoe UI Historic" panose="020B0502040204020203" pitchFamily="34" charset="0"/>
+                <a:ea typeface="Segoe UI Historic" panose="020B0502040204020203" pitchFamily="34" charset="0"/>
+                <a:cs typeface="Segoe UI Historic" panose="020B0502040204020203" pitchFamily="34" charset="0"/>
                 <a:hlinkClick r:id="rId4"/>
               </a:rPr>
               <a:t>https://www.kaggle.com/competitions/copy-of-drinking-water-quality/</a:t>
             </a:r>
             <a:endParaRPr lang="et-EE" dirty="0">
               <a:effectLst/>
-              <a:latin typeface="Titillium Web" panose="00000500000000000000" pitchFamily="2" charset="0"/>
-              <a:ea typeface="Open Sans" panose="020B0606030504020204" pitchFamily="34" charset="0"/>
-              <a:cs typeface="Open Sans" panose="020B0606030504020204" pitchFamily="34" charset="0"/>
+              <a:latin typeface="Segoe UI Historic" panose="020B0502040204020203" pitchFamily="34" charset="0"/>
+              <a:ea typeface="Segoe UI Historic" panose="020B0502040204020203" pitchFamily="34" charset="0"/>
+              <a:cs typeface="Segoe UI Historic" panose="020B0502040204020203" pitchFamily="34" charset="0"/>
             </a:endParaRPr>
           </a:p>
           <a:p>
@@ -8968,9 +8968,9 @@
             </a:r>
             <a:r>
               <a:rPr lang="et-EE" sz="2800" dirty="0" err="1">
-                <a:latin typeface="Titillium Web" panose="00000500000000000000" pitchFamily="2" charset="0"/>
-                <a:ea typeface="Open Sans" panose="020B0606030504020204" pitchFamily="34" charset="0"/>
-                <a:cs typeface="Open Sans" panose="020B0606030504020204" pitchFamily="34" charset="0"/>
+                <a:latin typeface="Segoe UI Historic" panose="020B0502040204020203" pitchFamily="34" charset="0"/>
+                <a:ea typeface="Segoe UI Historic" panose="020B0502040204020203" pitchFamily="34" charset="0"/>
+                <a:cs typeface="Segoe UI Historic" panose="020B0502040204020203" pitchFamily="34" charset="0"/>
               </a:rPr>
               <a:t>data</a:t>
             </a:r>
@@ -12212,8 +12212,8 @@
         </p:nvSpPr>
         <p:spPr>
           <a:xfrm>
-            <a:off x="33469745" y="8687945"/>
-            <a:ext cx="9601200" cy="7848302"/>
+            <a:off x="33384573" y="8527380"/>
+            <a:ext cx="9601200" cy="8710077"/>
           </a:xfrm>
           <a:prstGeom prst="rect">
             <a:avLst/>
@@ -12232,347 +12232,1432 @@
           <a:p>
             <a:r>
               <a:rPr lang="et-EE" sz="2800" dirty="0">
-                <a:latin typeface="Titillium Web" panose="00000500000000000000" pitchFamily="2" charset="0"/>
-                <a:ea typeface="Open Sans" panose="020B0606030504020204" pitchFamily="34" charset="0"/>
-                <a:cs typeface="Open Sans" panose="020B0606030504020204" pitchFamily="34" charset="0"/>
+                <a:latin typeface="Segoe UI Historic" panose="020B0502040204020203" pitchFamily="34" charset="0"/>
+                <a:ea typeface="Segoe UI Historic" panose="020B0502040204020203" pitchFamily="34" charset="0"/>
+                <a:cs typeface="Segoe UI Historic" panose="020B0502040204020203" pitchFamily="34" charset="0"/>
               </a:rPr>
               <a:t>In </a:t>
             </a:r>
             <a:r>
               <a:rPr lang="et-EE" sz="2800" dirty="0" err="1">
-                <a:latin typeface="Titillium Web" panose="00000500000000000000" pitchFamily="2" charset="0"/>
-                <a:ea typeface="Open Sans" panose="020B0606030504020204" pitchFamily="34" charset="0"/>
-                <a:cs typeface="Open Sans" panose="020B0606030504020204" pitchFamily="34" charset="0"/>
+                <a:latin typeface="Segoe UI Historic" panose="020B0502040204020203" pitchFamily="34" charset="0"/>
+                <a:ea typeface="Segoe UI Historic" panose="020B0502040204020203" pitchFamily="34" charset="0"/>
+                <a:cs typeface="Segoe UI Historic" panose="020B0502040204020203" pitchFamily="34" charset="0"/>
               </a:rPr>
               <a:t>conclusion</a:t>
             </a:r>
             <a:r>
               <a:rPr lang="et-EE" sz="2800" dirty="0">
-                <a:latin typeface="Titillium Web" panose="00000500000000000000" pitchFamily="2" charset="0"/>
-                <a:ea typeface="Open Sans" panose="020B0606030504020204" pitchFamily="34" charset="0"/>
-                <a:cs typeface="Open Sans" panose="020B0606030504020204" pitchFamily="34" charset="0"/>
+                <a:latin typeface="Segoe UI Historic" panose="020B0502040204020203" pitchFamily="34" charset="0"/>
+                <a:ea typeface="Segoe UI Historic" panose="020B0502040204020203" pitchFamily="34" charset="0"/>
+                <a:cs typeface="Segoe UI Historic" panose="020B0502040204020203" pitchFamily="34" charset="0"/>
               </a:rPr>
               <a:t>, </a:t>
             </a:r>
             <a:r>
               <a:rPr lang="et-EE" sz="2800" dirty="0" err="1">
-                <a:latin typeface="Titillium Web" panose="00000500000000000000" pitchFamily="2" charset="0"/>
-                <a:ea typeface="Open Sans" panose="020B0606030504020204" pitchFamily="34" charset="0"/>
-                <a:cs typeface="Open Sans" panose="020B0606030504020204" pitchFamily="34" charset="0"/>
+                <a:latin typeface="Segoe UI Historic" panose="020B0502040204020203" pitchFamily="34" charset="0"/>
+                <a:ea typeface="Segoe UI Historic" panose="020B0502040204020203" pitchFamily="34" charset="0"/>
+                <a:cs typeface="Segoe UI Historic" panose="020B0502040204020203" pitchFamily="34" charset="0"/>
               </a:rPr>
               <a:t>we</a:t>
             </a:r>
             <a:r>
               <a:rPr lang="et-EE" sz="2800" dirty="0">
-                <a:latin typeface="Titillium Web" panose="00000500000000000000" pitchFamily="2" charset="0"/>
-                <a:ea typeface="Open Sans" panose="020B0606030504020204" pitchFamily="34" charset="0"/>
-                <a:cs typeface="Open Sans" panose="020B0606030504020204" pitchFamily="34" charset="0"/>
+                <a:latin typeface="Segoe UI Historic" panose="020B0502040204020203" pitchFamily="34" charset="0"/>
+                <a:ea typeface="Segoe UI Historic" panose="020B0502040204020203" pitchFamily="34" charset="0"/>
+                <a:cs typeface="Segoe UI Historic" panose="020B0502040204020203" pitchFamily="34" charset="0"/>
               </a:rPr>
               <a:t> </a:t>
             </a:r>
             <a:r>
               <a:rPr lang="et-EE" sz="2800" dirty="0" err="1">
-                <a:latin typeface="Titillium Web" panose="00000500000000000000" pitchFamily="2" charset="0"/>
-                <a:ea typeface="Open Sans" panose="020B0606030504020204" pitchFamily="34" charset="0"/>
-                <a:cs typeface="Open Sans" panose="020B0606030504020204" pitchFamily="34" charset="0"/>
+                <a:latin typeface="Segoe UI Historic" panose="020B0502040204020203" pitchFamily="34" charset="0"/>
+                <a:ea typeface="Segoe UI Historic" panose="020B0502040204020203" pitchFamily="34" charset="0"/>
+                <a:cs typeface="Segoe UI Historic" panose="020B0502040204020203" pitchFamily="34" charset="0"/>
               </a:rPr>
               <a:t>would</a:t>
             </a:r>
             <a:r>
               <a:rPr lang="et-EE" sz="2800" dirty="0">
-                <a:latin typeface="Titillium Web" panose="00000500000000000000" pitchFamily="2" charset="0"/>
-                <a:ea typeface="Open Sans" panose="020B0606030504020204" pitchFamily="34" charset="0"/>
-                <a:cs typeface="Open Sans" panose="020B0606030504020204" pitchFamily="34" charset="0"/>
+                <a:latin typeface="Segoe UI Historic" panose="020B0502040204020203" pitchFamily="34" charset="0"/>
+                <a:ea typeface="Segoe UI Historic" panose="020B0502040204020203" pitchFamily="34" charset="0"/>
+                <a:cs typeface="Segoe UI Historic" panose="020B0502040204020203" pitchFamily="34" charset="0"/>
               </a:rPr>
               <a:t> </a:t>
             </a:r>
             <a:r>
               <a:rPr lang="et-EE" sz="2800" dirty="0" err="1">
-                <a:latin typeface="Titillium Web" panose="00000500000000000000" pitchFamily="2" charset="0"/>
-                <a:ea typeface="Open Sans" panose="020B0606030504020204" pitchFamily="34" charset="0"/>
-                <a:cs typeface="Open Sans" panose="020B0606030504020204" pitchFamily="34" charset="0"/>
+                <a:latin typeface="Segoe UI Historic" panose="020B0502040204020203" pitchFamily="34" charset="0"/>
+                <a:ea typeface="Segoe UI Historic" panose="020B0502040204020203" pitchFamily="34" charset="0"/>
+                <a:cs typeface="Segoe UI Historic" panose="020B0502040204020203" pitchFamily="34" charset="0"/>
               </a:rPr>
               <a:t>say</a:t>
             </a:r>
             <a:r>
               <a:rPr lang="et-EE" sz="2800" dirty="0">
-                <a:latin typeface="Titillium Web" panose="00000500000000000000" pitchFamily="2" charset="0"/>
-                <a:ea typeface="Open Sans" panose="020B0606030504020204" pitchFamily="34" charset="0"/>
-                <a:cs typeface="Open Sans" panose="020B0606030504020204" pitchFamily="34" charset="0"/>
+                <a:latin typeface="Segoe UI Historic" panose="020B0502040204020203" pitchFamily="34" charset="0"/>
+                <a:ea typeface="Segoe UI Historic" panose="020B0502040204020203" pitchFamily="34" charset="0"/>
+                <a:cs typeface="Segoe UI Historic" panose="020B0502040204020203" pitchFamily="34" charset="0"/>
               </a:rPr>
               <a:t> </a:t>
             </a:r>
             <a:r>
               <a:rPr lang="et-EE" sz="2800" dirty="0" err="1">
-                <a:latin typeface="Titillium Web" panose="00000500000000000000" pitchFamily="2" charset="0"/>
-                <a:ea typeface="Open Sans" panose="020B0606030504020204" pitchFamily="34" charset="0"/>
-                <a:cs typeface="Open Sans" panose="020B0606030504020204" pitchFamily="34" charset="0"/>
+                <a:latin typeface="Segoe UI Historic" panose="020B0502040204020203" pitchFamily="34" charset="0"/>
+                <a:ea typeface="Segoe UI Historic" panose="020B0502040204020203" pitchFamily="34" charset="0"/>
+                <a:cs typeface="Segoe UI Historic" panose="020B0502040204020203" pitchFamily="34" charset="0"/>
               </a:rPr>
               <a:t>that</a:t>
             </a:r>
             <a:r>
               <a:rPr lang="et-EE" sz="2800" dirty="0">
-                <a:latin typeface="Titillium Web" panose="00000500000000000000" pitchFamily="2" charset="0"/>
-                <a:ea typeface="Open Sans" panose="020B0606030504020204" pitchFamily="34" charset="0"/>
-                <a:cs typeface="Open Sans" panose="020B0606030504020204" pitchFamily="34" charset="0"/>
+                <a:latin typeface="Segoe UI Historic" panose="020B0502040204020203" pitchFamily="34" charset="0"/>
+                <a:ea typeface="Segoe UI Historic" panose="020B0502040204020203" pitchFamily="34" charset="0"/>
+                <a:cs typeface="Segoe UI Historic" panose="020B0502040204020203" pitchFamily="34" charset="0"/>
               </a:rPr>
               <a:t> </a:t>
             </a:r>
             <a:r>
               <a:rPr lang="et-EE" sz="2800" dirty="0" err="1">
-                <a:latin typeface="Titillium Web" panose="00000500000000000000" pitchFamily="2" charset="0"/>
-                <a:ea typeface="Open Sans" panose="020B0606030504020204" pitchFamily="34" charset="0"/>
-                <a:cs typeface="Open Sans" panose="020B0606030504020204" pitchFamily="34" charset="0"/>
+                <a:latin typeface="Segoe UI Historic" panose="020B0502040204020203" pitchFamily="34" charset="0"/>
+                <a:ea typeface="Segoe UI Historic" panose="020B0502040204020203" pitchFamily="34" charset="0"/>
+                <a:cs typeface="Segoe UI Historic" panose="020B0502040204020203" pitchFamily="34" charset="0"/>
               </a:rPr>
               <a:t>it</a:t>
             </a:r>
             <a:r>
               <a:rPr lang="et-EE" sz="2800" dirty="0">
-                <a:latin typeface="Titillium Web" panose="00000500000000000000" pitchFamily="2" charset="0"/>
-                <a:ea typeface="Open Sans" panose="020B0606030504020204" pitchFamily="34" charset="0"/>
-                <a:cs typeface="Open Sans" panose="020B0606030504020204" pitchFamily="34" charset="0"/>
+                <a:latin typeface="Segoe UI Historic" panose="020B0502040204020203" pitchFamily="34" charset="0"/>
+                <a:ea typeface="Segoe UI Historic" panose="020B0502040204020203" pitchFamily="34" charset="0"/>
+                <a:cs typeface="Segoe UI Historic" panose="020B0502040204020203" pitchFamily="34" charset="0"/>
               </a:rPr>
               <a:t> </a:t>
             </a:r>
             <a:r>
               <a:rPr lang="et-EE" sz="2800" dirty="0" err="1">
-                <a:latin typeface="Titillium Web" panose="00000500000000000000" pitchFamily="2" charset="0"/>
-                <a:ea typeface="Open Sans" panose="020B0606030504020204" pitchFamily="34" charset="0"/>
-                <a:cs typeface="Open Sans" panose="020B0606030504020204" pitchFamily="34" charset="0"/>
+                <a:latin typeface="Segoe UI Historic" panose="020B0502040204020203" pitchFamily="34" charset="0"/>
+                <a:ea typeface="Segoe UI Historic" panose="020B0502040204020203" pitchFamily="34" charset="0"/>
+                <a:cs typeface="Segoe UI Historic" panose="020B0502040204020203" pitchFamily="34" charset="0"/>
               </a:rPr>
               <a:t>is</a:t>
             </a:r>
             <a:r>
               <a:rPr lang="et-EE" sz="2800" dirty="0">
-                <a:latin typeface="Titillium Web" panose="00000500000000000000" pitchFamily="2" charset="0"/>
-                <a:ea typeface="Open Sans" panose="020B0606030504020204" pitchFamily="34" charset="0"/>
-                <a:cs typeface="Open Sans" panose="020B0606030504020204" pitchFamily="34" charset="0"/>
+                <a:latin typeface="Segoe UI Historic" panose="020B0502040204020203" pitchFamily="34" charset="0"/>
+                <a:ea typeface="Segoe UI Historic" panose="020B0502040204020203" pitchFamily="34" charset="0"/>
+                <a:cs typeface="Segoe UI Historic" panose="020B0502040204020203" pitchFamily="34" charset="0"/>
               </a:rPr>
               <a:t> </a:t>
             </a:r>
             <a:r>
               <a:rPr lang="et-EE" sz="2800" dirty="0" err="1">
-                <a:latin typeface="Titillium Web" panose="00000500000000000000" pitchFamily="2" charset="0"/>
-                <a:ea typeface="Open Sans" panose="020B0606030504020204" pitchFamily="34" charset="0"/>
-                <a:cs typeface="Open Sans" panose="020B0606030504020204" pitchFamily="34" charset="0"/>
+                <a:latin typeface="Segoe UI Historic" panose="020B0502040204020203" pitchFamily="34" charset="0"/>
+                <a:ea typeface="Segoe UI Historic" panose="020B0502040204020203" pitchFamily="34" charset="0"/>
+                <a:cs typeface="Segoe UI Historic" panose="020B0502040204020203" pitchFamily="34" charset="0"/>
               </a:rPr>
               <a:t>not</a:t>
             </a:r>
             <a:r>
               <a:rPr lang="et-EE" sz="2800" dirty="0">
-                <a:latin typeface="Titillium Web" panose="00000500000000000000" pitchFamily="2" charset="0"/>
-                <a:ea typeface="Open Sans" panose="020B0606030504020204" pitchFamily="34" charset="0"/>
-                <a:cs typeface="Open Sans" panose="020B0606030504020204" pitchFamily="34" charset="0"/>
+                <a:latin typeface="Segoe UI Historic" panose="020B0502040204020203" pitchFamily="34" charset="0"/>
+                <a:ea typeface="Segoe UI Historic" panose="020B0502040204020203" pitchFamily="34" charset="0"/>
+                <a:cs typeface="Segoe UI Historic" panose="020B0502040204020203" pitchFamily="34" charset="0"/>
               </a:rPr>
               <a:t> </a:t>
             </a:r>
             <a:r>
               <a:rPr lang="et-EE" sz="2800" dirty="0" err="1">
-                <a:latin typeface="Titillium Web" panose="00000500000000000000" pitchFamily="2" charset="0"/>
-                <a:ea typeface="Open Sans" panose="020B0606030504020204" pitchFamily="34" charset="0"/>
-                <a:cs typeface="Open Sans" panose="020B0606030504020204" pitchFamily="34" charset="0"/>
+                <a:latin typeface="Segoe UI Historic" panose="020B0502040204020203" pitchFamily="34" charset="0"/>
+                <a:ea typeface="Segoe UI Historic" panose="020B0502040204020203" pitchFamily="34" charset="0"/>
+                <a:cs typeface="Segoe UI Historic" panose="020B0502040204020203" pitchFamily="34" charset="0"/>
               </a:rPr>
               <a:t>recommendable</a:t>
             </a:r>
             <a:r>
               <a:rPr lang="et-EE" sz="2800" dirty="0">
-                <a:latin typeface="Titillium Web" panose="00000500000000000000" pitchFamily="2" charset="0"/>
-                <a:ea typeface="Open Sans" panose="020B0606030504020204" pitchFamily="34" charset="0"/>
-                <a:cs typeface="Open Sans" panose="020B0606030504020204" pitchFamily="34" charset="0"/>
+                <a:latin typeface="Segoe UI Historic" panose="020B0502040204020203" pitchFamily="34" charset="0"/>
+                <a:ea typeface="Segoe UI Historic" panose="020B0502040204020203" pitchFamily="34" charset="0"/>
+                <a:cs typeface="Segoe UI Historic" panose="020B0502040204020203" pitchFamily="34" charset="0"/>
               </a:rPr>
               <a:t> </a:t>
             </a:r>
             <a:r>
               <a:rPr lang="et-EE" sz="2800" dirty="0" err="1">
-                <a:latin typeface="Titillium Web" panose="00000500000000000000" pitchFamily="2" charset="0"/>
-                <a:ea typeface="Open Sans" panose="020B0606030504020204" pitchFamily="34" charset="0"/>
-                <a:cs typeface="Open Sans" panose="020B0606030504020204" pitchFamily="34" charset="0"/>
+                <a:latin typeface="Segoe UI Historic" panose="020B0502040204020203" pitchFamily="34" charset="0"/>
+                <a:ea typeface="Segoe UI Historic" panose="020B0502040204020203" pitchFamily="34" charset="0"/>
+                <a:cs typeface="Segoe UI Historic" panose="020B0502040204020203" pitchFamily="34" charset="0"/>
               </a:rPr>
               <a:t>to</a:t>
             </a:r>
             <a:r>
               <a:rPr lang="et-EE" sz="2800" dirty="0">
-                <a:latin typeface="Titillium Web" panose="00000500000000000000" pitchFamily="2" charset="0"/>
-                <a:ea typeface="Open Sans" panose="020B0606030504020204" pitchFamily="34" charset="0"/>
-                <a:cs typeface="Open Sans" panose="020B0606030504020204" pitchFamily="34" charset="0"/>
+                <a:latin typeface="Segoe UI Historic" panose="020B0502040204020203" pitchFamily="34" charset="0"/>
+                <a:ea typeface="Segoe UI Historic" panose="020B0502040204020203" pitchFamily="34" charset="0"/>
+                <a:cs typeface="Segoe UI Historic" panose="020B0502040204020203" pitchFamily="34" charset="0"/>
               </a:rPr>
               <a:t> </a:t>
             </a:r>
             <a:r>
               <a:rPr lang="et-EE" sz="2800" dirty="0" err="1">
-                <a:latin typeface="Titillium Web" panose="00000500000000000000" pitchFamily="2" charset="0"/>
-                <a:ea typeface="Open Sans" panose="020B0606030504020204" pitchFamily="34" charset="0"/>
-                <a:cs typeface="Open Sans" panose="020B0606030504020204" pitchFamily="34" charset="0"/>
+                <a:latin typeface="Segoe UI Historic" panose="020B0502040204020203" pitchFamily="34" charset="0"/>
+                <a:ea typeface="Segoe UI Historic" panose="020B0502040204020203" pitchFamily="34" charset="0"/>
+                <a:cs typeface="Segoe UI Historic" panose="020B0502040204020203" pitchFamily="34" charset="0"/>
               </a:rPr>
               <a:t>predict</a:t>
             </a:r>
             <a:r>
               <a:rPr lang="et-EE" sz="2800" dirty="0">
-                <a:latin typeface="Titillium Web" panose="00000500000000000000" pitchFamily="2" charset="0"/>
-                <a:ea typeface="Open Sans" panose="020B0606030504020204" pitchFamily="34" charset="0"/>
-                <a:cs typeface="Open Sans" panose="020B0606030504020204" pitchFamily="34" charset="0"/>
+                <a:latin typeface="Segoe UI Historic" panose="020B0502040204020203" pitchFamily="34" charset="0"/>
+                <a:ea typeface="Segoe UI Historic" panose="020B0502040204020203" pitchFamily="34" charset="0"/>
+                <a:cs typeface="Segoe UI Historic" panose="020B0502040204020203" pitchFamily="34" charset="0"/>
               </a:rPr>
               <a:t> </a:t>
             </a:r>
             <a:r>
               <a:rPr lang="et-EE" sz="2800" dirty="0" err="1">
-                <a:latin typeface="Titillium Web" panose="00000500000000000000" pitchFamily="2" charset="0"/>
-                <a:ea typeface="Open Sans" panose="020B0606030504020204" pitchFamily="34" charset="0"/>
-                <a:cs typeface="Open Sans" panose="020B0606030504020204" pitchFamily="34" charset="0"/>
+                <a:latin typeface="Segoe UI Historic" panose="020B0502040204020203" pitchFamily="34" charset="0"/>
+                <a:ea typeface="Segoe UI Historic" panose="020B0502040204020203" pitchFamily="34" charset="0"/>
+                <a:cs typeface="Segoe UI Historic" panose="020B0502040204020203" pitchFamily="34" charset="0"/>
               </a:rPr>
               <a:t>water</a:t>
             </a:r>
             <a:r>
               <a:rPr lang="et-EE" sz="2800" dirty="0">
-                <a:latin typeface="Titillium Web" panose="00000500000000000000" pitchFamily="2" charset="0"/>
-                <a:ea typeface="Open Sans" panose="020B0606030504020204" pitchFamily="34" charset="0"/>
-                <a:cs typeface="Open Sans" panose="020B0606030504020204" pitchFamily="34" charset="0"/>
+                <a:latin typeface="Segoe UI Historic" panose="020B0502040204020203" pitchFamily="34" charset="0"/>
+                <a:ea typeface="Segoe UI Historic" panose="020B0502040204020203" pitchFamily="34" charset="0"/>
+                <a:cs typeface="Segoe UI Historic" panose="020B0502040204020203" pitchFamily="34" charset="0"/>
               </a:rPr>
               <a:t> </a:t>
             </a:r>
             <a:r>
               <a:rPr lang="et-EE" sz="2800" dirty="0" err="1">
-                <a:latin typeface="Titillium Web" panose="00000500000000000000" pitchFamily="2" charset="0"/>
-                <a:ea typeface="Open Sans" panose="020B0606030504020204" pitchFamily="34" charset="0"/>
-                <a:cs typeface="Open Sans" panose="020B0606030504020204" pitchFamily="34" charset="0"/>
+                <a:latin typeface="Segoe UI Historic" panose="020B0502040204020203" pitchFamily="34" charset="0"/>
+                <a:ea typeface="Segoe UI Historic" panose="020B0502040204020203" pitchFamily="34" charset="0"/>
+                <a:cs typeface="Segoe UI Historic" panose="020B0502040204020203" pitchFamily="34" charset="0"/>
               </a:rPr>
               <a:t>quality</a:t>
             </a:r>
             <a:r>
               <a:rPr lang="et-EE" sz="2800" dirty="0">
-                <a:latin typeface="Titillium Web" panose="00000500000000000000" pitchFamily="2" charset="0"/>
-                <a:ea typeface="Open Sans" panose="020B0606030504020204" pitchFamily="34" charset="0"/>
-                <a:cs typeface="Open Sans" panose="020B0606030504020204" pitchFamily="34" charset="0"/>
+                <a:latin typeface="Segoe UI Historic" panose="020B0502040204020203" pitchFamily="34" charset="0"/>
+                <a:ea typeface="Segoe UI Historic" panose="020B0502040204020203" pitchFamily="34" charset="0"/>
+                <a:cs typeface="Segoe UI Historic" panose="020B0502040204020203" pitchFamily="34" charset="0"/>
               </a:rPr>
               <a:t> </a:t>
             </a:r>
             <a:r>
               <a:rPr lang="et-EE" sz="2800" dirty="0" err="1">
-                <a:latin typeface="Titillium Web" panose="00000500000000000000" pitchFamily="2" charset="0"/>
-                <a:ea typeface="Open Sans" panose="020B0606030504020204" pitchFamily="34" charset="0"/>
-                <a:cs typeface="Open Sans" panose="020B0606030504020204" pitchFamily="34" charset="0"/>
+                <a:latin typeface="Segoe UI Historic" panose="020B0502040204020203" pitchFamily="34" charset="0"/>
+                <a:ea typeface="Segoe UI Historic" panose="020B0502040204020203" pitchFamily="34" charset="0"/>
+                <a:cs typeface="Segoe UI Historic" panose="020B0502040204020203" pitchFamily="34" charset="0"/>
               </a:rPr>
               <a:t>with</a:t>
             </a:r>
             <a:r>
               <a:rPr lang="et-EE" sz="2800" dirty="0">
-                <a:latin typeface="Titillium Web" panose="00000500000000000000" pitchFamily="2" charset="0"/>
-                <a:ea typeface="Open Sans" panose="020B0606030504020204" pitchFamily="34" charset="0"/>
-                <a:cs typeface="Open Sans" panose="020B0606030504020204" pitchFamily="34" charset="0"/>
+                <a:latin typeface="Segoe UI Historic" panose="020B0502040204020203" pitchFamily="34" charset="0"/>
+                <a:ea typeface="Segoe UI Historic" panose="020B0502040204020203" pitchFamily="34" charset="0"/>
+                <a:cs typeface="Segoe UI Historic" panose="020B0502040204020203" pitchFamily="34" charset="0"/>
               </a:rPr>
               <a:t> </a:t>
             </a:r>
             <a:r>
               <a:rPr lang="et-EE" sz="2800" dirty="0" err="1">
-                <a:latin typeface="Titillium Web" panose="00000500000000000000" pitchFamily="2" charset="0"/>
-                <a:ea typeface="Open Sans" panose="020B0606030504020204" pitchFamily="34" charset="0"/>
-                <a:cs typeface="Open Sans" panose="020B0606030504020204" pitchFamily="34" charset="0"/>
+                <a:latin typeface="Segoe UI Historic" panose="020B0502040204020203" pitchFamily="34" charset="0"/>
+                <a:ea typeface="Segoe UI Historic" panose="020B0502040204020203" pitchFamily="34" charset="0"/>
+                <a:cs typeface="Segoe UI Historic" panose="020B0502040204020203" pitchFamily="34" charset="0"/>
               </a:rPr>
               <a:t>this</a:t>
             </a:r>
             <a:r>
               <a:rPr lang="et-EE" sz="2800" dirty="0">
-                <a:latin typeface="Titillium Web" panose="00000500000000000000" pitchFamily="2" charset="0"/>
-                <a:ea typeface="Open Sans" panose="020B0606030504020204" pitchFamily="34" charset="0"/>
-                <a:cs typeface="Open Sans" panose="020B0606030504020204" pitchFamily="34" charset="0"/>
+                <a:latin typeface="Segoe UI Historic" panose="020B0502040204020203" pitchFamily="34" charset="0"/>
+                <a:ea typeface="Segoe UI Historic" panose="020B0502040204020203" pitchFamily="34" charset="0"/>
+                <a:cs typeface="Segoe UI Historic" panose="020B0502040204020203" pitchFamily="34" charset="0"/>
               </a:rPr>
               <a:t> </a:t>
             </a:r>
             <a:r>
               <a:rPr lang="et-EE" sz="2800" dirty="0" err="1">
-                <a:latin typeface="Titillium Web" panose="00000500000000000000" pitchFamily="2" charset="0"/>
-                <a:ea typeface="Open Sans" panose="020B0606030504020204" pitchFamily="34" charset="0"/>
-                <a:cs typeface="Open Sans" panose="020B0606030504020204" pitchFamily="34" charset="0"/>
+                <a:latin typeface="Segoe UI Historic" panose="020B0502040204020203" pitchFamily="34" charset="0"/>
+                <a:ea typeface="Segoe UI Historic" panose="020B0502040204020203" pitchFamily="34" charset="0"/>
+                <a:cs typeface="Segoe UI Historic" panose="020B0502040204020203" pitchFamily="34" charset="0"/>
               </a:rPr>
               <a:t>little</a:t>
             </a:r>
             <a:r>
               <a:rPr lang="et-EE" sz="2800" dirty="0">
-                <a:latin typeface="Titillium Web" panose="00000500000000000000" pitchFamily="2" charset="0"/>
-                <a:ea typeface="Open Sans" panose="020B0606030504020204" pitchFamily="34" charset="0"/>
-                <a:cs typeface="Open Sans" panose="020B0606030504020204" pitchFamily="34" charset="0"/>
+                <a:latin typeface="Segoe UI Historic" panose="020B0502040204020203" pitchFamily="34" charset="0"/>
+                <a:ea typeface="Segoe UI Historic" panose="020B0502040204020203" pitchFamily="34" charset="0"/>
+                <a:cs typeface="Segoe UI Historic" panose="020B0502040204020203" pitchFamily="34" charset="0"/>
               </a:rPr>
               <a:t> </a:t>
             </a:r>
             <a:r>
               <a:rPr lang="et-EE" sz="2800" dirty="0" err="1">
-                <a:latin typeface="Titillium Web" panose="00000500000000000000" pitchFamily="2" charset="0"/>
-                <a:ea typeface="Open Sans" panose="020B0606030504020204" pitchFamily="34" charset="0"/>
-                <a:cs typeface="Open Sans" panose="020B0606030504020204" pitchFamily="34" charset="0"/>
+                <a:latin typeface="Segoe UI Historic" panose="020B0502040204020203" pitchFamily="34" charset="0"/>
+                <a:ea typeface="Segoe UI Historic" panose="020B0502040204020203" pitchFamily="34" charset="0"/>
+                <a:cs typeface="Segoe UI Historic" panose="020B0502040204020203" pitchFamily="34" charset="0"/>
               </a:rPr>
               <a:t>data</a:t>
             </a:r>
             <a:r>
               <a:rPr lang="et-EE" sz="2800" dirty="0">
-                <a:latin typeface="Titillium Web" panose="00000500000000000000" pitchFamily="2" charset="0"/>
-                <a:ea typeface="Open Sans" panose="020B0606030504020204" pitchFamily="34" charset="0"/>
-                <a:cs typeface="Open Sans" panose="020B0606030504020204" pitchFamily="34" charset="0"/>
+                <a:latin typeface="Segoe UI Historic" panose="020B0502040204020203" pitchFamily="34" charset="0"/>
+                <a:ea typeface="Segoe UI Historic" panose="020B0502040204020203" pitchFamily="34" charset="0"/>
+                <a:cs typeface="Segoe UI Historic" panose="020B0502040204020203" pitchFamily="34" charset="0"/>
               </a:rPr>
               <a:t>. </a:t>
             </a:r>
             <a:r>
               <a:rPr lang="et-EE" sz="2800" dirty="0" err="1">
-                <a:latin typeface="Titillium Web" panose="00000500000000000000" pitchFamily="2" charset="0"/>
-                <a:ea typeface="Open Sans" panose="020B0606030504020204" pitchFamily="34" charset="0"/>
-                <a:cs typeface="Open Sans" panose="020B0606030504020204" pitchFamily="34" charset="0"/>
+                <a:latin typeface="Segoe UI Historic" panose="020B0502040204020203" pitchFamily="34" charset="0"/>
+                <a:ea typeface="Segoe UI Historic" panose="020B0502040204020203" pitchFamily="34" charset="0"/>
+                <a:cs typeface="Segoe UI Historic" panose="020B0502040204020203" pitchFamily="34" charset="0"/>
               </a:rPr>
               <a:t>We</a:t>
             </a:r>
             <a:r>
               <a:rPr lang="et-EE" sz="2800" dirty="0">
-                <a:latin typeface="Titillium Web" panose="00000500000000000000" pitchFamily="2" charset="0"/>
-                <a:ea typeface="Open Sans" panose="020B0606030504020204" pitchFamily="34" charset="0"/>
-                <a:cs typeface="Open Sans" panose="020B0606030504020204" pitchFamily="34" charset="0"/>
+                <a:latin typeface="Segoe UI Historic" panose="020B0502040204020203" pitchFamily="34" charset="0"/>
+                <a:ea typeface="Segoe UI Historic" panose="020B0502040204020203" pitchFamily="34" charset="0"/>
+                <a:cs typeface="Segoe UI Historic" panose="020B0502040204020203" pitchFamily="34" charset="0"/>
               </a:rPr>
               <a:t> </a:t>
             </a:r>
             <a:r>
               <a:rPr lang="et-EE" sz="2800" dirty="0" err="1">
-                <a:latin typeface="Titillium Web" panose="00000500000000000000" pitchFamily="2" charset="0"/>
-                <a:ea typeface="Open Sans" panose="020B0606030504020204" pitchFamily="34" charset="0"/>
-                <a:cs typeface="Open Sans" panose="020B0606030504020204" pitchFamily="34" charset="0"/>
+                <a:latin typeface="Segoe UI Historic" panose="020B0502040204020203" pitchFamily="34" charset="0"/>
+                <a:ea typeface="Segoe UI Historic" panose="020B0502040204020203" pitchFamily="34" charset="0"/>
+                <a:cs typeface="Segoe UI Historic" panose="020B0502040204020203" pitchFamily="34" charset="0"/>
               </a:rPr>
               <a:t>tried</a:t>
             </a:r>
             <a:r>
               <a:rPr lang="et-EE" sz="2800" dirty="0">
-                <a:latin typeface="Titillium Web" panose="00000500000000000000" pitchFamily="2" charset="0"/>
-                <a:ea typeface="Open Sans" panose="020B0606030504020204" pitchFamily="34" charset="0"/>
-                <a:cs typeface="Open Sans" panose="020B0606030504020204" pitchFamily="34" charset="0"/>
+                <a:latin typeface="Segoe UI Historic" panose="020B0502040204020203" pitchFamily="34" charset="0"/>
+                <a:ea typeface="Segoe UI Historic" panose="020B0502040204020203" pitchFamily="34" charset="0"/>
+                <a:cs typeface="Segoe UI Historic" panose="020B0502040204020203" pitchFamily="34" charset="0"/>
               </a:rPr>
               <a:t> </a:t>
             </a:r>
             <a:r>
               <a:rPr lang="et-EE" sz="2800" dirty="0" err="1">
-                <a:latin typeface="Titillium Web" panose="00000500000000000000" pitchFamily="2" charset="0"/>
-                <a:ea typeface="Open Sans" panose="020B0606030504020204" pitchFamily="34" charset="0"/>
-                <a:cs typeface="Open Sans" panose="020B0606030504020204" pitchFamily="34" charset="0"/>
+                <a:latin typeface="Segoe UI Historic" panose="020B0502040204020203" pitchFamily="34" charset="0"/>
+                <a:ea typeface="Segoe UI Historic" panose="020B0502040204020203" pitchFamily="34" charset="0"/>
+                <a:cs typeface="Segoe UI Historic" panose="020B0502040204020203" pitchFamily="34" charset="0"/>
               </a:rPr>
               <a:t>many</a:t>
             </a:r>
             <a:r>
               <a:rPr lang="et-EE" sz="2800" dirty="0">
-                <a:latin typeface="Titillium Web" panose="00000500000000000000" pitchFamily="2" charset="0"/>
-                <a:ea typeface="Open Sans" panose="020B0606030504020204" pitchFamily="34" charset="0"/>
-                <a:cs typeface="Open Sans" panose="020B0606030504020204" pitchFamily="34" charset="0"/>
+                <a:latin typeface="Segoe UI Historic" panose="020B0502040204020203" pitchFamily="34" charset="0"/>
+                <a:ea typeface="Segoe UI Historic" panose="020B0502040204020203" pitchFamily="34" charset="0"/>
+                <a:cs typeface="Segoe UI Historic" panose="020B0502040204020203" pitchFamily="34" charset="0"/>
               </a:rPr>
               <a:t> </a:t>
             </a:r>
             <a:r>
               <a:rPr lang="et-EE" sz="2800" dirty="0" err="1">
-                <a:latin typeface="Titillium Web" panose="00000500000000000000" pitchFamily="2" charset="0"/>
-                <a:ea typeface="Open Sans" panose="020B0606030504020204" pitchFamily="34" charset="0"/>
-                <a:cs typeface="Open Sans" panose="020B0606030504020204" pitchFamily="34" charset="0"/>
+                <a:latin typeface="Segoe UI Historic" panose="020B0502040204020203" pitchFamily="34" charset="0"/>
+                <a:ea typeface="Segoe UI Historic" panose="020B0502040204020203" pitchFamily="34" charset="0"/>
+                <a:cs typeface="Segoe UI Historic" panose="020B0502040204020203" pitchFamily="34" charset="0"/>
               </a:rPr>
               <a:t>different</a:t>
             </a:r>
             <a:r>
               <a:rPr lang="et-EE" sz="2800" dirty="0">
-                <a:latin typeface="Titillium Web" panose="00000500000000000000" pitchFamily="2" charset="0"/>
-                <a:ea typeface="Open Sans" panose="020B0606030504020204" pitchFamily="34" charset="0"/>
-                <a:cs typeface="Open Sans" panose="020B0606030504020204" pitchFamily="34" charset="0"/>
-              </a:rPr>
-              <a:t> </a:t>
+                <a:latin typeface="Segoe UI Historic" panose="020B0502040204020203" pitchFamily="34" charset="0"/>
+                <a:ea typeface="Segoe UI Historic" panose="020B0502040204020203" pitchFamily="34" charset="0"/>
+                <a:cs typeface="Segoe UI Historic" panose="020B0502040204020203" pitchFamily="34" charset="0"/>
+              </a:rPr>
+              <a:t> </a:t>
+            </a:r>
+            <a:r>
+              <a:rPr lang="en-US" sz="2800" dirty="0">
+                <a:latin typeface="Segoe UI Historic" panose="020B0502040204020203" pitchFamily="34" charset="0"/>
+                <a:ea typeface="Segoe UI Historic" panose="020B0502040204020203" pitchFamily="34" charset="0"/>
+                <a:cs typeface="Segoe UI Historic" panose="020B0502040204020203" pitchFamily="34" charset="0"/>
+              </a:rPr>
+              <a:t>methods</a:t>
+            </a:r>
+            <a:r>
+              <a:rPr lang="et-EE" sz="2800" dirty="0">
+                <a:latin typeface="Segoe UI Historic" panose="020B0502040204020203" pitchFamily="34" charset="0"/>
+                <a:ea typeface="Segoe UI Historic" panose="020B0502040204020203" pitchFamily="34" charset="0"/>
+                <a:cs typeface="Segoe UI Historic" panose="020B0502040204020203" pitchFamily="34" charset="0"/>
+              </a:rPr>
+              <a:t> and </a:t>
+            </a:r>
+            <a:r>
+              <a:rPr lang="et-EE" sz="2800" dirty="0" err="1">
+                <a:latin typeface="Segoe UI Historic" panose="020B0502040204020203" pitchFamily="34" charset="0"/>
+                <a:ea typeface="Segoe UI Historic" panose="020B0502040204020203" pitchFamily="34" charset="0"/>
+                <a:cs typeface="Segoe UI Historic" panose="020B0502040204020203" pitchFamily="34" charset="0"/>
+              </a:rPr>
+              <a:t>none</a:t>
+            </a:r>
+            <a:r>
+              <a:rPr lang="et-EE" sz="2800" dirty="0">
+                <a:latin typeface="Segoe UI Historic" panose="020B0502040204020203" pitchFamily="34" charset="0"/>
+                <a:ea typeface="Segoe UI Historic" panose="020B0502040204020203" pitchFamily="34" charset="0"/>
+                <a:cs typeface="Segoe UI Historic" panose="020B0502040204020203" pitchFamily="34" charset="0"/>
+              </a:rPr>
+              <a:t> of </a:t>
+            </a:r>
+            <a:r>
+              <a:rPr lang="et-EE" sz="2800" dirty="0" err="1">
+                <a:latin typeface="Segoe UI Historic" panose="020B0502040204020203" pitchFamily="34" charset="0"/>
+                <a:ea typeface="Segoe UI Historic" panose="020B0502040204020203" pitchFamily="34" charset="0"/>
+                <a:cs typeface="Segoe UI Historic" panose="020B0502040204020203" pitchFamily="34" charset="0"/>
+              </a:rPr>
+              <a:t>them</a:t>
+            </a:r>
+            <a:r>
+              <a:rPr lang="et-EE" sz="2800" dirty="0">
+                <a:latin typeface="Segoe UI Historic" panose="020B0502040204020203" pitchFamily="34" charset="0"/>
+                <a:ea typeface="Segoe UI Historic" panose="020B0502040204020203" pitchFamily="34" charset="0"/>
+                <a:cs typeface="Segoe UI Historic" panose="020B0502040204020203" pitchFamily="34" charset="0"/>
+              </a:rPr>
+              <a:t> </a:t>
+            </a:r>
+            <a:r>
+              <a:rPr lang="et-EE" sz="2800" dirty="0" err="1">
+                <a:latin typeface="Segoe UI Historic" panose="020B0502040204020203" pitchFamily="34" charset="0"/>
+                <a:ea typeface="Segoe UI Historic" panose="020B0502040204020203" pitchFamily="34" charset="0"/>
+                <a:cs typeface="Segoe UI Historic" panose="020B0502040204020203" pitchFamily="34" charset="0"/>
+              </a:rPr>
+              <a:t>reached</a:t>
+            </a:r>
+            <a:r>
+              <a:rPr lang="et-EE" sz="2800" dirty="0">
+                <a:latin typeface="Segoe UI Historic" panose="020B0502040204020203" pitchFamily="34" charset="0"/>
+                <a:ea typeface="Segoe UI Historic" panose="020B0502040204020203" pitchFamily="34" charset="0"/>
+                <a:cs typeface="Segoe UI Historic" panose="020B0502040204020203" pitchFamily="34" charset="0"/>
+              </a:rPr>
+              <a:t> </a:t>
+            </a:r>
+            <a:r>
+              <a:rPr lang="et-EE" sz="2800" dirty="0" err="1">
+                <a:latin typeface="Segoe UI Historic" panose="020B0502040204020203" pitchFamily="34" charset="0"/>
+                <a:ea typeface="Segoe UI Historic" panose="020B0502040204020203" pitchFamily="34" charset="0"/>
+                <a:cs typeface="Segoe UI Historic" panose="020B0502040204020203" pitchFamily="34" charset="0"/>
+              </a:rPr>
+              <a:t>accuracy</a:t>
+            </a:r>
+            <a:r>
+              <a:rPr lang="et-EE" sz="2800" dirty="0">
+                <a:latin typeface="Segoe UI Historic" panose="020B0502040204020203" pitchFamily="34" charset="0"/>
+                <a:ea typeface="Segoe UI Historic" panose="020B0502040204020203" pitchFamily="34" charset="0"/>
+                <a:cs typeface="Segoe UI Historic" panose="020B0502040204020203" pitchFamily="34" charset="0"/>
+              </a:rPr>
+              <a:t> of 90%.</a:t>
+            </a:r>
+          </a:p>
+          <a:p>
+            <a:endParaRPr lang="et-EE" sz="2800" dirty="0">
+              <a:latin typeface="Segoe UI Historic" panose="020B0502040204020203" pitchFamily="34" charset="0"/>
+              <a:ea typeface="Segoe UI Historic" panose="020B0502040204020203" pitchFamily="34" charset="0"/>
+              <a:cs typeface="Segoe UI Historic" panose="020B0502040204020203" pitchFamily="34" charset="0"/>
+            </a:endParaRPr>
+          </a:p>
+          <a:p>
+            <a:r>
+              <a:rPr lang="et-EE" sz="2800" b="1" dirty="0">
+                <a:latin typeface="Segoe UI Historic" panose="020B0502040204020203" pitchFamily="34" charset="0"/>
+                <a:ea typeface="Segoe UI Historic" panose="020B0502040204020203" pitchFamily="34" charset="0"/>
+                <a:cs typeface="Segoe UI Historic" panose="020B0502040204020203" pitchFamily="34" charset="0"/>
+              </a:rPr>
+              <a:t>Quality </a:t>
+            </a:r>
+            <a:r>
+              <a:rPr lang="et-EE" sz="2800" b="1" dirty="0" err="1">
+                <a:latin typeface="Segoe UI Historic" panose="020B0502040204020203" pitchFamily="34" charset="0"/>
+                <a:ea typeface="Segoe UI Historic" panose="020B0502040204020203" pitchFamily="34" charset="0"/>
+                <a:cs typeface="Segoe UI Historic" panose="020B0502040204020203" pitchFamily="34" charset="0"/>
+              </a:rPr>
+              <a:t>water</a:t>
+            </a:r>
+            <a:r>
+              <a:rPr lang="et-EE" sz="2800" b="1" dirty="0">
+                <a:latin typeface="Segoe UI Historic" panose="020B0502040204020203" pitchFamily="34" charset="0"/>
+                <a:ea typeface="Segoe UI Historic" panose="020B0502040204020203" pitchFamily="34" charset="0"/>
+                <a:cs typeface="Segoe UI Historic" panose="020B0502040204020203" pitchFamily="34" charset="0"/>
+              </a:rPr>
+              <a:t> </a:t>
+            </a:r>
+            <a:r>
+              <a:rPr lang="et-EE" sz="2800" b="1" dirty="0" err="1">
+                <a:latin typeface="Segoe UI Historic" panose="020B0502040204020203" pitchFamily="34" charset="0"/>
+                <a:ea typeface="Segoe UI Historic" panose="020B0502040204020203" pitchFamily="34" charset="0"/>
+                <a:cs typeface="Segoe UI Historic" panose="020B0502040204020203" pitchFamily="34" charset="0"/>
+              </a:rPr>
+              <a:t>is</a:t>
+            </a:r>
+            <a:r>
+              <a:rPr lang="et-EE" sz="2800" b="1" dirty="0">
+                <a:latin typeface="Segoe UI Historic" panose="020B0502040204020203" pitchFamily="34" charset="0"/>
+                <a:ea typeface="Segoe UI Historic" panose="020B0502040204020203" pitchFamily="34" charset="0"/>
+                <a:cs typeface="Segoe UI Historic" panose="020B0502040204020203" pitchFamily="34" charset="0"/>
+              </a:rPr>
+              <a:t> </a:t>
+            </a:r>
+            <a:r>
+              <a:rPr lang="et-EE" sz="2800" b="1" dirty="0" err="1">
+                <a:latin typeface="Segoe UI Historic" panose="020B0502040204020203" pitchFamily="34" charset="0"/>
+                <a:ea typeface="Segoe UI Historic" panose="020B0502040204020203" pitchFamily="34" charset="0"/>
+                <a:cs typeface="Segoe UI Historic" panose="020B0502040204020203" pitchFamily="34" charset="0"/>
+              </a:rPr>
+              <a:t>the</a:t>
+            </a:r>
+            <a:r>
+              <a:rPr lang="et-EE" sz="2800" b="1" dirty="0">
+                <a:latin typeface="Segoe UI Historic" panose="020B0502040204020203" pitchFamily="34" charset="0"/>
+                <a:ea typeface="Segoe UI Historic" panose="020B0502040204020203" pitchFamily="34" charset="0"/>
+                <a:cs typeface="Segoe UI Historic" panose="020B0502040204020203" pitchFamily="34" charset="0"/>
+              </a:rPr>
+              <a:t> </a:t>
+            </a:r>
+            <a:r>
+              <a:rPr lang="et-EE" sz="2800" b="1" dirty="0" err="1">
+                <a:latin typeface="Segoe UI Historic" panose="020B0502040204020203" pitchFamily="34" charset="0"/>
+                <a:ea typeface="Segoe UI Historic" panose="020B0502040204020203" pitchFamily="34" charset="0"/>
+                <a:cs typeface="Segoe UI Historic" panose="020B0502040204020203" pitchFamily="34" charset="0"/>
+              </a:rPr>
+              <a:t>basis</a:t>
+            </a:r>
+            <a:r>
+              <a:rPr lang="et-EE" sz="2800" b="1" dirty="0">
+                <a:latin typeface="Segoe UI Historic" panose="020B0502040204020203" pitchFamily="34" charset="0"/>
+                <a:ea typeface="Segoe UI Historic" panose="020B0502040204020203" pitchFamily="34" charset="0"/>
+                <a:cs typeface="Segoe UI Historic" panose="020B0502040204020203" pitchFamily="34" charset="0"/>
+              </a:rPr>
+              <a:t> </a:t>
+            </a:r>
+            <a:r>
+              <a:rPr lang="et-EE" sz="2800" b="1" dirty="0" err="1">
+                <a:latin typeface="Segoe UI Historic" panose="020B0502040204020203" pitchFamily="34" charset="0"/>
+                <a:ea typeface="Segoe UI Historic" panose="020B0502040204020203" pitchFamily="34" charset="0"/>
+                <a:cs typeface="Segoe UI Historic" panose="020B0502040204020203" pitchFamily="34" charset="0"/>
+              </a:rPr>
+              <a:t>for</a:t>
+            </a:r>
+            <a:r>
+              <a:rPr lang="et-EE" sz="2800" b="1" dirty="0">
+                <a:latin typeface="Segoe UI Historic" panose="020B0502040204020203" pitchFamily="34" charset="0"/>
+                <a:ea typeface="Segoe UI Historic" panose="020B0502040204020203" pitchFamily="34" charset="0"/>
+                <a:cs typeface="Segoe UI Historic" panose="020B0502040204020203" pitchFamily="34" charset="0"/>
+              </a:rPr>
+              <a:t> a </a:t>
+            </a:r>
+            <a:r>
+              <a:rPr lang="et-EE" sz="2800" b="1" dirty="0" err="1">
+                <a:latin typeface="Segoe UI Historic" panose="020B0502040204020203" pitchFamily="34" charset="0"/>
+                <a:ea typeface="Segoe UI Historic" panose="020B0502040204020203" pitchFamily="34" charset="0"/>
+                <a:cs typeface="Segoe UI Historic" panose="020B0502040204020203" pitchFamily="34" charset="0"/>
+              </a:rPr>
+              <a:t>healthy</a:t>
+            </a:r>
+            <a:r>
+              <a:rPr lang="et-EE" sz="2800" b="1" dirty="0">
+                <a:latin typeface="Segoe UI Historic" panose="020B0502040204020203" pitchFamily="34" charset="0"/>
+                <a:ea typeface="Segoe UI Historic" panose="020B0502040204020203" pitchFamily="34" charset="0"/>
+                <a:cs typeface="Segoe UI Historic" panose="020B0502040204020203" pitchFamily="34" charset="0"/>
+              </a:rPr>
+              <a:t> </a:t>
+            </a:r>
+            <a:r>
+              <a:rPr lang="et-EE" sz="2800" b="1" dirty="0" err="1">
+                <a:latin typeface="Segoe UI Historic" panose="020B0502040204020203" pitchFamily="34" charset="0"/>
+                <a:ea typeface="Segoe UI Historic" panose="020B0502040204020203" pitchFamily="34" charset="0"/>
+                <a:cs typeface="Segoe UI Historic" panose="020B0502040204020203" pitchFamily="34" charset="0"/>
+              </a:rPr>
+              <a:t>lifestyle</a:t>
+            </a:r>
+            <a:r>
+              <a:rPr lang="et-EE" sz="2800" b="1" dirty="0">
+                <a:latin typeface="Segoe UI Historic" panose="020B0502040204020203" pitchFamily="34" charset="0"/>
+                <a:ea typeface="Segoe UI Historic" panose="020B0502040204020203" pitchFamily="34" charset="0"/>
+                <a:cs typeface="Segoe UI Historic" panose="020B0502040204020203" pitchFamily="34" charset="0"/>
+              </a:rPr>
+              <a:t> so </a:t>
+            </a:r>
+            <a:r>
+              <a:rPr lang="et-EE" sz="2800" b="1" dirty="0" err="1">
+                <a:latin typeface="Segoe UI Historic" panose="020B0502040204020203" pitchFamily="34" charset="0"/>
+                <a:ea typeface="Segoe UI Historic" panose="020B0502040204020203" pitchFamily="34" charset="0"/>
+                <a:cs typeface="Segoe UI Historic" panose="020B0502040204020203" pitchFamily="34" charset="0"/>
+              </a:rPr>
+              <a:t>predicting</a:t>
+            </a:r>
+            <a:r>
+              <a:rPr lang="et-EE" sz="2800" b="1" dirty="0">
+                <a:latin typeface="Segoe UI Historic" panose="020B0502040204020203" pitchFamily="34" charset="0"/>
+                <a:ea typeface="Segoe UI Historic" panose="020B0502040204020203" pitchFamily="34" charset="0"/>
+                <a:cs typeface="Segoe UI Historic" panose="020B0502040204020203" pitchFamily="34" charset="0"/>
+              </a:rPr>
+              <a:t> </a:t>
+            </a:r>
+            <a:r>
+              <a:rPr lang="et-EE" sz="2800" b="1" dirty="0" err="1">
+                <a:latin typeface="Segoe UI Historic" panose="020B0502040204020203" pitchFamily="34" charset="0"/>
+                <a:ea typeface="Segoe UI Historic" panose="020B0502040204020203" pitchFamily="34" charset="0"/>
+                <a:cs typeface="Segoe UI Historic" panose="020B0502040204020203" pitchFamily="34" charset="0"/>
+              </a:rPr>
+              <a:t>with</a:t>
+            </a:r>
+            <a:r>
+              <a:rPr lang="et-EE" sz="2800" b="1" dirty="0">
+                <a:latin typeface="Segoe UI Historic" panose="020B0502040204020203" pitchFamily="34" charset="0"/>
+                <a:ea typeface="Segoe UI Historic" panose="020B0502040204020203" pitchFamily="34" charset="0"/>
+                <a:cs typeface="Segoe UI Historic" panose="020B0502040204020203" pitchFamily="34" charset="0"/>
+              </a:rPr>
+              <a:t> 87% </a:t>
+            </a:r>
+            <a:r>
+              <a:rPr lang="et-EE" sz="2800" b="1" dirty="0" err="1">
+                <a:latin typeface="Segoe UI Historic" panose="020B0502040204020203" pitchFamily="34" charset="0"/>
+                <a:ea typeface="Segoe UI Historic" panose="020B0502040204020203" pitchFamily="34" charset="0"/>
+                <a:cs typeface="Segoe UI Historic" panose="020B0502040204020203" pitchFamily="34" charset="0"/>
+              </a:rPr>
+              <a:t>accuracy</a:t>
+            </a:r>
+            <a:r>
+              <a:rPr lang="et-EE" sz="2800" b="1" dirty="0">
+                <a:latin typeface="Segoe UI Historic" panose="020B0502040204020203" pitchFamily="34" charset="0"/>
+                <a:ea typeface="Segoe UI Historic" panose="020B0502040204020203" pitchFamily="34" charset="0"/>
+                <a:cs typeface="Segoe UI Historic" panose="020B0502040204020203" pitchFamily="34" charset="0"/>
+              </a:rPr>
+              <a:t> </a:t>
+            </a:r>
+            <a:r>
+              <a:rPr lang="et-EE" sz="2800" b="1" dirty="0" err="1">
+                <a:latin typeface="Segoe UI Historic" panose="020B0502040204020203" pitchFamily="34" charset="0"/>
+                <a:ea typeface="Segoe UI Historic" panose="020B0502040204020203" pitchFamily="34" charset="0"/>
+                <a:cs typeface="Segoe UI Historic" panose="020B0502040204020203" pitchFamily="34" charset="0"/>
+              </a:rPr>
+              <a:t>does</a:t>
+            </a:r>
+            <a:r>
+              <a:rPr lang="et-EE" sz="2800" b="1" dirty="0">
+                <a:latin typeface="Segoe UI Historic" panose="020B0502040204020203" pitchFamily="34" charset="0"/>
+                <a:ea typeface="Segoe UI Historic" panose="020B0502040204020203" pitchFamily="34" charset="0"/>
+                <a:cs typeface="Segoe UI Historic" panose="020B0502040204020203" pitchFamily="34" charset="0"/>
+              </a:rPr>
+              <a:t> </a:t>
+            </a:r>
+            <a:r>
+              <a:rPr lang="et-EE" sz="2800" b="1" dirty="0" err="1">
+                <a:latin typeface="Segoe UI Historic" panose="020B0502040204020203" pitchFamily="34" charset="0"/>
+                <a:ea typeface="Segoe UI Historic" panose="020B0502040204020203" pitchFamily="34" charset="0"/>
+                <a:cs typeface="Segoe UI Historic" panose="020B0502040204020203" pitchFamily="34" charset="0"/>
+              </a:rPr>
+              <a:t>not</a:t>
+            </a:r>
+            <a:r>
+              <a:rPr lang="et-EE" sz="2800" b="1" dirty="0">
+                <a:latin typeface="Segoe UI Historic" panose="020B0502040204020203" pitchFamily="34" charset="0"/>
+                <a:ea typeface="Segoe UI Historic" panose="020B0502040204020203" pitchFamily="34" charset="0"/>
+                <a:cs typeface="Segoe UI Historic" panose="020B0502040204020203" pitchFamily="34" charset="0"/>
+              </a:rPr>
+              <a:t> </a:t>
+            </a:r>
+            <a:r>
+              <a:rPr lang="et-EE" sz="2800" b="1" dirty="0" err="1">
+                <a:latin typeface="Segoe UI Historic" panose="020B0502040204020203" pitchFamily="34" charset="0"/>
+                <a:ea typeface="Segoe UI Historic" panose="020B0502040204020203" pitchFamily="34" charset="0"/>
+                <a:cs typeface="Segoe UI Historic" panose="020B0502040204020203" pitchFamily="34" charset="0"/>
+              </a:rPr>
+              <a:t>cut</a:t>
+            </a:r>
+            <a:r>
+              <a:rPr lang="et-EE" sz="2800" b="1" dirty="0">
+                <a:latin typeface="Segoe UI Historic" panose="020B0502040204020203" pitchFamily="34" charset="0"/>
+                <a:ea typeface="Segoe UI Historic" panose="020B0502040204020203" pitchFamily="34" charset="0"/>
+                <a:cs typeface="Segoe UI Historic" panose="020B0502040204020203" pitchFamily="34" charset="0"/>
+              </a:rPr>
+              <a:t> </a:t>
+            </a:r>
+            <a:r>
+              <a:rPr lang="et-EE" sz="2800" b="1" dirty="0" err="1">
+                <a:latin typeface="Segoe UI Historic" panose="020B0502040204020203" pitchFamily="34" charset="0"/>
+                <a:ea typeface="Segoe UI Historic" panose="020B0502040204020203" pitchFamily="34" charset="0"/>
+                <a:cs typeface="Segoe UI Historic" panose="020B0502040204020203" pitchFamily="34" charset="0"/>
+              </a:rPr>
+              <a:t>it</a:t>
+            </a:r>
+            <a:r>
+              <a:rPr lang="et-EE" sz="2800" b="1" dirty="0">
+                <a:latin typeface="Segoe UI Historic" panose="020B0502040204020203" pitchFamily="34" charset="0"/>
+                <a:ea typeface="Segoe UI Historic" panose="020B0502040204020203" pitchFamily="34" charset="0"/>
+                <a:cs typeface="Segoe UI Historic" panose="020B0502040204020203" pitchFamily="34" charset="0"/>
+              </a:rPr>
+              <a:t>. </a:t>
+            </a:r>
+            <a:r>
+              <a:rPr lang="et-EE" sz="2800" b="1" dirty="0" err="1">
+                <a:latin typeface="Segoe UI Historic" panose="020B0502040204020203" pitchFamily="34" charset="0"/>
+                <a:ea typeface="Segoe UI Historic" panose="020B0502040204020203" pitchFamily="34" charset="0"/>
+                <a:cs typeface="Segoe UI Historic" panose="020B0502040204020203" pitchFamily="34" charset="0"/>
+              </a:rPr>
+              <a:t>Therefore</a:t>
+            </a:r>
+            <a:r>
+              <a:rPr lang="et-EE" sz="2800" b="1" dirty="0">
+                <a:latin typeface="Segoe UI Historic" panose="020B0502040204020203" pitchFamily="34" charset="0"/>
+                <a:ea typeface="Segoe UI Historic" panose="020B0502040204020203" pitchFamily="34" charset="0"/>
+                <a:cs typeface="Segoe UI Historic" panose="020B0502040204020203" pitchFamily="34" charset="0"/>
+              </a:rPr>
+              <a:t> </a:t>
+            </a:r>
+            <a:r>
+              <a:rPr lang="et-EE" sz="2800" b="1" dirty="0" err="1">
+                <a:latin typeface="Segoe UI Historic" panose="020B0502040204020203" pitchFamily="34" charset="0"/>
+                <a:ea typeface="Segoe UI Historic" panose="020B0502040204020203" pitchFamily="34" charset="0"/>
+                <a:cs typeface="Segoe UI Historic" panose="020B0502040204020203" pitchFamily="34" charset="0"/>
+              </a:rPr>
+              <a:t>we</a:t>
+            </a:r>
+            <a:r>
+              <a:rPr lang="et-EE" sz="2800" b="1" dirty="0">
+                <a:latin typeface="Segoe UI Historic" panose="020B0502040204020203" pitchFamily="34" charset="0"/>
+                <a:ea typeface="Segoe UI Historic" panose="020B0502040204020203" pitchFamily="34" charset="0"/>
+                <a:cs typeface="Segoe UI Historic" panose="020B0502040204020203" pitchFamily="34" charset="0"/>
+              </a:rPr>
+              <a:t> </a:t>
+            </a:r>
+            <a:r>
+              <a:rPr lang="et-EE" sz="2800" b="1" dirty="0" err="1">
+                <a:latin typeface="Segoe UI Historic" panose="020B0502040204020203" pitchFamily="34" charset="0"/>
+                <a:ea typeface="Segoe UI Historic" panose="020B0502040204020203" pitchFamily="34" charset="0"/>
+                <a:cs typeface="Segoe UI Historic" panose="020B0502040204020203" pitchFamily="34" charset="0"/>
+              </a:rPr>
+              <a:t>say</a:t>
+            </a:r>
+            <a:r>
+              <a:rPr lang="et-EE" sz="2800" b="1" dirty="0">
+                <a:latin typeface="Segoe UI Historic" panose="020B0502040204020203" pitchFamily="34" charset="0"/>
+                <a:ea typeface="Segoe UI Historic" panose="020B0502040204020203" pitchFamily="34" charset="0"/>
+                <a:cs typeface="Segoe UI Historic" panose="020B0502040204020203" pitchFamily="34" charset="0"/>
+              </a:rPr>
+              <a:t> </a:t>
+            </a:r>
+            <a:r>
+              <a:rPr lang="et-EE" sz="2800" b="1" dirty="0" err="1">
+                <a:latin typeface="Segoe UI Historic" panose="020B0502040204020203" pitchFamily="34" charset="0"/>
+                <a:ea typeface="Segoe UI Historic" panose="020B0502040204020203" pitchFamily="34" charset="0"/>
+                <a:cs typeface="Segoe UI Historic" panose="020B0502040204020203" pitchFamily="34" charset="0"/>
+              </a:rPr>
+              <a:t>for</a:t>
+            </a:r>
+            <a:r>
+              <a:rPr lang="et-EE" sz="2800" b="1" dirty="0">
+                <a:latin typeface="Segoe UI Historic" panose="020B0502040204020203" pitchFamily="34" charset="0"/>
+                <a:ea typeface="Segoe UI Historic" panose="020B0502040204020203" pitchFamily="34" charset="0"/>
+                <a:cs typeface="Segoe UI Historic" panose="020B0502040204020203" pitchFamily="34" charset="0"/>
+              </a:rPr>
+              <a:t> </a:t>
+            </a:r>
+            <a:r>
+              <a:rPr lang="et-EE" sz="2800" b="1" dirty="0" err="1">
+                <a:latin typeface="Segoe UI Historic" panose="020B0502040204020203" pitchFamily="34" charset="0"/>
+                <a:ea typeface="Segoe UI Historic" panose="020B0502040204020203" pitchFamily="34" charset="0"/>
+                <a:cs typeface="Segoe UI Historic" panose="020B0502040204020203" pitchFamily="34" charset="0"/>
+              </a:rPr>
+              <a:t>now</a:t>
+            </a:r>
+            <a:r>
+              <a:rPr lang="et-EE" sz="2800" b="1" dirty="0">
+                <a:latin typeface="Segoe UI Historic" panose="020B0502040204020203" pitchFamily="34" charset="0"/>
+                <a:ea typeface="Segoe UI Historic" panose="020B0502040204020203" pitchFamily="34" charset="0"/>
+                <a:cs typeface="Segoe UI Historic" panose="020B0502040204020203" pitchFamily="34" charset="0"/>
+              </a:rPr>
+              <a:t> </a:t>
+            </a:r>
+            <a:r>
+              <a:rPr lang="et-EE" sz="2800" b="1" dirty="0" err="1">
+                <a:latin typeface="Segoe UI Historic" panose="020B0502040204020203" pitchFamily="34" charset="0"/>
+                <a:ea typeface="Segoe UI Historic" panose="020B0502040204020203" pitchFamily="34" charset="0"/>
+                <a:cs typeface="Segoe UI Historic" panose="020B0502040204020203" pitchFamily="34" charset="0"/>
+              </a:rPr>
+              <a:t>we</a:t>
+            </a:r>
+            <a:r>
+              <a:rPr lang="et-EE" sz="2800" b="1" dirty="0">
+                <a:latin typeface="Segoe UI Historic" panose="020B0502040204020203" pitchFamily="34" charset="0"/>
+                <a:ea typeface="Segoe UI Historic" panose="020B0502040204020203" pitchFamily="34" charset="0"/>
+                <a:cs typeface="Segoe UI Historic" panose="020B0502040204020203" pitchFamily="34" charset="0"/>
+              </a:rPr>
+              <a:t> </a:t>
+            </a:r>
+            <a:r>
+              <a:rPr lang="et-EE" sz="2800" b="1" dirty="0" err="1">
+                <a:latin typeface="Segoe UI Historic" panose="020B0502040204020203" pitchFamily="34" charset="0"/>
+                <a:ea typeface="Segoe UI Historic" panose="020B0502040204020203" pitchFamily="34" charset="0"/>
+                <a:cs typeface="Segoe UI Historic" panose="020B0502040204020203" pitchFamily="34" charset="0"/>
+              </a:rPr>
+              <a:t>should</a:t>
+            </a:r>
+            <a:r>
+              <a:rPr lang="et-EE" sz="2800" b="1" dirty="0">
+                <a:latin typeface="Segoe UI Historic" panose="020B0502040204020203" pitchFamily="34" charset="0"/>
+                <a:ea typeface="Segoe UI Historic" panose="020B0502040204020203" pitchFamily="34" charset="0"/>
+                <a:cs typeface="Segoe UI Historic" panose="020B0502040204020203" pitchFamily="34" charset="0"/>
+              </a:rPr>
+              <a:t> </a:t>
+            </a:r>
+            <a:r>
+              <a:rPr lang="et-EE" sz="2800" b="1" dirty="0" err="1">
+                <a:latin typeface="Segoe UI Historic" panose="020B0502040204020203" pitchFamily="34" charset="0"/>
+                <a:ea typeface="Segoe UI Historic" panose="020B0502040204020203" pitchFamily="34" charset="0"/>
+                <a:cs typeface="Segoe UI Historic" panose="020B0502040204020203" pitchFamily="34" charset="0"/>
+              </a:rPr>
+              <a:t>still</a:t>
+            </a:r>
+            <a:r>
+              <a:rPr lang="et-EE" sz="2800" b="1" dirty="0">
+                <a:latin typeface="Segoe UI Historic" panose="020B0502040204020203" pitchFamily="34" charset="0"/>
+                <a:ea typeface="Segoe UI Historic" panose="020B0502040204020203" pitchFamily="34" charset="0"/>
+                <a:cs typeface="Segoe UI Historic" panose="020B0502040204020203" pitchFamily="34" charset="0"/>
+              </a:rPr>
+              <a:t> </a:t>
+            </a:r>
+            <a:r>
+              <a:rPr lang="et-EE" sz="2800" b="1" dirty="0" err="1">
+                <a:latin typeface="Segoe UI Historic" panose="020B0502040204020203" pitchFamily="34" charset="0"/>
+                <a:ea typeface="Segoe UI Historic" panose="020B0502040204020203" pitchFamily="34" charset="0"/>
+                <a:cs typeface="Segoe UI Historic" panose="020B0502040204020203" pitchFamily="34" charset="0"/>
+              </a:rPr>
+              <a:t>rely</a:t>
+            </a:r>
+            <a:r>
+              <a:rPr lang="et-EE" sz="2800" b="1" dirty="0">
+                <a:latin typeface="Segoe UI Historic" panose="020B0502040204020203" pitchFamily="34" charset="0"/>
+                <a:ea typeface="Segoe UI Historic" panose="020B0502040204020203" pitchFamily="34" charset="0"/>
+                <a:cs typeface="Segoe UI Historic" panose="020B0502040204020203" pitchFamily="34" charset="0"/>
+              </a:rPr>
+              <a:t> on </a:t>
+            </a:r>
+            <a:r>
+              <a:rPr lang="et-EE" sz="2800" b="1" dirty="0" err="1">
+                <a:latin typeface="Segoe UI Historic" panose="020B0502040204020203" pitchFamily="34" charset="0"/>
+                <a:ea typeface="Segoe UI Historic" panose="020B0502040204020203" pitchFamily="34" charset="0"/>
+                <a:cs typeface="Segoe UI Historic" panose="020B0502040204020203" pitchFamily="34" charset="0"/>
+              </a:rPr>
+              <a:t>actual</a:t>
+            </a:r>
+            <a:r>
+              <a:rPr lang="et-EE" sz="2800" b="1" dirty="0">
+                <a:latin typeface="Segoe UI Historic" panose="020B0502040204020203" pitchFamily="34" charset="0"/>
+                <a:ea typeface="Segoe UI Historic" panose="020B0502040204020203" pitchFamily="34" charset="0"/>
+                <a:cs typeface="Segoe UI Historic" panose="020B0502040204020203" pitchFamily="34" charset="0"/>
+              </a:rPr>
+              <a:t> </a:t>
+            </a:r>
+            <a:r>
+              <a:rPr lang="et-EE" sz="2800" b="1" dirty="0" err="1">
+                <a:latin typeface="Segoe UI Historic" panose="020B0502040204020203" pitchFamily="34" charset="0"/>
+                <a:ea typeface="Segoe UI Historic" panose="020B0502040204020203" pitchFamily="34" charset="0"/>
+                <a:cs typeface="Segoe UI Historic" panose="020B0502040204020203" pitchFamily="34" charset="0"/>
+              </a:rPr>
+              <a:t>measurements</a:t>
+            </a:r>
+            <a:r>
+              <a:rPr lang="et-EE" sz="2800" b="1" dirty="0">
+                <a:latin typeface="Segoe UI Historic" panose="020B0502040204020203" pitchFamily="34" charset="0"/>
+                <a:ea typeface="Segoe UI Historic" panose="020B0502040204020203" pitchFamily="34" charset="0"/>
+                <a:cs typeface="Segoe UI Historic" panose="020B0502040204020203" pitchFamily="34" charset="0"/>
+              </a:rPr>
+              <a:t> </a:t>
+            </a:r>
+            <a:r>
+              <a:rPr lang="et-EE" sz="2800" b="1" dirty="0" err="1">
+                <a:latin typeface="Segoe UI Historic" panose="020B0502040204020203" pitchFamily="34" charset="0"/>
+                <a:ea typeface="Segoe UI Historic" panose="020B0502040204020203" pitchFamily="34" charset="0"/>
+                <a:cs typeface="Segoe UI Historic" panose="020B0502040204020203" pitchFamily="34" charset="0"/>
+              </a:rPr>
+              <a:t>for</a:t>
+            </a:r>
+            <a:r>
+              <a:rPr lang="et-EE" sz="2800" b="1" dirty="0">
+                <a:latin typeface="Segoe UI Historic" panose="020B0502040204020203" pitchFamily="34" charset="0"/>
+                <a:ea typeface="Segoe UI Historic" panose="020B0502040204020203" pitchFamily="34" charset="0"/>
+                <a:cs typeface="Segoe UI Historic" panose="020B0502040204020203" pitchFamily="34" charset="0"/>
+              </a:rPr>
+              <a:t> </a:t>
+            </a:r>
+            <a:r>
+              <a:rPr lang="et-EE" sz="2800" b="1" dirty="0" err="1">
+                <a:latin typeface="Segoe UI Historic" panose="020B0502040204020203" pitchFamily="34" charset="0"/>
+                <a:ea typeface="Segoe UI Historic" panose="020B0502040204020203" pitchFamily="34" charset="0"/>
+                <a:cs typeface="Segoe UI Historic" panose="020B0502040204020203" pitchFamily="34" charset="0"/>
+              </a:rPr>
+              <a:t>quality</a:t>
+            </a:r>
+            <a:r>
+              <a:rPr lang="et-EE" sz="2800" b="1" dirty="0">
+                <a:latin typeface="Segoe UI Historic" panose="020B0502040204020203" pitchFamily="34" charset="0"/>
+                <a:ea typeface="Segoe UI Historic" panose="020B0502040204020203" pitchFamily="34" charset="0"/>
+                <a:cs typeface="Segoe UI Historic" panose="020B0502040204020203" pitchFamily="34" charset="0"/>
+              </a:rPr>
+              <a:t> </a:t>
+            </a:r>
+            <a:r>
+              <a:rPr lang="et-EE" sz="2800" b="1" dirty="0" err="1">
+                <a:latin typeface="Segoe UI Historic" panose="020B0502040204020203" pitchFamily="34" charset="0"/>
+                <a:ea typeface="Segoe UI Historic" panose="020B0502040204020203" pitchFamily="34" charset="0"/>
+                <a:cs typeface="Segoe UI Historic" panose="020B0502040204020203" pitchFamily="34" charset="0"/>
+              </a:rPr>
+              <a:t>classification</a:t>
+            </a:r>
+            <a:endParaRPr lang="et-EE" sz="2800" b="1" dirty="0">
+              <a:latin typeface="Segoe UI Historic" panose="020B0502040204020203" pitchFamily="34" charset="0"/>
+              <a:ea typeface="Segoe UI Historic" panose="020B0502040204020203" pitchFamily="34" charset="0"/>
+              <a:cs typeface="Segoe UI Historic" panose="020B0502040204020203" pitchFamily="34" charset="0"/>
+            </a:endParaRPr>
+          </a:p>
+          <a:p>
+            <a:endParaRPr lang="et-EE" sz="2800" dirty="0">
+              <a:latin typeface="Segoe UI Historic" panose="020B0502040204020203" pitchFamily="34" charset="0"/>
+              <a:ea typeface="Segoe UI Historic" panose="020B0502040204020203" pitchFamily="34" charset="0"/>
+              <a:cs typeface="Segoe UI Historic" panose="020B0502040204020203" pitchFamily="34" charset="0"/>
+            </a:endParaRPr>
+          </a:p>
+          <a:p>
+            <a:r>
+              <a:rPr lang="et-EE" sz="2800" dirty="0" err="1">
+                <a:latin typeface="Segoe UI Historic" panose="020B0502040204020203" pitchFamily="34" charset="0"/>
+                <a:ea typeface="Segoe UI Historic" panose="020B0502040204020203" pitchFamily="34" charset="0"/>
+                <a:cs typeface="Segoe UI Historic" panose="020B0502040204020203" pitchFamily="34" charset="0"/>
+              </a:rPr>
+              <a:t>To</a:t>
+            </a:r>
+            <a:r>
+              <a:rPr lang="et-EE" sz="2800" dirty="0">
+                <a:latin typeface="Segoe UI Historic" panose="020B0502040204020203" pitchFamily="34" charset="0"/>
+                <a:ea typeface="Segoe UI Historic" panose="020B0502040204020203" pitchFamily="34" charset="0"/>
+                <a:cs typeface="Segoe UI Historic" panose="020B0502040204020203" pitchFamily="34" charset="0"/>
+              </a:rPr>
+              <a:t> </a:t>
+            </a:r>
+            <a:r>
+              <a:rPr lang="et-EE" sz="2800" dirty="0" err="1">
+                <a:latin typeface="Segoe UI Historic" panose="020B0502040204020203" pitchFamily="34" charset="0"/>
+                <a:ea typeface="Segoe UI Historic" panose="020B0502040204020203" pitchFamily="34" charset="0"/>
+                <a:cs typeface="Segoe UI Historic" panose="020B0502040204020203" pitchFamily="34" charset="0"/>
+              </a:rPr>
+              <a:t>predict</a:t>
+            </a:r>
+            <a:r>
+              <a:rPr lang="et-EE" sz="2800" dirty="0">
+                <a:latin typeface="Segoe UI Historic" panose="020B0502040204020203" pitchFamily="34" charset="0"/>
+                <a:ea typeface="Segoe UI Historic" panose="020B0502040204020203" pitchFamily="34" charset="0"/>
+                <a:cs typeface="Segoe UI Historic" panose="020B0502040204020203" pitchFamily="34" charset="0"/>
+              </a:rPr>
+              <a:t> </a:t>
+            </a:r>
+            <a:r>
+              <a:rPr lang="et-EE" sz="2800" dirty="0" err="1">
+                <a:latin typeface="Segoe UI Historic" panose="020B0502040204020203" pitchFamily="34" charset="0"/>
+                <a:ea typeface="Segoe UI Historic" panose="020B0502040204020203" pitchFamily="34" charset="0"/>
+                <a:cs typeface="Segoe UI Historic" panose="020B0502040204020203" pitchFamily="34" charset="0"/>
+              </a:rPr>
+              <a:t>accurately</a:t>
+            </a:r>
+            <a:r>
+              <a:rPr lang="et-EE" sz="2800" dirty="0">
+                <a:latin typeface="Segoe UI Historic" panose="020B0502040204020203" pitchFamily="34" charset="0"/>
+                <a:ea typeface="Segoe UI Historic" panose="020B0502040204020203" pitchFamily="34" charset="0"/>
+                <a:cs typeface="Segoe UI Historic" panose="020B0502040204020203" pitchFamily="34" charset="0"/>
+              </a:rPr>
+              <a:t>, </a:t>
+            </a:r>
+            <a:r>
+              <a:rPr lang="et-EE" sz="2800" dirty="0" err="1">
+                <a:latin typeface="Segoe UI Historic" panose="020B0502040204020203" pitchFamily="34" charset="0"/>
+                <a:ea typeface="Segoe UI Historic" panose="020B0502040204020203" pitchFamily="34" charset="0"/>
+                <a:cs typeface="Segoe UI Historic" panose="020B0502040204020203" pitchFamily="34" charset="0"/>
+              </a:rPr>
+              <a:t>there</a:t>
+            </a:r>
+            <a:r>
+              <a:rPr lang="et-EE" sz="2800" dirty="0">
+                <a:latin typeface="Segoe UI Historic" panose="020B0502040204020203" pitchFamily="34" charset="0"/>
+                <a:ea typeface="Segoe UI Historic" panose="020B0502040204020203" pitchFamily="34" charset="0"/>
+                <a:cs typeface="Segoe UI Historic" panose="020B0502040204020203" pitchFamily="34" charset="0"/>
+              </a:rPr>
+              <a:t> </a:t>
+            </a:r>
+            <a:r>
+              <a:rPr lang="et-EE" sz="2800" dirty="0" err="1">
+                <a:latin typeface="Segoe UI Historic" panose="020B0502040204020203" pitchFamily="34" charset="0"/>
+                <a:ea typeface="Segoe UI Historic" panose="020B0502040204020203" pitchFamily="34" charset="0"/>
+                <a:cs typeface="Segoe UI Historic" panose="020B0502040204020203" pitchFamily="34" charset="0"/>
+              </a:rPr>
+              <a:t>should</a:t>
+            </a:r>
+            <a:r>
+              <a:rPr lang="et-EE" sz="2800" dirty="0">
+                <a:latin typeface="Segoe UI Historic" panose="020B0502040204020203" pitchFamily="34" charset="0"/>
+                <a:ea typeface="Segoe UI Historic" panose="020B0502040204020203" pitchFamily="34" charset="0"/>
+                <a:cs typeface="Segoe UI Historic" panose="020B0502040204020203" pitchFamily="34" charset="0"/>
+              </a:rPr>
+              <a:t> </a:t>
+            </a:r>
+            <a:r>
+              <a:rPr lang="et-EE" sz="2800" dirty="0" err="1">
+                <a:latin typeface="Segoe UI Historic" panose="020B0502040204020203" pitchFamily="34" charset="0"/>
+                <a:ea typeface="Segoe UI Historic" panose="020B0502040204020203" pitchFamily="34" charset="0"/>
+                <a:cs typeface="Segoe UI Historic" panose="020B0502040204020203" pitchFamily="34" charset="0"/>
+              </a:rPr>
+              <a:t>be</a:t>
+            </a:r>
+            <a:r>
+              <a:rPr lang="et-EE" sz="2800" dirty="0">
+                <a:latin typeface="Segoe UI Historic" panose="020B0502040204020203" pitchFamily="34" charset="0"/>
+                <a:ea typeface="Segoe UI Historic" panose="020B0502040204020203" pitchFamily="34" charset="0"/>
+                <a:cs typeface="Segoe UI Historic" panose="020B0502040204020203" pitchFamily="34" charset="0"/>
+              </a:rPr>
+              <a:t> </a:t>
+            </a:r>
+            <a:r>
+              <a:rPr lang="et-EE" sz="2800" dirty="0" err="1">
+                <a:latin typeface="Segoe UI Historic" panose="020B0502040204020203" pitchFamily="34" charset="0"/>
+                <a:ea typeface="Segoe UI Historic" panose="020B0502040204020203" pitchFamily="34" charset="0"/>
+                <a:cs typeface="Segoe UI Historic" panose="020B0502040204020203" pitchFamily="34" charset="0"/>
+              </a:rPr>
+              <a:t>more</a:t>
+            </a:r>
+            <a:r>
+              <a:rPr lang="et-EE" sz="2800" dirty="0">
+                <a:latin typeface="Segoe UI Historic" panose="020B0502040204020203" pitchFamily="34" charset="0"/>
+                <a:ea typeface="Segoe UI Historic" panose="020B0502040204020203" pitchFamily="34" charset="0"/>
+                <a:cs typeface="Segoe UI Historic" panose="020B0502040204020203" pitchFamily="34" charset="0"/>
+              </a:rPr>
+              <a:t> </a:t>
+            </a:r>
+            <a:r>
+              <a:rPr lang="et-EE" sz="2800" dirty="0" err="1">
+                <a:latin typeface="Segoe UI Historic" panose="020B0502040204020203" pitchFamily="34" charset="0"/>
+                <a:ea typeface="Segoe UI Historic" panose="020B0502040204020203" pitchFamily="34" charset="0"/>
+                <a:cs typeface="Segoe UI Historic" panose="020B0502040204020203" pitchFamily="34" charset="0"/>
+              </a:rPr>
+              <a:t>years</a:t>
+            </a:r>
+            <a:r>
+              <a:rPr lang="et-EE" sz="2800" dirty="0">
+                <a:latin typeface="Segoe UI Historic" panose="020B0502040204020203" pitchFamily="34" charset="0"/>
+                <a:ea typeface="Segoe UI Historic" panose="020B0502040204020203" pitchFamily="34" charset="0"/>
+                <a:cs typeface="Segoe UI Historic" panose="020B0502040204020203" pitchFamily="34" charset="0"/>
+              </a:rPr>
+              <a:t> </a:t>
+            </a:r>
+            <a:r>
+              <a:rPr lang="et-EE" sz="2800" dirty="0" err="1">
+                <a:latin typeface="Segoe UI Historic" panose="020B0502040204020203" pitchFamily="34" charset="0"/>
+                <a:ea typeface="Segoe UI Historic" panose="020B0502040204020203" pitchFamily="34" charset="0"/>
+                <a:cs typeface="Segoe UI Historic" panose="020B0502040204020203" pitchFamily="34" charset="0"/>
+              </a:rPr>
+              <a:t>to</a:t>
+            </a:r>
+            <a:r>
+              <a:rPr lang="et-EE" sz="2800" dirty="0">
+                <a:latin typeface="Segoe UI Historic" panose="020B0502040204020203" pitchFamily="34" charset="0"/>
+                <a:ea typeface="Segoe UI Historic" panose="020B0502040204020203" pitchFamily="34" charset="0"/>
+                <a:cs typeface="Segoe UI Historic" panose="020B0502040204020203" pitchFamily="34" charset="0"/>
+              </a:rPr>
+              <a:t> </a:t>
+            </a:r>
+            <a:r>
+              <a:rPr lang="et-EE" sz="2800" dirty="0" err="1">
+                <a:latin typeface="Segoe UI Historic" panose="020B0502040204020203" pitchFamily="34" charset="0"/>
+                <a:ea typeface="Segoe UI Historic" panose="020B0502040204020203" pitchFamily="34" charset="0"/>
+                <a:cs typeface="Segoe UI Historic" panose="020B0502040204020203" pitchFamily="34" charset="0"/>
+              </a:rPr>
+              <a:t>predict</a:t>
+            </a:r>
+            <a:r>
+              <a:rPr lang="et-EE" sz="2800" dirty="0">
+                <a:latin typeface="Segoe UI Historic" panose="020B0502040204020203" pitchFamily="34" charset="0"/>
+                <a:ea typeface="Segoe UI Historic" panose="020B0502040204020203" pitchFamily="34" charset="0"/>
+                <a:cs typeface="Segoe UI Historic" panose="020B0502040204020203" pitchFamily="34" charset="0"/>
+              </a:rPr>
+              <a:t> </a:t>
+            </a:r>
+            <a:r>
+              <a:rPr lang="et-EE" sz="2800" dirty="0" err="1">
+                <a:latin typeface="Segoe UI Historic" panose="020B0502040204020203" pitchFamily="34" charset="0"/>
+                <a:ea typeface="Segoe UI Historic" panose="020B0502040204020203" pitchFamily="34" charset="0"/>
+                <a:cs typeface="Segoe UI Historic" panose="020B0502040204020203" pitchFamily="34" charset="0"/>
+              </a:rPr>
+              <a:t>from</a:t>
+            </a:r>
+            <a:r>
+              <a:rPr lang="et-EE" sz="2800" dirty="0">
+                <a:latin typeface="Segoe UI Historic" panose="020B0502040204020203" pitchFamily="34" charset="0"/>
+                <a:ea typeface="Segoe UI Historic" panose="020B0502040204020203" pitchFamily="34" charset="0"/>
+                <a:cs typeface="Segoe UI Historic" panose="020B0502040204020203" pitchFamily="34" charset="0"/>
+              </a:rPr>
+              <a:t>, and </a:t>
+            </a:r>
+            <a:r>
+              <a:rPr lang="et-EE" sz="2800" dirty="0" err="1">
+                <a:latin typeface="Segoe UI Historic" panose="020B0502040204020203" pitchFamily="34" charset="0"/>
+                <a:ea typeface="Segoe UI Historic" panose="020B0502040204020203" pitchFamily="34" charset="0"/>
+                <a:cs typeface="Segoe UI Historic" panose="020B0502040204020203" pitchFamily="34" charset="0"/>
+              </a:rPr>
+              <a:t>certanly</a:t>
+            </a:r>
+            <a:r>
+              <a:rPr lang="et-EE" sz="2800" dirty="0">
+                <a:latin typeface="Segoe UI Historic" panose="020B0502040204020203" pitchFamily="34" charset="0"/>
+                <a:ea typeface="Segoe UI Historic" panose="020B0502040204020203" pitchFamily="34" charset="0"/>
+                <a:cs typeface="Segoe UI Historic" panose="020B0502040204020203" pitchFamily="34" charset="0"/>
+              </a:rPr>
+              <a:t> </a:t>
+            </a:r>
+            <a:r>
+              <a:rPr lang="et-EE" sz="2800" dirty="0" err="1">
+                <a:latin typeface="Segoe UI Historic" panose="020B0502040204020203" pitchFamily="34" charset="0"/>
+                <a:ea typeface="Segoe UI Historic" panose="020B0502040204020203" pitchFamily="34" charset="0"/>
+                <a:cs typeface="Segoe UI Historic" panose="020B0502040204020203" pitchFamily="34" charset="0"/>
+              </a:rPr>
+              <a:t>less</a:t>
+            </a:r>
+            <a:r>
+              <a:rPr lang="et-EE" sz="2800" dirty="0">
+                <a:latin typeface="Segoe UI Historic" panose="020B0502040204020203" pitchFamily="34" charset="0"/>
+                <a:ea typeface="Segoe UI Historic" panose="020B0502040204020203" pitchFamily="34" charset="0"/>
+                <a:cs typeface="Segoe UI Historic" panose="020B0502040204020203" pitchFamily="34" charset="0"/>
+              </a:rPr>
+              <a:t> </a:t>
+            </a:r>
+            <a:r>
+              <a:rPr lang="et-EE" sz="2800" dirty="0" err="1">
+                <a:latin typeface="Segoe UI Historic" panose="020B0502040204020203" pitchFamily="34" charset="0"/>
+                <a:ea typeface="Segoe UI Historic" panose="020B0502040204020203" pitchFamily="34" charset="0"/>
+                <a:cs typeface="Segoe UI Historic" panose="020B0502040204020203" pitchFamily="34" charset="0"/>
+              </a:rPr>
+              <a:t>NaN</a:t>
+            </a:r>
+            <a:r>
+              <a:rPr lang="et-EE" sz="2800" dirty="0">
+                <a:latin typeface="Segoe UI Historic" panose="020B0502040204020203" pitchFamily="34" charset="0"/>
+                <a:ea typeface="Segoe UI Historic" panose="020B0502040204020203" pitchFamily="34" charset="0"/>
+                <a:cs typeface="Segoe UI Historic" panose="020B0502040204020203" pitchFamily="34" charset="0"/>
+              </a:rPr>
+              <a:t> </a:t>
+            </a:r>
+            <a:r>
+              <a:rPr lang="et-EE" sz="2800" dirty="0" err="1">
+                <a:latin typeface="Segoe UI Historic" panose="020B0502040204020203" pitchFamily="34" charset="0"/>
+                <a:ea typeface="Segoe UI Historic" panose="020B0502040204020203" pitchFamily="34" charset="0"/>
+                <a:cs typeface="Segoe UI Historic" panose="020B0502040204020203" pitchFamily="34" charset="0"/>
+              </a:rPr>
+              <a:t>values</a:t>
+            </a:r>
+            <a:r>
+              <a:rPr lang="en-US" sz="2800" dirty="0">
+                <a:latin typeface="Segoe UI Historic" panose="020B0502040204020203" pitchFamily="34" charset="0"/>
+                <a:ea typeface="Segoe UI Historic" panose="020B0502040204020203" pitchFamily="34" charset="0"/>
+                <a:cs typeface="Segoe UI Historic" panose="020B0502040204020203" pitchFamily="34" charset="0"/>
+              </a:rPr>
+              <a:t> (more measurements done regularly)</a:t>
+            </a:r>
+            <a:endParaRPr lang="et-EE" sz="2800" dirty="0">
+              <a:latin typeface="Segoe UI Historic" panose="020B0502040204020203" pitchFamily="34" charset="0"/>
+              <a:ea typeface="Segoe UI Historic" panose="020B0502040204020203" pitchFamily="34" charset="0"/>
+              <a:cs typeface="Segoe UI Historic" panose="020B0502040204020203" pitchFamily="34" charset="0"/>
+            </a:endParaRPr>
+          </a:p>
+          <a:p>
+            <a:endParaRPr lang="et-EE" sz="2800" dirty="0">
+              <a:latin typeface="Segoe UI Historic" panose="020B0502040204020203" pitchFamily="34" charset="0"/>
+              <a:ea typeface="Segoe UI Historic" panose="020B0502040204020203" pitchFamily="34" charset="0"/>
+              <a:cs typeface="Segoe UI Historic" panose="020B0502040204020203" pitchFamily="34" charset="0"/>
+            </a:endParaRPr>
+          </a:p>
+          <a:p>
+            <a:r>
+              <a:rPr lang="et-EE" sz="2800" dirty="0" err="1">
+                <a:latin typeface="Segoe UI Historic" panose="020B0502040204020203" pitchFamily="34" charset="0"/>
+                <a:ea typeface="Segoe UI Historic" panose="020B0502040204020203" pitchFamily="34" charset="0"/>
+                <a:cs typeface="Segoe UI Historic" panose="020B0502040204020203" pitchFamily="34" charset="0"/>
+              </a:rPr>
+              <a:t>This</a:t>
+            </a:r>
+            <a:r>
+              <a:rPr lang="et-EE" sz="2800" dirty="0">
+                <a:latin typeface="Segoe UI Historic" panose="020B0502040204020203" pitchFamily="34" charset="0"/>
+                <a:ea typeface="Segoe UI Historic" panose="020B0502040204020203" pitchFamily="34" charset="0"/>
+                <a:cs typeface="Segoe UI Historic" panose="020B0502040204020203" pitchFamily="34" charset="0"/>
+              </a:rPr>
+              <a:t> </a:t>
+            </a:r>
+            <a:r>
+              <a:rPr lang="et-EE" sz="2800" dirty="0" err="1">
+                <a:latin typeface="Segoe UI Historic" panose="020B0502040204020203" pitchFamily="34" charset="0"/>
+                <a:ea typeface="Segoe UI Historic" panose="020B0502040204020203" pitchFamily="34" charset="0"/>
+                <a:cs typeface="Segoe UI Historic" panose="020B0502040204020203" pitchFamily="34" charset="0"/>
+              </a:rPr>
+              <a:t>problem</a:t>
+            </a:r>
+            <a:r>
+              <a:rPr lang="et-EE" sz="2800" dirty="0">
+                <a:latin typeface="Segoe UI Historic" panose="020B0502040204020203" pitchFamily="34" charset="0"/>
+                <a:ea typeface="Segoe UI Historic" panose="020B0502040204020203" pitchFamily="34" charset="0"/>
+                <a:cs typeface="Segoe UI Historic" panose="020B0502040204020203" pitchFamily="34" charset="0"/>
+              </a:rPr>
+              <a:t> </a:t>
+            </a:r>
+            <a:r>
+              <a:rPr lang="et-EE" sz="2800" dirty="0" err="1">
+                <a:latin typeface="Segoe UI Historic" panose="020B0502040204020203" pitchFamily="34" charset="0"/>
+                <a:ea typeface="Segoe UI Historic" panose="020B0502040204020203" pitchFamily="34" charset="0"/>
+                <a:cs typeface="Segoe UI Historic" panose="020B0502040204020203" pitchFamily="34" charset="0"/>
+              </a:rPr>
+              <a:t>should</a:t>
+            </a:r>
+            <a:r>
+              <a:rPr lang="et-EE" sz="2800" dirty="0">
+                <a:latin typeface="Segoe UI Historic" panose="020B0502040204020203" pitchFamily="34" charset="0"/>
+                <a:ea typeface="Segoe UI Historic" panose="020B0502040204020203" pitchFamily="34" charset="0"/>
+                <a:cs typeface="Segoe UI Historic" panose="020B0502040204020203" pitchFamily="34" charset="0"/>
+              </a:rPr>
+              <a:t> </a:t>
+            </a:r>
+            <a:r>
+              <a:rPr lang="et-EE" sz="2800" dirty="0" err="1">
+                <a:latin typeface="Segoe UI Historic" panose="020B0502040204020203" pitchFamily="34" charset="0"/>
+                <a:ea typeface="Segoe UI Historic" panose="020B0502040204020203" pitchFamily="34" charset="0"/>
+                <a:cs typeface="Segoe UI Historic" panose="020B0502040204020203" pitchFamily="34" charset="0"/>
+              </a:rPr>
+              <a:t>be</a:t>
+            </a:r>
+            <a:r>
+              <a:rPr lang="et-EE" sz="2800" dirty="0">
+                <a:latin typeface="Segoe UI Historic" panose="020B0502040204020203" pitchFamily="34" charset="0"/>
+                <a:ea typeface="Segoe UI Historic" panose="020B0502040204020203" pitchFamily="34" charset="0"/>
+                <a:cs typeface="Segoe UI Historic" panose="020B0502040204020203" pitchFamily="34" charset="0"/>
+              </a:rPr>
+              <a:t> </a:t>
+            </a:r>
+            <a:r>
+              <a:rPr lang="et-EE" sz="2800" dirty="0" err="1">
+                <a:latin typeface="Segoe UI Historic" panose="020B0502040204020203" pitchFamily="34" charset="0"/>
+                <a:ea typeface="Segoe UI Historic" panose="020B0502040204020203" pitchFamily="34" charset="0"/>
+                <a:cs typeface="Segoe UI Historic" panose="020B0502040204020203" pitchFamily="34" charset="0"/>
+              </a:rPr>
+              <a:t>approached</a:t>
+            </a:r>
+            <a:r>
+              <a:rPr lang="et-EE" sz="2800" dirty="0">
+                <a:latin typeface="Segoe UI Historic" panose="020B0502040204020203" pitchFamily="34" charset="0"/>
+                <a:ea typeface="Segoe UI Historic" panose="020B0502040204020203" pitchFamily="34" charset="0"/>
+                <a:cs typeface="Segoe UI Historic" panose="020B0502040204020203" pitchFamily="34" charset="0"/>
+              </a:rPr>
+              <a:t> </a:t>
+            </a:r>
+            <a:r>
+              <a:rPr lang="en-US" sz="2800" dirty="0" err="1">
+                <a:latin typeface="Segoe UI Historic" panose="020B0502040204020203" pitchFamily="34" charset="0"/>
+                <a:ea typeface="Segoe UI Historic" panose="020B0502040204020203" pitchFamily="34" charset="0"/>
+                <a:cs typeface="Segoe UI Historic" panose="020B0502040204020203" pitchFamily="34" charset="0"/>
+              </a:rPr>
+              <a:t>togheter</a:t>
+            </a:r>
+            <a:r>
+              <a:rPr lang="en-US" sz="2800" dirty="0">
+                <a:latin typeface="Segoe UI Historic" panose="020B0502040204020203" pitchFamily="34" charset="0"/>
+                <a:ea typeface="Segoe UI Historic" panose="020B0502040204020203" pitchFamily="34" charset="0"/>
+                <a:cs typeface="Segoe UI Historic" panose="020B0502040204020203" pitchFamily="34" charset="0"/>
+              </a:rPr>
+              <a:t> </a:t>
+            </a:r>
+            <a:r>
+              <a:rPr lang="et-EE" sz="2800" dirty="0" err="1">
+                <a:latin typeface="Segoe UI Historic" panose="020B0502040204020203" pitchFamily="34" charset="0"/>
+                <a:ea typeface="Segoe UI Historic" panose="020B0502040204020203" pitchFamily="34" charset="0"/>
+                <a:cs typeface="Segoe UI Historic" panose="020B0502040204020203" pitchFamily="34" charset="0"/>
+              </a:rPr>
+              <a:t>with</a:t>
+            </a:r>
+            <a:r>
+              <a:rPr lang="et-EE" sz="2800" dirty="0">
+                <a:latin typeface="Segoe UI Historic" panose="020B0502040204020203" pitchFamily="34" charset="0"/>
+                <a:ea typeface="Segoe UI Historic" panose="020B0502040204020203" pitchFamily="34" charset="0"/>
+                <a:cs typeface="Segoe UI Historic" panose="020B0502040204020203" pitchFamily="34" charset="0"/>
+              </a:rPr>
+              <a:t> </a:t>
+            </a:r>
+            <a:r>
+              <a:rPr lang="et-EE" sz="2800" dirty="0" err="1">
+                <a:latin typeface="Segoe UI Historic" panose="020B0502040204020203" pitchFamily="34" charset="0"/>
+                <a:ea typeface="Segoe UI Historic" panose="020B0502040204020203" pitchFamily="34" charset="0"/>
+                <a:cs typeface="Segoe UI Historic" panose="020B0502040204020203" pitchFamily="34" charset="0"/>
+              </a:rPr>
+              <a:t>knowledge</a:t>
+            </a:r>
+            <a:r>
+              <a:rPr lang="et-EE" sz="2800" dirty="0">
+                <a:latin typeface="Segoe UI Historic" panose="020B0502040204020203" pitchFamily="34" charset="0"/>
+                <a:ea typeface="Segoe UI Historic" panose="020B0502040204020203" pitchFamily="34" charset="0"/>
+                <a:cs typeface="Segoe UI Historic" panose="020B0502040204020203" pitchFamily="34" charset="0"/>
+              </a:rPr>
+              <a:t> </a:t>
+            </a:r>
+            <a:r>
+              <a:rPr lang="et-EE" sz="2800" dirty="0" err="1">
+                <a:latin typeface="Segoe UI Historic" panose="020B0502040204020203" pitchFamily="34" charset="0"/>
+                <a:ea typeface="Segoe UI Historic" panose="020B0502040204020203" pitchFamily="34" charset="0"/>
+                <a:cs typeface="Segoe UI Historic" panose="020B0502040204020203" pitchFamily="34" charset="0"/>
+              </a:rPr>
+              <a:t>about</a:t>
+            </a:r>
+            <a:r>
+              <a:rPr lang="et-EE" sz="2800" dirty="0">
+                <a:latin typeface="Segoe UI Historic" panose="020B0502040204020203" pitchFamily="34" charset="0"/>
+                <a:ea typeface="Segoe UI Historic" panose="020B0502040204020203" pitchFamily="34" charset="0"/>
+                <a:cs typeface="Segoe UI Historic" panose="020B0502040204020203" pitchFamily="34" charset="0"/>
+              </a:rPr>
+              <a:t> </a:t>
+            </a:r>
+            <a:r>
+              <a:rPr lang="et-EE" sz="2800" dirty="0" err="1">
+                <a:latin typeface="Segoe UI Historic" panose="020B0502040204020203" pitchFamily="34" charset="0"/>
+                <a:ea typeface="Segoe UI Historic" panose="020B0502040204020203" pitchFamily="34" charset="0"/>
+                <a:cs typeface="Segoe UI Historic" panose="020B0502040204020203" pitchFamily="34" charset="0"/>
+              </a:rPr>
+              <a:t>the</a:t>
+            </a:r>
+            <a:r>
+              <a:rPr lang="et-EE" sz="2800" dirty="0">
+                <a:latin typeface="Segoe UI Historic" panose="020B0502040204020203" pitchFamily="34" charset="0"/>
+                <a:ea typeface="Segoe UI Historic" panose="020B0502040204020203" pitchFamily="34" charset="0"/>
+                <a:cs typeface="Segoe UI Historic" panose="020B0502040204020203" pitchFamily="34" charset="0"/>
+              </a:rPr>
+              <a:t> </a:t>
+            </a:r>
+            <a:r>
+              <a:rPr lang="et-EE" sz="2800" dirty="0" err="1">
+                <a:latin typeface="Segoe UI Historic" panose="020B0502040204020203" pitchFamily="34" charset="0"/>
+                <a:ea typeface="Segoe UI Historic" panose="020B0502040204020203" pitchFamily="34" charset="0"/>
+                <a:cs typeface="Segoe UI Historic" panose="020B0502040204020203" pitchFamily="34" charset="0"/>
+              </a:rPr>
+              <a:t>field</a:t>
+            </a:r>
+            <a:r>
+              <a:rPr lang="et-EE" sz="2800" dirty="0">
+                <a:latin typeface="Segoe UI Historic" panose="020B0502040204020203" pitchFamily="34" charset="0"/>
+                <a:ea typeface="Segoe UI Historic" panose="020B0502040204020203" pitchFamily="34" charset="0"/>
+                <a:cs typeface="Segoe UI Historic" panose="020B0502040204020203" pitchFamily="34" charset="0"/>
+              </a:rPr>
+              <a:t> </a:t>
+            </a:r>
+            <a:r>
+              <a:rPr lang="et-EE" sz="2800" dirty="0" err="1">
+                <a:latin typeface="Segoe UI Historic" panose="020B0502040204020203" pitchFamily="34" charset="0"/>
+                <a:ea typeface="Segoe UI Historic" panose="020B0502040204020203" pitchFamily="34" charset="0"/>
+                <a:cs typeface="Segoe UI Historic" panose="020B0502040204020203" pitchFamily="34" charset="0"/>
+              </a:rPr>
+              <a:t>itself</a:t>
+            </a:r>
+            <a:r>
+              <a:rPr lang="et-EE" sz="2800" dirty="0">
+                <a:latin typeface="Segoe UI Historic" panose="020B0502040204020203" pitchFamily="34" charset="0"/>
+                <a:ea typeface="Segoe UI Historic" panose="020B0502040204020203" pitchFamily="34" charset="0"/>
+                <a:cs typeface="Segoe UI Historic" panose="020B0502040204020203" pitchFamily="34" charset="0"/>
+              </a:rPr>
+              <a:t>, </a:t>
+            </a:r>
+            <a:r>
+              <a:rPr lang="et-EE" sz="2800" dirty="0" err="1">
+                <a:latin typeface="Segoe UI Historic" panose="020B0502040204020203" pitchFamily="34" charset="0"/>
+                <a:ea typeface="Segoe UI Historic" panose="020B0502040204020203" pitchFamily="34" charset="0"/>
+                <a:cs typeface="Segoe UI Historic" panose="020B0502040204020203" pitchFamily="34" charset="0"/>
+              </a:rPr>
+              <a:t>not</a:t>
+            </a:r>
+            <a:r>
+              <a:rPr lang="et-EE" sz="2800" dirty="0">
+                <a:latin typeface="Segoe UI Historic" panose="020B0502040204020203" pitchFamily="34" charset="0"/>
+                <a:ea typeface="Segoe UI Historic" panose="020B0502040204020203" pitchFamily="34" charset="0"/>
+                <a:cs typeface="Segoe UI Historic" panose="020B0502040204020203" pitchFamily="34" charset="0"/>
+              </a:rPr>
+              <a:t> </a:t>
+            </a:r>
+            <a:r>
+              <a:rPr lang="et-EE" sz="2800" dirty="0" err="1">
+                <a:latin typeface="Segoe UI Historic" panose="020B0502040204020203" pitchFamily="34" charset="0"/>
+                <a:ea typeface="Segoe UI Historic" panose="020B0502040204020203" pitchFamily="34" charset="0"/>
+                <a:cs typeface="Segoe UI Historic" panose="020B0502040204020203" pitchFamily="34" charset="0"/>
+              </a:rPr>
+              <a:t>only</a:t>
+            </a:r>
+            <a:r>
+              <a:rPr lang="et-EE" sz="2800" dirty="0">
+                <a:latin typeface="Segoe UI Historic" panose="020B0502040204020203" pitchFamily="34" charset="0"/>
+                <a:ea typeface="Segoe UI Historic" panose="020B0502040204020203" pitchFamily="34" charset="0"/>
+                <a:cs typeface="Segoe UI Historic" panose="020B0502040204020203" pitchFamily="34" charset="0"/>
+              </a:rPr>
+              <a:t> </a:t>
+            </a:r>
+            <a:r>
+              <a:rPr lang="et-EE" sz="2800" dirty="0" err="1">
+                <a:latin typeface="Segoe UI Historic" panose="020B0502040204020203" pitchFamily="34" charset="0"/>
+                <a:ea typeface="Segoe UI Historic" panose="020B0502040204020203" pitchFamily="34" charset="0"/>
+                <a:cs typeface="Segoe UI Historic" panose="020B0502040204020203" pitchFamily="34" charset="0"/>
+              </a:rPr>
+              <a:t>about</a:t>
+            </a:r>
+            <a:r>
+              <a:rPr lang="et-EE" sz="2800" dirty="0">
+                <a:latin typeface="Segoe UI Historic" panose="020B0502040204020203" pitchFamily="34" charset="0"/>
+                <a:ea typeface="Segoe UI Historic" panose="020B0502040204020203" pitchFamily="34" charset="0"/>
+                <a:cs typeface="Segoe UI Historic" panose="020B0502040204020203" pitchFamily="34" charset="0"/>
+              </a:rPr>
+              <a:t> </a:t>
+            </a:r>
+            <a:r>
+              <a:rPr lang="et-EE" sz="2800" dirty="0" err="1">
+                <a:latin typeface="Segoe UI Historic" panose="020B0502040204020203" pitchFamily="34" charset="0"/>
+                <a:ea typeface="Segoe UI Historic" panose="020B0502040204020203" pitchFamily="34" charset="0"/>
+                <a:cs typeface="Segoe UI Historic" panose="020B0502040204020203" pitchFamily="34" charset="0"/>
+              </a:rPr>
+              <a:t>data</a:t>
+            </a:r>
+            <a:r>
+              <a:rPr lang="et-EE" sz="2800" dirty="0">
+                <a:latin typeface="Segoe UI Historic" panose="020B0502040204020203" pitchFamily="34" charset="0"/>
+                <a:ea typeface="Segoe UI Historic" panose="020B0502040204020203" pitchFamily="34" charset="0"/>
+                <a:cs typeface="Segoe UI Historic" panose="020B0502040204020203" pitchFamily="34" charset="0"/>
+              </a:rPr>
+              <a:t> </a:t>
+            </a:r>
+            <a:r>
+              <a:rPr lang="et-EE" sz="2800" dirty="0" err="1">
+                <a:latin typeface="Segoe UI Historic" panose="020B0502040204020203" pitchFamily="34" charset="0"/>
+                <a:ea typeface="Segoe UI Historic" panose="020B0502040204020203" pitchFamily="34" charset="0"/>
+                <a:cs typeface="Segoe UI Historic" panose="020B0502040204020203" pitchFamily="34" charset="0"/>
+              </a:rPr>
+              <a:t>science</a:t>
+            </a:r>
+            <a:r>
+              <a:rPr lang="et-EE" sz="2800" dirty="0">
+                <a:latin typeface="Segoe UI Historic" panose="020B0502040204020203" pitchFamily="34" charset="0"/>
+                <a:ea typeface="Segoe UI Historic" panose="020B0502040204020203" pitchFamily="34" charset="0"/>
+                <a:cs typeface="Segoe UI Historic" panose="020B0502040204020203" pitchFamily="34" charset="0"/>
+              </a:rPr>
+              <a:t>.</a:t>
+            </a:r>
+            <a:r>
+              <a:rPr lang="en-US" sz="2800" dirty="0">
+                <a:latin typeface="Segoe UI Historic" panose="020B0502040204020203" pitchFamily="34" charset="0"/>
+                <a:ea typeface="Segoe UI Historic" panose="020B0502040204020203" pitchFamily="34" charset="0"/>
+                <a:cs typeface="Segoe UI Historic" panose="020B0502040204020203" pitchFamily="34" charset="0"/>
+              </a:rPr>
+              <a:t> With more data that spans multiple years, predictive models could be potentially used to aid water testing and monitoring personnel</a:t>
             </a:r>
             <a:r>
               <a:rPr lang="en-US" sz="2800" dirty="0">
@@ -12580,1084 +13665,7 @@
                 <a:ea typeface="Open Sans" panose="020B0606030504020204" pitchFamily="34" charset="0"/>
                 <a:cs typeface="Open Sans" panose="020B0606030504020204" pitchFamily="34" charset="0"/>
               </a:rPr>
-              <a:t>methods</a:t>
-            </a:r>
-            <a:r>
-              <a:rPr lang="et-EE" sz="2800" dirty="0">
-                <a:latin typeface="Titillium Web" panose="00000500000000000000" pitchFamily="2" charset="0"/>
-                <a:ea typeface="Open Sans" panose="020B0606030504020204" pitchFamily="34" charset="0"/>
-                <a:cs typeface="Open Sans" panose="020B0606030504020204" pitchFamily="34" charset="0"/>
-              </a:rPr>
-              <a:t> and </a:t>
-            </a:r>
-            <a:r>
-              <a:rPr lang="et-EE" sz="2800" dirty="0" err="1">
-                <a:latin typeface="Titillium Web" panose="00000500000000000000" pitchFamily="2" charset="0"/>
-                <a:ea typeface="Open Sans" panose="020B0606030504020204" pitchFamily="34" charset="0"/>
-                <a:cs typeface="Open Sans" panose="020B0606030504020204" pitchFamily="34" charset="0"/>
-              </a:rPr>
-              <a:t>none</a:t>
-            </a:r>
-            <a:r>
-              <a:rPr lang="et-EE" sz="2800" dirty="0">
-                <a:latin typeface="Titillium Web" panose="00000500000000000000" pitchFamily="2" charset="0"/>
-                <a:ea typeface="Open Sans" panose="020B0606030504020204" pitchFamily="34" charset="0"/>
-                <a:cs typeface="Open Sans" panose="020B0606030504020204" pitchFamily="34" charset="0"/>
-              </a:rPr>
-              <a:t> of </a:t>
-            </a:r>
-            <a:r>
-              <a:rPr lang="et-EE" sz="2800" dirty="0" err="1">
-                <a:latin typeface="Titillium Web" panose="00000500000000000000" pitchFamily="2" charset="0"/>
-                <a:ea typeface="Open Sans" panose="020B0606030504020204" pitchFamily="34" charset="0"/>
-                <a:cs typeface="Open Sans" panose="020B0606030504020204" pitchFamily="34" charset="0"/>
-              </a:rPr>
-              <a:t>them</a:t>
-            </a:r>
-            <a:r>
-              <a:rPr lang="et-EE" sz="2800" dirty="0">
-                <a:latin typeface="Titillium Web" panose="00000500000000000000" pitchFamily="2" charset="0"/>
-                <a:ea typeface="Open Sans" panose="020B0606030504020204" pitchFamily="34" charset="0"/>
-                <a:cs typeface="Open Sans" panose="020B0606030504020204" pitchFamily="34" charset="0"/>
-              </a:rPr>
-              <a:t> </a:t>
-            </a:r>
-            <a:r>
-              <a:rPr lang="et-EE" sz="2800" dirty="0" err="1">
-                <a:latin typeface="Titillium Web" panose="00000500000000000000" pitchFamily="2" charset="0"/>
-                <a:ea typeface="Open Sans" panose="020B0606030504020204" pitchFamily="34" charset="0"/>
-                <a:cs typeface="Open Sans" panose="020B0606030504020204" pitchFamily="34" charset="0"/>
-              </a:rPr>
-              <a:t>reached</a:t>
-            </a:r>
-            <a:r>
-              <a:rPr lang="et-EE" sz="2800" dirty="0">
-                <a:latin typeface="Titillium Web" panose="00000500000000000000" pitchFamily="2" charset="0"/>
-                <a:ea typeface="Open Sans" panose="020B0606030504020204" pitchFamily="34" charset="0"/>
-                <a:cs typeface="Open Sans" panose="020B0606030504020204" pitchFamily="34" charset="0"/>
-              </a:rPr>
-              <a:t> </a:t>
-            </a:r>
-            <a:r>
-              <a:rPr lang="et-EE" sz="2800" dirty="0" err="1">
-                <a:latin typeface="Titillium Web" panose="00000500000000000000" pitchFamily="2" charset="0"/>
-                <a:ea typeface="Open Sans" panose="020B0606030504020204" pitchFamily="34" charset="0"/>
-                <a:cs typeface="Open Sans" panose="020B0606030504020204" pitchFamily="34" charset="0"/>
-              </a:rPr>
-              <a:t>accuracy</a:t>
-            </a:r>
-            <a:r>
-              <a:rPr lang="et-EE" sz="2800" dirty="0">
-                <a:latin typeface="Titillium Web" panose="00000500000000000000" pitchFamily="2" charset="0"/>
-                <a:ea typeface="Open Sans" panose="020B0606030504020204" pitchFamily="34" charset="0"/>
-                <a:cs typeface="Open Sans" panose="020B0606030504020204" pitchFamily="34" charset="0"/>
-              </a:rPr>
-              <a:t> of 90%.</a:t>
-            </a:r>
-          </a:p>
-          <a:p>
-            <a:endParaRPr lang="et-EE" sz="2800" dirty="0">
-              <a:latin typeface="Titillium Web" panose="00000500000000000000" pitchFamily="2" charset="0"/>
-              <a:ea typeface="Open Sans" panose="020B0606030504020204" pitchFamily="34" charset="0"/>
-              <a:cs typeface="Open Sans" panose="020B0606030504020204" pitchFamily="34" charset="0"/>
-            </a:endParaRPr>
-          </a:p>
-          <a:p>
-            <a:r>
-              <a:rPr lang="et-EE" sz="2800" b="1" dirty="0">
-                <a:latin typeface="Titillium Web" panose="00000500000000000000" pitchFamily="2" charset="0"/>
-                <a:ea typeface="Open Sans" panose="020B0606030504020204" pitchFamily="34" charset="0"/>
-                <a:cs typeface="Open Sans" panose="020B0606030504020204" pitchFamily="34" charset="0"/>
-              </a:rPr>
-              <a:t>Quality </a:t>
-            </a:r>
-            <a:r>
-              <a:rPr lang="et-EE" sz="2800" b="1" dirty="0" err="1">
-                <a:latin typeface="Titillium Web" panose="00000500000000000000" pitchFamily="2" charset="0"/>
-                <a:ea typeface="Open Sans" panose="020B0606030504020204" pitchFamily="34" charset="0"/>
-                <a:cs typeface="Open Sans" panose="020B0606030504020204" pitchFamily="34" charset="0"/>
-              </a:rPr>
-              <a:t>water</a:t>
-            </a:r>
-            <a:r>
-              <a:rPr lang="et-EE" sz="2800" b="1" dirty="0">
-                <a:latin typeface="Titillium Web" panose="00000500000000000000" pitchFamily="2" charset="0"/>
-                <a:ea typeface="Open Sans" panose="020B0606030504020204" pitchFamily="34" charset="0"/>
-                <a:cs typeface="Open Sans" panose="020B0606030504020204" pitchFamily="34" charset="0"/>
-              </a:rPr>
-              <a:t> </a:t>
-            </a:r>
-            <a:r>
-              <a:rPr lang="et-EE" sz="2800" b="1" dirty="0" err="1">
-                <a:latin typeface="Titillium Web" panose="00000500000000000000" pitchFamily="2" charset="0"/>
-                <a:ea typeface="Open Sans" panose="020B0606030504020204" pitchFamily="34" charset="0"/>
-                <a:cs typeface="Open Sans" panose="020B0606030504020204" pitchFamily="34" charset="0"/>
-              </a:rPr>
-              <a:t>is</a:t>
-            </a:r>
-            <a:r>
-              <a:rPr lang="et-EE" sz="2800" b="1" dirty="0">
-                <a:latin typeface="Titillium Web" panose="00000500000000000000" pitchFamily="2" charset="0"/>
-                <a:ea typeface="Open Sans" panose="020B0606030504020204" pitchFamily="34" charset="0"/>
-                <a:cs typeface="Open Sans" panose="020B0606030504020204" pitchFamily="34" charset="0"/>
-              </a:rPr>
-              <a:t> </a:t>
-            </a:r>
-            <a:r>
-              <a:rPr lang="et-EE" sz="2800" b="1" dirty="0" err="1">
-                <a:latin typeface="Titillium Web" panose="00000500000000000000" pitchFamily="2" charset="0"/>
-                <a:ea typeface="Open Sans" panose="020B0606030504020204" pitchFamily="34" charset="0"/>
-                <a:cs typeface="Open Sans" panose="020B0606030504020204" pitchFamily="34" charset="0"/>
-              </a:rPr>
-              <a:t>the</a:t>
-            </a:r>
-            <a:r>
-              <a:rPr lang="et-EE" sz="2800" b="1" dirty="0">
-                <a:latin typeface="Titillium Web" panose="00000500000000000000" pitchFamily="2" charset="0"/>
-                <a:ea typeface="Open Sans" panose="020B0606030504020204" pitchFamily="34" charset="0"/>
-                <a:cs typeface="Open Sans" panose="020B0606030504020204" pitchFamily="34" charset="0"/>
-              </a:rPr>
-              <a:t> </a:t>
-            </a:r>
-            <a:r>
-              <a:rPr lang="et-EE" sz="2800" b="1" dirty="0" err="1">
-                <a:latin typeface="Titillium Web" panose="00000500000000000000" pitchFamily="2" charset="0"/>
-                <a:ea typeface="Open Sans" panose="020B0606030504020204" pitchFamily="34" charset="0"/>
-                <a:cs typeface="Open Sans" panose="020B0606030504020204" pitchFamily="34" charset="0"/>
-              </a:rPr>
-              <a:t>basis</a:t>
-            </a:r>
-            <a:r>
-              <a:rPr lang="et-EE" sz="2800" b="1" dirty="0">
-                <a:latin typeface="Titillium Web" panose="00000500000000000000" pitchFamily="2" charset="0"/>
-                <a:ea typeface="Open Sans" panose="020B0606030504020204" pitchFamily="34" charset="0"/>
-                <a:cs typeface="Open Sans" panose="020B0606030504020204" pitchFamily="34" charset="0"/>
-              </a:rPr>
-              <a:t> </a:t>
-            </a:r>
-            <a:r>
-              <a:rPr lang="et-EE" sz="2800" b="1" dirty="0" err="1">
-                <a:latin typeface="Titillium Web" panose="00000500000000000000" pitchFamily="2" charset="0"/>
-                <a:ea typeface="Open Sans" panose="020B0606030504020204" pitchFamily="34" charset="0"/>
-                <a:cs typeface="Open Sans" panose="020B0606030504020204" pitchFamily="34" charset="0"/>
-              </a:rPr>
-              <a:t>for</a:t>
-            </a:r>
-            <a:r>
-              <a:rPr lang="et-EE" sz="2800" b="1" dirty="0">
-                <a:latin typeface="Titillium Web" panose="00000500000000000000" pitchFamily="2" charset="0"/>
-                <a:ea typeface="Open Sans" panose="020B0606030504020204" pitchFamily="34" charset="0"/>
-                <a:cs typeface="Open Sans" panose="020B0606030504020204" pitchFamily="34" charset="0"/>
-              </a:rPr>
-              <a:t> a </a:t>
-            </a:r>
-            <a:r>
-              <a:rPr lang="et-EE" sz="2800" b="1" dirty="0" err="1">
-                <a:latin typeface="Titillium Web" panose="00000500000000000000" pitchFamily="2" charset="0"/>
-                <a:ea typeface="Open Sans" panose="020B0606030504020204" pitchFamily="34" charset="0"/>
-                <a:cs typeface="Open Sans" panose="020B0606030504020204" pitchFamily="34" charset="0"/>
-              </a:rPr>
-              <a:t>healthy</a:t>
-            </a:r>
-            <a:r>
-              <a:rPr lang="et-EE" sz="2800" b="1" dirty="0">
-                <a:latin typeface="Titillium Web" panose="00000500000000000000" pitchFamily="2" charset="0"/>
-                <a:ea typeface="Open Sans" panose="020B0606030504020204" pitchFamily="34" charset="0"/>
-                <a:cs typeface="Open Sans" panose="020B0606030504020204" pitchFamily="34" charset="0"/>
-              </a:rPr>
-              <a:t> </a:t>
-            </a:r>
-            <a:r>
-              <a:rPr lang="et-EE" sz="2800" b="1" dirty="0" err="1">
-                <a:latin typeface="Titillium Web" panose="00000500000000000000" pitchFamily="2" charset="0"/>
-                <a:ea typeface="Open Sans" panose="020B0606030504020204" pitchFamily="34" charset="0"/>
-                <a:cs typeface="Open Sans" panose="020B0606030504020204" pitchFamily="34" charset="0"/>
-              </a:rPr>
-              <a:t>lifestyle</a:t>
-            </a:r>
-            <a:r>
-              <a:rPr lang="et-EE" sz="2800" b="1" dirty="0">
-                <a:latin typeface="Titillium Web" panose="00000500000000000000" pitchFamily="2" charset="0"/>
-                <a:ea typeface="Open Sans" panose="020B0606030504020204" pitchFamily="34" charset="0"/>
-                <a:cs typeface="Open Sans" panose="020B0606030504020204" pitchFamily="34" charset="0"/>
-              </a:rPr>
-              <a:t> so </a:t>
-            </a:r>
-            <a:r>
-              <a:rPr lang="et-EE" sz="2800" b="1" dirty="0" err="1">
-                <a:latin typeface="Titillium Web" panose="00000500000000000000" pitchFamily="2" charset="0"/>
-                <a:ea typeface="Open Sans" panose="020B0606030504020204" pitchFamily="34" charset="0"/>
-                <a:cs typeface="Open Sans" panose="020B0606030504020204" pitchFamily="34" charset="0"/>
-              </a:rPr>
-              <a:t>predicting</a:t>
-            </a:r>
-            <a:r>
-              <a:rPr lang="et-EE" sz="2800" b="1" dirty="0">
-                <a:latin typeface="Titillium Web" panose="00000500000000000000" pitchFamily="2" charset="0"/>
-                <a:ea typeface="Open Sans" panose="020B0606030504020204" pitchFamily="34" charset="0"/>
-                <a:cs typeface="Open Sans" panose="020B0606030504020204" pitchFamily="34" charset="0"/>
-              </a:rPr>
-              <a:t> </a:t>
-            </a:r>
-            <a:r>
-              <a:rPr lang="et-EE" sz="2800" b="1" dirty="0" err="1">
-                <a:latin typeface="Titillium Web" panose="00000500000000000000" pitchFamily="2" charset="0"/>
-                <a:ea typeface="Open Sans" panose="020B0606030504020204" pitchFamily="34" charset="0"/>
-                <a:cs typeface="Open Sans" panose="020B0606030504020204" pitchFamily="34" charset="0"/>
-              </a:rPr>
-              <a:t>with</a:t>
-            </a:r>
-            <a:r>
-              <a:rPr lang="et-EE" sz="2800" b="1" dirty="0">
-                <a:latin typeface="Titillium Web" panose="00000500000000000000" pitchFamily="2" charset="0"/>
-                <a:ea typeface="Open Sans" panose="020B0606030504020204" pitchFamily="34" charset="0"/>
-                <a:cs typeface="Open Sans" panose="020B0606030504020204" pitchFamily="34" charset="0"/>
-              </a:rPr>
-              <a:t> 87% </a:t>
-            </a:r>
-            <a:r>
-              <a:rPr lang="et-EE" sz="2800" b="1" dirty="0" err="1">
-                <a:latin typeface="Titillium Web" panose="00000500000000000000" pitchFamily="2" charset="0"/>
-                <a:ea typeface="Open Sans" panose="020B0606030504020204" pitchFamily="34" charset="0"/>
-                <a:cs typeface="Open Sans" panose="020B0606030504020204" pitchFamily="34" charset="0"/>
-              </a:rPr>
-              <a:t>accuracy</a:t>
-            </a:r>
-            <a:r>
-              <a:rPr lang="et-EE" sz="2800" b="1" dirty="0">
-                <a:latin typeface="Titillium Web" panose="00000500000000000000" pitchFamily="2" charset="0"/>
-                <a:ea typeface="Open Sans" panose="020B0606030504020204" pitchFamily="34" charset="0"/>
-                <a:cs typeface="Open Sans" panose="020B0606030504020204" pitchFamily="34" charset="0"/>
-              </a:rPr>
-              <a:t> </a:t>
-            </a:r>
-            <a:r>
-              <a:rPr lang="et-EE" sz="2800" b="1" dirty="0" err="1">
-                <a:latin typeface="Titillium Web" panose="00000500000000000000" pitchFamily="2" charset="0"/>
-                <a:ea typeface="Open Sans" panose="020B0606030504020204" pitchFamily="34" charset="0"/>
-                <a:cs typeface="Open Sans" panose="020B0606030504020204" pitchFamily="34" charset="0"/>
-              </a:rPr>
-              <a:t>does</a:t>
-            </a:r>
-            <a:r>
-              <a:rPr lang="et-EE" sz="2800" b="1" dirty="0">
-                <a:latin typeface="Titillium Web" panose="00000500000000000000" pitchFamily="2" charset="0"/>
-                <a:ea typeface="Open Sans" panose="020B0606030504020204" pitchFamily="34" charset="0"/>
-                <a:cs typeface="Open Sans" panose="020B0606030504020204" pitchFamily="34" charset="0"/>
-              </a:rPr>
-              <a:t> </a:t>
-            </a:r>
-            <a:r>
-              <a:rPr lang="et-EE" sz="2800" b="1" dirty="0" err="1">
-                <a:latin typeface="Titillium Web" panose="00000500000000000000" pitchFamily="2" charset="0"/>
-                <a:ea typeface="Open Sans" panose="020B0606030504020204" pitchFamily="34" charset="0"/>
-                <a:cs typeface="Open Sans" panose="020B0606030504020204" pitchFamily="34" charset="0"/>
-              </a:rPr>
-              <a:t>not</a:t>
-            </a:r>
-            <a:r>
-              <a:rPr lang="et-EE" sz="2800" b="1" dirty="0">
-                <a:latin typeface="Titillium Web" panose="00000500000000000000" pitchFamily="2" charset="0"/>
-                <a:ea typeface="Open Sans" panose="020B0606030504020204" pitchFamily="34" charset="0"/>
-                <a:cs typeface="Open Sans" panose="020B0606030504020204" pitchFamily="34" charset="0"/>
-              </a:rPr>
-              <a:t> </a:t>
-            </a:r>
-            <a:r>
-              <a:rPr lang="et-EE" sz="2800" b="1" dirty="0" err="1">
-                <a:latin typeface="Titillium Web" panose="00000500000000000000" pitchFamily="2" charset="0"/>
-                <a:ea typeface="Open Sans" panose="020B0606030504020204" pitchFamily="34" charset="0"/>
-                <a:cs typeface="Open Sans" panose="020B0606030504020204" pitchFamily="34" charset="0"/>
-              </a:rPr>
-              <a:t>cut</a:t>
-            </a:r>
-            <a:r>
-              <a:rPr lang="et-EE" sz="2800" b="1" dirty="0">
-                <a:latin typeface="Titillium Web" panose="00000500000000000000" pitchFamily="2" charset="0"/>
-                <a:ea typeface="Open Sans" panose="020B0606030504020204" pitchFamily="34" charset="0"/>
-                <a:cs typeface="Open Sans" panose="020B0606030504020204" pitchFamily="34" charset="0"/>
-              </a:rPr>
-              <a:t> </a:t>
-            </a:r>
-            <a:r>
-              <a:rPr lang="et-EE" sz="2800" b="1" dirty="0" err="1">
-                <a:latin typeface="Titillium Web" panose="00000500000000000000" pitchFamily="2" charset="0"/>
-                <a:ea typeface="Open Sans" panose="020B0606030504020204" pitchFamily="34" charset="0"/>
-                <a:cs typeface="Open Sans" panose="020B0606030504020204" pitchFamily="34" charset="0"/>
-              </a:rPr>
-              <a:t>it</a:t>
-            </a:r>
-            <a:r>
-              <a:rPr lang="et-EE" sz="2800" b="1" dirty="0">
-                <a:latin typeface="Titillium Web" panose="00000500000000000000" pitchFamily="2" charset="0"/>
-                <a:ea typeface="Open Sans" panose="020B0606030504020204" pitchFamily="34" charset="0"/>
-                <a:cs typeface="Open Sans" panose="020B0606030504020204" pitchFamily="34" charset="0"/>
-              </a:rPr>
-              <a:t>. </a:t>
-            </a:r>
-            <a:r>
-              <a:rPr lang="et-EE" sz="2800" b="1" dirty="0" err="1">
-                <a:latin typeface="Titillium Web" panose="00000500000000000000" pitchFamily="2" charset="0"/>
-                <a:ea typeface="Open Sans" panose="020B0606030504020204" pitchFamily="34" charset="0"/>
-                <a:cs typeface="Open Sans" panose="020B0606030504020204" pitchFamily="34" charset="0"/>
-              </a:rPr>
-              <a:t>Therefore</a:t>
-            </a:r>
-            <a:r>
-              <a:rPr lang="et-EE" sz="2800" b="1" dirty="0">
-                <a:latin typeface="Titillium Web" panose="00000500000000000000" pitchFamily="2" charset="0"/>
-                <a:ea typeface="Open Sans" panose="020B0606030504020204" pitchFamily="34" charset="0"/>
-                <a:cs typeface="Open Sans" panose="020B0606030504020204" pitchFamily="34" charset="0"/>
-              </a:rPr>
-              <a:t> </a:t>
-            </a:r>
-            <a:r>
-              <a:rPr lang="et-EE" sz="2800" b="1" dirty="0" err="1">
-                <a:latin typeface="Titillium Web" panose="00000500000000000000" pitchFamily="2" charset="0"/>
-                <a:ea typeface="Open Sans" panose="020B0606030504020204" pitchFamily="34" charset="0"/>
-                <a:cs typeface="Open Sans" panose="020B0606030504020204" pitchFamily="34" charset="0"/>
-              </a:rPr>
-              <a:t>we</a:t>
-            </a:r>
-            <a:r>
-              <a:rPr lang="et-EE" sz="2800" b="1" dirty="0">
-                <a:latin typeface="Titillium Web" panose="00000500000000000000" pitchFamily="2" charset="0"/>
-                <a:ea typeface="Open Sans" panose="020B0606030504020204" pitchFamily="34" charset="0"/>
-                <a:cs typeface="Open Sans" panose="020B0606030504020204" pitchFamily="34" charset="0"/>
-              </a:rPr>
-              <a:t> </a:t>
-            </a:r>
-            <a:r>
-              <a:rPr lang="et-EE" sz="2800" b="1" dirty="0" err="1">
-                <a:latin typeface="Titillium Web" panose="00000500000000000000" pitchFamily="2" charset="0"/>
-                <a:ea typeface="Open Sans" panose="020B0606030504020204" pitchFamily="34" charset="0"/>
-                <a:cs typeface="Open Sans" panose="020B0606030504020204" pitchFamily="34" charset="0"/>
-              </a:rPr>
-              <a:t>say</a:t>
-            </a:r>
-            <a:r>
-              <a:rPr lang="et-EE" sz="2800" b="1" dirty="0">
-                <a:latin typeface="Titillium Web" panose="00000500000000000000" pitchFamily="2" charset="0"/>
-                <a:ea typeface="Open Sans" panose="020B0606030504020204" pitchFamily="34" charset="0"/>
-                <a:cs typeface="Open Sans" panose="020B0606030504020204" pitchFamily="34" charset="0"/>
-              </a:rPr>
-              <a:t> </a:t>
-            </a:r>
-            <a:r>
-              <a:rPr lang="et-EE" sz="2800" b="1" dirty="0" err="1">
-                <a:latin typeface="Titillium Web" panose="00000500000000000000" pitchFamily="2" charset="0"/>
-                <a:ea typeface="Open Sans" panose="020B0606030504020204" pitchFamily="34" charset="0"/>
-                <a:cs typeface="Open Sans" panose="020B0606030504020204" pitchFamily="34" charset="0"/>
-              </a:rPr>
-              <a:t>for</a:t>
-            </a:r>
-            <a:r>
-              <a:rPr lang="et-EE" sz="2800" b="1" dirty="0">
-                <a:latin typeface="Titillium Web" panose="00000500000000000000" pitchFamily="2" charset="0"/>
-                <a:ea typeface="Open Sans" panose="020B0606030504020204" pitchFamily="34" charset="0"/>
-                <a:cs typeface="Open Sans" panose="020B0606030504020204" pitchFamily="34" charset="0"/>
-              </a:rPr>
-              <a:t> </a:t>
-            </a:r>
-            <a:r>
-              <a:rPr lang="et-EE" sz="2800" b="1" dirty="0" err="1">
-                <a:latin typeface="Titillium Web" panose="00000500000000000000" pitchFamily="2" charset="0"/>
-                <a:ea typeface="Open Sans" panose="020B0606030504020204" pitchFamily="34" charset="0"/>
-                <a:cs typeface="Open Sans" panose="020B0606030504020204" pitchFamily="34" charset="0"/>
-              </a:rPr>
-              <a:t>now</a:t>
-            </a:r>
-            <a:r>
-              <a:rPr lang="et-EE" sz="2800" b="1" dirty="0">
-                <a:latin typeface="Titillium Web" panose="00000500000000000000" pitchFamily="2" charset="0"/>
-                <a:ea typeface="Open Sans" panose="020B0606030504020204" pitchFamily="34" charset="0"/>
-                <a:cs typeface="Open Sans" panose="020B0606030504020204" pitchFamily="34" charset="0"/>
-              </a:rPr>
-              <a:t> </a:t>
-            </a:r>
-            <a:r>
-              <a:rPr lang="et-EE" sz="2800" b="1" dirty="0" err="1">
-                <a:latin typeface="Titillium Web" panose="00000500000000000000" pitchFamily="2" charset="0"/>
-                <a:ea typeface="Open Sans" panose="020B0606030504020204" pitchFamily="34" charset="0"/>
-                <a:cs typeface="Open Sans" panose="020B0606030504020204" pitchFamily="34" charset="0"/>
-              </a:rPr>
-              <a:t>we</a:t>
-            </a:r>
-            <a:r>
-              <a:rPr lang="et-EE" sz="2800" b="1" dirty="0">
-                <a:latin typeface="Titillium Web" panose="00000500000000000000" pitchFamily="2" charset="0"/>
-                <a:ea typeface="Open Sans" panose="020B0606030504020204" pitchFamily="34" charset="0"/>
-                <a:cs typeface="Open Sans" panose="020B0606030504020204" pitchFamily="34" charset="0"/>
-              </a:rPr>
-              <a:t> </a:t>
-            </a:r>
-            <a:r>
-              <a:rPr lang="et-EE" sz="2800" b="1" dirty="0" err="1">
-                <a:latin typeface="Titillium Web" panose="00000500000000000000" pitchFamily="2" charset="0"/>
-                <a:ea typeface="Open Sans" panose="020B0606030504020204" pitchFamily="34" charset="0"/>
-                <a:cs typeface="Open Sans" panose="020B0606030504020204" pitchFamily="34" charset="0"/>
-              </a:rPr>
-              <a:t>should</a:t>
-            </a:r>
-            <a:r>
-              <a:rPr lang="et-EE" sz="2800" b="1" dirty="0">
-                <a:latin typeface="Titillium Web" panose="00000500000000000000" pitchFamily="2" charset="0"/>
-                <a:ea typeface="Open Sans" panose="020B0606030504020204" pitchFamily="34" charset="0"/>
-                <a:cs typeface="Open Sans" panose="020B0606030504020204" pitchFamily="34" charset="0"/>
-              </a:rPr>
-              <a:t> </a:t>
-            </a:r>
-            <a:r>
-              <a:rPr lang="et-EE" sz="2800" b="1" dirty="0" err="1">
-                <a:latin typeface="Titillium Web" panose="00000500000000000000" pitchFamily="2" charset="0"/>
-                <a:ea typeface="Open Sans" panose="020B0606030504020204" pitchFamily="34" charset="0"/>
-                <a:cs typeface="Open Sans" panose="020B0606030504020204" pitchFamily="34" charset="0"/>
-              </a:rPr>
-              <a:t>still</a:t>
-            </a:r>
-            <a:r>
-              <a:rPr lang="et-EE" sz="2800" b="1" dirty="0">
-                <a:latin typeface="Titillium Web" panose="00000500000000000000" pitchFamily="2" charset="0"/>
-                <a:ea typeface="Open Sans" panose="020B0606030504020204" pitchFamily="34" charset="0"/>
-                <a:cs typeface="Open Sans" panose="020B0606030504020204" pitchFamily="34" charset="0"/>
-              </a:rPr>
-              <a:t> </a:t>
-            </a:r>
-            <a:r>
-              <a:rPr lang="et-EE" sz="2800" b="1" dirty="0" err="1">
-                <a:latin typeface="Titillium Web" panose="00000500000000000000" pitchFamily="2" charset="0"/>
-                <a:ea typeface="Open Sans" panose="020B0606030504020204" pitchFamily="34" charset="0"/>
-                <a:cs typeface="Open Sans" panose="020B0606030504020204" pitchFamily="34" charset="0"/>
-              </a:rPr>
-              <a:t>rely</a:t>
-            </a:r>
-            <a:r>
-              <a:rPr lang="et-EE" sz="2800" b="1" dirty="0">
-                <a:latin typeface="Titillium Web" panose="00000500000000000000" pitchFamily="2" charset="0"/>
-                <a:ea typeface="Open Sans" panose="020B0606030504020204" pitchFamily="34" charset="0"/>
-                <a:cs typeface="Open Sans" panose="020B0606030504020204" pitchFamily="34" charset="0"/>
-              </a:rPr>
-              <a:t> on </a:t>
-            </a:r>
-            <a:r>
-              <a:rPr lang="et-EE" sz="2800" b="1" dirty="0" err="1">
-                <a:latin typeface="Titillium Web" panose="00000500000000000000" pitchFamily="2" charset="0"/>
-                <a:ea typeface="Open Sans" panose="020B0606030504020204" pitchFamily="34" charset="0"/>
-                <a:cs typeface="Open Sans" panose="020B0606030504020204" pitchFamily="34" charset="0"/>
-              </a:rPr>
-              <a:t>actual</a:t>
-            </a:r>
-            <a:r>
-              <a:rPr lang="et-EE" sz="2800" b="1" dirty="0">
-                <a:latin typeface="Titillium Web" panose="00000500000000000000" pitchFamily="2" charset="0"/>
-                <a:ea typeface="Open Sans" panose="020B0606030504020204" pitchFamily="34" charset="0"/>
-                <a:cs typeface="Open Sans" panose="020B0606030504020204" pitchFamily="34" charset="0"/>
-              </a:rPr>
-              <a:t> </a:t>
-            </a:r>
-            <a:r>
-              <a:rPr lang="et-EE" sz="2800" b="1" dirty="0" err="1">
-                <a:latin typeface="Titillium Web" panose="00000500000000000000" pitchFamily="2" charset="0"/>
-                <a:ea typeface="Open Sans" panose="020B0606030504020204" pitchFamily="34" charset="0"/>
-                <a:cs typeface="Open Sans" panose="020B0606030504020204" pitchFamily="34" charset="0"/>
-              </a:rPr>
-              <a:t>measurements</a:t>
-            </a:r>
-            <a:r>
-              <a:rPr lang="et-EE" sz="2800" b="1" dirty="0">
-                <a:latin typeface="Titillium Web" panose="00000500000000000000" pitchFamily="2" charset="0"/>
-                <a:ea typeface="Open Sans" panose="020B0606030504020204" pitchFamily="34" charset="0"/>
-                <a:cs typeface="Open Sans" panose="020B0606030504020204" pitchFamily="34" charset="0"/>
-              </a:rPr>
-              <a:t> </a:t>
-            </a:r>
-            <a:r>
-              <a:rPr lang="et-EE" sz="2800" b="1" dirty="0" err="1">
-                <a:latin typeface="Titillium Web" panose="00000500000000000000" pitchFamily="2" charset="0"/>
-                <a:ea typeface="Open Sans" panose="020B0606030504020204" pitchFamily="34" charset="0"/>
-                <a:cs typeface="Open Sans" panose="020B0606030504020204" pitchFamily="34" charset="0"/>
-              </a:rPr>
-              <a:t>for</a:t>
-            </a:r>
-            <a:r>
-              <a:rPr lang="et-EE" sz="2800" b="1" dirty="0">
-                <a:latin typeface="Titillium Web" panose="00000500000000000000" pitchFamily="2" charset="0"/>
-                <a:ea typeface="Open Sans" panose="020B0606030504020204" pitchFamily="34" charset="0"/>
-                <a:cs typeface="Open Sans" panose="020B0606030504020204" pitchFamily="34" charset="0"/>
-              </a:rPr>
-              <a:t> </a:t>
-            </a:r>
-            <a:r>
-              <a:rPr lang="et-EE" sz="2800" b="1" dirty="0" err="1">
-                <a:latin typeface="Titillium Web" panose="00000500000000000000" pitchFamily="2" charset="0"/>
-                <a:ea typeface="Open Sans" panose="020B0606030504020204" pitchFamily="34" charset="0"/>
-                <a:cs typeface="Open Sans" panose="020B0606030504020204" pitchFamily="34" charset="0"/>
-              </a:rPr>
-              <a:t>quality</a:t>
-            </a:r>
-            <a:r>
-              <a:rPr lang="et-EE" sz="2800" b="1" dirty="0">
-                <a:latin typeface="Titillium Web" panose="00000500000000000000" pitchFamily="2" charset="0"/>
-                <a:ea typeface="Open Sans" panose="020B0606030504020204" pitchFamily="34" charset="0"/>
-                <a:cs typeface="Open Sans" panose="020B0606030504020204" pitchFamily="34" charset="0"/>
-              </a:rPr>
-              <a:t> </a:t>
-            </a:r>
-            <a:r>
-              <a:rPr lang="et-EE" sz="2800" b="1" dirty="0" err="1">
-                <a:latin typeface="Titillium Web" panose="00000500000000000000" pitchFamily="2" charset="0"/>
-                <a:ea typeface="Open Sans" panose="020B0606030504020204" pitchFamily="34" charset="0"/>
-                <a:cs typeface="Open Sans" panose="020B0606030504020204" pitchFamily="34" charset="0"/>
-              </a:rPr>
-              <a:t>classification</a:t>
-            </a:r>
-            <a:endParaRPr lang="et-EE" sz="2800" b="1" dirty="0">
-              <a:latin typeface="Titillium Web" panose="00000500000000000000" pitchFamily="2" charset="0"/>
-              <a:ea typeface="Open Sans" panose="020B0606030504020204" pitchFamily="34" charset="0"/>
-              <a:cs typeface="Open Sans" panose="020B0606030504020204" pitchFamily="34" charset="0"/>
-            </a:endParaRPr>
-          </a:p>
-          <a:p>
-            <a:endParaRPr lang="et-EE" sz="2800" dirty="0">
-              <a:latin typeface="Titillium Web" panose="00000500000000000000" pitchFamily="2" charset="0"/>
-              <a:ea typeface="Open Sans" panose="020B0606030504020204" pitchFamily="34" charset="0"/>
-              <a:cs typeface="Open Sans" panose="020B0606030504020204" pitchFamily="34" charset="0"/>
-            </a:endParaRPr>
-          </a:p>
-          <a:p>
-            <a:r>
-              <a:rPr lang="et-EE" sz="2800" dirty="0" err="1">
-                <a:latin typeface="Titillium Web" panose="00000500000000000000" pitchFamily="2" charset="0"/>
-                <a:ea typeface="Open Sans" panose="020B0606030504020204" pitchFamily="34" charset="0"/>
-                <a:cs typeface="Open Sans" panose="020B0606030504020204" pitchFamily="34" charset="0"/>
-              </a:rPr>
-              <a:t>To</a:t>
-            </a:r>
-            <a:r>
-              <a:rPr lang="et-EE" sz="2800" dirty="0">
-                <a:latin typeface="Titillium Web" panose="00000500000000000000" pitchFamily="2" charset="0"/>
-                <a:ea typeface="Open Sans" panose="020B0606030504020204" pitchFamily="34" charset="0"/>
-                <a:cs typeface="Open Sans" panose="020B0606030504020204" pitchFamily="34" charset="0"/>
-              </a:rPr>
-              <a:t> </a:t>
-            </a:r>
-            <a:r>
-              <a:rPr lang="et-EE" sz="2800" dirty="0" err="1">
-                <a:latin typeface="Titillium Web" panose="00000500000000000000" pitchFamily="2" charset="0"/>
-                <a:ea typeface="Open Sans" panose="020B0606030504020204" pitchFamily="34" charset="0"/>
-                <a:cs typeface="Open Sans" panose="020B0606030504020204" pitchFamily="34" charset="0"/>
-              </a:rPr>
-              <a:t>predict</a:t>
-            </a:r>
-            <a:r>
-              <a:rPr lang="et-EE" sz="2800" dirty="0">
-                <a:latin typeface="Titillium Web" panose="00000500000000000000" pitchFamily="2" charset="0"/>
-                <a:ea typeface="Open Sans" panose="020B0606030504020204" pitchFamily="34" charset="0"/>
-                <a:cs typeface="Open Sans" panose="020B0606030504020204" pitchFamily="34" charset="0"/>
-              </a:rPr>
-              <a:t> </a:t>
-            </a:r>
-            <a:r>
-              <a:rPr lang="et-EE" sz="2800" dirty="0" err="1">
-                <a:latin typeface="Titillium Web" panose="00000500000000000000" pitchFamily="2" charset="0"/>
-                <a:ea typeface="Open Sans" panose="020B0606030504020204" pitchFamily="34" charset="0"/>
-                <a:cs typeface="Open Sans" panose="020B0606030504020204" pitchFamily="34" charset="0"/>
-              </a:rPr>
-              <a:t>accurately</a:t>
-            </a:r>
-            <a:r>
-              <a:rPr lang="et-EE" sz="2800" dirty="0">
-                <a:latin typeface="Titillium Web" panose="00000500000000000000" pitchFamily="2" charset="0"/>
-                <a:ea typeface="Open Sans" panose="020B0606030504020204" pitchFamily="34" charset="0"/>
-                <a:cs typeface="Open Sans" panose="020B0606030504020204" pitchFamily="34" charset="0"/>
-              </a:rPr>
-              <a:t>, </a:t>
-            </a:r>
-            <a:r>
-              <a:rPr lang="et-EE" sz="2800" dirty="0" err="1">
-                <a:latin typeface="Titillium Web" panose="00000500000000000000" pitchFamily="2" charset="0"/>
-                <a:ea typeface="Open Sans" panose="020B0606030504020204" pitchFamily="34" charset="0"/>
-                <a:cs typeface="Open Sans" panose="020B0606030504020204" pitchFamily="34" charset="0"/>
-              </a:rPr>
-              <a:t>there</a:t>
-            </a:r>
-            <a:r>
-              <a:rPr lang="et-EE" sz="2800" dirty="0">
-                <a:latin typeface="Titillium Web" panose="00000500000000000000" pitchFamily="2" charset="0"/>
-                <a:ea typeface="Open Sans" panose="020B0606030504020204" pitchFamily="34" charset="0"/>
-                <a:cs typeface="Open Sans" panose="020B0606030504020204" pitchFamily="34" charset="0"/>
-              </a:rPr>
-              <a:t> </a:t>
-            </a:r>
-            <a:r>
-              <a:rPr lang="et-EE" sz="2800" dirty="0" err="1">
-                <a:latin typeface="Titillium Web" panose="00000500000000000000" pitchFamily="2" charset="0"/>
-                <a:ea typeface="Open Sans" panose="020B0606030504020204" pitchFamily="34" charset="0"/>
-                <a:cs typeface="Open Sans" panose="020B0606030504020204" pitchFamily="34" charset="0"/>
-              </a:rPr>
-              <a:t>should</a:t>
-            </a:r>
-            <a:r>
-              <a:rPr lang="et-EE" sz="2800" dirty="0">
-                <a:latin typeface="Titillium Web" panose="00000500000000000000" pitchFamily="2" charset="0"/>
-                <a:ea typeface="Open Sans" panose="020B0606030504020204" pitchFamily="34" charset="0"/>
-                <a:cs typeface="Open Sans" panose="020B0606030504020204" pitchFamily="34" charset="0"/>
-              </a:rPr>
-              <a:t> </a:t>
-            </a:r>
-            <a:r>
-              <a:rPr lang="et-EE" sz="2800" dirty="0" err="1">
-                <a:latin typeface="Titillium Web" panose="00000500000000000000" pitchFamily="2" charset="0"/>
-                <a:ea typeface="Open Sans" panose="020B0606030504020204" pitchFamily="34" charset="0"/>
-                <a:cs typeface="Open Sans" panose="020B0606030504020204" pitchFamily="34" charset="0"/>
-              </a:rPr>
-              <a:t>be</a:t>
-            </a:r>
-            <a:r>
-              <a:rPr lang="et-EE" sz="2800" dirty="0">
-                <a:latin typeface="Titillium Web" panose="00000500000000000000" pitchFamily="2" charset="0"/>
-                <a:ea typeface="Open Sans" panose="020B0606030504020204" pitchFamily="34" charset="0"/>
-                <a:cs typeface="Open Sans" panose="020B0606030504020204" pitchFamily="34" charset="0"/>
-              </a:rPr>
-              <a:t> </a:t>
-            </a:r>
-            <a:r>
-              <a:rPr lang="et-EE" sz="2800" dirty="0" err="1">
-                <a:latin typeface="Titillium Web" panose="00000500000000000000" pitchFamily="2" charset="0"/>
-                <a:ea typeface="Open Sans" panose="020B0606030504020204" pitchFamily="34" charset="0"/>
-                <a:cs typeface="Open Sans" panose="020B0606030504020204" pitchFamily="34" charset="0"/>
-              </a:rPr>
-              <a:t>more</a:t>
-            </a:r>
-            <a:r>
-              <a:rPr lang="et-EE" sz="2800" dirty="0">
-                <a:latin typeface="Titillium Web" panose="00000500000000000000" pitchFamily="2" charset="0"/>
-                <a:ea typeface="Open Sans" panose="020B0606030504020204" pitchFamily="34" charset="0"/>
-                <a:cs typeface="Open Sans" panose="020B0606030504020204" pitchFamily="34" charset="0"/>
-              </a:rPr>
-              <a:t> </a:t>
-            </a:r>
-            <a:r>
-              <a:rPr lang="et-EE" sz="2800" dirty="0" err="1">
-                <a:latin typeface="Titillium Web" panose="00000500000000000000" pitchFamily="2" charset="0"/>
-                <a:ea typeface="Open Sans" panose="020B0606030504020204" pitchFamily="34" charset="0"/>
-                <a:cs typeface="Open Sans" panose="020B0606030504020204" pitchFamily="34" charset="0"/>
-              </a:rPr>
-              <a:t>years</a:t>
-            </a:r>
-            <a:r>
-              <a:rPr lang="et-EE" sz="2800" dirty="0">
-                <a:latin typeface="Titillium Web" panose="00000500000000000000" pitchFamily="2" charset="0"/>
-                <a:ea typeface="Open Sans" panose="020B0606030504020204" pitchFamily="34" charset="0"/>
-                <a:cs typeface="Open Sans" panose="020B0606030504020204" pitchFamily="34" charset="0"/>
-              </a:rPr>
-              <a:t> </a:t>
-            </a:r>
-            <a:r>
-              <a:rPr lang="et-EE" sz="2800" dirty="0" err="1">
-                <a:latin typeface="Titillium Web" panose="00000500000000000000" pitchFamily="2" charset="0"/>
-                <a:ea typeface="Open Sans" panose="020B0606030504020204" pitchFamily="34" charset="0"/>
-                <a:cs typeface="Open Sans" panose="020B0606030504020204" pitchFamily="34" charset="0"/>
-              </a:rPr>
-              <a:t>to</a:t>
-            </a:r>
-            <a:r>
-              <a:rPr lang="et-EE" sz="2800" dirty="0">
-                <a:latin typeface="Titillium Web" panose="00000500000000000000" pitchFamily="2" charset="0"/>
-                <a:ea typeface="Open Sans" panose="020B0606030504020204" pitchFamily="34" charset="0"/>
-                <a:cs typeface="Open Sans" panose="020B0606030504020204" pitchFamily="34" charset="0"/>
-              </a:rPr>
-              <a:t> </a:t>
-            </a:r>
-            <a:r>
-              <a:rPr lang="et-EE" sz="2800" dirty="0" err="1">
-                <a:latin typeface="Titillium Web" panose="00000500000000000000" pitchFamily="2" charset="0"/>
-                <a:ea typeface="Open Sans" panose="020B0606030504020204" pitchFamily="34" charset="0"/>
-                <a:cs typeface="Open Sans" panose="020B0606030504020204" pitchFamily="34" charset="0"/>
-              </a:rPr>
-              <a:t>predict</a:t>
-            </a:r>
-            <a:r>
-              <a:rPr lang="et-EE" sz="2800" dirty="0">
-                <a:latin typeface="Titillium Web" panose="00000500000000000000" pitchFamily="2" charset="0"/>
-                <a:ea typeface="Open Sans" panose="020B0606030504020204" pitchFamily="34" charset="0"/>
-                <a:cs typeface="Open Sans" panose="020B0606030504020204" pitchFamily="34" charset="0"/>
-              </a:rPr>
-              <a:t> </a:t>
-            </a:r>
-            <a:r>
-              <a:rPr lang="et-EE" sz="2800" dirty="0" err="1">
-                <a:latin typeface="Titillium Web" panose="00000500000000000000" pitchFamily="2" charset="0"/>
-                <a:ea typeface="Open Sans" panose="020B0606030504020204" pitchFamily="34" charset="0"/>
-                <a:cs typeface="Open Sans" panose="020B0606030504020204" pitchFamily="34" charset="0"/>
-              </a:rPr>
-              <a:t>from</a:t>
-            </a:r>
-            <a:r>
-              <a:rPr lang="et-EE" sz="2800" dirty="0">
-                <a:latin typeface="Titillium Web" panose="00000500000000000000" pitchFamily="2" charset="0"/>
-                <a:ea typeface="Open Sans" panose="020B0606030504020204" pitchFamily="34" charset="0"/>
-                <a:cs typeface="Open Sans" panose="020B0606030504020204" pitchFamily="34" charset="0"/>
-              </a:rPr>
-              <a:t>, and </a:t>
-            </a:r>
-            <a:r>
-              <a:rPr lang="et-EE" sz="2800" dirty="0" err="1">
-                <a:latin typeface="Titillium Web" panose="00000500000000000000" pitchFamily="2" charset="0"/>
-                <a:ea typeface="Open Sans" panose="020B0606030504020204" pitchFamily="34" charset="0"/>
-                <a:cs typeface="Open Sans" panose="020B0606030504020204" pitchFamily="34" charset="0"/>
-              </a:rPr>
-              <a:t>certanly</a:t>
-            </a:r>
-            <a:r>
-              <a:rPr lang="et-EE" sz="2800" dirty="0">
-                <a:latin typeface="Titillium Web" panose="00000500000000000000" pitchFamily="2" charset="0"/>
-                <a:ea typeface="Open Sans" panose="020B0606030504020204" pitchFamily="34" charset="0"/>
-                <a:cs typeface="Open Sans" panose="020B0606030504020204" pitchFamily="34" charset="0"/>
-              </a:rPr>
-              <a:t> </a:t>
-            </a:r>
-            <a:r>
-              <a:rPr lang="et-EE" sz="2800" dirty="0" err="1">
-                <a:latin typeface="Titillium Web" panose="00000500000000000000" pitchFamily="2" charset="0"/>
-                <a:ea typeface="Open Sans" panose="020B0606030504020204" pitchFamily="34" charset="0"/>
-                <a:cs typeface="Open Sans" panose="020B0606030504020204" pitchFamily="34" charset="0"/>
-              </a:rPr>
-              <a:t>less</a:t>
-            </a:r>
-            <a:r>
-              <a:rPr lang="et-EE" sz="2800" dirty="0">
-                <a:latin typeface="Titillium Web" panose="00000500000000000000" pitchFamily="2" charset="0"/>
-                <a:ea typeface="Open Sans" panose="020B0606030504020204" pitchFamily="34" charset="0"/>
-                <a:cs typeface="Open Sans" panose="020B0606030504020204" pitchFamily="34" charset="0"/>
-              </a:rPr>
-              <a:t> </a:t>
-            </a:r>
-            <a:r>
-              <a:rPr lang="et-EE" sz="2800" dirty="0" err="1">
-                <a:latin typeface="Titillium Web" panose="00000500000000000000" pitchFamily="2" charset="0"/>
-                <a:ea typeface="Open Sans" panose="020B0606030504020204" pitchFamily="34" charset="0"/>
-                <a:cs typeface="Open Sans" panose="020B0606030504020204" pitchFamily="34" charset="0"/>
-              </a:rPr>
-              <a:t>NaN</a:t>
-            </a:r>
-            <a:r>
-              <a:rPr lang="et-EE" sz="2800" dirty="0">
-                <a:latin typeface="Titillium Web" panose="00000500000000000000" pitchFamily="2" charset="0"/>
-                <a:ea typeface="Open Sans" panose="020B0606030504020204" pitchFamily="34" charset="0"/>
-                <a:cs typeface="Open Sans" panose="020B0606030504020204" pitchFamily="34" charset="0"/>
-              </a:rPr>
-              <a:t> </a:t>
-            </a:r>
-            <a:r>
-              <a:rPr lang="et-EE" sz="2800" dirty="0" err="1">
-                <a:latin typeface="Titillium Web" panose="00000500000000000000" pitchFamily="2" charset="0"/>
-                <a:ea typeface="Open Sans" panose="020B0606030504020204" pitchFamily="34" charset="0"/>
-                <a:cs typeface="Open Sans" panose="020B0606030504020204" pitchFamily="34" charset="0"/>
-              </a:rPr>
-              <a:t>values</a:t>
-            </a:r>
-            <a:r>
-              <a:rPr lang="en-US" sz="2800" dirty="0">
-                <a:latin typeface="Titillium Web" panose="00000500000000000000" pitchFamily="2" charset="0"/>
-                <a:ea typeface="Open Sans" panose="020B0606030504020204" pitchFamily="34" charset="0"/>
-                <a:cs typeface="Open Sans" panose="020B0606030504020204" pitchFamily="34" charset="0"/>
-              </a:rPr>
-              <a:t> (more measurements done regularly)</a:t>
-            </a:r>
-            <a:endParaRPr lang="et-EE" sz="2800" dirty="0">
-              <a:latin typeface="Titillium Web" panose="00000500000000000000" pitchFamily="2" charset="0"/>
-              <a:ea typeface="Open Sans" panose="020B0606030504020204" pitchFamily="34" charset="0"/>
-              <a:cs typeface="Open Sans" panose="020B0606030504020204" pitchFamily="34" charset="0"/>
-            </a:endParaRPr>
-          </a:p>
-          <a:p>
-            <a:endParaRPr lang="et-EE" sz="2800" dirty="0">
-              <a:latin typeface="Titillium Web" panose="00000500000000000000" pitchFamily="2" charset="0"/>
-              <a:ea typeface="Open Sans" panose="020B0606030504020204" pitchFamily="34" charset="0"/>
-              <a:cs typeface="Open Sans" panose="020B0606030504020204" pitchFamily="34" charset="0"/>
-            </a:endParaRPr>
-          </a:p>
-          <a:p>
-            <a:r>
-              <a:rPr lang="et-EE" sz="2800" dirty="0" err="1">
-                <a:latin typeface="Titillium Web" panose="00000500000000000000" pitchFamily="2" charset="0"/>
-                <a:ea typeface="Open Sans" panose="020B0606030504020204" pitchFamily="34" charset="0"/>
-                <a:cs typeface="Open Sans" panose="020B0606030504020204" pitchFamily="34" charset="0"/>
-              </a:rPr>
-              <a:t>This</a:t>
-            </a:r>
-            <a:r>
-              <a:rPr lang="et-EE" sz="2800" dirty="0">
-                <a:latin typeface="Titillium Web" panose="00000500000000000000" pitchFamily="2" charset="0"/>
-                <a:ea typeface="Open Sans" panose="020B0606030504020204" pitchFamily="34" charset="0"/>
-                <a:cs typeface="Open Sans" panose="020B0606030504020204" pitchFamily="34" charset="0"/>
-              </a:rPr>
-              <a:t> </a:t>
-            </a:r>
-            <a:r>
-              <a:rPr lang="et-EE" sz="2800" dirty="0" err="1">
-                <a:latin typeface="Titillium Web" panose="00000500000000000000" pitchFamily="2" charset="0"/>
-                <a:ea typeface="Open Sans" panose="020B0606030504020204" pitchFamily="34" charset="0"/>
-                <a:cs typeface="Open Sans" panose="020B0606030504020204" pitchFamily="34" charset="0"/>
-              </a:rPr>
-              <a:t>problem</a:t>
-            </a:r>
-            <a:r>
-              <a:rPr lang="et-EE" sz="2800" dirty="0">
-                <a:latin typeface="Titillium Web" panose="00000500000000000000" pitchFamily="2" charset="0"/>
-                <a:ea typeface="Open Sans" panose="020B0606030504020204" pitchFamily="34" charset="0"/>
-                <a:cs typeface="Open Sans" panose="020B0606030504020204" pitchFamily="34" charset="0"/>
-              </a:rPr>
-              <a:t> </a:t>
-            </a:r>
-            <a:r>
-              <a:rPr lang="et-EE" sz="2800" dirty="0" err="1">
-                <a:latin typeface="Titillium Web" panose="00000500000000000000" pitchFamily="2" charset="0"/>
-                <a:ea typeface="Open Sans" panose="020B0606030504020204" pitchFamily="34" charset="0"/>
-                <a:cs typeface="Open Sans" panose="020B0606030504020204" pitchFamily="34" charset="0"/>
-              </a:rPr>
-              <a:t>should</a:t>
-            </a:r>
-            <a:r>
-              <a:rPr lang="et-EE" sz="2800" dirty="0">
-                <a:latin typeface="Titillium Web" panose="00000500000000000000" pitchFamily="2" charset="0"/>
-                <a:ea typeface="Open Sans" panose="020B0606030504020204" pitchFamily="34" charset="0"/>
-                <a:cs typeface="Open Sans" panose="020B0606030504020204" pitchFamily="34" charset="0"/>
-              </a:rPr>
-              <a:t> </a:t>
-            </a:r>
-            <a:r>
-              <a:rPr lang="et-EE" sz="2800" dirty="0" err="1">
-                <a:latin typeface="Titillium Web" panose="00000500000000000000" pitchFamily="2" charset="0"/>
-                <a:ea typeface="Open Sans" panose="020B0606030504020204" pitchFamily="34" charset="0"/>
-                <a:cs typeface="Open Sans" panose="020B0606030504020204" pitchFamily="34" charset="0"/>
-              </a:rPr>
-              <a:t>be</a:t>
-            </a:r>
-            <a:r>
-              <a:rPr lang="et-EE" sz="2800" dirty="0">
-                <a:latin typeface="Titillium Web" panose="00000500000000000000" pitchFamily="2" charset="0"/>
-                <a:ea typeface="Open Sans" panose="020B0606030504020204" pitchFamily="34" charset="0"/>
-                <a:cs typeface="Open Sans" panose="020B0606030504020204" pitchFamily="34" charset="0"/>
-              </a:rPr>
-              <a:t> </a:t>
-            </a:r>
-            <a:r>
-              <a:rPr lang="et-EE" sz="2800" dirty="0" err="1">
-                <a:latin typeface="Titillium Web" panose="00000500000000000000" pitchFamily="2" charset="0"/>
-                <a:ea typeface="Open Sans" panose="020B0606030504020204" pitchFamily="34" charset="0"/>
-                <a:cs typeface="Open Sans" panose="020B0606030504020204" pitchFamily="34" charset="0"/>
-              </a:rPr>
-              <a:t>approached</a:t>
-            </a:r>
-            <a:r>
-              <a:rPr lang="et-EE" sz="2800" dirty="0">
-                <a:latin typeface="Titillium Web" panose="00000500000000000000" pitchFamily="2" charset="0"/>
-                <a:ea typeface="Open Sans" panose="020B0606030504020204" pitchFamily="34" charset="0"/>
-                <a:cs typeface="Open Sans" panose="020B0606030504020204" pitchFamily="34" charset="0"/>
-              </a:rPr>
-              <a:t> </a:t>
-            </a:r>
-            <a:r>
-              <a:rPr lang="en-US" sz="2800" dirty="0" err="1">
-                <a:latin typeface="Titillium Web" panose="00000500000000000000" pitchFamily="2" charset="0"/>
-                <a:ea typeface="Open Sans" panose="020B0606030504020204" pitchFamily="34" charset="0"/>
-                <a:cs typeface="Open Sans" panose="020B0606030504020204" pitchFamily="34" charset="0"/>
-              </a:rPr>
-              <a:t>togheter</a:t>
-            </a:r>
-            <a:r>
-              <a:rPr lang="en-US" sz="2800" dirty="0">
-                <a:latin typeface="Titillium Web" panose="00000500000000000000" pitchFamily="2" charset="0"/>
-                <a:ea typeface="Open Sans" panose="020B0606030504020204" pitchFamily="34" charset="0"/>
-                <a:cs typeface="Open Sans" panose="020B0606030504020204" pitchFamily="34" charset="0"/>
-              </a:rPr>
-              <a:t> </a:t>
-            </a:r>
-            <a:r>
-              <a:rPr lang="et-EE" sz="2800" dirty="0" err="1">
-                <a:latin typeface="Titillium Web" panose="00000500000000000000" pitchFamily="2" charset="0"/>
-                <a:ea typeface="Open Sans" panose="020B0606030504020204" pitchFamily="34" charset="0"/>
-                <a:cs typeface="Open Sans" panose="020B0606030504020204" pitchFamily="34" charset="0"/>
-              </a:rPr>
-              <a:t>with</a:t>
-            </a:r>
-            <a:r>
-              <a:rPr lang="et-EE" sz="2800" dirty="0">
-                <a:latin typeface="Titillium Web" panose="00000500000000000000" pitchFamily="2" charset="0"/>
-                <a:ea typeface="Open Sans" panose="020B0606030504020204" pitchFamily="34" charset="0"/>
-                <a:cs typeface="Open Sans" panose="020B0606030504020204" pitchFamily="34" charset="0"/>
-              </a:rPr>
-              <a:t> </a:t>
-            </a:r>
-            <a:r>
-              <a:rPr lang="et-EE" sz="2800" dirty="0" err="1">
-                <a:latin typeface="Titillium Web" panose="00000500000000000000" pitchFamily="2" charset="0"/>
-                <a:ea typeface="Open Sans" panose="020B0606030504020204" pitchFamily="34" charset="0"/>
-                <a:cs typeface="Open Sans" panose="020B0606030504020204" pitchFamily="34" charset="0"/>
-              </a:rPr>
-              <a:t>knowledge</a:t>
-            </a:r>
-            <a:r>
-              <a:rPr lang="et-EE" sz="2800" dirty="0">
-                <a:latin typeface="Titillium Web" panose="00000500000000000000" pitchFamily="2" charset="0"/>
-                <a:ea typeface="Open Sans" panose="020B0606030504020204" pitchFamily="34" charset="0"/>
-                <a:cs typeface="Open Sans" panose="020B0606030504020204" pitchFamily="34" charset="0"/>
-              </a:rPr>
-              <a:t> </a:t>
-            </a:r>
-            <a:r>
-              <a:rPr lang="et-EE" sz="2800" dirty="0" err="1">
-                <a:latin typeface="Titillium Web" panose="00000500000000000000" pitchFamily="2" charset="0"/>
-                <a:ea typeface="Open Sans" panose="020B0606030504020204" pitchFamily="34" charset="0"/>
-                <a:cs typeface="Open Sans" panose="020B0606030504020204" pitchFamily="34" charset="0"/>
-              </a:rPr>
-              <a:t>about</a:t>
-            </a:r>
-            <a:r>
-              <a:rPr lang="et-EE" sz="2800" dirty="0">
-                <a:latin typeface="Titillium Web" panose="00000500000000000000" pitchFamily="2" charset="0"/>
-                <a:ea typeface="Open Sans" panose="020B0606030504020204" pitchFamily="34" charset="0"/>
-                <a:cs typeface="Open Sans" panose="020B0606030504020204" pitchFamily="34" charset="0"/>
-              </a:rPr>
-              <a:t> </a:t>
-            </a:r>
-            <a:r>
-              <a:rPr lang="et-EE" sz="2800" dirty="0" err="1">
-                <a:latin typeface="Titillium Web" panose="00000500000000000000" pitchFamily="2" charset="0"/>
-                <a:ea typeface="Open Sans" panose="020B0606030504020204" pitchFamily="34" charset="0"/>
-                <a:cs typeface="Open Sans" panose="020B0606030504020204" pitchFamily="34" charset="0"/>
-              </a:rPr>
-              <a:t>the</a:t>
-            </a:r>
-            <a:r>
-              <a:rPr lang="et-EE" sz="2800" dirty="0">
-                <a:latin typeface="Titillium Web" panose="00000500000000000000" pitchFamily="2" charset="0"/>
-                <a:ea typeface="Open Sans" panose="020B0606030504020204" pitchFamily="34" charset="0"/>
-                <a:cs typeface="Open Sans" panose="020B0606030504020204" pitchFamily="34" charset="0"/>
-              </a:rPr>
-              <a:t> </a:t>
-            </a:r>
-            <a:r>
-              <a:rPr lang="et-EE" sz="2800" dirty="0" err="1">
-                <a:latin typeface="Titillium Web" panose="00000500000000000000" pitchFamily="2" charset="0"/>
-                <a:ea typeface="Open Sans" panose="020B0606030504020204" pitchFamily="34" charset="0"/>
-                <a:cs typeface="Open Sans" panose="020B0606030504020204" pitchFamily="34" charset="0"/>
-              </a:rPr>
-              <a:t>field</a:t>
-            </a:r>
-            <a:r>
-              <a:rPr lang="et-EE" sz="2800" dirty="0">
-                <a:latin typeface="Titillium Web" panose="00000500000000000000" pitchFamily="2" charset="0"/>
-                <a:ea typeface="Open Sans" panose="020B0606030504020204" pitchFamily="34" charset="0"/>
-                <a:cs typeface="Open Sans" panose="020B0606030504020204" pitchFamily="34" charset="0"/>
-              </a:rPr>
-              <a:t> </a:t>
-            </a:r>
-            <a:r>
-              <a:rPr lang="et-EE" sz="2800" dirty="0" err="1">
-                <a:latin typeface="Titillium Web" panose="00000500000000000000" pitchFamily="2" charset="0"/>
-                <a:ea typeface="Open Sans" panose="020B0606030504020204" pitchFamily="34" charset="0"/>
-                <a:cs typeface="Open Sans" panose="020B0606030504020204" pitchFamily="34" charset="0"/>
-              </a:rPr>
-              <a:t>itself</a:t>
-            </a:r>
-            <a:r>
-              <a:rPr lang="et-EE" sz="2800" dirty="0">
-                <a:latin typeface="Titillium Web" panose="00000500000000000000" pitchFamily="2" charset="0"/>
-                <a:ea typeface="Open Sans" panose="020B0606030504020204" pitchFamily="34" charset="0"/>
-                <a:cs typeface="Open Sans" panose="020B0606030504020204" pitchFamily="34" charset="0"/>
-              </a:rPr>
-              <a:t>, </a:t>
-            </a:r>
-            <a:r>
-              <a:rPr lang="et-EE" sz="2800" dirty="0" err="1">
-                <a:latin typeface="Titillium Web" panose="00000500000000000000" pitchFamily="2" charset="0"/>
-                <a:ea typeface="Open Sans" panose="020B0606030504020204" pitchFamily="34" charset="0"/>
-                <a:cs typeface="Open Sans" panose="020B0606030504020204" pitchFamily="34" charset="0"/>
-              </a:rPr>
-              <a:t>not</a:t>
-            </a:r>
-            <a:r>
-              <a:rPr lang="et-EE" sz="2800" dirty="0">
-                <a:latin typeface="Titillium Web" panose="00000500000000000000" pitchFamily="2" charset="0"/>
-                <a:ea typeface="Open Sans" panose="020B0606030504020204" pitchFamily="34" charset="0"/>
-                <a:cs typeface="Open Sans" panose="020B0606030504020204" pitchFamily="34" charset="0"/>
-              </a:rPr>
-              <a:t> </a:t>
-            </a:r>
-            <a:r>
-              <a:rPr lang="et-EE" sz="2800" dirty="0" err="1">
-                <a:latin typeface="Titillium Web" panose="00000500000000000000" pitchFamily="2" charset="0"/>
-                <a:ea typeface="Open Sans" panose="020B0606030504020204" pitchFamily="34" charset="0"/>
-                <a:cs typeface="Open Sans" panose="020B0606030504020204" pitchFamily="34" charset="0"/>
-              </a:rPr>
-              <a:t>only</a:t>
-            </a:r>
-            <a:r>
-              <a:rPr lang="et-EE" sz="2800" dirty="0">
-                <a:latin typeface="Titillium Web" panose="00000500000000000000" pitchFamily="2" charset="0"/>
-                <a:ea typeface="Open Sans" panose="020B0606030504020204" pitchFamily="34" charset="0"/>
-                <a:cs typeface="Open Sans" panose="020B0606030504020204" pitchFamily="34" charset="0"/>
-              </a:rPr>
-              <a:t> </a:t>
-            </a:r>
-            <a:r>
-              <a:rPr lang="et-EE" sz="2800" dirty="0" err="1">
-                <a:latin typeface="Titillium Web" panose="00000500000000000000" pitchFamily="2" charset="0"/>
-                <a:ea typeface="Open Sans" panose="020B0606030504020204" pitchFamily="34" charset="0"/>
-                <a:cs typeface="Open Sans" panose="020B0606030504020204" pitchFamily="34" charset="0"/>
-              </a:rPr>
-              <a:t>about</a:t>
-            </a:r>
-            <a:r>
-              <a:rPr lang="et-EE" sz="2800" dirty="0">
-                <a:latin typeface="Titillium Web" panose="00000500000000000000" pitchFamily="2" charset="0"/>
-                <a:ea typeface="Open Sans" panose="020B0606030504020204" pitchFamily="34" charset="0"/>
-                <a:cs typeface="Open Sans" panose="020B0606030504020204" pitchFamily="34" charset="0"/>
-              </a:rPr>
-              <a:t> </a:t>
-            </a:r>
-            <a:r>
-              <a:rPr lang="et-EE" sz="2800" dirty="0" err="1">
-                <a:latin typeface="Titillium Web" panose="00000500000000000000" pitchFamily="2" charset="0"/>
-                <a:ea typeface="Open Sans" panose="020B0606030504020204" pitchFamily="34" charset="0"/>
-                <a:cs typeface="Open Sans" panose="020B0606030504020204" pitchFamily="34" charset="0"/>
-              </a:rPr>
-              <a:t>data</a:t>
-            </a:r>
-            <a:r>
-              <a:rPr lang="et-EE" sz="2800" dirty="0">
-                <a:latin typeface="Titillium Web" panose="00000500000000000000" pitchFamily="2" charset="0"/>
-                <a:ea typeface="Open Sans" panose="020B0606030504020204" pitchFamily="34" charset="0"/>
-                <a:cs typeface="Open Sans" panose="020B0606030504020204" pitchFamily="34" charset="0"/>
-              </a:rPr>
-              <a:t> </a:t>
-            </a:r>
-            <a:r>
-              <a:rPr lang="et-EE" sz="2800" dirty="0" err="1">
-                <a:latin typeface="Titillium Web" panose="00000500000000000000" pitchFamily="2" charset="0"/>
-                <a:ea typeface="Open Sans" panose="020B0606030504020204" pitchFamily="34" charset="0"/>
-                <a:cs typeface="Open Sans" panose="020B0606030504020204" pitchFamily="34" charset="0"/>
-              </a:rPr>
-              <a:t>science</a:t>
-            </a:r>
-            <a:r>
-              <a:rPr lang="et-EE" sz="2800" dirty="0">
-                <a:latin typeface="Titillium Web" panose="00000500000000000000" pitchFamily="2" charset="0"/>
-                <a:ea typeface="Open Sans" panose="020B0606030504020204" pitchFamily="34" charset="0"/>
-                <a:cs typeface="Open Sans" panose="020B0606030504020204" pitchFamily="34" charset="0"/>
-              </a:rPr>
               <a:t>.</a:t>
-            </a:r>
-            <a:r>
-              <a:rPr lang="en-US" sz="2800" dirty="0">
-                <a:latin typeface="Titillium Web" panose="00000500000000000000" pitchFamily="2" charset="0"/>
-                <a:ea typeface="Open Sans" panose="020B0606030504020204" pitchFamily="34" charset="0"/>
-                <a:cs typeface="Open Sans" panose="020B0606030504020204" pitchFamily="34" charset="0"/>
-              </a:rPr>
-              <a:t> With more data that spans multiple years, predictive models could be potentially used to aid water testing and monitoring personnel.</a:t>
             </a:r>
             <a:endParaRPr lang="et-EE" sz="2800" dirty="0">
               <a:latin typeface="Titillium Web" panose="00000500000000000000" pitchFamily="2" charset="0"/>
@@ -13858,7 +13866,9 @@
             </a:r>
             <a:r>
               <a:rPr lang="et-EE" sz="2800" dirty="0" err="1">
-                <a:latin typeface="Titillium Web" panose="00000500000000000000" pitchFamily="2" charset="-70"/>
+                <a:latin typeface="Segoe UI Historic" panose="020B0502040204020203" pitchFamily="34" charset="0"/>
+                <a:ea typeface="Segoe UI Historic" panose="020B0502040204020203" pitchFamily="34" charset="0"/>
+                <a:cs typeface="Segoe UI Historic" panose="020B0502040204020203" pitchFamily="34" charset="0"/>
               </a:rPr>
               <a:t>variable</a:t>
             </a:r>
@@ -16276,8 +16286,8 @@
         </p:nvSpPr>
         <p:spPr bwMode="auto">
           <a:xfrm>
-            <a:off x="33288743" y="10191349"/>
-            <a:ext cx="9788964" cy="2229251"/>
+            <a:off x="33288743" y="10514257"/>
+            <a:ext cx="9788964" cy="2098807"/>
           </a:xfrm>
           <a:prstGeom prst="roundRect">
             <a:avLst/>
